--- a/DeepLearningStudy/4. 수치해석.pptx
+++ b/DeepLearningStudy/4. 수치해석.pptx
@@ -5,7 +5,7 @@
     <p:sldMasterId id="2147483653" r:id="rId1"/>
   </p:sldMasterIdLst>
   <p:notesMasterIdLst>
-    <p:notesMasterId r:id="rId11"/>
+    <p:notesMasterId r:id="rId18"/>
   </p:notesMasterIdLst>
   <p:sldIdLst>
     <p:sldId id="257" r:id="rId2"/>
@@ -17,6 +17,13 @@
     <p:sldId id="282" r:id="rId8"/>
     <p:sldId id="283" r:id="rId9"/>
     <p:sldId id="284" r:id="rId10"/>
+    <p:sldId id="285" r:id="rId11"/>
+    <p:sldId id="286" r:id="rId12"/>
+    <p:sldId id="287" r:id="rId13"/>
+    <p:sldId id="289" r:id="rId14"/>
+    <p:sldId id="288" r:id="rId15"/>
+    <p:sldId id="291" r:id="rId16"/>
+    <p:sldId id="292" r:id="rId17"/>
   </p:sldIdLst>
   <p:sldSz cx="12192000" cy="6858000"/>
   <p:notesSz cx="6858000" cy="9144000"/>
@@ -596,6 +603,940 @@
 </p:notes>
 </file>
 
+<file path=ppt/notesSlides/notesSlide10.xml><?xml version="1.0" encoding="utf-8"?>
+<p:notes xmlns:a="http://schemas.openxmlformats.org/drawingml/2006/main" xmlns:r="http://schemas.openxmlformats.org/officeDocument/2006/relationships" xmlns:p="http://schemas.openxmlformats.org/presentationml/2006/main">
+  <p:cSld>
+    <p:spTree>
+      <p:nvGrpSpPr>
+        <p:cNvPr id="1" name=""/>
+        <p:cNvGrpSpPr/>
+        <p:nvPr/>
+      </p:nvGrpSpPr>
+      <p:grpSpPr>
+        <a:xfrm>
+          <a:off x="0" y="0"/>
+          <a:ext cx="0" cy="0"/>
+          <a:chOff x="0" y="0"/>
+          <a:chExt cx="0" cy="0"/>
+        </a:xfrm>
+      </p:grpSpPr>
+      <p:sp>
+        <p:nvSpPr>
+          <p:cNvPr id="2" name="슬라이드 이미지 개체 틀 1"/>
+          <p:cNvSpPr>
+            <a:spLocks noGrp="1" noRot="1" noChangeAspect="1"/>
+          </p:cNvSpPr>
+          <p:nvPr>
+            <p:ph type="sldImg"/>
+          </p:nvPr>
+        </p:nvSpPr>
+        <p:spPr/>
+      </p:sp>
+      <p:sp>
+        <p:nvSpPr>
+          <p:cNvPr id="3" name="슬라이드 노트 개체 틀 2"/>
+          <p:cNvSpPr>
+            <a:spLocks noGrp="1"/>
+          </p:cNvSpPr>
+          <p:nvPr>
+            <p:ph type="body" idx="1"/>
+          </p:nvPr>
+        </p:nvSpPr>
+        <p:spPr/>
+        <p:txBody>
+          <a:bodyPr/>
+          <a:lstStyle/>
+          <a:p>
+            <a:r>
+              <a:rPr lang="ko-KR" altLang="en-US" dirty="0"/>
+              <a:t>미분 가능한 모든 지점에서 가장 작은 값을 가지고 있는 </a:t>
+            </a:r>
+            <a:r>
+              <a:rPr lang="en-US" altLang="ko-KR" dirty="0"/>
+              <a:t>global minimum point</a:t>
+            </a:r>
+          </a:p>
+        </p:txBody>
+      </p:sp>
+      <p:sp>
+        <p:nvSpPr>
+          <p:cNvPr id="4" name="슬라이드 번호 개체 틀 3"/>
+          <p:cNvSpPr>
+            <a:spLocks noGrp="1"/>
+          </p:cNvSpPr>
+          <p:nvPr>
+            <p:ph type="sldNum" sz="quarter" idx="5"/>
+          </p:nvPr>
+        </p:nvSpPr>
+        <p:spPr/>
+        <p:txBody>
+          <a:bodyPr/>
+          <a:lstStyle/>
+          <a:p>
+            <a:fld id="{DA275FA2-6C42-4D6B-BC32-C1F878E1B2E0}" type="slidenum">
+              <a:rPr lang="ko-KR" altLang="en-US" smtClean="0"/>
+              <a:t>12</a:t>
+            </a:fld>
+            <a:endParaRPr lang="ko-KR" altLang="en-US"/>
+          </a:p>
+        </p:txBody>
+      </p:sp>
+    </p:spTree>
+    <p:extLst>
+      <p:ext uri="{BB962C8B-B14F-4D97-AF65-F5344CB8AC3E}">
+        <p14:creationId xmlns:p14="http://schemas.microsoft.com/office/powerpoint/2010/main" val="2879546491"/>
+      </p:ext>
+    </p:extLst>
+  </p:cSld>
+  <p:clrMapOvr>
+    <a:masterClrMapping/>
+  </p:clrMapOvr>
+</p:notes>
+</file>
+
+<file path=ppt/notesSlides/notesSlide11.xml><?xml version="1.0" encoding="utf-8"?>
+<p:notes xmlns:a="http://schemas.openxmlformats.org/drawingml/2006/main" xmlns:r="http://schemas.openxmlformats.org/officeDocument/2006/relationships" xmlns:p="http://schemas.openxmlformats.org/presentationml/2006/main">
+  <p:cSld>
+    <p:spTree>
+      <p:nvGrpSpPr>
+        <p:cNvPr id="1" name=""/>
+        <p:cNvGrpSpPr/>
+        <p:nvPr/>
+      </p:nvGrpSpPr>
+      <p:grpSpPr>
+        <a:xfrm>
+          <a:off x="0" y="0"/>
+          <a:ext cx="0" cy="0"/>
+          <a:chOff x="0" y="0"/>
+          <a:chExt cx="0" cy="0"/>
+        </a:xfrm>
+      </p:grpSpPr>
+      <p:sp>
+        <p:nvSpPr>
+          <p:cNvPr id="2" name="슬라이드 이미지 개체 틀 1"/>
+          <p:cNvSpPr>
+            <a:spLocks noGrp="1" noRot="1" noChangeAspect="1"/>
+          </p:cNvSpPr>
+          <p:nvPr>
+            <p:ph type="sldImg"/>
+          </p:nvPr>
+        </p:nvSpPr>
+        <p:spPr/>
+      </p:sp>
+      <p:sp>
+        <p:nvSpPr>
+          <p:cNvPr id="3" name="슬라이드 노트 개체 틀 2"/>
+          <p:cNvSpPr>
+            <a:spLocks noGrp="1"/>
+          </p:cNvSpPr>
+          <p:nvPr>
+            <p:ph type="body" idx="1"/>
+          </p:nvPr>
+        </p:nvSpPr>
+        <p:spPr/>
+        <p:txBody>
+          <a:bodyPr/>
+          <a:lstStyle/>
+          <a:p>
+            <a:r>
+              <a:rPr lang="ko-KR" altLang="en-US" dirty="0"/>
+              <a:t>다변수함수에서 </a:t>
+            </a:r>
+            <a:r>
+              <a:rPr lang="ko-KR" altLang="en-US" dirty="0" err="1"/>
+              <a:t>경사하강법은</a:t>
+            </a:r>
+            <a:endParaRPr lang="en-US" altLang="ko-KR" dirty="0"/>
+          </a:p>
+          <a:p>
+            <a:r>
+              <a:rPr lang="ko-KR" altLang="en-US" dirty="0" err="1"/>
+              <a:t>그레디언트와</a:t>
+            </a:r>
+            <a:r>
+              <a:rPr lang="ko-KR" altLang="en-US" dirty="0"/>
+              <a:t> </a:t>
+            </a:r>
+            <a:r>
+              <a:rPr lang="ko-KR" altLang="en-US" dirty="0" err="1"/>
+              <a:t>방향도함수</a:t>
+            </a:r>
+            <a:r>
+              <a:rPr lang="ko-KR" altLang="en-US" dirty="0"/>
+              <a:t> 개념을 사용한다</a:t>
+            </a:r>
+            <a:r>
+              <a:rPr lang="en-US" altLang="ko-KR" dirty="0"/>
+              <a:t>.</a:t>
+            </a:r>
+          </a:p>
+          <a:p>
+            <a:endParaRPr lang="en-US" altLang="ko-KR" dirty="0"/>
+          </a:p>
+          <a:p>
+            <a:r>
+              <a:rPr lang="ko-KR" altLang="en-US" dirty="0" err="1"/>
+              <a:t>그레디언트는</a:t>
+            </a:r>
+            <a:r>
+              <a:rPr lang="ko-KR" altLang="en-US" dirty="0"/>
+              <a:t> 함수에 </a:t>
+            </a:r>
+            <a:r>
+              <a:rPr lang="ko-KR" altLang="en-US" dirty="0" err="1"/>
+              <a:t>편미분을</a:t>
+            </a:r>
+            <a:r>
+              <a:rPr lang="ko-KR" altLang="en-US" dirty="0"/>
+              <a:t> 적용하여 얻을 수 있다</a:t>
+            </a:r>
+            <a:r>
+              <a:rPr lang="en-US" altLang="ko-KR" dirty="0"/>
+              <a:t>.</a:t>
+            </a:r>
+          </a:p>
+          <a:p>
+            <a:r>
+              <a:rPr lang="en-US" altLang="ko-KR" dirty="0"/>
+              <a:t> </a:t>
+            </a:r>
+            <a:r>
+              <a:rPr lang="ko-KR" altLang="en-US" dirty="0"/>
+              <a:t>또한 </a:t>
+            </a:r>
+            <a:r>
+              <a:rPr lang="ko-KR" altLang="en-US" dirty="0" err="1"/>
+              <a:t>방향도함수</a:t>
+            </a:r>
+            <a:r>
+              <a:rPr lang="ko-KR" altLang="en-US" dirty="0"/>
+              <a:t> </a:t>
+            </a:r>
+            <a:r>
+              <a:rPr lang="en-US" altLang="ko-KR" dirty="0" err="1"/>
+              <a:t>duf</a:t>
+            </a:r>
+            <a:r>
+              <a:rPr lang="ko-KR" altLang="en-US" dirty="0"/>
+              <a:t>는 </a:t>
+            </a:r>
+            <a:r>
+              <a:rPr lang="ko-KR" altLang="en-US" dirty="0" err="1"/>
+              <a:t>단위벡터인</a:t>
+            </a:r>
+            <a:r>
+              <a:rPr lang="ko-KR" altLang="en-US" dirty="0"/>
+              <a:t> 방향벡터 </a:t>
+            </a:r>
+            <a:r>
+              <a:rPr lang="en-US" altLang="ko-KR" dirty="0"/>
+              <a:t>u</a:t>
+            </a:r>
+            <a:r>
+              <a:rPr lang="ko-KR" altLang="en-US" dirty="0"/>
+              <a:t>와 </a:t>
+            </a:r>
+            <a:r>
+              <a:rPr lang="ko-KR" altLang="en-US" dirty="0" err="1"/>
+              <a:t>그레디언트의</a:t>
+            </a:r>
+            <a:r>
+              <a:rPr lang="ko-KR" altLang="en-US" dirty="0"/>
+              <a:t> 내적으로 얻을 수 있다</a:t>
+            </a:r>
+            <a:r>
+              <a:rPr lang="en-US" altLang="ko-KR" dirty="0"/>
+              <a:t>.</a:t>
+            </a:r>
+          </a:p>
+          <a:p>
+            <a:r>
+              <a:rPr lang="ko-KR" altLang="en-US" dirty="0"/>
+              <a:t>이를 다르게 </a:t>
+            </a:r>
+            <a:r>
+              <a:rPr lang="ko-KR" altLang="en-US" dirty="0" err="1"/>
+              <a:t>표햔하면</a:t>
+            </a:r>
+            <a:r>
+              <a:rPr lang="en-US" altLang="ko-KR" dirty="0"/>
+              <a:t>.. U, </a:t>
+            </a:r>
+            <a:r>
+              <a:rPr lang="ko-KR" altLang="en-US" dirty="0" err="1"/>
+              <a:t>그레디언트의</a:t>
+            </a:r>
+            <a:r>
+              <a:rPr lang="ko-KR" altLang="en-US" dirty="0"/>
+              <a:t> </a:t>
+            </a:r>
+            <a:r>
+              <a:rPr lang="ko-KR" altLang="en-US" dirty="0" err="1"/>
+              <a:t>유클리디언</a:t>
+            </a:r>
+            <a:r>
+              <a:rPr lang="ko-KR" altLang="en-US" dirty="0"/>
+              <a:t> 노름</a:t>
+            </a:r>
+            <a:r>
+              <a:rPr lang="en-US" altLang="ko-KR" dirty="0"/>
+              <a:t>, </a:t>
+            </a:r>
+            <a:r>
+              <a:rPr lang="ko-KR" altLang="en-US" dirty="0"/>
+              <a:t>두 벡터가 이루는 각도 </a:t>
+            </a:r>
+            <a:r>
+              <a:rPr lang="ko-KR" altLang="en-US" dirty="0" err="1"/>
+              <a:t>세타의</a:t>
+            </a:r>
+            <a:r>
+              <a:rPr lang="ko-KR" altLang="en-US" dirty="0"/>
+              <a:t> 곱으로 나타낼 수 있다</a:t>
+            </a:r>
+            <a:r>
+              <a:rPr lang="en-US" altLang="ko-KR" dirty="0"/>
+              <a:t>.</a:t>
+            </a:r>
+          </a:p>
+          <a:p>
+            <a:r>
+              <a:rPr lang="ko-KR" altLang="en-US" dirty="0"/>
+              <a:t>하지만 </a:t>
+            </a:r>
+            <a:r>
+              <a:rPr lang="en-US" altLang="ko-KR" dirty="0"/>
+              <a:t>u</a:t>
+            </a:r>
+            <a:r>
+              <a:rPr lang="ko-KR" altLang="en-US" dirty="0"/>
+              <a:t>는 단위벡터로 크기가 </a:t>
+            </a:r>
+            <a:r>
+              <a:rPr lang="en-US" altLang="ko-KR" dirty="0"/>
+              <a:t>1</a:t>
+            </a:r>
+            <a:r>
+              <a:rPr lang="ko-KR" altLang="en-US" dirty="0"/>
+              <a:t>이기 때문에 </a:t>
+            </a:r>
+            <a:r>
+              <a:rPr lang="ko-KR" altLang="en-US" dirty="0" err="1"/>
+              <a:t>방향도함수의</a:t>
+            </a:r>
+            <a:r>
+              <a:rPr lang="ko-KR" altLang="en-US" dirty="0"/>
+              <a:t> 크기는 </a:t>
+            </a:r>
+            <a:r>
+              <a:rPr lang="ko-KR" altLang="en-US" dirty="0" err="1"/>
+              <a:t>그레디언트의</a:t>
+            </a:r>
+            <a:r>
+              <a:rPr lang="ko-KR" altLang="en-US" dirty="0"/>
+              <a:t> 절대값으로 최대</a:t>
+            </a:r>
+            <a:r>
+              <a:rPr lang="en-US" altLang="ko-KR" dirty="0"/>
+              <a:t>, </a:t>
+            </a:r>
+            <a:r>
+              <a:rPr lang="ko-KR" altLang="en-US" dirty="0"/>
+              <a:t>최소값을 가진다</a:t>
+            </a:r>
+            <a:r>
+              <a:rPr lang="en-US" altLang="ko-KR" dirty="0"/>
+              <a:t>.</a:t>
+            </a:r>
+          </a:p>
+          <a:p>
+            <a:r>
+              <a:rPr lang="ko-KR" altLang="en-US" dirty="0"/>
+              <a:t>다시 해석하자면 </a:t>
+            </a:r>
+            <a:r>
+              <a:rPr lang="en-US" altLang="ko-KR" dirty="0"/>
+              <a:t>cos </a:t>
+            </a:r>
+            <a:r>
+              <a:rPr lang="ko-KR" altLang="en-US" dirty="0"/>
+              <a:t>값에 따라 이 값이 결정되는 것인데</a:t>
+            </a:r>
+            <a:r>
+              <a:rPr lang="en-US" altLang="ko-KR" dirty="0"/>
+              <a:t>, </a:t>
+            </a:r>
+            <a:r>
+              <a:rPr lang="ko-KR" altLang="en-US" dirty="0"/>
+              <a:t>단위벡터와 방향벡터의 방향이 </a:t>
+            </a:r>
+            <a:r>
+              <a:rPr lang="ko-KR" altLang="en-US" dirty="0" err="1"/>
+              <a:t>일치할때</a:t>
+            </a:r>
+            <a:r>
+              <a:rPr lang="ko-KR" altLang="en-US" dirty="0"/>
+              <a:t> 가장 빠르게 </a:t>
+            </a:r>
+            <a:r>
+              <a:rPr lang="ko-KR" altLang="en-US" dirty="0" err="1"/>
+              <a:t>함수값이</a:t>
+            </a:r>
+            <a:r>
+              <a:rPr lang="ko-KR" altLang="en-US" dirty="0"/>
+              <a:t> 증가하고</a:t>
+            </a:r>
+            <a:r>
+              <a:rPr lang="en-US" altLang="ko-KR" dirty="0"/>
+              <a:t>, </a:t>
+            </a:r>
+            <a:r>
+              <a:rPr lang="ko-KR" altLang="en-US" dirty="0"/>
+              <a:t>반대방향일때 가장 빠르게 감소한다는 뜻이다</a:t>
+            </a:r>
+            <a:r>
+              <a:rPr lang="en-US" altLang="ko-KR" dirty="0"/>
+              <a:t>.</a:t>
+            </a:r>
+          </a:p>
+          <a:p>
+            <a:r>
+              <a:rPr lang="ko-KR" altLang="en-US" dirty="0"/>
+              <a:t>그러면 방향벡터와 반대되는 방향으로 이동하면 </a:t>
+            </a:r>
+            <a:r>
+              <a:rPr lang="ko-KR" altLang="en-US" dirty="0" err="1"/>
+              <a:t>함수값을</a:t>
+            </a:r>
+            <a:r>
+              <a:rPr lang="ko-KR" altLang="en-US" dirty="0"/>
+              <a:t> 최소화 시킬 수 있다</a:t>
+            </a:r>
+            <a:r>
+              <a:rPr lang="en-US" altLang="ko-KR" dirty="0"/>
+              <a:t>.</a:t>
+            </a:r>
+          </a:p>
+        </p:txBody>
+      </p:sp>
+      <p:sp>
+        <p:nvSpPr>
+          <p:cNvPr id="4" name="슬라이드 번호 개체 틀 3"/>
+          <p:cNvSpPr>
+            <a:spLocks noGrp="1"/>
+          </p:cNvSpPr>
+          <p:nvPr>
+            <p:ph type="sldNum" sz="quarter" idx="5"/>
+          </p:nvPr>
+        </p:nvSpPr>
+        <p:spPr/>
+        <p:txBody>
+          <a:bodyPr/>
+          <a:lstStyle/>
+          <a:p>
+            <a:fld id="{DA275FA2-6C42-4D6B-BC32-C1F878E1B2E0}" type="slidenum">
+              <a:rPr lang="ko-KR" altLang="en-US" smtClean="0"/>
+              <a:t>13</a:t>
+            </a:fld>
+            <a:endParaRPr lang="ko-KR" altLang="en-US"/>
+          </a:p>
+        </p:txBody>
+      </p:sp>
+    </p:spTree>
+    <p:extLst>
+      <p:ext uri="{BB962C8B-B14F-4D97-AF65-F5344CB8AC3E}">
+        <p14:creationId xmlns:p14="http://schemas.microsoft.com/office/powerpoint/2010/main" val="2060501635"/>
+      </p:ext>
+    </p:extLst>
+  </p:cSld>
+  <p:clrMapOvr>
+    <a:masterClrMapping/>
+  </p:clrMapOvr>
+</p:notes>
+</file>
+
+<file path=ppt/notesSlides/notesSlide12.xml><?xml version="1.0" encoding="utf-8"?>
+<p:notes xmlns:a="http://schemas.openxmlformats.org/drawingml/2006/main" xmlns:r="http://schemas.openxmlformats.org/officeDocument/2006/relationships" xmlns:p="http://schemas.openxmlformats.org/presentationml/2006/main">
+  <p:cSld>
+    <p:spTree>
+      <p:nvGrpSpPr>
+        <p:cNvPr id="1" name=""/>
+        <p:cNvGrpSpPr/>
+        <p:nvPr/>
+      </p:nvGrpSpPr>
+      <p:grpSpPr>
+        <a:xfrm>
+          <a:off x="0" y="0"/>
+          <a:ext cx="0" cy="0"/>
+          <a:chOff x="0" y="0"/>
+          <a:chExt cx="0" cy="0"/>
+        </a:xfrm>
+      </p:grpSpPr>
+      <p:sp>
+        <p:nvSpPr>
+          <p:cNvPr id="2" name="슬라이드 이미지 개체 틀 1"/>
+          <p:cNvSpPr>
+            <a:spLocks noGrp="1" noRot="1" noChangeAspect="1"/>
+          </p:cNvSpPr>
+          <p:nvPr>
+            <p:ph type="sldImg"/>
+          </p:nvPr>
+        </p:nvSpPr>
+        <p:spPr/>
+      </p:sp>
+      <p:sp>
+        <p:nvSpPr>
+          <p:cNvPr id="3" name="슬라이드 노트 개체 틀 2"/>
+          <p:cNvSpPr>
+            <a:spLocks noGrp="1"/>
+          </p:cNvSpPr>
+          <p:nvPr>
+            <p:ph type="body" idx="1"/>
+          </p:nvPr>
+        </p:nvSpPr>
+        <p:spPr/>
+        <p:txBody>
+          <a:bodyPr/>
+          <a:lstStyle/>
+          <a:p>
+            <a:r>
+              <a:rPr lang="ko-KR" altLang="en-US" dirty="0"/>
+              <a:t>다시 해석하자면 </a:t>
+            </a:r>
+            <a:r>
+              <a:rPr lang="en-US" altLang="ko-KR" dirty="0"/>
+              <a:t>cos </a:t>
+            </a:r>
+            <a:r>
+              <a:rPr lang="ko-KR" altLang="en-US" dirty="0"/>
+              <a:t>값에 따라 이 값이 결정되는 것인데</a:t>
+            </a:r>
+            <a:r>
+              <a:rPr lang="en-US" altLang="ko-KR" dirty="0"/>
+              <a:t>, </a:t>
+            </a:r>
+            <a:r>
+              <a:rPr lang="ko-KR" altLang="en-US" dirty="0"/>
+              <a:t>단위벡터와 방향벡터의 방향이 </a:t>
+            </a:r>
+            <a:r>
+              <a:rPr lang="ko-KR" altLang="en-US" dirty="0" err="1"/>
+              <a:t>일치할때</a:t>
+            </a:r>
+            <a:r>
+              <a:rPr lang="ko-KR" altLang="en-US" dirty="0"/>
+              <a:t> 가장 빠르게 </a:t>
+            </a:r>
+            <a:r>
+              <a:rPr lang="ko-KR" altLang="en-US" dirty="0" err="1"/>
+              <a:t>함수값이</a:t>
+            </a:r>
+            <a:r>
+              <a:rPr lang="ko-KR" altLang="en-US" dirty="0"/>
+              <a:t> 증가하고</a:t>
+            </a:r>
+            <a:r>
+              <a:rPr lang="en-US" altLang="ko-KR" dirty="0"/>
+              <a:t>, </a:t>
+            </a:r>
+            <a:r>
+              <a:rPr lang="ko-KR" altLang="en-US" dirty="0"/>
+              <a:t>반대방향일때 가장 빠르게 감소한다는 뜻이다</a:t>
+            </a:r>
+            <a:r>
+              <a:rPr lang="en-US" altLang="ko-KR" dirty="0"/>
+              <a:t>.</a:t>
+            </a:r>
+          </a:p>
+          <a:p>
+            <a:r>
+              <a:rPr lang="ko-KR" altLang="en-US" dirty="0"/>
+              <a:t>그러면 방향벡터와 반대되는 방향으로 이동하면 </a:t>
+            </a:r>
+            <a:r>
+              <a:rPr lang="ko-KR" altLang="en-US" dirty="0" err="1"/>
+              <a:t>함수값을</a:t>
+            </a:r>
+            <a:r>
+              <a:rPr lang="ko-KR" altLang="en-US" dirty="0"/>
+              <a:t> 최소화 시킬 수 있다</a:t>
+            </a:r>
+            <a:r>
+              <a:rPr lang="en-US" altLang="ko-KR" dirty="0"/>
+              <a:t>. </a:t>
+            </a:r>
+          </a:p>
+          <a:p>
+            <a:r>
+              <a:rPr lang="ko-KR" altLang="en-US" dirty="0"/>
+              <a:t>이것을 </a:t>
+            </a:r>
+            <a:r>
+              <a:rPr lang="ko-KR" altLang="en-US" dirty="0" err="1"/>
+              <a:t>활용한게</a:t>
+            </a:r>
+            <a:r>
+              <a:rPr lang="ko-KR" altLang="en-US" dirty="0"/>
+              <a:t> 바로 </a:t>
+            </a:r>
+            <a:r>
+              <a:rPr lang="ko-KR" altLang="en-US" dirty="0" err="1"/>
+              <a:t>경사하강법</a:t>
+            </a:r>
+            <a:r>
+              <a:rPr lang="en-US" altLang="ko-KR" dirty="0"/>
+              <a:t>.</a:t>
+            </a:r>
+          </a:p>
+          <a:p>
+            <a:r>
+              <a:rPr lang="ko-KR" altLang="en-US" dirty="0" err="1"/>
+              <a:t>경사하강법은</a:t>
+            </a:r>
+            <a:r>
+              <a:rPr lang="ko-KR" altLang="en-US" dirty="0"/>
+              <a:t> 다음과 같이 새로운 점을 찾아가길 반복하며 최적화를 진행한다</a:t>
+            </a:r>
+            <a:r>
+              <a:rPr lang="en-US" altLang="ko-KR" dirty="0"/>
+              <a:t>.</a:t>
+            </a:r>
+          </a:p>
+          <a:p>
+            <a:r>
+              <a:rPr lang="ko-KR" altLang="en-US" dirty="0" err="1"/>
+              <a:t>앱실론은</a:t>
+            </a:r>
+            <a:r>
+              <a:rPr lang="ko-KR" altLang="en-US" dirty="0"/>
+              <a:t> </a:t>
+            </a:r>
+            <a:r>
+              <a:rPr lang="ko-KR" altLang="en-US" dirty="0" err="1"/>
+              <a:t>학습률을</a:t>
+            </a:r>
+            <a:r>
+              <a:rPr lang="ko-KR" altLang="en-US" dirty="0"/>
+              <a:t> 의미한다</a:t>
+            </a:r>
+            <a:r>
+              <a:rPr lang="en-US" altLang="ko-KR" dirty="0"/>
+              <a:t>.</a:t>
+            </a:r>
+          </a:p>
+        </p:txBody>
+      </p:sp>
+      <p:sp>
+        <p:nvSpPr>
+          <p:cNvPr id="4" name="슬라이드 번호 개체 틀 3"/>
+          <p:cNvSpPr>
+            <a:spLocks noGrp="1"/>
+          </p:cNvSpPr>
+          <p:nvPr>
+            <p:ph type="sldNum" sz="quarter" idx="5"/>
+          </p:nvPr>
+        </p:nvSpPr>
+        <p:spPr/>
+        <p:txBody>
+          <a:bodyPr/>
+          <a:lstStyle/>
+          <a:p>
+            <a:fld id="{DA275FA2-6C42-4D6B-BC32-C1F878E1B2E0}" type="slidenum">
+              <a:rPr lang="ko-KR" altLang="en-US" smtClean="0"/>
+              <a:t>14</a:t>
+            </a:fld>
+            <a:endParaRPr lang="ko-KR" altLang="en-US"/>
+          </a:p>
+        </p:txBody>
+      </p:sp>
+    </p:spTree>
+    <p:extLst>
+      <p:ext uri="{BB962C8B-B14F-4D97-AF65-F5344CB8AC3E}">
+        <p14:creationId xmlns:p14="http://schemas.microsoft.com/office/powerpoint/2010/main" val="1555737595"/>
+      </p:ext>
+    </p:extLst>
+  </p:cSld>
+  <p:clrMapOvr>
+    <a:masterClrMapping/>
+  </p:clrMapOvr>
+</p:notes>
+</file>
+
+<file path=ppt/notesSlides/notesSlide13.xml><?xml version="1.0" encoding="utf-8"?>
+<p:notes xmlns:a="http://schemas.openxmlformats.org/drawingml/2006/main" xmlns:r="http://schemas.openxmlformats.org/officeDocument/2006/relationships" xmlns:p="http://schemas.openxmlformats.org/presentationml/2006/main">
+  <p:cSld>
+    <p:spTree>
+      <p:nvGrpSpPr>
+        <p:cNvPr id="1" name=""/>
+        <p:cNvGrpSpPr/>
+        <p:nvPr/>
+      </p:nvGrpSpPr>
+      <p:grpSpPr>
+        <a:xfrm>
+          <a:off x="0" y="0"/>
+          <a:ext cx="0" cy="0"/>
+          <a:chOff x="0" y="0"/>
+          <a:chExt cx="0" cy="0"/>
+        </a:xfrm>
+      </p:grpSpPr>
+      <p:sp>
+        <p:nvSpPr>
+          <p:cNvPr id="2" name="슬라이드 이미지 개체 틀 1"/>
+          <p:cNvSpPr>
+            <a:spLocks noGrp="1" noRot="1" noChangeAspect="1"/>
+          </p:cNvSpPr>
+          <p:nvPr>
+            <p:ph type="sldImg"/>
+          </p:nvPr>
+        </p:nvSpPr>
+        <p:spPr/>
+      </p:sp>
+      <p:sp>
+        <p:nvSpPr>
+          <p:cNvPr id="3" name="슬라이드 노트 개체 틀 2"/>
+          <p:cNvSpPr>
+            <a:spLocks noGrp="1"/>
+          </p:cNvSpPr>
+          <p:nvPr>
+            <p:ph type="body" idx="1"/>
+          </p:nvPr>
+        </p:nvSpPr>
+        <p:spPr/>
+        <p:txBody>
+          <a:bodyPr/>
+          <a:lstStyle/>
+          <a:p>
+            <a:endParaRPr lang="en-US" altLang="ko-KR" dirty="0"/>
+          </a:p>
+        </p:txBody>
+      </p:sp>
+      <p:sp>
+        <p:nvSpPr>
+          <p:cNvPr id="4" name="슬라이드 번호 개체 틀 3"/>
+          <p:cNvSpPr>
+            <a:spLocks noGrp="1"/>
+          </p:cNvSpPr>
+          <p:nvPr>
+            <p:ph type="sldNum" sz="quarter" idx="5"/>
+          </p:nvPr>
+        </p:nvSpPr>
+        <p:spPr/>
+        <p:txBody>
+          <a:bodyPr/>
+          <a:lstStyle/>
+          <a:p>
+            <a:fld id="{DA275FA2-6C42-4D6B-BC32-C1F878E1B2E0}" type="slidenum">
+              <a:rPr lang="ko-KR" altLang="en-US" smtClean="0"/>
+              <a:t>15</a:t>
+            </a:fld>
+            <a:endParaRPr lang="ko-KR" altLang="en-US"/>
+          </a:p>
+        </p:txBody>
+      </p:sp>
+    </p:spTree>
+    <p:extLst>
+      <p:ext uri="{BB962C8B-B14F-4D97-AF65-F5344CB8AC3E}">
+        <p14:creationId xmlns:p14="http://schemas.microsoft.com/office/powerpoint/2010/main" val="3053084591"/>
+      </p:ext>
+    </p:extLst>
+  </p:cSld>
+  <p:clrMapOvr>
+    <a:masterClrMapping/>
+  </p:clrMapOvr>
+</p:notes>
+</file>
+
+<file path=ppt/notesSlides/notesSlide14.xml><?xml version="1.0" encoding="utf-8"?>
+<p:notes xmlns:a="http://schemas.openxmlformats.org/drawingml/2006/main" xmlns:r="http://schemas.openxmlformats.org/officeDocument/2006/relationships" xmlns:p="http://schemas.openxmlformats.org/presentationml/2006/main">
+  <p:cSld>
+    <p:spTree>
+      <p:nvGrpSpPr>
+        <p:cNvPr id="1" name=""/>
+        <p:cNvGrpSpPr/>
+        <p:nvPr/>
+      </p:nvGrpSpPr>
+      <p:grpSpPr>
+        <a:xfrm>
+          <a:off x="0" y="0"/>
+          <a:ext cx="0" cy="0"/>
+          <a:chOff x="0" y="0"/>
+          <a:chExt cx="0" cy="0"/>
+        </a:xfrm>
+      </p:grpSpPr>
+      <p:sp>
+        <p:nvSpPr>
+          <p:cNvPr id="2" name="슬라이드 이미지 개체 틀 1"/>
+          <p:cNvSpPr>
+            <a:spLocks noGrp="1" noRot="1" noChangeAspect="1"/>
+          </p:cNvSpPr>
+          <p:nvPr>
+            <p:ph type="sldImg"/>
+          </p:nvPr>
+        </p:nvSpPr>
+        <p:spPr/>
+      </p:sp>
+      <p:sp>
+        <p:nvSpPr>
+          <p:cNvPr id="3" name="슬라이드 노트 개체 틀 2"/>
+          <p:cNvSpPr>
+            <a:spLocks noGrp="1"/>
+          </p:cNvSpPr>
+          <p:nvPr>
+            <p:ph type="body" idx="1"/>
+          </p:nvPr>
+        </p:nvSpPr>
+        <p:spPr/>
+        <p:txBody>
+          <a:bodyPr/>
+          <a:lstStyle/>
+          <a:p>
+            <a:r>
+              <a:rPr lang="ko-KR" altLang="en-US" dirty="0"/>
+              <a:t>함수 </a:t>
+            </a:r>
+            <a:r>
+              <a:rPr lang="en-US" altLang="ko-KR" dirty="0" err="1"/>
+              <a:t>fx</a:t>
+            </a:r>
+            <a:r>
+              <a:rPr lang="ko-KR" altLang="en-US" dirty="0"/>
+              <a:t>를 </a:t>
+            </a:r>
+            <a:r>
+              <a:rPr lang="en-US" altLang="ko-KR" dirty="0"/>
+              <a:t>x</a:t>
+            </a:r>
+            <a:r>
+              <a:rPr lang="ko-KR" altLang="en-US" dirty="0"/>
+              <a:t>의 모든 가능한 값에 대해 최대화 또는 </a:t>
+            </a:r>
+            <a:r>
+              <a:rPr lang="ko-KR" altLang="en-US" dirty="0" err="1"/>
+              <a:t>최소화하는게</a:t>
+            </a:r>
+            <a:r>
+              <a:rPr lang="ko-KR" altLang="en-US" dirty="0"/>
+              <a:t> 아니라</a:t>
+            </a:r>
+            <a:r>
+              <a:rPr lang="en-US" altLang="ko-KR" dirty="0"/>
+              <a:t>, </a:t>
+            </a:r>
+            <a:r>
+              <a:rPr lang="ko-KR" altLang="en-US" dirty="0"/>
+              <a:t>어떤 집합 </a:t>
+            </a:r>
+            <a:r>
+              <a:rPr lang="en-US" altLang="ko-KR" dirty="0"/>
+              <a:t>S</a:t>
+            </a:r>
+            <a:r>
+              <a:rPr lang="ko-KR" altLang="en-US" dirty="0"/>
+              <a:t>에 속한 </a:t>
+            </a:r>
+            <a:r>
+              <a:rPr lang="en-US" altLang="ko-KR" dirty="0"/>
+              <a:t>x </a:t>
+            </a:r>
+            <a:r>
+              <a:rPr lang="ko-KR" altLang="en-US" dirty="0"/>
+              <a:t>값들에 대해서만 </a:t>
+            </a:r>
+            <a:r>
+              <a:rPr lang="ko-KR" altLang="en-US" dirty="0" err="1"/>
+              <a:t>옵티마이징을</a:t>
+            </a:r>
+            <a:r>
+              <a:rPr lang="ko-KR" altLang="en-US" dirty="0"/>
+              <a:t> 하고 </a:t>
+            </a:r>
+            <a:r>
+              <a:rPr lang="ko-KR" altLang="en-US" dirty="0" err="1"/>
+              <a:t>싶은거라면</a:t>
+            </a:r>
+            <a:r>
+              <a:rPr lang="en-US" altLang="ko-KR" dirty="0"/>
+              <a:t>,</a:t>
+            </a:r>
+          </a:p>
+          <a:p>
+            <a:r>
+              <a:rPr lang="ko-KR" altLang="en-US" dirty="0" err="1"/>
+              <a:t>이런것을</a:t>
+            </a:r>
+            <a:r>
+              <a:rPr lang="ko-KR" altLang="en-US" dirty="0"/>
+              <a:t> 제약 있는 최적화라고 한다</a:t>
+            </a:r>
+            <a:r>
+              <a:rPr lang="en-US" altLang="ko-KR" dirty="0"/>
+              <a:t>.</a:t>
+            </a:r>
+          </a:p>
+          <a:p>
+            <a:r>
+              <a:rPr lang="ko-KR" altLang="en-US" dirty="0"/>
+              <a:t>그리고 </a:t>
+            </a:r>
+            <a:r>
+              <a:rPr lang="en-US" altLang="ko-KR" dirty="0"/>
+              <a:t>S</a:t>
+            </a:r>
+            <a:r>
+              <a:rPr lang="ko-KR" altLang="en-US" dirty="0"/>
+              <a:t>를 실현 가능한점 </a:t>
+            </a:r>
+            <a:r>
+              <a:rPr lang="en-US" altLang="ko-KR" dirty="0"/>
+              <a:t>feasible point </a:t>
+            </a:r>
+            <a:r>
+              <a:rPr lang="ko-KR" altLang="en-US" dirty="0"/>
+              <a:t>라고 한다</a:t>
+            </a:r>
+            <a:r>
+              <a:rPr lang="en-US" altLang="ko-KR" dirty="0"/>
+              <a:t>.</a:t>
+            </a:r>
+          </a:p>
+        </p:txBody>
+      </p:sp>
+      <p:sp>
+        <p:nvSpPr>
+          <p:cNvPr id="4" name="슬라이드 번호 개체 틀 3"/>
+          <p:cNvSpPr>
+            <a:spLocks noGrp="1"/>
+          </p:cNvSpPr>
+          <p:nvPr>
+            <p:ph type="sldNum" sz="quarter" idx="5"/>
+          </p:nvPr>
+        </p:nvSpPr>
+        <p:spPr/>
+        <p:txBody>
+          <a:bodyPr/>
+          <a:lstStyle/>
+          <a:p>
+            <a:fld id="{DA275FA2-6C42-4D6B-BC32-C1F878E1B2E0}" type="slidenum">
+              <a:rPr lang="ko-KR" altLang="en-US" smtClean="0"/>
+              <a:t>16</a:t>
+            </a:fld>
+            <a:endParaRPr lang="ko-KR" altLang="en-US"/>
+          </a:p>
+        </p:txBody>
+      </p:sp>
+    </p:spTree>
+    <p:extLst>
+      <p:ext uri="{BB962C8B-B14F-4D97-AF65-F5344CB8AC3E}">
+        <p14:creationId xmlns:p14="http://schemas.microsoft.com/office/powerpoint/2010/main" val="3476556859"/>
+      </p:ext>
+    </p:extLst>
+  </p:cSld>
+  <p:clrMapOvr>
+    <a:masterClrMapping/>
+  </p:clrMapOvr>
+</p:notes>
+</file>
+
 <file path=ppt/notesSlides/notesSlide2.xml><?xml version="1.0" encoding="utf-8"?>
 <p:notes xmlns:a="http://schemas.openxmlformats.org/drawingml/2006/main" xmlns:r="http://schemas.openxmlformats.org/officeDocument/2006/relationships" xmlns:p="http://schemas.openxmlformats.org/presentationml/2006/main">
   <p:cSld>
@@ -1413,6 +2354,48 @@
             </a:r>
             <a:endParaRPr lang="en-US" altLang="ko-KR" dirty="0"/>
           </a:p>
+          <a:p>
+            <a:r>
+              <a:rPr lang="ko-KR" altLang="en-US" dirty="0" err="1"/>
+              <a:t>미분값은</a:t>
+            </a:r>
+            <a:r>
+              <a:rPr lang="ko-KR" altLang="en-US" dirty="0"/>
+              <a:t> </a:t>
+            </a:r>
+            <a:r>
+              <a:rPr lang="en-US" altLang="ko-KR" dirty="0"/>
+              <a:t>y</a:t>
+            </a:r>
+            <a:r>
+              <a:rPr lang="ko-KR" altLang="en-US" dirty="0"/>
+              <a:t>값을 작게 만들기 위해 </a:t>
+            </a:r>
+            <a:r>
+              <a:rPr lang="en-US" altLang="ko-KR" dirty="0"/>
+              <a:t>x</a:t>
+            </a:r>
+            <a:r>
+              <a:rPr lang="ko-KR" altLang="en-US" dirty="0"/>
+              <a:t>를 어떻게 변화 시켜야 하는지 알려주기 때문에</a:t>
+            </a:r>
+            <a:r>
+              <a:rPr lang="en-US" altLang="ko-KR" dirty="0"/>
+              <a:t>, </a:t>
+            </a:r>
+            <a:r>
+              <a:rPr lang="ko-KR" altLang="en-US" dirty="0" err="1"/>
+              <a:t>함수값을</a:t>
+            </a:r>
+            <a:r>
+              <a:rPr lang="ko-KR" altLang="en-US" dirty="0"/>
+              <a:t> 최소화 하는데 도움을 준다</a:t>
+            </a:r>
+            <a:r>
+              <a:rPr lang="en-US" altLang="ko-KR" dirty="0"/>
+              <a:t>.</a:t>
+            </a:r>
+          </a:p>
         </p:txBody>
       </p:sp>
       <p:sp>
@@ -1442,6 +2425,355 @@
     <p:extLst>
       <p:ext uri="{BB962C8B-B14F-4D97-AF65-F5344CB8AC3E}">
         <p14:creationId xmlns:p14="http://schemas.microsoft.com/office/powerpoint/2010/main" val="470923691"/>
+      </p:ext>
+    </p:extLst>
+  </p:cSld>
+  <p:clrMapOvr>
+    <a:masterClrMapping/>
+  </p:clrMapOvr>
+</p:notes>
+</file>
+
+<file path=ppt/notesSlides/notesSlide8.xml><?xml version="1.0" encoding="utf-8"?>
+<p:notes xmlns:a="http://schemas.openxmlformats.org/drawingml/2006/main" xmlns:r="http://schemas.openxmlformats.org/officeDocument/2006/relationships" xmlns:p="http://schemas.openxmlformats.org/presentationml/2006/main">
+  <p:cSld>
+    <p:spTree>
+      <p:nvGrpSpPr>
+        <p:cNvPr id="1" name=""/>
+        <p:cNvGrpSpPr/>
+        <p:nvPr/>
+      </p:nvGrpSpPr>
+      <p:grpSpPr>
+        <a:xfrm>
+          <a:off x="0" y="0"/>
+          <a:ext cx="0" cy="0"/>
+          <a:chOff x="0" y="0"/>
+          <a:chExt cx="0" cy="0"/>
+        </a:xfrm>
+      </p:grpSpPr>
+      <p:sp>
+        <p:nvSpPr>
+          <p:cNvPr id="2" name="슬라이드 이미지 개체 틀 1"/>
+          <p:cNvSpPr>
+            <a:spLocks noGrp="1" noRot="1" noChangeAspect="1"/>
+          </p:cNvSpPr>
+          <p:nvPr>
+            <p:ph type="sldImg"/>
+          </p:nvPr>
+        </p:nvSpPr>
+        <p:spPr/>
+      </p:sp>
+      <p:sp>
+        <p:nvSpPr>
+          <p:cNvPr id="3" name="슬라이드 노트 개체 틀 2"/>
+          <p:cNvSpPr>
+            <a:spLocks noGrp="1"/>
+          </p:cNvSpPr>
+          <p:nvPr>
+            <p:ph type="body" idx="1"/>
+          </p:nvPr>
+        </p:nvSpPr>
+        <p:spPr/>
+        <p:txBody>
+          <a:bodyPr/>
+          <a:lstStyle/>
+          <a:p>
+            <a:r>
+              <a:rPr lang="ko-KR" altLang="en-US" dirty="0"/>
+              <a:t>경사 </a:t>
+            </a:r>
+            <a:r>
+              <a:rPr lang="ko-KR" altLang="en-US" dirty="0" err="1"/>
+              <a:t>하강법</a:t>
+            </a:r>
+            <a:endParaRPr lang="en-US" altLang="ko-KR" dirty="0"/>
+          </a:p>
+          <a:p>
+            <a:endParaRPr lang="en-US" altLang="ko-KR" dirty="0"/>
+          </a:p>
+          <a:p>
+            <a:r>
+              <a:rPr lang="ko-KR" altLang="en-US" dirty="0"/>
+              <a:t>도함수가 </a:t>
+            </a:r>
+            <a:r>
+              <a:rPr lang="en-US" altLang="ko-KR" dirty="0"/>
+              <a:t>0</a:t>
+            </a:r>
+            <a:r>
+              <a:rPr lang="ko-KR" altLang="en-US" dirty="0"/>
+              <a:t>보다 크면 </a:t>
+            </a:r>
+            <a:r>
+              <a:rPr lang="en-US" altLang="ko-KR" dirty="0"/>
+              <a:t>x</a:t>
+            </a:r>
+            <a:r>
+              <a:rPr lang="ko-KR" altLang="en-US" dirty="0"/>
+              <a:t>를 왼쪽으로 이동시켜 값을 작게 만들고</a:t>
+            </a:r>
+            <a:r>
+              <a:rPr lang="en-US" altLang="ko-KR" dirty="0"/>
+              <a:t>,</a:t>
+            </a:r>
+          </a:p>
+          <a:p>
+            <a:r>
+              <a:rPr lang="ko-KR" altLang="en-US" dirty="0"/>
+              <a:t>도함수가 </a:t>
+            </a:r>
+            <a:r>
+              <a:rPr lang="en-US" altLang="ko-KR" dirty="0"/>
+              <a:t>0</a:t>
+            </a:r>
+            <a:r>
+              <a:rPr lang="ko-KR" altLang="en-US" dirty="0"/>
+              <a:t>보다 작으면 </a:t>
+            </a:r>
+            <a:r>
+              <a:rPr lang="en-US" altLang="ko-KR" dirty="0"/>
+              <a:t>x</a:t>
+            </a:r>
+            <a:r>
+              <a:rPr lang="ko-KR" altLang="en-US" dirty="0"/>
+              <a:t>를 오른쪽으로 이동시켜 값을 크게 만들고</a:t>
+            </a:r>
+            <a:r>
+              <a:rPr lang="en-US" altLang="ko-KR" dirty="0"/>
+              <a:t>..</a:t>
+            </a:r>
+          </a:p>
+          <a:p>
+            <a:r>
+              <a:rPr lang="ko-KR" altLang="en-US" dirty="0"/>
+              <a:t>우리가 알고 있는 </a:t>
+            </a:r>
+            <a:r>
+              <a:rPr lang="ko-KR" altLang="en-US" dirty="0" err="1"/>
+              <a:t>경사하강법임</a:t>
+            </a:r>
+            <a:r>
+              <a:rPr lang="ko-KR" altLang="en-US" dirty="0"/>
+              <a:t> </a:t>
+            </a:r>
+            <a:r>
+              <a:rPr lang="ko-KR" altLang="en-US" dirty="0" err="1"/>
+              <a:t>ㅇㅇ</a:t>
+            </a:r>
+            <a:endParaRPr lang="en-US" altLang="ko-KR" dirty="0"/>
+          </a:p>
+          <a:p>
+            <a:endParaRPr lang="en-US" altLang="ko-KR" dirty="0"/>
+          </a:p>
+          <a:p>
+            <a:r>
+              <a:rPr lang="ko-KR" altLang="en-US" dirty="0"/>
+              <a:t>용어 정리를 하자면</a:t>
+            </a:r>
+            <a:r>
+              <a:rPr lang="en-US" altLang="ko-KR" dirty="0"/>
+              <a:t>,</a:t>
+            </a:r>
+          </a:p>
+          <a:p>
+            <a:r>
+              <a:rPr lang="en-US" altLang="ko-KR" dirty="0"/>
+              <a:t>Critical point </a:t>
+            </a:r>
+            <a:r>
+              <a:rPr lang="ko-KR" altLang="en-US" dirty="0"/>
+              <a:t>또는 </a:t>
+            </a:r>
+            <a:r>
+              <a:rPr lang="en-US" altLang="ko-KR" dirty="0"/>
+              <a:t>stationary point</a:t>
+            </a:r>
+            <a:r>
+              <a:rPr lang="ko-KR" altLang="en-US" dirty="0"/>
+              <a:t>는 </a:t>
+            </a:r>
+            <a:r>
+              <a:rPr lang="ko-KR" altLang="en-US" dirty="0" err="1"/>
+              <a:t>도함수값이</a:t>
+            </a:r>
+            <a:r>
+              <a:rPr lang="ko-KR" altLang="en-US" dirty="0"/>
+              <a:t> </a:t>
+            </a:r>
+            <a:r>
+              <a:rPr lang="en-US" altLang="ko-KR" dirty="0"/>
+              <a:t>0</a:t>
+            </a:r>
+            <a:r>
+              <a:rPr lang="ko-KR" altLang="en-US" dirty="0"/>
+              <a:t>이 되는 지점</a:t>
+            </a:r>
+            <a:r>
+              <a:rPr lang="en-US" altLang="ko-KR" dirty="0"/>
+              <a:t>.. </a:t>
+            </a:r>
+            <a:r>
+              <a:rPr lang="ko-KR" altLang="en-US" dirty="0"/>
+              <a:t>한국말로 극점 </a:t>
+            </a:r>
+            <a:endParaRPr lang="en-US" altLang="ko-KR" dirty="0"/>
+          </a:p>
+        </p:txBody>
+      </p:sp>
+      <p:sp>
+        <p:nvSpPr>
+          <p:cNvPr id="4" name="슬라이드 번호 개체 틀 3"/>
+          <p:cNvSpPr>
+            <a:spLocks noGrp="1"/>
+          </p:cNvSpPr>
+          <p:nvPr>
+            <p:ph type="sldNum" sz="quarter" idx="5"/>
+          </p:nvPr>
+        </p:nvSpPr>
+        <p:spPr/>
+        <p:txBody>
+          <a:bodyPr/>
+          <a:lstStyle/>
+          <a:p>
+            <a:fld id="{DA275FA2-6C42-4D6B-BC32-C1F878E1B2E0}" type="slidenum">
+              <a:rPr lang="ko-KR" altLang="en-US" smtClean="0"/>
+              <a:t>10</a:t>
+            </a:fld>
+            <a:endParaRPr lang="ko-KR" altLang="en-US"/>
+          </a:p>
+        </p:txBody>
+      </p:sp>
+    </p:spTree>
+    <p:extLst>
+      <p:ext uri="{BB962C8B-B14F-4D97-AF65-F5344CB8AC3E}">
+        <p14:creationId xmlns:p14="http://schemas.microsoft.com/office/powerpoint/2010/main" val="601198547"/>
+      </p:ext>
+    </p:extLst>
+  </p:cSld>
+  <p:clrMapOvr>
+    <a:masterClrMapping/>
+  </p:clrMapOvr>
+</p:notes>
+</file>
+
+<file path=ppt/notesSlides/notesSlide9.xml><?xml version="1.0" encoding="utf-8"?>
+<p:notes xmlns:a="http://schemas.openxmlformats.org/drawingml/2006/main" xmlns:r="http://schemas.openxmlformats.org/officeDocument/2006/relationships" xmlns:p="http://schemas.openxmlformats.org/presentationml/2006/main">
+  <p:cSld>
+    <p:spTree>
+      <p:nvGrpSpPr>
+        <p:cNvPr id="1" name=""/>
+        <p:cNvGrpSpPr/>
+        <p:nvPr/>
+      </p:nvGrpSpPr>
+      <p:grpSpPr>
+        <a:xfrm>
+          <a:off x="0" y="0"/>
+          <a:ext cx="0" cy="0"/>
+          <a:chOff x="0" y="0"/>
+          <a:chExt cx="0" cy="0"/>
+        </a:xfrm>
+      </p:grpSpPr>
+      <p:sp>
+        <p:nvSpPr>
+          <p:cNvPr id="2" name="슬라이드 이미지 개체 틀 1"/>
+          <p:cNvSpPr>
+            <a:spLocks noGrp="1" noRot="1" noChangeAspect="1"/>
+          </p:cNvSpPr>
+          <p:nvPr>
+            <p:ph type="sldImg"/>
+          </p:nvPr>
+        </p:nvSpPr>
+        <p:spPr/>
+      </p:sp>
+      <p:sp>
+        <p:nvSpPr>
+          <p:cNvPr id="3" name="슬라이드 노트 개체 틀 2"/>
+          <p:cNvSpPr>
+            <a:spLocks noGrp="1"/>
+          </p:cNvSpPr>
+          <p:nvPr>
+            <p:ph type="body" idx="1"/>
+          </p:nvPr>
+        </p:nvSpPr>
+        <p:spPr/>
+        <p:txBody>
+          <a:bodyPr/>
+          <a:lstStyle/>
+          <a:p>
+            <a:r>
+              <a:rPr lang="ko-KR" altLang="en-US" dirty="0"/>
+              <a:t>왼쪽과 같이 모든 이웃의 점보다 작은 점은 </a:t>
+            </a:r>
+            <a:r>
+              <a:rPr lang="en-US" altLang="ko-KR" dirty="0"/>
+              <a:t>local minimum point, </a:t>
+            </a:r>
+            <a:r>
+              <a:rPr lang="ko-KR" altLang="en-US" dirty="0"/>
+              <a:t>큰 점은 </a:t>
+            </a:r>
+            <a:r>
+              <a:rPr lang="en-US" altLang="ko-KR" dirty="0"/>
+              <a:t>local maximum point, </a:t>
+            </a:r>
+            <a:r>
+              <a:rPr lang="ko-KR" altLang="en-US" dirty="0" err="1"/>
+              <a:t>극소점</a:t>
+            </a:r>
+            <a:r>
+              <a:rPr lang="en-US" altLang="ko-KR" dirty="0"/>
+              <a:t>, </a:t>
+            </a:r>
+            <a:r>
+              <a:rPr lang="ko-KR" altLang="en-US" dirty="0"/>
+              <a:t>극대점도 아닌 </a:t>
+            </a:r>
+            <a:r>
+              <a:rPr lang="ko-KR" altLang="en-US" dirty="0" err="1"/>
+              <a:t>안장점</a:t>
+            </a:r>
+            <a:r>
+              <a:rPr lang="en-US" altLang="ko-KR" dirty="0"/>
+              <a:t>, saddle point </a:t>
+            </a:r>
+            <a:r>
+              <a:rPr lang="ko-KR" altLang="en-US" dirty="0"/>
+              <a:t>가 있다</a:t>
+            </a:r>
+            <a:r>
+              <a:rPr lang="en-US" altLang="ko-KR" dirty="0"/>
+              <a:t>.</a:t>
+            </a:r>
+          </a:p>
+        </p:txBody>
+      </p:sp>
+      <p:sp>
+        <p:nvSpPr>
+          <p:cNvPr id="4" name="슬라이드 번호 개체 틀 3"/>
+          <p:cNvSpPr>
+            <a:spLocks noGrp="1"/>
+          </p:cNvSpPr>
+          <p:nvPr>
+            <p:ph type="sldNum" sz="quarter" idx="5"/>
+          </p:nvPr>
+        </p:nvSpPr>
+        <p:spPr/>
+        <p:txBody>
+          <a:bodyPr/>
+          <a:lstStyle/>
+          <a:p>
+            <a:fld id="{DA275FA2-6C42-4D6B-BC32-C1F878E1B2E0}" type="slidenum">
+              <a:rPr lang="ko-KR" altLang="en-US" smtClean="0"/>
+              <a:t>11</a:t>
+            </a:fld>
+            <a:endParaRPr lang="ko-KR" altLang="en-US"/>
+          </a:p>
+        </p:txBody>
+      </p:sp>
+    </p:spTree>
+    <p:extLst>
+      <p:ext uri="{BB962C8B-B14F-4D97-AF65-F5344CB8AC3E}">
+        <p14:creationId xmlns:p14="http://schemas.microsoft.com/office/powerpoint/2010/main" val="631104603"/>
       </p:ext>
     </p:extLst>
   </p:cSld>
@@ -2794,6 +4126,1706 @@
 </p:sld>
 </file>
 
+<file path=ppt/slides/slide10.xml><?xml version="1.0" encoding="utf-8"?>
+<p:sld xmlns:a="http://schemas.openxmlformats.org/drawingml/2006/main" xmlns:r="http://schemas.openxmlformats.org/officeDocument/2006/relationships" xmlns:p="http://schemas.openxmlformats.org/presentationml/2006/main">
+  <p:cSld>
+    <p:spTree>
+      <p:nvGrpSpPr>
+        <p:cNvPr id="1" name=""/>
+        <p:cNvGrpSpPr/>
+        <p:nvPr/>
+      </p:nvGrpSpPr>
+      <p:grpSpPr>
+        <a:xfrm>
+          <a:off x="0" y="0"/>
+          <a:ext cx="0" cy="0"/>
+          <a:chOff x="0" y="0"/>
+          <a:chExt cx="0" cy="0"/>
+        </a:xfrm>
+      </p:grpSpPr>
+      <p:sp>
+        <p:nvSpPr>
+          <p:cNvPr id="2" name="제목 1">
+            <a:extLst>
+              <a:ext uri="{FF2B5EF4-FFF2-40B4-BE49-F238E27FC236}">
+                <a16:creationId xmlns:a16="http://schemas.microsoft.com/office/drawing/2014/main" id="{AA92BCFB-E11B-F940-A787-2261CAC8E814}"/>
+              </a:ext>
+            </a:extLst>
+          </p:cNvPr>
+          <p:cNvSpPr>
+            <a:spLocks noGrp="1"/>
+          </p:cNvSpPr>
+          <p:nvPr>
+            <p:ph type="title"/>
+          </p:nvPr>
+        </p:nvSpPr>
+        <p:spPr/>
+        <p:txBody>
+          <a:bodyPr/>
+          <a:lstStyle/>
+          <a:p>
+            <a:r>
+              <a:rPr kumimoji="1" lang="en-US" altLang="en-US" dirty="0"/>
+              <a:t>4.3 Gradient-Based Optimization</a:t>
+            </a:r>
+            <a:endParaRPr kumimoji="1" lang="ko-Kore-KR" altLang="en-US" dirty="0"/>
+          </a:p>
+        </p:txBody>
+      </p:sp>
+      <p:sp>
+        <p:nvSpPr>
+          <p:cNvPr id="3" name="내용 개체 틀 2">
+            <a:extLst>
+              <a:ext uri="{FF2B5EF4-FFF2-40B4-BE49-F238E27FC236}">
+                <a16:creationId xmlns:a16="http://schemas.microsoft.com/office/drawing/2014/main" id="{1725D5B2-2C6C-3B43-B4F2-CA91BE12BB41}"/>
+              </a:ext>
+            </a:extLst>
+          </p:cNvPr>
+          <p:cNvSpPr>
+            <a:spLocks noGrp="1"/>
+          </p:cNvSpPr>
+          <p:nvPr>
+            <p:ph idx="1"/>
+          </p:nvPr>
+        </p:nvSpPr>
+        <p:spPr>
+          <a:xfrm>
+            <a:off x="838200" y="1721803"/>
+            <a:ext cx="10927080" cy="4351338"/>
+          </a:xfrm>
+        </p:spPr>
+        <p:txBody>
+          <a:bodyPr/>
+          <a:lstStyle/>
+          <a:p>
+            <a:r>
+              <a:rPr kumimoji="1" lang="en-US" altLang="en-US" b="1" dirty="0"/>
+              <a:t>Gradient</a:t>
+            </a:r>
+            <a:r>
+              <a:rPr kumimoji="1" lang="ko-KR" altLang="en-US" b="1" dirty="0"/>
+              <a:t> </a:t>
+            </a:r>
+            <a:r>
+              <a:rPr kumimoji="1" lang="en-US" altLang="ko-KR" b="1" dirty="0"/>
+              <a:t>Decent</a:t>
+            </a:r>
+          </a:p>
+        </p:txBody>
+      </p:sp>
+      <p:pic>
+        <p:nvPicPr>
+          <p:cNvPr id="7" name="그림 6">
+            <a:extLst>
+              <a:ext uri="{FF2B5EF4-FFF2-40B4-BE49-F238E27FC236}">
+                <a16:creationId xmlns:a16="http://schemas.microsoft.com/office/drawing/2014/main" id="{63335338-2B3B-4C3A-0F3B-CACF60EC9547}"/>
+              </a:ext>
+            </a:extLst>
+          </p:cNvPr>
+          <p:cNvPicPr>
+            <a:picLocks noChangeAspect="1"/>
+          </p:cNvPicPr>
+          <p:nvPr/>
+        </p:nvPicPr>
+        <p:blipFill>
+          <a:blip r:embed="rId3"/>
+          <a:stretch>
+            <a:fillRect/>
+          </a:stretch>
+        </p:blipFill>
+        <p:spPr>
+          <a:xfrm>
+            <a:off x="3473096" y="2356216"/>
+            <a:ext cx="5245808" cy="3716925"/>
+          </a:xfrm>
+          <a:prstGeom prst="rect">
+            <a:avLst/>
+          </a:prstGeom>
+        </p:spPr>
+      </p:pic>
+      <p:sp>
+        <p:nvSpPr>
+          <p:cNvPr id="4" name="TextBox 3">
+            <a:extLst>
+              <a:ext uri="{FF2B5EF4-FFF2-40B4-BE49-F238E27FC236}">
+                <a16:creationId xmlns:a16="http://schemas.microsoft.com/office/drawing/2014/main" id="{F8BD2B3D-35D0-5D3F-548E-0D19643FFB1D}"/>
+              </a:ext>
+            </a:extLst>
+          </p:cNvPr>
+          <p:cNvSpPr txBox="1"/>
+          <p:nvPr/>
+        </p:nvSpPr>
+        <p:spPr>
+          <a:xfrm>
+            <a:off x="8559596" y="2658835"/>
+            <a:ext cx="3364992" cy="338554"/>
+          </a:xfrm>
+          <a:prstGeom prst="rect">
+            <a:avLst/>
+          </a:prstGeom>
+          <a:noFill/>
+        </p:spPr>
+        <p:txBody>
+          <a:bodyPr wrap="square" rtlCol="0">
+            <a:spAutoFit/>
+          </a:bodyPr>
+          <a:lstStyle/>
+          <a:p>
+            <a:r>
+              <a:rPr lang="en-US" altLang="ko-KR" sz="1600" b="1" dirty="0">
+                <a:latin typeface="+mn-ea"/>
+              </a:rPr>
+              <a:t>Critical point</a:t>
+            </a:r>
+            <a:r>
+              <a:rPr lang="en-US" altLang="ko-KR" sz="1600" dirty="0">
+                <a:latin typeface="+mn-ea"/>
+              </a:rPr>
+              <a:t> or </a:t>
+            </a:r>
+            <a:r>
+              <a:rPr lang="en-US" altLang="ko-KR" sz="1600" b="1" dirty="0">
+                <a:latin typeface="+mn-ea"/>
+              </a:rPr>
+              <a:t>stationary point</a:t>
+            </a:r>
+            <a:endParaRPr lang="ko-KR" altLang="en-US" sz="1600" b="1" dirty="0">
+              <a:latin typeface="+mn-ea"/>
+            </a:endParaRPr>
+          </a:p>
+        </p:txBody>
+      </p:sp>
+      <p:sp>
+        <p:nvSpPr>
+          <p:cNvPr id="5" name="화살표: 오른쪽 4">
+            <a:extLst>
+              <a:ext uri="{FF2B5EF4-FFF2-40B4-BE49-F238E27FC236}">
+                <a16:creationId xmlns:a16="http://schemas.microsoft.com/office/drawing/2014/main" id="{799CCD43-CBE5-6A4A-C15A-B161E1B0AACA}"/>
+              </a:ext>
+            </a:extLst>
+          </p:cNvPr>
+          <p:cNvSpPr/>
+          <p:nvPr/>
+        </p:nvSpPr>
+        <p:spPr>
+          <a:xfrm rot="9548541" flipV="1">
+            <a:off x="6229411" y="3480288"/>
+            <a:ext cx="2770995" cy="106102"/>
+          </a:xfrm>
+          <a:prstGeom prst="rightArrow">
+            <a:avLst/>
+          </a:prstGeom>
+          <a:solidFill>
+            <a:srgbClr val="FF0000"/>
+          </a:solidFill>
+          <a:ln>
+            <a:noFill/>
+          </a:ln>
+        </p:spPr>
+        <p:style>
+          <a:lnRef idx="2">
+            <a:schemeClr val="accent1">
+              <a:shade val="50000"/>
+            </a:schemeClr>
+          </a:lnRef>
+          <a:fillRef idx="1">
+            <a:schemeClr val="accent1"/>
+          </a:fillRef>
+          <a:effectRef idx="0">
+            <a:schemeClr val="accent1"/>
+          </a:effectRef>
+          <a:fontRef idx="minor">
+            <a:schemeClr val="lt1"/>
+          </a:fontRef>
+        </p:style>
+        <p:txBody>
+          <a:bodyPr rtlCol="0" anchor="ctr"/>
+          <a:lstStyle/>
+          <a:p>
+            <a:pPr algn="ctr"/>
+            <a:endParaRPr lang="ko-KR" altLang="en-US"/>
+          </a:p>
+        </p:txBody>
+      </p:sp>
+    </p:spTree>
+    <p:extLst>
+      <p:ext uri="{BB962C8B-B14F-4D97-AF65-F5344CB8AC3E}">
+        <p14:creationId xmlns:p14="http://schemas.microsoft.com/office/powerpoint/2010/main" val="3143012218"/>
+      </p:ext>
+    </p:extLst>
+  </p:cSld>
+  <p:clrMapOvr>
+    <a:masterClrMapping/>
+  </p:clrMapOvr>
+</p:sld>
+</file>
+
+<file path=ppt/slides/slide11.xml><?xml version="1.0" encoding="utf-8"?>
+<p:sld xmlns:a="http://schemas.openxmlformats.org/drawingml/2006/main" xmlns:r="http://schemas.openxmlformats.org/officeDocument/2006/relationships" xmlns:p="http://schemas.openxmlformats.org/presentationml/2006/main">
+  <p:cSld>
+    <p:spTree>
+      <p:nvGrpSpPr>
+        <p:cNvPr id="1" name=""/>
+        <p:cNvGrpSpPr/>
+        <p:nvPr/>
+      </p:nvGrpSpPr>
+      <p:grpSpPr>
+        <a:xfrm>
+          <a:off x="0" y="0"/>
+          <a:ext cx="0" cy="0"/>
+          <a:chOff x="0" y="0"/>
+          <a:chExt cx="0" cy="0"/>
+        </a:xfrm>
+      </p:grpSpPr>
+      <p:sp>
+        <p:nvSpPr>
+          <p:cNvPr id="2" name="제목 1">
+            <a:extLst>
+              <a:ext uri="{FF2B5EF4-FFF2-40B4-BE49-F238E27FC236}">
+                <a16:creationId xmlns:a16="http://schemas.microsoft.com/office/drawing/2014/main" id="{AA92BCFB-E11B-F940-A787-2261CAC8E814}"/>
+              </a:ext>
+            </a:extLst>
+          </p:cNvPr>
+          <p:cNvSpPr>
+            <a:spLocks noGrp="1"/>
+          </p:cNvSpPr>
+          <p:nvPr>
+            <p:ph type="title"/>
+          </p:nvPr>
+        </p:nvSpPr>
+        <p:spPr/>
+        <p:txBody>
+          <a:bodyPr/>
+          <a:lstStyle/>
+          <a:p>
+            <a:r>
+              <a:rPr kumimoji="1" lang="en-US" altLang="en-US" dirty="0"/>
+              <a:t>4.3 Gradient-Based Optimization</a:t>
+            </a:r>
+            <a:endParaRPr kumimoji="1" lang="ko-Kore-KR" altLang="en-US" dirty="0"/>
+          </a:p>
+        </p:txBody>
+      </p:sp>
+      <p:sp>
+        <p:nvSpPr>
+          <p:cNvPr id="3" name="내용 개체 틀 2">
+            <a:extLst>
+              <a:ext uri="{FF2B5EF4-FFF2-40B4-BE49-F238E27FC236}">
+                <a16:creationId xmlns:a16="http://schemas.microsoft.com/office/drawing/2014/main" id="{1725D5B2-2C6C-3B43-B4F2-CA91BE12BB41}"/>
+              </a:ext>
+            </a:extLst>
+          </p:cNvPr>
+          <p:cNvSpPr>
+            <a:spLocks noGrp="1"/>
+          </p:cNvSpPr>
+          <p:nvPr>
+            <p:ph idx="1"/>
+          </p:nvPr>
+        </p:nvSpPr>
+        <p:spPr>
+          <a:xfrm>
+            <a:off x="838200" y="1721803"/>
+            <a:ext cx="10927080" cy="4351338"/>
+          </a:xfrm>
+        </p:spPr>
+        <p:txBody>
+          <a:bodyPr/>
+          <a:lstStyle/>
+          <a:p>
+            <a:r>
+              <a:rPr kumimoji="1" lang="en-US" altLang="en-US" b="1" dirty="0"/>
+              <a:t>Gradient</a:t>
+            </a:r>
+            <a:r>
+              <a:rPr kumimoji="1" lang="ko-KR" altLang="en-US" b="1" dirty="0"/>
+              <a:t> </a:t>
+            </a:r>
+            <a:r>
+              <a:rPr kumimoji="1" lang="en-US" altLang="ko-KR" b="1" dirty="0"/>
+              <a:t>Decent</a:t>
+            </a:r>
+          </a:p>
+        </p:txBody>
+      </p:sp>
+      <p:pic>
+        <p:nvPicPr>
+          <p:cNvPr id="5" name="그림 4">
+            <a:extLst>
+              <a:ext uri="{FF2B5EF4-FFF2-40B4-BE49-F238E27FC236}">
+                <a16:creationId xmlns:a16="http://schemas.microsoft.com/office/drawing/2014/main" id="{E7C20CD2-63DD-F6C9-B189-164F337B2AAC}"/>
+              </a:ext>
+            </a:extLst>
+          </p:cNvPr>
+          <p:cNvPicPr>
+            <a:picLocks noChangeAspect="1"/>
+          </p:cNvPicPr>
+          <p:nvPr/>
+        </p:nvPicPr>
+        <p:blipFill>
+          <a:blip r:embed="rId3"/>
+          <a:stretch>
+            <a:fillRect/>
+          </a:stretch>
+        </p:blipFill>
+        <p:spPr>
+          <a:xfrm>
+            <a:off x="3014232" y="2917201"/>
+            <a:ext cx="6163535" cy="1657581"/>
+          </a:xfrm>
+          <a:prstGeom prst="rect">
+            <a:avLst/>
+          </a:prstGeom>
+        </p:spPr>
+      </p:pic>
+    </p:spTree>
+    <p:extLst>
+      <p:ext uri="{BB962C8B-B14F-4D97-AF65-F5344CB8AC3E}">
+        <p14:creationId xmlns:p14="http://schemas.microsoft.com/office/powerpoint/2010/main" val="694654461"/>
+      </p:ext>
+    </p:extLst>
+  </p:cSld>
+  <p:clrMapOvr>
+    <a:masterClrMapping/>
+  </p:clrMapOvr>
+</p:sld>
+</file>
+
+<file path=ppt/slides/slide12.xml><?xml version="1.0" encoding="utf-8"?>
+<p:sld xmlns:a="http://schemas.openxmlformats.org/drawingml/2006/main" xmlns:r="http://schemas.openxmlformats.org/officeDocument/2006/relationships" xmlns:p="http://schemas.openxmlformats.org/presentationml/2006/main">
+  <p:cSld>
+    <p:spTree>
+      <p:nvGrpSpPr>
+        <p:cNvPr id="1" name=""/>
+        <p:cNvGrpSpPr/>
+        <p:nvPr/>
+      </p:nvGrpSpPr>
+      <p:grpSpPr>
+        <a:xfrm>
+          <a:off x="0" y="0"/>
+          <a:ext cx="0" cy="0"/>
+          <a:chOff x="0" y="0"/>
+          <a:chExt cx="0" cy="0"/>
+        </a:xfrm>
+      </p:grpSpPr>
+      <p:sp>
+        <p:nvSpPr>
+          <p:cNvPr id="2" name="제목 1">
+            <a:extLst>
+              <a:ext uri="{FF2B5EF4-FFF2-40B4-BE49-F238E27FC236}">
+                <a16:creationId xmlns:a16="http://schemas.microsoft.com/office/drawing/2014/main" id="{AA92BCFB-E11B-F940-A787-2261CAC8E814}"/>
+              </a:ext>
+            </a:extLst>
+          </p:cNvPr>
+          <p:cNvSpPr>
+            <a:spLocks noGrp="1"/>
+          </p:cNvSpPr>
+          <p:nvPr>
+            <p:ph type="title"/>
+          </p:nvPr>
+        </p:nvSpPr>
+        <p:spPr/>
+        <p:txBody>
+          <a:bodyPr/>
+          <a:lstStyle/>
+          <a:p>
+            <a:r>
+              <a:rPr kumimoji="1" lang="en-US" altLang="en-US" dirty="0"/>
+              <a:t>4.3 Gradient-Based Optimization</a:t>
+            </a:r>
+            <a:endParaRPr kumimoji="1" lang="ko-Kore-KR" altLang="en-US" dirty="0"/>
+          </a:p>
+        </p:txBody>
+      </p:sp>
+      <p:sp>
+        <p:nvSpPr>
+          <p:cNvPr id="3" name="내용 개체 틀 2">
+            <a:extLst>
+              <a:ext uri="{FF2B5EF4-FFF2-40B4-BE49-F238E27FC236}">
+                <a16:creationId xmlns:a16="http://schemas.microsoft.com/office/drawing/2014/main" id="{1725D5B2-2C6C-3B43-B4F2-CA91BE12BB41}"/>
+              </a:ext>
+            </a:extLst>
+          </p:cNvPr>
+          <p:cNvSpPr>
+            <a:spLocks noGrp="1"/>
+          </p:cNvSpPr>
+          <p:nvPr>
+            <p:ph idx="1"/>
+          </p:nvPr>
+        </p:nvSpPr>
+        <p:spPr>
+          <a:xfrm>
+            <a:off x="838200" y="1721803"/>
+            <a:ext cx="10927080" cy="4351338"/>
+          </a:xfrm>
+        </p:spPr>
+        <p:txBody>
+          <a:bodyPr/>
+          <a:lstStyle/>
+          <a:p>
+            <a:r>
+              <a:rPr kumimoji="1" lang="en-US" altLang="en-US" b="1" dirty="0"/>
+              <a:t>Gradient</a:t>
+            </a:r>
+            <a:r>
+              <a:rPr kumimoji="1" lang="ko-KR" altLang="en-US" b="1" dirty="0"/>
+              <a:t> </a:t>
+            </a:r>
+            <a:r>
+              <a:rPr kumimoji="1" lang="en-US" altLang="ko-KR" b="1" dirty="0"/>
+              <a:t>Decent</a:t>
+            </a:r>
+          </a:p>
+        </p:txBody>
+      </p:sp>
+      <p:pic>
+        <p:nvPicPr>
+          <p:cNvPr id="6" name="그림 5">
+            <a:extLst>
+              <a:ext uri="{FF2B5EF4-FFF2-40B4-BE49-F238E27FC236}">
+                <a16:creationId xmlns:a16="http://schemas.microsoft.com/office/drawing/2014/main" id="{E90DF6EA-680F-37D3-D679-3FBBD443D9D5}"/>
+              </a:ext>
+            </a:extLst>
+          </p:cNvPr>
+          <p:cNvPicPr>
+            <a:picLocks noChangeAspect="1"/>
+          </p:cNvPicPr>
+          <p:nvPr/>
+        </p:nvPicPr>
+        <p:blipFill>
+          <a:blip r:embed="rId3"/>
+          <a:stretch>
+            <a:fillRect/>
+          </a:stretch>
+        </p:blipFill>
+        <p:spPr>
+          <a:xfrm>
+            <a:off x="3433391" y="2619177"/>
+            <a:ext cx="5325218" cy="2838846"/>
+          </a:xfrm>
+          <a:prstGeom prst="rect">
+            <a:avLst/>
+          </a:prstGeom>
+        </p:spPr>
+      </p:pic>
+    </p:spTree>
+    <p:extLst>
+      <p:ext uri="{BB962C8B-B14F-4D97-AF65-F5344CB8AC3E}">
+        <p14:creationId xmlns:p14="http://schemas.microsoft.com/office/powerpoint/2010/main" val="121541062"/>
+      </p:ext>
+    </p:extLst>
+  </p:cSld>
+  <p:clrMapOvr>
+    <a:masterClrMapping/>
+  </p:clrMapOvr>
+</p:sld>
+</file>
+
+<file path=ppt/slides/slide13.xml><?xml version="1.0" encoding="utf-8"?>
+<p:sld xmlns:a="http://schemas.openxmlformats.org/drawingml/2006/main" xmlns:r="http://schemas.openxmlformats.org/officeDocument/2006/relationships" xmlns:p="http://schemas.openxmlformats.org/presentationml/2006/main">
+  <p:cSld>
+    <p:spTree>
+      <p:nvGrpSpPr>
+        <p:cNvPr id="1" name=""/>
+        <p:cNvGrpSpPr/>
+        <p:nvPr/>
+      </p:nvGrpSpPr>
+      <p:grpSpPr>
+        <a:xfrm>
+          <a:off x="0" y="0"/>
+          <a:ext cx="0" cy="0"/>
+          <a:chOff x="0" y="0"/>
+          <a:chExt cx="0" cy="0"/>
+        </a:xfrm>
+      </p:grpSpPr>
+      <p:sp>
+        <p:nvSpPr>
+          <p:cNvPr id="2" name="제목 1">
+            <a:extLst>
+              <a:ext uri="{FF2B5EF4-FFF2-40B4-BE49-F238E27FC236}">
+                <a16:creationId xmlns:a16="http://schemas.microsoft.com/office/drawing/2014/main" id="{AA92BCFB-E11B-F940-A787-2261CAC8E814}"/>
+              </a:ext>
+            </a:extLst>
+          </p:cNvPr>
+          <p:cNvSpPr>
+            <a:spLocks noGrp="1"/>
+          </p:cNvSpPr>
+          <p:nvPr>
+            <p:ph type="title"/>
+          </p:nvPr>
+        </p:nvSpPr>
+        <p:spPr/>
+        <p:txBody>
+          <a:bodyPr/>
+          <a:lstStyle/>
+          <a:p>
+            <a:r>
+              <a:rPr kumimoji="1" lang="en-US" altLang="en-US" dirty="0"/>
+              <a:t>4.3 Gradient-Based Optimization</a:t>
+            </a:r>
+            <a:endParaRPr kumimoji="1" lang="ko-Kore-KR" altLang="en-US" dirty="0"/>
+          </a:p>
+        </p:txBody>
+      </p:sp>
+      <mc:AlternateContent xmlns:mc="http://schemas.openxmlformats.org/markup-compatibility/2006">
+        <mc:Choice xmlns:a14="http://schemas.microsoft.com/office/drawing/2010/main" Requires="a14">
+          <p:sp>
+            <p:nvSpPr>
+              <p:cNvPr id="3" name="내용 개체 틀 2">
+                <a:extLst>
+                  <a:ext uri="{FF2B5EF4-FFF2-40B4-BE49-F238E27FC236}">
+                    <a16:creationId xmlns:a16="http://schemas.microsoft.com/office/drawing/2014/main" id="{1725D5B2-2C6C-3B43-B4F2-CA91BE12BB41}"/>
+                  </a:ext>
+                </a:extLst>
+              </p:cNvPr>
+              <p:cNvSpPr>
+                <a:spLocks noGrp="1"/>
+              </p:cNvSpPr>
+              <p:nvPr>
+                <p:ph idx="1"/>
+              </p:nvPr>
+            </p:nvSpPr>
+            <p:spPr>
+              <a:xfrm>
+                <a:off x="838200" y="1721803"/>
+                <a:ext cx="10927080" cy="4351338"/>
+              </a:xfrm>
+            </p:spPr>
+            <p:txBody>
+              <a:bodyPr/>
+              <a:lstStyle/>
+              <a:p>
+                <a:r>
+                  <a:rPr kumimoji="1" lang="en-US" altLang="en-US" b="1" dirty="0"/>
+                  <a:t>Gradient</a:t>
+                </a:r>
+                <a:r>
+                  <a:rPr kumimoji="1" lang="ko-KR" altLang="en-US" b="1" dirty="0"/>
+                  <a:t> </a:t>
+                </a:r>
+                <a:r>
+                  <a:rPr kumimoji="1" lang="en-US" altLang="ko-KR" b="1" dirty="0"/>
+                  <a:t>Decent for multi-variable function</a:t>
+                </a:r>
+              </a:p>
+              <a:p>
+                <a:pPr lvl="1"/>
+                <a:r>
+                  <a:rPr kumimoji="1" lang="en-US" altLang="ko-KR" dirty="0"/>
+                  <a:t>Use </a:t>
+                </a:r>
+                <a:r>
+                  <a:rPr kumimoji="1" lang="en-US" altLang="ko-KR" b="1" dirty="0"/>
+                  <a:t>gradient</a:t>
+                </a:r>
+                <a:r>
+                  <a:rPr kumimoji="1" lang="en-US" altLang="ko-KR" dirty="0"/>
+                  <a:t> and </a:t>
+                </a:r>
+                <a:r>
+                  <a:rPr kumimoji="1" lang="en-US" altLang="ko-KR" b="1" dirty="0"/>
+                  <a:t>directional derivative</a:t>
+                </a:r>
+              </a:p>
+              <a:p>
+                <a:pPr lvl="2"/>
+                <a:r>
+                  <a:rPr kumimoji="1" lang="en-US" altLang="ko-KR" dirty="0"/>
+                  <a:t>we can get gradient</a:t>
+                </a:r>
+                <a:r>
+                  <a:rPr kumimoji="1" lang="en-US" altLang="ko-KR" b="1" dirty="0"/>
+                  <a:t> </a:t>
+                </a:r>
+                <a14:m>
+                  <m:oMath xmlns:m="http://schemas.openxmlformats.org/officeDocument/2006/math">
+                    <m:r>
+                      <a:rPr kumimoji="1" lang="ko-KR" altLang="en-US" sz="1800" b="1" i="1" smtClean="0">
+                        <a:latin typeface="Cambria Math" panose="02040503050406030204" pitchFamily="18" charset="0"/>
+                      </a:rPr>
+                      <m:t>𝛁</m:t>
+                    </m:r>
+                    <m:r>
+                      <a:rPr kumimoji="1" lang="en-US" altLang="ko-KR" sz="1800" b="1" i="1" smtClean="0">
+                        <a:latin typeface="Cambria Math" panose="02040503050406030204" pitchFamily="18" charset="0"/>
+                      </a:rPr>
+                      <m:t>𝒇</m:t>
+                    </m:r>
+                  </m:oMath>
+                </a14:m>
+                <a:r>
+                  <a:rPr kumimoji="1" lang="en-US" altLang="ko-KR" b="1" dirty="0"/>
+                  <a:t> </a:t>
+                </a:r>
+                <a:r>
+                  <a:rPr kumimoji="1" lang="en-US" altLang="ko-KR" dirty="0"/>
+                  <a:t>with </a:t>
+                </a:r>
+                <a:r>
+                  <a:rPr kumimoji="1" lang="en-US" altLang="ko-KR" b="1" dirty="0"/>
+                  <a:t>partial derivative</a:t>
+                </a:r>
+              </a:p>
+              <a:p>
+                <a:pPr lvl="2"/>
+                <a:r>
+                  <a:rPr kumimoji="1" lang="en-US" altLang="ko-KR" b="1" dirty="0"/>
+                  <a:t>directional derivative </a:t>
+                </a:r>
+                <a14:m>
+                  <m:oMath xmlns:m="http://schemas.openxmlformats.org/officeDocument/2006/math">
+                    <m:sSub>
+                      <m:sSubPr>
+                        <m:ctrlPr>
+                          <a:rPr kumimoji="1" lang="en-US" altLang="ko-KR" sz="1800" b="1" i="1" smtClean="0">
+                            <a:latin typeface="Cambria Math" panose="02040503050406030204" pitchFamily="18" charset="0"/>
+                          </a:rPr>
+                        </m:ctrlPr>
+                      </m:sSubPr>
+                      <m:e>
+                        <m:r>
+                          <a:rPr kumimoji="1" lang="en-US" altLang="ko-KR" sz="1800" b="1" i="1" smtClean="0">
+                            <a:latin typeface="Cambria Math" panose="02040503050406030204" pitchFamily="18" charset="0"/>
+                          </a:rPr>
+                          <m:t>𝑫</m:t>
+                        </m:r>
+                      </m:e>
+                      <m:sub>
+                        <m:r>
+                          <a:rPr kumimoji="1" lang="en-US" altLang="ko-KR" sz="1800" b="1" i="1" smtClean="0">
+                            <a:latin typeface="Cambria Math" panose="02040503050406030204" pitchFamily="18" charset="0"/>
+                          </a:rPr>
+                          <m:t>𝒖</m:t>
+                        </m:r>
+                      </m:sub>
+                    </m:sSub>
+                    <m:r>
+                      <a:rPr kumimoji="1" lang="en-US" altLang="ko-KR" sz="1800" b="1" i="1" smtClean="0">
+                        <a:latin typeface="Cambria Math" panose="02040503050406030204" pitchFamily="18" charset="0"/>
+                      </a:rPr>
+                      <m:t>𝒇</m:t>
+                    </m:r>
+                    <m:r>
+                      <a:rPr kumimoji="1" lang="en-US" altLang="ko-KR" sz="1800" b="1" i="1" smtClean="0">
+                        <a:latin typeface="Cambria Math" panose="02040503050406030204" pitchFamily="18" charset="0"/>
+                      </a:rPr>
+                      <m:t>=</m:t>
+                    </m:r>
+                    <m:acc>
+                      <m:accPr>
+                        <m:chr m:val="⃗"/>
+                        <m:ctrlPr>
+                          <a:rPr kumimoji="1" lang="en-US" altLang="ko-KR" sz="1800" b="1" i="1" smtClean="0">
+                            <a:latin typeface="Cambria Math" panose="02040503050406030204" pitchFamily="18" charset="0"/>
+                          </a:rPr>
+                        </m:ctrlPr>
+                      </m:accPr>
+                      <m:e>
+                        <m:r>
+                          <a:rPr kumimoji="1" lang="en-US" altLang="ko-KR" sz="1800" b="1" i="1" smtClean="0">
+                            <a:latin typeface="Cambria Math" panose="02040503050406030204" pitchFamily="18" charset="0"/>
+                          </a:rPr>
+                          <m:t>𝒖</m:t>
+                        </m:r>
+                      </m:e>
+                    </m:acc>
+                    <m:r>
+                      <a:rPr kumimoji="1" lang="en-US" altLang="ko-KR" sz="1800" b="1" i="1" smtClean="0">
+                        <a:latin typeface="Cambria Math" panose="02040503050406030204" pitchFamily="18" charset="0"/>
+                      </a:rPr>
+                      <m:t> </m:t>
+                    </m:r>
+                    <m:r>
+                      <a:rPr kumimoji="1" lang="en-US" altLang="ko-KR" sz="1800" b="1" i="1" smtClean="0">
+                        <a:latin typeface="Cambria Math" panose="02040503050406030204" pitchFamily="18" charset="0"/>
+                        <a:ea typeface="Cambria Math" panose="02040503050406030204" pitchFamily="18" charset="0"/>
+                      </a:rPr>
+                      <m:t>° </m:t>
+                    </m:r>
+                    <m:r>
+                      <a:rPr kumimoji="1" lang="ko-KR" altLang="en-US" sz="1800" b="1" i="1">
+                        <a:latin typeface="Cambria Math" panose="02040503050406030204" pitchFamily="18" charset="0"/>
+                      </a:rPr>
+                      <m:t>𝛁</m:t>
+                    </m:r>
+                    <m:r>
+                      <a:rPr kumimoji="1" lang="en-US" altLang="ko-KR" sz="1800" b="1" i="1">
+                        <a:latin typeface="Cambria Math" panose="02040503050406030204" pitchFamily="18" charset="0"/>
+                      </a:rPr>
+                      <m:t>𝒇</m:t>
+                    </m:r>
+                  </m:oMath>
+                </a14:m>
+                <a:endParaRPr kumimoji="1" lang="en-US" altLang="ko-KR" b="1" dirty="0"/>
+              </a:p>
+              <a:p>
+                <a:pPr lvl="2"/>
+                <a14:m>
+                  <m:oMath xmlns:m="http://schemas.openxmlformats.org/officeDocument/2006/math">
+                    <m:sSub>
+                      <m:sSubPr>
+                        <m:ctrlPr>
+                          <a:rPr kumimoji="1" lang="en-US" altLang="ko-KR" sz="1600" b="1" i="1" smtClean="0">
+                            <a:latin typeface="Cambria Math" panose="02040503050406030204" pitchFamily="18" charset="0"/>
+                          </a:rPr>
+                        </m:ctrlPr>
+                      </m:sSubPr>
+                      <m:e>
+                        <m:r>
+                          <a:rPr kumimoji="1" lang="en-US" altLang="ko-KR" sz="1600" b="1" i="1" smtClean="0">
+                            <a:latin typeface="Cambria Math" panose="02040503050406030204" pitchFamily="18" charset="0"/>
+                          </a:rPr>
+                          <m:t>𝑫</m:t>
+                        </m:r>
+                      </m:e>
+                      <m:sub>
+                        <m:r>
+                          <a:rPr kumimoji="1" lang="en-US" altLang="ko-KR" sz="1600" b="1" i="1" smtClean="0">
+                            <a:latin typeface="Cambria Math" panose="02040503050406030204" pitchFamily="18" charset="0"/>
+                          </a:rPr>
+                          <m:t>𝒖</m:t>
+                        </m:r>
+                      </m:sub>
+                    </m:sSub>
+                    <m:r>
+                      <a:rPr kumimoji="1" lang="en-US" altLang="ko-KR" sz="1600" b="1" i="1" smtClean="0">
+                        <a:latin typeface="Cambria Math" panose="02040503050406030204" pitchFamily="18" charset="0"/>
+                      </a:rPr>
+                      <m:t>𝒇</m:t>
+                    </m:r>
+                    <m:r>
+                      <a:rPr kumimoji="1" lang="en-US" altLang="ko-KR" sz="1600" b="1" i="1" smtClean="0">
+                        <a:latin typeface="Cambria Math" panose="02040503050406030204" pitchFamily="18" charset="0"/>
+                      </a:rPr>
+                      <m:t>=</m:t>
+                    </m:r>
+                    <m:acc>
+                      <m:accPr>
+                        <m:chr m:val="⃗"/>
+                        <m:ctrlPr>
+                          <a:rPr kumimoji="1" lang="en-US" altLang="ko-KR" sz="1600" b="1" i="1" smtClean="0">
+                            <a:latin typeface="Cambria Math" panose="02040503050406030204" pitchFamily="18" charset="0"/>
+                          </a:rPr>
+                        </m:ctrlPr>
+                      </m:accPr>
+                      <m:e>
+                        <m:r>
+                          <a:rPr kumimoji="1" lang="en-US" altLang="ko-KR" sz="1600" b="1" i="1" smtClean="0">
+                            <a:latin typeface="Cambria Math" panose="02040503050406030204" pitchFamily="18" charset="0"/>
+                          </a:rPr>
+                          <m:t>𝒖</m:t>
+                        </m:r>
+                      </m:e>
+                    </m:acc>
+                    <m:r>
+                      <a:rPr kumimoji="1" lang="en-US" altLang="ko-KR" sz="1600" b="1" i="1" smtClean="0">
+                        <a:latin typeface="Cambria Math" panose="02040503050406030204" pitchFamily="18" charset="0"/>
+                      </a:rPr>
+                      <m:t> </m:t>
+                    </m:r>
+                    <m:r>
+                      <a:rPr kumimoji="1" lang="en-US" altLang="ko-KR" sz="1600" b="1" i="1" smtClean="0">
+                        <a:latin typeface="Cambria Math" panose="02040503050406030204" pitchFamily="18" charset="0"/>
+                        <a:ea typeface="Cambria Math" panose="02040503050406030204" pitchFamily="18" charset="0"/>
+                      </a:rPr>
+                      <m:t>° </m:t>
+                    </m:r>
+                    <m:r>
+                      <a:rPr kumimoji="1" lang="ko-KR" altLang="en-US" sz="1600" b="1" i="1">
+                        <a:latin typeface="Cambria Math" panose="02040503050406030204" pitchFamily="18" charset="0"/>
+                      </a:rPr>
+                      <m:t>𝛁</m:t>
+                    </m:r>
+                    <m:r>
+                      <a:rPr kumimoji="1" lang="en-US" altLang="ko-KR" sz="1600" b="1" i="1">
+                        <a:latin typeface="Cambria Math" panose="02040503050406030204" pitchFamily="18" charset="0"/>
+                      </a:rPr>
+                      <m:t>𝒇</m:t>
+                    </m:r>
+                    <m:r>
+                      <a:rPr kumimoji="1" lang="en-US" altLang="ko-KR" sz="1600" b="1" i="1" smtClean="0">
+                        <a:latin typeface="Cambria Math" panose="02040503050406030204" pitchFamily="18" charset="0"/>
+                      </a:rPr>
+                      <m:t>=</m:t>
+                    </m:r>
+                    <m:d>
+                      <m:dPr>
+                        <m:begChr m:val="|"/>
+                        <m:endChr m:val="|"/>
+                        <m:ctrlPr>
+                          <a:rPr kumimoji="1" lang="en-US" altLang="ko-KR" sz="1600" b="1" i="1" smtClean="0">
+                            <a:latin typeface="Cambria Math" panose="02040503050406030204" pitchFamily="18" charset="0"/>
+                          </a:rPr>
+                        </m:ctrlPr>
+                      </m:dPr>
+                      <m:e>
+                        <m:d>
+                          <m:dPr>
+                            <m:begChr m:val="|"/>
+                            <m:endChr m:val="|"/>
+                            <m:ctrlPr>
+                              <a:rPr kumimoji="1" lang="en-US" altLang="ko-KR" sz="1600" b="1" i="1" smtClean="0">
+                                <a:latin typeface="Cambria Math" panose="02040503050406030204" pitchFamily="18" charset="0"/>
+                              </a:rPr>
+                            </m:ctrlPr>
+                          </m:dPr>
+                          <m:e>
+                            <m:acc>
+                              <m:accPr>
+                                <m:chr m:val="⃗"/>
+                                <m:ctrlPr>
+                                  <a:rPr kumimoji="1" lang="en-US" altLang="ko-KR" b="1" i="1">
+                                    <a:latin typeface="Cambria Math" panose="02040503050406030204" pitchFamily="18" charset="0"/>
+                                  </a:rPr>
+                                </m:ctrlPr>
+                              </m:accPr>
+                              <m:e>
+                                <m:r>
+                                  <a:rPr kumimoji="1" lang="en-US" altLang="ko-KR" b="1" i="1">
+                                    <a:latin typeface="Cambria Math" panose="02040503050406030204" pitchFamily="18" charset="0"/>
+                                  </a:rPr>
+                                  <m:t>𝒖</m:t>
+                                </m:r>
+                              </m:e>
+                            </m:acc>
+                          </m:e>
+                        </m:d>
+                      </m:e>
+                    </m:d>
+                    <m:r>
+                      <a:rPr kumimoji="1" lang="en-US" altLang="ko-KR" b="1" i="1" smtClean="0">
+                        <a:latin typeface="Cambria Math" panose="02040503050406030204" pitchFamily="18" charset="0"/>
+                      </a:rPr>
+                      <m:t>|</m:t>
+                    </m:r>
+                    <m:d>
+                      <m:dPr>
+                        <m:begChr m:val="|"/>
+                        <m:endChr m:val="|"/>
+                        <m:ctrlPr>
+                          <a:rPr kumimoji="1" lang="en-US" altLang="ko-KR" b="1" i="1" smtClean="0">
+                            <a:latin typeface="Cambria Math" panose="02040503050406030204" pitchFamily="18" charset="0"/>
+                          </a:rPr>
+                        </m:ctrlPr>
+                      </m:dPr>
+                      <m:e>
+                        <m:r>
+                          <a:rPr kumimoji="1" lang="ko-KR" altLang="en-US" b="1" i="1">
+                            <a:latin typeface="Cambria Math" panose="02040503050406030204" pitchFamily="18" charset="0"/>
+                          </a:rPr>
+                          <m:t>𝛁</m:t>
+                        </m:r>
+                        <m:r>
+                          <a:rPr kumimoji="1" lang="en-US" altLang="ko-KR" b="1" i="1">
+                            <a:latin typeface="Cambria Math" panose="02040503050406030204" pitchFamily="18" charset="0"/>
+                          </a:rPr>
+                          <m:t>𝒇</m:t>
+                        </m:r>
+                      </m:e>
+                    </m:d>
+                    <m:r>
+                      <a:rPr kumimoji="1" lang="en-US" altLang="ko-KR" b="1" i="1" smtClean="0">
+                        <a:latin typeface="Cambria Math" panose="02040503050406030204" pitchFamily="18" charset="0"/>
+                      </a:rPr>
+                      <m:t>|</m:t>
+                    </m:r>
+                    <m:r>
+                      <a:rPr kumimoji="1" lang="en-US" altLang="ko-KR" b="1" i="1" smtClean="0">
+                        <a:latin typeface="Cambria Math" panose="02040503050406030204" pitchFamily="18" charset="0"/>
+                      </a:rPr>
+                      <m:t>𝒄𝒐𝒔</m:t>
+                    </m:r>
+                    <m:r>
+                      <a:rPr kumimoji="1" lang="ko-KR" altLang="en-US" b="1" i="1" smtClean="0">
+                        <a:latin typeface="Cambria Math" panose="02040503050406030204" pitchFamily="18" charset="0"/>
+                      </a:rPr>
+                      <m:t>𝜽</m:t>
+                    </m:r>
+                  </m:oMath>
+                </a14:m>
+                <a:endParaRPr kumimoji="1" lang="en-US" altLang="ko-KR" b="1" dirty="0"/>
+              </a:p>
+              <a:p>
+                <a:pPr lvl="2"/>
+                <a14:m>
+                  <m:oMath xmlns:m="http://schemas.openxmlformats.org/officeDocument/2006/math">
+                    <m:sSub>
+                      <m:sSubPr>
+                        <m:ctrlPr>
+                          <a:rPr kumimoji="1" lang="en-US" altLang="ko-KR" sz="1600" b="1" i="1" smtClean="0">
+                            <a:latin typeface="Cambria Math" panose="02040503050406030204" pitchFamily="18" charset="0"/>
+                          </a:rPr>
+                        </m:ctrlPr>
+                      </m:sSubPr>
+                      <m:e>
+                        <m:r>
+                          <a:rPr kumimoji="1" lang="en-US" altLang="ko-KR" sz="1600" b="1" i="1" smtClean="0">
+                            <a:latin typeface="Cambria Math" panose="02040503050406030204" pitchFamily="18" charset="0"/>
+                          </a:rPr>
+                          <m:t>𝑫</m:t>
+                        </m:r>
+                      </m:e>
+                      <m:sub>
+                        <m:r>
+                          <a:rPr kumimoji="1" lang="en-US" altLang="ko-KR" sz="1600" b="1" i="1" smtClean="0">
+                            <a:latin typeface="Cambria Math" panose="02040503050406030204" pitchFamily="18" charset="0"/>
+                          </a:rPr>
+                          <m:t>𝒖</m:t>
+                        </m:r>
+                      </m:sub>
+                    </m:sSub>
+                    <m:r>
+                      <a:rPr kumimoji="1" lang="en-US" altLang="ko-KR" sz="1600" b="1" i="1" smtClean="0">
+                        <a:latin typeface="Cambria Math" panose="02040503050406030204" pitchFamily="18" charset="0"/>
+                      </a:rPr>
+                      <m:t>𝒇</m:t>
+                    </m:r>
+                    <m:r>
+                      <a:rPr kumimoji="1" lang="en-US" altLang="ko-KR" sz="1600" b="1" i="0" smtClean="0">
+                        <a:latin typeface="Cambria Math" panose="02040503050406030204" pitchFamily="18" charset="0"/>
+                      </a:rPr>
+                      <m:t>=</m:t>
+                    </m:r>
+                    <m:d>
+                      <m:dPr>
+                        <m:begChr m:val="|"/>
+                        <m:endChr m:val="|"/>
+                        <m:ctrlPr>
+                          <a:rPr kumimoji="1" lang="en-US" altLang="ko-KR" b="1" i="1" smtClean="0">
+                            <a:latin typeface="Cambria Math" panose="02040503050406030204" pitchFamily="18" charset="0"/>
+                          </a:rPr>
+                        </m:ctrlPr>
+                      </m:dPr>
+                      <m:e>
+                        <m:d>
+                          <m:dPr>
+                            <m:begChr m:val="|"/>
+                            <m:endChr m:val="|"/>
+                            <m:ctrlPr>
+                              <a:rPr kumimoji="1" lang="en-US" altLang="ko-KR" b="1" i="1">
+                                <a:latin typeface="Cambria Math" panose="02040503050406030204" pitchFamily="18" charset="0"/>
+                              </a:rPr>
+                            </m:ctrlPr>
+                          </m:dPr>
+                          <m:e>
+                            <m:r>
+                              <a:rPr kumimoji="1" lang="ko-KR" altLang="en-US" b="1" i="1">
+                                <a:latin typeface="Cambria Math" panose="02040503050406030204" pitchFamily="18" charset="0"/>
+                              </a:rPr>
+                              <m:t>𝛁</m:t>
+                            </m:r>
+                            <m:r>
+                              <a:rPr kumimoji="1" lang="en-US" altLang="ko-KR" b="1" i="1">
+                                <a:latin typeface="Cambria Math" panose="02040503050406030204" pitchFamily="18" charset="0"/>
+                              </a:rPr>
+                              <m:t>𝒇</m:t>
+                            </m:r>
+                          </m:e>
+                        </m:d>
+                      </m:e>
+                    </m:d>
+                    <m:r>
+                      <a:rPr kumimoji="1" lang="en-US" altLang="ko-KR" b="1" i="1">
+                        <a:latin typeface="Cambria Math" panose="02040503050406030204" pitchFamily="18" charset="0"/>
+                      </a:rPr>
+                      <m:t>𝒄𝒐𝒔</m:t>
+                    </m:r>
+                    <m:r>
+                      <a:rPr kumimoji="1" lang="ko-KR" altLang="en-US" b="1" i="1">
+                        <a:latin typeface="Cambria Math" panose="02040503050406030204" pitchFamily="18" charset="0"/>
+                      </a:rPr>
+                      <m:t>𝜽</m:t>
+                    </m:r>
+                    <m:r>
+                      <a:rPr kumimoji="1" lang="en-US" altLang="ko-KR" b="1" i="1" smtClean="0">
+                        <a:latin typeface="Cambria Math" panose="02040503050406030204" pitchFamily="18" charset="0"/>
+                      </a:rPr>
+                      <m:t>,</m:t>
+                    </m:r>
+                  </m:oMath>
+                </a14:m>
+                <a:r>
+                  <a:rPr kumimoji="1" lang="en-US" altLang="ko-KR" b="1" dirty="0"/>
+                  <a:t> u is unit vector</a:t>
+                </a:r>
+              </a:p>
+              <a:p>
+                <a:pPr lvl="2"/>
+                <a:r>
+                  <a:rPr kumimoji="1" lang="en-US" altLang="ko-KR" b="1" dirty="0"/>
+                  <a:t>So,  </a:t>
+                </a:r>
+                <a14:m>
+                  <m:oMath xmlns:m="http://schemas.openxmlformats.org/officeDocument/2006/math">
+                    <m:r>
+                      <a:rPr kumimoji="1" lang="en-US" altLang="ko-KR" b="1" i="0" smtClean="0">
+                        <a:latin typeface="Cambria Math" panose="02040503050406030204" pitchFamily="18" charset="0"/>
+                      </a:rPr>
+                      <m:t>−</m:t>
+                    </m:r>
+                    <m:d>
+                      <m:dPr>
+                        <m:begChr m:val="|"/>
+                        <m:endChr m:val="|"/>
+                        <m:ctrlPr>
+                          <a:rPr kumimoji="1" lang="en-US" altLang="ko-KR" b="1" i="1">
+                            <a:latin typeface="Cambria Math" panose="02040503050406030204" pitchFamily="18" charset="0"/>
+                          </a:rPr>
+                        </m:ctrlPr>
+                      </m:dPr>
+                      <m:e>
+                        <m:r>
+                          <a:rPr kumimoji="1" lang="ko-KR" altLang="en-US" b="1" i="1">
+                            <a:latin typeface="Cambria Math" panose="02040503050406030204" pitchFamily="18" charset="0"/>
+                          </a:rPr>
+                          <m:t>𝛁</m:t>
+                        </m:r>
+                        <m:r>
+                          <a:rPr kumimoji="1" lang="en-US" altLang="ko-KR" b="1" i="1">
+                            <a:latin typeface="Cambria Math" panose="02040503050406030204" pitchFamily="18" charset="0"/>
+                          </a:rPr>
+                          <m:t>𝒇</m:t>
+                        </m:r>
+                      </m:e>
+                    </m:d>
+                    <m:r>
+                      <a:rPr kumimoji="1" lang="en-US" altLang="ko-KR" b="1" i="1" smtClean="0">
+                        <a:latin typeface="Cambria Math" panose="02040503050406030204" pitchFamily="18" charset="0"/>
+                      </a:rPr>
+                      <m:t>≤</m:t>
+                    </m:r>
+                    <m:sSub>
+                      <m:sSubPr>
+                        <m:ctrlPr>
+                          <a:rPr kumimoji="1" lang="en-US" altLang="ko-KR" b="1" i="1"/>
+                        </m:ctrlPr>
+                      </m:sSubPr>
+                      <m:e>
+                        <m:r>
+                          <a:rPr kumimoji="1" lang="en-US" altLang="ko-KR" b="1" i="1"/>
+                          <m:t>𝑫</m:t>
+                        </m:r>
+                      </m:e>
+                      <m:sub>
+                        <m:r>
+                          <a:rPr kumimoji="1" lang="en-US" altLang="ko-KR" b="1" i="1"/>
+                          <m:t>𝒖</m:t>
+                        </m:r>
+                      </m:sub>
+                    </m:sSub>
+                    <m:r>
+                      <a:rPr kumimoji="1" lang="en-US" altLang="ko-KR" b="1" i="1"/>
+                      <m:t>𝒇</m:t>
+                    </m:r>
+                    <m:r>
+                      <a:rPr kumimoji="1" lang="en-US" altLang="ko-KR" b="1" i="1" smtClean="0">
+                        <a:latin typeface="Cambria Math" panose="02040503050406030204" pitchFamily="18" charset="0"/>
+                      </a:rPr>
+                      <m:t>≤</m:t>
+                    </m:r>
+                    <m:d>
+                      <m:dPr>
+                        <m:begChr m:val="|"/>
+                        <m:endChr m:val="|"/>
+                        <m:ctrlPr>
+                          <a:rPr kumimoji="1" lang="en-US" altLang="ko-KR" b="1" i="1">
+                            <a:latin typeface="Cambria Math" panose="02040503050406030204" pitchFamily="18" charset="0"/>
+                          </a:rPr>
+                        </m:ctrlPr>
+                      </m:dPr>
+                      <m:e>
+                        <m:r>
+                          <a:rPr kumimoji="1" lang="ko-KR" altLang="en-US" b="1" i="1">
+                            <a:latin typeface="Cambria Math" panose="02040503050406030204" pitchFamily="18" charset="0"/>
+                          </a:rPr>
+                          <m:t>𝛁</m:t>
+                        </m:r>
+                        <m:r>
+                          <a:rPr kumimoji="1" lang="en-US" altLang="ko-KR" b="1" i="1">
+                            <a:latin typeface="Cambria Math" panose="02040503050406030204" pitchFamily="18" charset="0"/>
+                          </a:rPr>
+                          <m:t>𝒇</m:t>
+                        </m:r>
+                      </m:e>
+                    </m:d>
+                  </m:oMath>
+                </a14:m>
+                <a:endParaRPr kumimoji="1" lang="en-US" altLang="ko-KR" b="1" dirty="0"/>
+              </a:p>
+              <a:p>
+                <a:pPr lvl="2"/>
+                <a:endParaRPr kumimoji="1" lang="en-US" altLang="ko-KR" b="1" dirty="0"/>
+              </a:p>
+              <a:p>
+                <a:pPr lvl="1"/>
+                <a:endParaRPr kumimoji="1" lang="en-US" altLang="ko-KR" b="1" dirty="0"/>
+              </a:p>
+            </p:txBody>
+          </p:sp>
+        </mc:Choice>
+        <mc:Fallback>
+          <p:sp>
+            <p:nvSpPr>
+              <p:cNvPr id="3" name="내용 개체 틀 2">
+                <a:extLst>
+                  <a:ext uri="{FF2B5EF4-FFF2-40B4-BE49-F238E27FC236}">
+                    <a16:creationId xmlns:a16="http://schemas.microsoft.com/office/drawing/2014/main" id="{1725D5B2-2C6C-3B43-B4F2-CA91BE12BB41}"/>
+                  </a:ext>
+                </a:extLst>
+              </p:cNvPr>
+              <p:cNvSpPr>
+                <a:spLocks noGrp="1" noRot="1" noChangeAspect="1" noMove="1" noResize="1" noEditPoints="1" noAdjustHandles="1" noChangeArrowheads="1" noChangeShapeType="1" noTextEdit="1"/>
+              </p:cNvSpPr>
+              <p:nvPr>
+                <p:ph idx="1"/>
+              </p:nvPr>
+            </p:nvSpPr>
+            <p:spPr>
+              <a:xfrm>
+                <a:off x="838200" y="1721803"/>
+                <a:ext cx="10927080" cy="4351338"/>
+              </a:xfrm>
+              <a:blipFill>
+                <a:blip r:embed="rId3"/>
+                <a:stretch>
+                  <a:fillRect l="-502"/>
+                </a:stretch>
+              </a:blipFill>
+            </p:spPr>
+            <p:txBody>
+              <a:bodyPr/>
+              <a:lstStyle/>
+              <a:p>
+                <a:r>
+                  <a:rPr lang="ko-KR" altLang="en-US">
+                    <a:noFill/>
+                  </a:rPr>
+                  <a:t> </a:t>
+                </a:r>
+              </a:p>
+            </p:txBody>
+          </p:sp>
+        </mc:Fallback>
+      </mc:AlternateContent>
+      <p:pic>
+        <p:nvPicPr>
+          <p:cNvPr id="5" name="그림 4">
+            <a:extLst>
+              <a:ext uri="{FF2B5EF4-FFF2-40B4-BE49-F238E27FC236}">
+                <a16:creationId xmlns:a16="http://schemas.microsoft.com/office/drawing/2014/main" id="{593F3C14-F5A7-D3A6-2466-2ECB1D4BEDD7}"/>
+              </a:ext>
+            </a:extLst>
+          </p:cNvPr>
+          <p:cNvPicPr>
+            <a:picLocks noChangeAspect="1"/>
+          </p:cNvPicPr>
+          <p:nvPr/>
+        </p:nvPicPr>
+        <p:blipFill>
+          <a:blip r:embed="rId4"/>
+          <a:stretch>
+            <a:fillRect/>
+          </a:stretch>
+        </p:blipFill>
+        <p:spPr>
+          <a:xfrm>
+            <a:off x="7457531" y="2431316"/>
+            <a:ext cx="3896269" cy="3238952"/>
+          </a:xfrm>
+          <a:prstGeom prst="rect">
+            <a:avLst/>
+          </a:prstGeom>
+        </p:spPr>
+      </p:pic>
+    </p:spTree>
+    <p:extLst>
+      <p:ext uri="{BB962C8B-B14F-4D97-AF65-F5344CB8AC3E}">
+        <p14:creationId xmlns:p14="http://schemas.microsoft.com/office/powerpoint/2010/main" val="2316844550"/>
+      </p:ext>
+    </p:extLst>
+  </p:cSld>
+  <p:clrMapOvr>
+    <a:masterClrMapping/>
+  </p:clrMapOvr>
+</p:sld>
+</file>
+
+<file path=ppt/slides/slide14.xml><?xml version="1.0" encoding="utf-8"?>
+<p:sld xmlns:a="http://schemas.openxmlformats.org/drawingml/2006/main" xmlns:r="http://schemas.openxmlformats.org/officeDocument/2006/relationships" xmlns:p="http://schemas.openxmlformats.org/presentationml/2006/main">
+  <p:cSld>
+    <p:spTree>
+      <p:nvGrpSpPr>
+        <p:cNvPr id="1" name=""/>
+        <p:cNvGrpSpPr/>
+        <p:nvPr/>
+      </p:nvGrpSpPr>
+      <p:grpSpPr>
+        <a:xfrm>
+          <a:off x="0" y="0"/>
+          <a:ext cx="0" cy="0"/>
+          <a:chOff x="0" y="0"/>
+          <a:chExt cx="0" cy="0"/>
+        </a:xfrm>
+      </p:grpSpPr>
+      <p:sp>
+        <p:nvSpPr>
+          <p:cNvPr id="2" name="제목 1">
+            <a:extLst>
+              <a:ext uri="{FF2B5EF4-FFF2-40B4-BE49-F238E27FC236}">
+                <a16:creationId xmlns:a16="http://schemas.microsoft.com/office/drawing/2014/main" id="{AA92BCFB-E11B-F940-A787-2261CAC8E814}"/>
+              </a:ext>
+            </a:extLst>
+          </p:cNvPr>
+          <p:cNvSpPr>
+            <a:spLocks noGrp="1"/>
+          </p:cNvSpPr>
+          <p:nvPr>
+            <p:ph type="title"/>
+          </p:nvPr>
+        </p:nvSpPr>
+        <p:spPr/>
+        <p:txBody>
+          <a:bodyPr/>
+          <a:lstStyle/>
+          <a:p>
+            <a:r>
+              <a:rPr kumimoji="1" lang="en-US" altLang="en-US" dirty="0"/>
+              <a:t>4.3 Gradient-Based Optimization</a:t>
+            </a:r>
+            <a:endParaRPr kumimoji="1" lang="ko-Kore-KR" altLang="en-US" dirty="0"/>
+          </a:p>
+        </p:txBody>
+      </p:sp>
+      <mc:AlternateContent xmlns:mc="http://schemas.openxmlformats.org/markup-compatibility/2006">
+        <mc:Choice xmlns:a14="http://schemas.microsoft.com/office/drawing/2010/main" Requires="a14">
+          <p:sp>
+            <p:nvSpPr>
+              <p:cNvPr id="3" name="내용 개체 틀 2">
+                <a:extLst>
+                  <a:ext uri="{FF2B5EF4-FFF2-40B4-BE49-F238E27FC236}">
+                    <a16:creationId xmlns:a16="http://schemas.microsoft.com/office/drawing/2014/main" id="{1725D5B2-2C6C-3B43-B4F2-CA91BE12BB41}"/>
+                  </a:ext>
+                </a:extLst>
+              </p:cNvPr>
+              <p:cNvSpPr>
+                <a:spLocks noGrp="1"/>
+              </p:cNvSpPr>
+              <p:nvPr>
+                <p:ph idx="1"/>
+              </p:nvPr>
+            </p:nvSpPr>
+            <p:spPr>
+              <a:xfrm>
+                <a:off x="838200" y="1721803"/>
+                <a:ext cx="10927080" cy="4351338"/>
+              </a:xfrm>
+            </p:spPr>
+            <p:txBody>
+              <a:bodyPr/>
+              <a:lstStyle/>
+              <a:p>
+                <a:r>
+                  <a:rPr kumimoji="1" lang="en-US" altLang="en-US" b="1" dirty="0"/>
+                  <a:t>Gradient</a:t>
+                </a:r>
+                <a:r>
+                  <a:rPr kumimoji="1" lang="ko-KR" altLang="en-US" b="1" dirty="0"/>
+                  <a:t> </a:t>
+                </a:r>
+                <a:r>
+                  <a:rPr kumimoji="1" lang="en-US" altLang="ko-KR" b="1" dirty="0"/>
+                  <a:t>Decent for multi-variable function</a:t>
+                </a:r>
+              </a:p>
+              <a:p>
+                <a:pPr lvl="1"/>
+                <a:r>
+                  <a:rPr kumimoji="1" lang="en-US" altLang="ko-KR" dirty="0"/>
+                  <a:t>Gradient descent proposes a new point</a:t>
+                </a:r>
+              </a:p>
+              <a:p>
+                <a:pPr lvl="1"/>
+                <a14:m>
+                  <m:oMath xmlns:m="http://schemas.openxmlformats.org/officeDocument/2006/math">
+                    <m:sSup>
+                      <m:sSupPr>
+                        <m:ctrlPr>
+                          <a:rPr kumimoji="1" lang="en-US" altLang="ko-KR" i="1" smtClean="0">
+                            <a:latin typeface="Cambria Math" panose="02040503050406030204" pitchFamily="18" charset="0"/>
+                          </a:rPr>
+                        </m:ctrlPr>
+                      </m:sSupPr>
+                      <m:e>
+                        <m:r>
+                          <a:rPr kumimoji="1" lang="en-US" altLang="ko-KR" b="0" i="1" smtClean="0">
+                            <a:latin typeface="Cambria Math" panose="02040503050406030204" pitchFamily="18" charset="0"/>
+                          </a:rPr>
+                          <m:t>𝑥</m:t>
+                        </m:r>
+                      </m:e>
+                      <m:sup>
+                        <m:r>
+                          <a:rPr kumimoji="1" lang="en-US" altLang="ko-KR" b="0" i="1" smtClean="0">
+                            <a:latin typeface="Cambria Math" panose="02040503050406030204" pitchFamily="18" charset="0"/>
+                          </a:rPr>
+                          <m:t>′</m:t>
+                        </m:r>
+                      </m:sup>
+                    </m:sSup>
+                    <m:r>
+                      <a:rPr kumimoji="1" lang="en-US" altLang="ko-KR" b="0" i="1" smtClean="0">
+                        <a:latin typeface="Cambria Math" panose="02040503050406030204" pitchFamily="18" charset="0"/>
+                      </a:rPr>
+                      <m:t>=</m:t>
+                    </m:r>
+                    <m:r>
+                      <a:rPr kumimoji="1" lang="en-US" altLang="ko-KR" b="0" i="1" smtClean="0">
+                        <a:latin typeface="Cambria Math" panose="02040503050406030204" pitchFamily="18" charset="0"/>
+                      </a:rPr>
+                      <m:t>𝑥</m:t>
+                    </m:r>
+                    <m:r>
+                      <a:rPr kumimoji="1" lang="en-US" altLang="ko-KR" b="0" i="1" smtClean="0">
+                        <a:latin typeface="Cambria Math" panose="02040503050406030204" pitchFamily="18" charset="0"/>
+                      </a:rPr>
+                      <m:t>−</m:t>
+                    </m:r>
+                    <m:r>
+                      <a:rPr kumimoji="1" lang="ko-KR" altLang="en-US" b="0" i="1" smtClean="0">
+                        <a:latin typeface="Cambria Math" panose="02040503050406030204" pitchFamily="18" charset="0"/>
+                      </a:rPr>
+                      <m:t>𝜀</m:t>
+                    </m:r>
+                    <m:r>
+                      <m:rPr>
+                        <m:sty m:val="p"/>
+                      </m:rPr>
+                      <a:rPr kumimoji="1" lang="ko-KR" altLang="en-US" b="0" i="1" smtClean="0">
+                        <a:latin typeface="Cambria Math" panose="02040503050406030204" pitchFamily="18" charset="0"/>
+                      </a:rPr>
+                      <m:t>∇</m:t>
+                    </m:r>
+                    <m:r>
+                      <a:rPr kumimoji="1" lang="en-US" altLang="ko-KR" b="0" i="1" smtClean="0">
+                        <a:latin typeface="Cambria Math" panose="02040503050406030204" pitchFamily="18" charset="0"/>
+                      </a:rPr>
+                      <m:t>𝑓</m:t>
+                    </m:r>
+                    <m:r>
+                      <a:rPr kumimoji="1" lang="en-US" altLang="ko-KR" b="0" i="1" smtClean="0">
+                        <a:latin typeface="Cambria Math" panose="02040503050406030204" pitchFamily="18" charset="0"/>
+                      </a:rPr>
+                      <m:t>(</m:t>
+                    </m:r>
+                    <m:r>
+                      <a:rPr kumimoji="1" lang="en-US" altLang="ko-KR" b="0" i="1" smtClean="0">
+                        <a:latin typeface="Cambria Math" panose="02040503050406030204" pitchFamily="18" charset="0"/>
+                      </a:rPr>
+                      <m:t>𝑥</m:t>
+                    </m:r>
+                    <m:r>
+                      <a:rPr kumimoji="1" lang="en-US" altLang="ko-KR" b="0" i="1" smtClean="0">
+                        <a:latin typeface="Cambria Math" panose="02040503050406030204" pitchFamily="18" charset="0"/>
+                      </a:rPr>
+                      <m:t>)</m:t>
+                    </m:r>
+                  </m:oMath>
+                </a14:m>
+                <a:endParaRPr kumimoji="1" lang="en-US" altLang="ko-KR" dirty="0"/>
+              </a:p>
+              <a:p>
+                <a:pPr lvl="1"/>
+                <a14:m>
+                  <m:oMath xmlns:m="http://schemas.openxmlformats.org/officeDocument/2006/math">
+                    <m:r>
+                      <a:rPr kumimoji="1" lang="ko-KR" altLang="en-US" b="0" i="1" smtClean="0">
+                        <a:latin typeface="Cambria Math" panose="02040503050406030204" pitchFamily="18" charset="0"/>
+                      </a:rPr>
+                      <m:t>𝜀</m:t>
+                    </m:r>
+                  </m:oMath>
+                </a14:m>
+                <a:r>
+                  <a:rPr kumimoji="1" lang="en-US" altLang="ko-KR" dirty="0"/>
+                  <a:t> is the </a:t>
+                </a:r>
+                <a:r>
+                  <a:rPr kumimoji="1" lang="en-US" altLang="ko-KR" b="1" dirty="0"/>
+                  <a:t>learning rate</a:t>
+                </a:r>
+              </a:p>
+              <a:p>
+                <a:pPr lvl="1"/>
+                <a:endParaRPr kumimoji="1" lang="en-US" altLang="ko-KR" b="1" dirty="0"/>
+              </a:p>
+            </p:txBody>
+          </p:sp>
+        </mc:Choice>
+        <mc:Fallback>
+          <p:sp>
+            <p:nvSpPr>
+              <p:cNvPr id="3" name="내용 개체 틀 2">
+                <a:extLst>
+                  <a:ext uri="{FF2B5EF4-FFF2-40B4-BE49-F238E27FC236}">
+                    <a16:creationId xmlns:a16="http://schemas.microsoft.com/office/drawing/2014/main" id="{1725D5B2-2C6C-3B43-B4F2-CA91BE12BB41}"/>
+                  </a:ext>
+                </a:extLst>
+              </p:cNvPr>
+              <p:cNvSpPr>
+                <a:spLocks noGrp="1" noRot="1" noChangeAspect="1" noMove="1" noResize="1" noEditPoints="1" noAdjustHandles="1" noChangeArrowheads="1" noChangeShapeType="1" noTextEdit="1"/>
+              </p:cNvSpPr>
+              <p:nvPr>
+                <p:ph idx="1"/>
+              </p:nvPr>
+            </p:nvSpPr>
+            <p:spPr>
+              <a:xfrm>
+                <a:off x="838200" y="1721803"/>
+                <a:ext cx="10927080" cy="4351338"/>
+              </a:xfrm>
+              <a:blipFill>
+                <a:blip r:embed="rId3"/>
+                <a:stretch>
+                  <a:fillRect l="-502"/>
+                </a:stretch>
+              </a:blipFill>
+            </p:spPr>
+            <p:txBody>
+              <a:bodyPr/>
+              <a:lstStyle/>
+              <a:p>
+                <a:r>
+                  <a:rPr lang="ko-KR" altLang="en-US">
+                    <a:noFill/>
+                  </a:rPr>
+                  <a:t> </a:t>
+                </a:r>
+              </a:p>
+            </p:txBody>
+          </p:sp>
+        </mc:Fallback>
+      </mc:AlternateContent>
+      <p:pic>
+        <p:nvPicPr>
+          <p:cNvPr id="5" name="그림 4">
+            <a:extLst>
+              <a:ext uri="{FF2B5EF4-FFF2-40B4-BE49-F238E27FC236}">
+                <a16:creationId xmlns:a16="http://schemas.microsoft.com/office/drawing/2014/main" id="{593F3C14-F5A7-D3A6-2466-2ECB1D4BEDD7}"/>
+              </a:ext>
+            </a:extLst>
+          </p:cNvPr>
+          <p:cNvPicPr>
+            <a:picLocks noChangeAspect="1"/>
+          </p:cNvPicPr>
+          <p:nvPr/>
+        </p:nvPicPr>
+        <p:blipFill>
+          <a:blip r:embed="rId4"/>
+          <a:stretch>
+            <a:fillRect/>
+          </a:stretch>
+        </p:blipFill>
+        <p:spPr>
+          <a:xfrm>
+            <a:off x="7457531" y="2431316"/>
+            <a:ext cx="3896269" cy="3238952"/>
+          </a:xfrm>
+          <a:prstGeom prst="rect">
+            <a:avLst/>
+          </a:prstGeom>
+        </p:spPr>
+      </p:pic>
+    </p:spTree>
+    <p:extLst>
+      <p:ext uri="{BB962C8B-B14F-4D97-AF65-F5344CB8AC3E}">
+        <p14:creationId xmlns:p14="http://schemas.microsoft.com/office/powerpoint/2010/main" val="1814432299"/>
+      </p:ext>
+    </p:extLst>
+  </p:cSld>
+  <p:clrMapOvr>
+    <a:masterClrMapping/>
+  </p:clrMapOvr>
+</p:sld>
+</file>
+
+<file path=ppt/slides/slide15.xml><?xml version="1.0" encoding="utf-8"?>
+<p:sld xmlns:a="http://schemas.openxmlformats.org/drawingml/2006/main" xmlns:r="http://schemas.openxmlformats.org/officeDocument/2006/relationships" xmlns:p="http://schemas.openxmlformats.org/presentationml/2006/main">
+  <p:cSld>
+    <p:spTree>
+      <p:nvGrpSpPr>
+        <p:cNvPr id="1" name=""/>
+        <p:cNvGrpSpPr/>
+        <p:nvPr/>
+      </p:nvGrpSpPr>
+      <p:grpSpPr>
+        <a:xfrm>
+          <a:off x="0" y="0"/>
+          <a:ext cx="0" cy="0"/>
+          <a:chOff x="0" y="0"/>
+          <a:chExt cx="0" cy="0"/>
+        </a:xfrm>
+      </p:grpSpPr>
+      <p:sp>
+        <p:nvSpPr>
+          <p:cNvPr id="2" name="제목 1">
+            <a:extLst>
+              <a:ext uri="{FF2B5EF4-FFF2-40B4-BE49-F238E27FC236}">
+                <a16:creationId xmlns:a16="http://schemas.microsoft.com/office/drawing/2014/main" id="{AA92BCFB-E11B-F940-A787-2261CAC8E814}"/>
+              </a:ext>
+            </a:extLst>
+          </p:cNvPr>
+          <p:cNvSpPr>
+            <a:spLocks noGrp="1"/>
+          </p:cNvSpPr>
+          <p:nvPr>
+            <p:ph type="title"/>
+          </p:nvPr>
+        </p:nvSpPr>
+        <p:spPr/>
+        <p:txBody>
+          <a:bodyPr/>
+          <a:lstStyle/>
+          <a:p>
+            <a:r>
+              <a:rPr kumimoji="1" lang="en-US" altLang="en-US" dirty="0"/>
+              <a:t>4.3.1 Beyond the gradient</a:t>
+            </a:r>
+            <a:endParaRPr kumimoji="1" lang="ko-Kore-KR" altLang="en-US" dirty="0"/>
+          </a:p>
+        </p:txBody>
+      </p:sp>
+      <p:sp>
+        <p:nvSpPr>
+          <p:cNvPr id="3" name="내용 개체 틀 2">
+            <a:extLst>
+              <a:ext uri="{FF2B5EF4-FFF2-40B4-BE49-F238E27FC236}">
+                <a16:creationId xmlns:a16="http://schemas.microsoft.com/office/drawing/2014/main" id="{1725D5B2-2C6C-3B43-B4F2-CA91BE12BB41}"/>
+              </a:ext>
+            </a:extLst>
+          </p:cNvPr>
+          <p:cNvSpPr>
+            <a:spLocks noGrp="1"/>
+          </p:cNvSpPr>
+          <p:nvPr>
+            <p:ph idx="1"/>
+          </p:nvPr>
+        </p:nvSpPr>
+        <p:spPr>
+          <a:xfrm>
+            <a:off x="838200" y="1721803"/>
+            <a:ext cx="10927080" cy="4351338"/>
+          </a:xfrm>
+        </p:spPr>
+        <p:txBody>
+          <a:bodyPr/>
+          <a:lstStyle/>
+          <a:p>
+            <a:endParaRPr kumimoji="1" lang="en-US" altLang="ko-KR" b="1" dirty="0"/>
+          </a:p>
+        </p:txBody>
+      </p:sp>
+    </p:spTree>
+    <p:extLst>
+      <p:ext uri="{BB962C8B-B14F-4D97-AF65-F5344CB8AC3E}">
+        <p14:creationId xmlns:p14="http://schemas.microsoft.com/office/powerpoint/2010/main" val="1463975768"/>
+      </p:ext>
+    </p:extLst>
+  </p:cSld>
+  <p:clrMapOvr>
+    <a:masterClrMapping/>
+  </p:clrMapOvr>
+</p:sld>
+</file>
+
+<file path=ppt/slides/slide16.xml><?xml version="1.0" encoding="utf-8"?>
+<p:sld xmlns:a="http://schemas.openxmlformats.org/drawingml/2006/main" xmlns:r="http://schemas.openxmlformats.org/officeDocument/2006/relationships" xmlns:p="http://schemas.openxmlformats.org/presentationml/2006/main">
+  <p:cSld>
+    <p:spTree>
+      <p:nvGrpSpPr>
+        <p:cNvPr id="1" name=""/>
+        <p:cNvGrpSpPr/>
+        <p:nvPr/>
+      </p:nvGrpSpPr>
+      <p:grpSpPr>
+        <a:xfrm>
+          <a:off x="0" y="0"/>
+          <a:ext cx="0" cy="0"/>
+          <a:chOff x="0" y="0"/>
+          <a:chExt cx="0" cy="0"/>
+        </a:xfrm>
+      </p:grpSpPr>
+      <p:sp>
+        <p:nvSpPr>
+          <p:cNvPr id="2" name="제목 1">
+            <a:extLst>
+              <a:ext uri="{FF2B5EF4-FFF2-40B4-BE49-F238E27FC236}">
+                <a16:creationId xmlns:a16="http://schemas.microsoft.com/office/drawing/2014/main" id="{AA92BCFB-E11B-F940-A787-2261CAC8E814}"/>
+              </a:ext>
+            </a:extLst>
+          </p:cNvPr>
+          <p:cNvSpPr>
+            <a:spLocks noGrp="1"/>
+          </p:cNvSpPr>
+          <p:nvPr>
+            <p:ph type="title"/>
+          </p:nvPr>
+        </p:nvSpPr>
+        <p:spPr/>
+        <p:txBody>
+          <a:bodyPr/>
+          <a:lstStyle/>
+          <a:p>
+            <a:r>
+              <a:rPr kumimoji="1" lang="en-US" altLang="en-US" dirty="0"/>
+              <a:t>4.4 Constrained Optimization</a:t>
+            </a:r>
+            <a:endParaRPr kumimoji="1" lang="ko-Kore-KR" altLang="en-US" dirty="0"/>
+          </a:p>
+        </p:txBody>
+      </p:sp>
+      <p:sp>
+        <p:nvSpPr>
+          <p:cNvPr id="3" name="내용 개체 틀 2">
+            <a:extLst>
+              <a:ext uri="{FF2B5EF4-FFF2-40B4-BE49-F238E27FC236}">
+                <a16:creationId xmlns:a16="http://schemas.microsoft.com/office/drawing/2014/main" id="{1725D5B2-2C6C-3B43-B4F2-CA91BE12BB41}"/>
+              </a:ext>
+            </a:extLst>
+          </p:cNvPr>
+          <p:cNvSpPr>
+            <a:spLocks noGrp="1"/>
+          </p:cNvSpPr>
+          <p:nvPr>
+            <p:ph idx="1"/>
+          </p:nvPr>
+        </p:nvSpPr>
+        <p:spPr>
+          <a:xfrm>
+            <a:off x="838200" y="1721803"/>
+            <a:ext cx="10927080" cy="4351338"/>
+          </a:xfrm>
+        </p:spPr>
+        <p:txBody>
+          <a:bodyPr/>
+          <a:lstStyle/>
+          <a:p>
+            <a:endParaRPr kumimoji="1" lang="en-US" altLang="ko-KR" b="1" dirty="0"/>
+          </a:p>
+        </p:txBody>
+      </p:sp>
+    </p:spTree>
+    <p:extLst>
+      <p:ext uri="{BB962C8B-B14F-4D97-AF65-F5344CB8AC3E}">
+        <p14:creationId xmlns:p14="http://schemas.microsoft.com/office/powerpoint/2010/main" val="2184248763"/>
+      </p:ext>
+    </p:extLst>
+  </p:cSld>
+  <p:clrMapOvr>
+    <a:masterClrMapping/>
+  </p:clrMapOvr>
+</p:sld>
+</file>
+
 <file path=ppt/slides/slide2.xml><?xml version="1.0" encoding="utf-8"?>
 <p:sld xmlns:a="http://schemas.openxmlformats.org/drawingml/2006/main" xmlns:r="http://schemas.openxmlformats.org/officeDocument/2006/relationships" xmlns:p="http://schemas.openxmlformats.org/presentationml/2006/main">
   <p:cSld>
@@ -3096,7 +6128,7 @@
           <a:lstStyle/>
           <a:p>
             <a:r>
-              <a:rPr kumimoji="1" lang="en-US" altLang="en-US" dirty="0"/>
+              <a:rPr kumimoji="1" lang="en-US" altLang="en-US" b="1" dirty="0"/>
               <a:t>Rounding error</a:t>
             </a:r>
           </a:p>
@@ -3204,7 +6236,7 @@
               <a:lstStyle/>
               <a:p>
                 <a:r>
-                  <a:rPr kumimoji="1" lang="en-US" altLang="en-US" dirty="0"/>
+                  <a:rPr kumimoji="1" lang="en-US" altLang="en-US" b="1" dirty="0"/>
                   <a:t>Underflow</a:t>
                 </a:r>
               </a:p>
@@ -3276,7 +6308,7 @@
               </a:p>
               <a:p>
                 <a:r>
-                  <a:rPr kumimoji="1" lang="en-US" altLang="ko-KR" dirty="0"/>
+                  <a:rPr kumimoji="1" lang="en-US" altLang="ko-KR" b="1" dirty="0"/>
                   <a:t>Overflow</a:t>
                 </a:r>
               </a:p>
@@ -3426,7 +6458,7 @@
           <a:lstStyle/>
           <a:p>
             <a:r>
-              <a:rPr kumimoji="1" lang="en-US" altLang="en-US" dirty="0"/>
+              <a:rPr kumimoji="1" lang="en-US" altLang="en-US" b="1" dirty="0"/>
               <a:t>Conditioning</a:t>
             </a:r>
           </a:p>
@@ -3562,7 +6594,7 @@
               <a:lstStyle/>
               <a:p>
                 <a:r>
-                  <a:rPr kumimoji="1" lang="en-US" altLang="en-US" dirty="0"/>
+                  <a:rPr kumimoji="1" lang="en-US" altLang="en-US" b="1" dirty="0"/>
                   <a:t>Condition number</a:t>
                 </a:r>
               </a:p>
@@ -4172,7 +7204,25 @@
               <a:rPr kumimoji="1" lang="en-US" altLang="ko-KR" b="1" dirty="0"/>
               <a:t>Decent</a:t>
             </a:r>
-            <a:endParaRPr kumimoji="1" lang="en-US" altLang="en-US" b="1" dirty="0"/>
+          </a:p>
+          <a:p>
+            <a:pPr lvl="1"/>
+            <a:r>
+              <a:rPr kumimoji="1" lang="en-US" altLang="en-US" dirty="0"/>
+              <a:t>The derivative is useful for minimizing a function because it tells us how to change </a:t>
+            </a:r>
+            <a:r>
+              <a:rPr kumimoji="1" lang="en-US" altLang="en-US" b="1" dirty="0"/>
+              <a:t>x</a:t>
+            </a:r>
+            <a:r>
+              <a:rPr kumimoji="1" lang="en-US" altLang="en-US" dirty="0"/>
+              <a:t> in order to make a small improvement in </a:t>
+            </a:r>
+            <a:r>
+              <a:rPr kumimoji="1" lang="en-US" altLang="en-US" b="1" dirty="0"/>
+              <a:t>y</a:t>
+            </a:r>
           </a:p>
         </p:txBody>
       </p:sp>

--- a/DeepLearningStudy/4. 수치해석.pptx
+++ b/DeepLearningStudy/4. 수치해석.pptx
@@ -5,7 +5,7 @@
     <p:sldMasterId id="2147483653" r:id="rId1"/>
   </p:sldMasterIdLst>
   <p:notesMasterIdLst>
-    <p:notesMasterId r:id="rId18"/>
+    <p:notesMasterId r:id="rId21"/>
   </p:notesMasterIdLst>
   <p:sldIdLst>
     <p:sldId id="257" r:id="rId2"/>
@@ -22,8 +22,11 @@
     <p:sldId id="287" r:id="rId13"/>
     <p:sldId id="289" r:id="rId14"/>
     <p:sldId id="288" r:id="rId15"/>
-    <p:sldId id="291" r:id="rId16"/>
-    <p:sldId id="292" r:id="rId17"/>
+    <p:sldId id="292" r:id="rId16"/>
+    <p:sldId id="293" r:id="rId17"/>
+    <p:sldId id="294" r:id="rId18"/>
+    <p:sldId id="295" r:id="rId19"/>
+    <p:sldId id="296" r:id="rId20"/>
   </p:sldIdLst>
   <p:sldSz cx="12192000" cy="6858000"/>
   <p:notesSz cx="6858000" cy="9144000"/>
@@ -212,7 +215,7 @@
           <a:p>
             <a:fld id="{10D429B4-BF05-4CB4-B0D2-67A8610105B3}" type="datetimeFigureOut">
               <a:rPr lang="ko-KR" altLang="en-US" smtClean="0"/>
-              <a:t>2023-01-25</a:t>
+              <a:t>2023-01-26</a:t>
             </a:fld>
             <a:endParaRPr lang="ko-KR" altLang="en-US"/>
           </a:p>
@@ -1306,7 +1309,114 @@
           <a:bodyPr/>
           <a:lstStyle/>
           <a:p>
-            <a:endParaRPr lang="en-US" altLang="ko-KR" dirty="0"/>
+            <a:r>
+              <a:rPr lang="ko-KR" altLang="en-US" dirty="0"/>
+              <a:t>함수 </a:t>
+            </a:r>
+            <a:r>
+              <a:rPr lang="en-US" altLang="ko-KR" dirty="0" err="1"/>
+              <a:t>fx</a:t>
+            </a:r>
+            <a:r>
+              <a:rPr lang="ko-KR" altLang="en-US" dirty="0"/>
+              <a:t>를 </a:t>
+            </a:r>
+            <a:r>
+              <a:rPr lang="en-US" altLang="ko-KR" dirty="0"/>
+              <a:t>x</a:t>
+            </a:r>
+            <a:r>
+              <a:rPr lang="ko-KR" altLang="en-US" dirty="0"/>
+              <a:t>의 모든 가능한 값에 대해 최대화 또는 </a:t>
+            </a:r>
+            <a:r>
+              <a:rPr lang="ko-KR" altLang="en-US" dirty="0" err="1"/>
+              <a:t>최소화하는게</a:t>
+            </a:r>
+            <a:r>
+              <a:rPr lang="ko-KR" altLang="en-US" dirty="0"/>
+              <a:t> 아니라</a:t>
+            </a:r>
+            <a:r>
+              <a:rPr lang="en-US" altLang="ko-KR" dirty="0"/>
+              <a:t>, </a:t>
+            </a:r>
+            <a:r>
+              <a:rPr lang="ko-KR" altLang="en-US" dirty="0"/>
+              <a:t>어떤 집합 </a:t>
+            </a:r>
+            <a:r>
+              <a:rPr lang="en-US" altLang="ko-KR" dirty="0"/>
+              <a:t>S</a:t>
+            </a:r>
+            <a:r>
+              <a:rPr lang="ko-KR" altLang="en-US" dirty="0"/>
+              <a:t>에 속한 </a:t>
+            </a:r>
+            <a:r>
+              <a:rPr lang="en-US" altLang="ko-KR" dirty="0"/>
+              <a:t>x </a:t>
+            </a:r>
+            <a:r>
+              <a:rPr lang="ko-KR" altLang="en-US" dirty="0"/>
+              <a:t>값들에 대해서만 </a:t>
+            </a:r>
+            <a:r>
+              <a:rPr lang="ko-KR" altLang="en-US" dirty="0" err="1"/>
+              <a:t>옵티마이징을</a:t>
+            </a:r>
+            <a:r>
+              <a:rPr lang="ko-KR" altLang="en-US" dirty="0"/>
+              <a:t> 하고 </a:t>
+            </a:r>
+            <a:r>
+              <a:rPr lang="ko-KR" altLang="en-US" dirty="0" err="1"/>
+              <a:t>싶은거라면</a:t>
+            </a:r>
+            <a:r>
+              <a:rPr lang="en-US" altLang="ko-KR" dirty="0"/>
+              <a:t>,</a:t>
+            </a:r>
+          </a:p>
+          <a:p>
+            <a:r>
+              <a:rPr lang="ko-KR" altLang="en-US" dirty="0" err="1"/>
+              <a:t>이런것을</a:t>
+            </a:r>
+            <a:r>
+              <a:rPr lang="ko-KR" altLang="en-US" dirty="0"/>
+              <a:t> 제약 있는 최적화라고 한다</a:t>
+            </a:r>
+            <a:r>
+              <a:rPr lang="en-US" altLang="ko-KR" dirty="0"/>
+              <a:t>.</a:t>
+            </a:r>
+          </a:p>
+          <a:p>
+            <a:r>
+              <a:rPr lang="ko-KR" altLang="en-US" dirty="0"/>
+              <a:t>그리고 </a:t>
+            </a:r>
+            <a:r>
+              <a:rPr lang="en-US" altLang="ko-KR" dirty="0"/>
+              <a:t>S</a:t>
+            </a:r>
+            <a:r>
+              <a:rPr lang="ko-KR" altLang="en-US" dirty="0"/>
+              <a:t>를 실현 가능한점 </a:t>
+            </a:r>
+            <a:r>
+              <a:rPr lang="en-US" altLang="ko-KR" dirty="0"/>
+              <a:t>feasible point </a:t>
+            </a:r>
+            <a:r>
+              <a:rPr lang="ko-KR" altLang="en-US" dirty="0"/>
+              <a:t>라고 한다</a:t>
+            </a:r>
+            <a:r>
+              <a:rPr lang="en-US" altLang="ko-KR" dirty="0"/>
+              <a:t>.</a:t>
+            </a:r>
           </a:p>
         </p:txBody>
       </p:sp>
@@ -1336,7 +1446,7 @@
     </p:spTree>
     <p:extLst>
       <p:ext uri="{BB962C8B-B14F-4D97-AF65-F5344CB8AC3E}">
-        <p14:creationId xmlns:p14="http://schemas.microsoft.com/office/powerpoint/2010/main" val="3053084591"/>
+        <p14:creationId xmlns:p14="http://schemas.microsoft.com/office/powerpoint/2010/main" val="3476556859"/>
       </p:ext>
     </p:extLst>
   </p:cSld>
@@ -1391,108 +1501,35 @@
           <a:lstStyle/>
           <a:p>
             <a:r>
-              <a:rPr lang="ko-KR" altLang="en-US" dirty="0"/>
-              <a:t>함수 </a:t>
-            </a:r>
-            <a:r>
-              <a:rPr lang="en-US" altLang="ko-KR" dirty="0" err="1"/>
-              <a:t>fx</a:t>
-            </a:r>
-            <a:r>
-              <a:rPr lang="ko-KR" altLang="en-US" dirty="0"/>
-              <a:t>를 </a:t>
-            </a:r>
-            <a:r>
-              <a:rPr lang="en-US" altLang="ko-KR" dirty="0"/>
-              <a:t>x</a:t>
-            </a:r>
-            <a:r>
-              <a:rPr lang="ko-KR" altLang="en-US" dirty="0"/>
-              <a:t>의 모든 가능한 값에 대해 최대화 또는 </a:t>
+              <a:rPr lang="en-US" altLang="ko-KR" dirty="0"/>
+              <a:t>KKT </a:t>
+            </a:r>
+            <a:r>
+              <a:rPr lang="ko-KR" altLang="en-US" dirty="0"/>
+              <a:t>접근법은 </a:t>
+            </a:r>
+            <a:r>
+              <a:rPr lang="en-US" altLang="ko-KR" dirty="0"/>
+              <a:t>constrained opt </a:t>
+            </a:r>
+            <a:r>
+              <a:rPr lang="ko-KR" altLang="en-US" dirty="0"/>
+              <a:t>에 일반화된 솔루션임</a:t>
+            </a:r>
+            <a:endParaRPr lang="en-US" altLang="ko-KR" dirty="0"/>
+          </a:p>
+          <a:p>
+            <a:r>
+              <a:rPr lang="ko-KR" altLang="en-US" dirty="0"/>
+              <a:t>일반화된 </a:t>
             </a:r>
             <a:r>
               <a:rPr lang="ko-KR" altLang="en-US" dirty="0" err="1"/>
-              <a:t>최소화하는게</a:t>
-            </a:r>
-            <a:r>
-              <a:rPr lang="ko-KR" altLang="en-US" dirty="0"/>
-              <a:t> 아니라</a:t>
-            </a:r>
-            <a:r>
-              <a:rPr lang="en-US" altLang="ko-KR" dirty="0"/>
-              <a:t>, </a:t>
-            </a:r>
-            <a:r>
-              <a:rPr lang="ko-KR" altLang="en-US" dirty="0"/>
-              <a:t>어떤 집합 </a:t>
-            </a:r>
-            <a:r>
-              <a:rPr lang="en-US" altLang="ko-KR" dirty="0"/>
-              <a:t>S</a:t>
-            </a:r>
-            <a:r>
-              <a:rPr lang="ko-KR" altLang="en-US" dirty="0"/>
-              <a:t>에 속한 </a:t>
-            </a:r>
-            <a:r>
-              <a:rPr lang="en-US" altLang="ko-KR" dirty="0"/>
-              <a:t>x </a:t>
-            </a:r>
-            <a:r>
-              <a:rPr lang="ko-KR" altLang="en-US" dirty="0"/>
-              <a:t>값들에 대해서만 </a:t>
-            </a:r>
-            <a:r>
-              <a:rPr lang="ko-KR" altLang="en-US" dirty="0" err="1"/>
-              <a:t>옵티마이징을</a:t>
-            </a:r>
-            <a:r>
-              <a:rPr lang="ko-KR" altLang="en-US" dirty="0"/>
-              <a:t> 하고 </a:t>
-            </a:r>
-            <a:r>
-              <a:rPr lang="ko-KR" altLang="en-US" dirty="0" err="1"/>
-              <a:t>싶은거라면</a:t>
-            </a:r>
-            <a:r>
-              <a:rPr lang="en-US" altLang="ko-KR" dirty="0"/>
-              <a:t>,</a:t>
-            </a:r>
-          </a:p>
-          <a:p>
-            <a:r>
-              <a:rPr lang="ko-KR" altLang="en-US" dirty="0" err="1"/>
-              <a:t>이런것을</a:t>
-            </a:r>
-            <a:r>
-              <a:rPr lang="ko-KR" altLang="en-US" dirty="0"/>
-              <a:t> 제약 있는 최적화라고 한다</a:t>
-            </a:r>
-            <a:r>
-              <a:rPr lang="en-US" altLang="ko-KR" dirty="0"/>
-              <a:t>.</a:t>
-            </a:r>
-          </a:p>
-          <a:p>
-            <a:r>
-              <a:rPr lang="ko-KR" altLang="en-US" dirty="0"/>
-              <a:t>그리고 </a:t>
-            </a:r>
-            <a:r>
-              <a:rPr lang="en-US" altLang="ko-KR" dirty="0"/>
-              <a:t>S</a:t>
-            </a:r>
-            <a:r>
-              <a:rPr lang="ko-KR" altLang="en-US" dirty="0"/>
-              <a:t>를 실현 가능한점 </a:t>
-            </a:r>
-            <a:r>
-              <a:rPr lang="en-US" altLang="ko-KR" dirty="0"/>
-              <a:t>feasible point </a:t>
-            </a:r>
-            <a:r>
-              <a:rPr lang="ko-KR" altLang="en-US" dirty="0"/>
-              <a:t>라고 한다</a:t>
+              <a:t>라그랑주</a:t>
+            </a:r>
+            <a:r>
+              <a:rPr lang="ko-KR" altLang="en-US" dirty="0"/>
+              <a:t> 함수라는 것을 사용하고</a:t>
             </a:r>
             <a:r>
               <a:rPr lang="en-US" altLang="ko-KR" dirty="0"/>
@@ -1527,7 +1564,487 @@
     </p:spTree>
     <p:extLst>
       <p:ext uri="{BB962C8B-B14F-4D97-AF65-F5344CB8AC3E}">
-        <p14:creationId xmlns:p14="http://schemas.microsoft.com/office/powerpoint/2010/main" val="3476556859"/>
+        <p14:creationId xmlns:p14="http://schemas.microsoft.com/office/powerpoint/2010/main" val="3754236973"/>
+      </p:ext>
+    </p:extLst>
+  </p:cSld>
+  <p:clrMapOvr>
+    <a:masterClrMapping/>
+  </p:clrMapOvr>
+</p:notes>
+</file>
+
+<file path=ppt/notesSlides/notesSlide15.xml><?xml version="1.0" encoding="utf-8"?>
+<p:notes xmlns:a="http://schemas.openxmlformats.org/drawingml/2006/main" xmlns:r="http://schemas.openxmlformats.org/officeDocument/2006/relationships" xmlns:p="http://schemas.openxmlformats.org/presentationml/2006/main">
+  <p:cSld>
+    <p:spTree>
+      <p:nvGrpSpPr>
+        <p:cNvPr id="1" name=""/>
+        <p:cNvGrpSpPr/>
+        <p:nvPr/>
+      </p:nvGrpSpPr>
+      <p:grpSpPr>
+        <a:xfrm>
+          <a:off x="0" y="0"/>
+          <a:ext cx="0" cy="0"/>
+          <a:chOff x="0" y="0"/>
+          <a:chExt cx="0" cy="0"/>
+        </a:xfrm>
+      </p:grpSpPr>
+      <p:sp>
+        <p:nvSpPr>
+          <p:cNvPr id="2" name="슬라이드 이미지 개체 틀 1"/>
+          <p:cNvSpPr>
+            <a:spLocks noGrp="1" noRot="1" noChangeAspect="1"/>
+          </p:cNvSpPr>
+          <p:nvPr>
+            <p:ph type="sldImg"/>
+          </p:nvPr>
+        </p:nvSpPr>
+        <p:spPr/>
+      </p:sp>
+      <p:sp>
+        <p:nvSpPr>
+          <p:cNvPr id="3" name="슬라이드 노트 개체 틀 2"/>
+          <p:cNvSpPr>
+            <a:spLocks noGrp="1"/>
+          </p:cNvSpPr>
+          <p:nvPr>
+            <p:ph type="body" idx="1"/>
+          </p:nvPr>
+        </p:nvSpPr>
+        <p:spPr/>
+        <p:txBody>
+          <a:bodyPr/>
+          <a:lstStyle/>
+          <a:p>
+            <a:r>
+              <a:rPr lang="ko-KR" altLang="en-US" dirty="0" err="1"/>
+              <a:t>라그랑주</a:t>
+            </a:r>
+            <a:r>
+              <a:rPr lang="ko-KR" altLang="en-US" dirty="0"/>
+              <a:t> 함수를 정의하기 위해 우선 </a:t>
+            </a:r>
+            <a:r>
+              <a:rPr lang="en-US" altLang="ko-KR" dirty="0"/>
+              <a:t>S</a:t>
+            </a:r>
+            <a:r>
+              <a:rPr lang="ko-KR" altLang="en-US" dirty="0"/>
+              <a:t>라는 제약조건을 등식과 부등식으로 표현한다</a:t>
+            </a:r>
+            <a:r>
+              <a:rPr lang="en-US" altLang="ko-KR" dirty="0"/>
+              <a:t>.</a:t>
+            </a:r>
+          </a:p>
+          <a:p>
+            <a:r>
+              <a:rPr lang="en-US" altLang="ko-KR" dirty="0"/>
+              <a:t>M</a:t>
+            </a:r>
+            <a:r>
+              <a:rPr lang="ko-KR" altLang="en-US" dirty="0"/>
+              <a:t>개의 </a:t>
+            </a:r>
+            <a:r>
+              <a:rPr lang="en-US" altLang="ko-KR" dirty="0"/>
+              <a:t>g</a:t>
+            </a:r>
+            <a:r>
+              <a:rPr lang="ko-KR" altLang="en-US" dirty="0"/>
+              <a:t>함수</a:t>
+            </a:r>
+            <a:r>
+              <a:rPr lang="en-US" altLang="ko-KR" dirty="0"/>
+              <a:t>, n</a:t>
+            </a:r>
+            <a:r>
+              <a:rPr lang="ko-KR" altLang="en-US" dirty="0"/>
+              <a:t>개의 </a:t>
+            </a:r>
+            <a:r>
+              <a:rPr lang="en-US" altLang="ko-KR" dirty="0"/>
+              <a:t>h</a:t>
+            </a:r>
+            <a:r>
+              <a:rPr lang="ko-KR" altLang="en-US" dirty="0"/>
+              <a:t>함수</a:t>
+            </a:r>
+            <a:endParaRPr lang="en-US" altLang="ko-KR" dirty="0"/>
+          </a:p>
+          <a:p>
+            <a:r>
+              <a:rPr lang="en-US" altLang="ko-KR" dirty="0"/>
+              <a:t>G</a:t>
+            </a:r>
+            <a:r>
+              <a:rPr lang="ko-KR" altLang="en-US" dirty="0"/>
+              <a:t>는 등식 제약</a:t>
+            </a:r>
+            <a:endParaRPr lang="en-US" altLang="ko-KR" dirty="0"/>
+          </a:p>
+          <a:p>
+            <a:r>
+              <a:rPr lang="en-US" altLang="ko-KR" dirty="0"/>
+              <a:t>H</a:t>
+            </a:r>
+            <a:r>
+              <a:rPr lang="ko-KR" altLang="en-US" dirty="0"/>
+              <a:t>는 부등식 제약</a:t>
+            </a:r>
+            <a:endParaRPr lang="en-US" altLang="ko-KR" dirty="0"/>
+          </a:p>
+        </p:txBody>
+      </p:sp>
+      <p:sp>
+        <p:nvSpPr>
+          <p:cNvPr id="4" name="슬라이드 번호 개체 틀 3"/>
+          <p:cNvSpPr>
+            <a:spLocks noGrp="1"/>
+          </p:cNvSpPr>
+          <p:nvPr>
+            <p:ph type="sldNum" sz="quarter" idx="5"/>
+          </p:nvPr>
+        </p:nvSpPr>
+        <p:spPr/>
+        <p:txBody>
+          <a:bodyPr/>
+          <a:lstStyle/>
+          <a:p>
+            <a:fld id="{DA275FA2-6C42-4D6B-BC32-C1F878E1B2E0}" type="slidenum">
+              <a:rPr lang="ko-KR" altLang="en-US" smtClean="0"/>
+              <a:t>17</a:t>
+            </a:fld>
+            <a:endParaRPr lang="ko-KR" altLang="en-US"/>
+          </a:p>
+        </p:txBody>
+      </p:sp>
+    </p:spTree>
+    <p:extLst>
+      <p:ext uri="{BB962C8B-B14F-4D97-AF65-F5344CB8AC3E}">
+        <p14:creationId xmlns:p14="http://schemas.microsoft.com/office/powerpoint/2010/main" val="520305031"/>
+      </p:ext>
+    </p:extLst>
+  </p:cSld>
+  <p:clrMapOvr>
+    <a:masterClrMapping/>
+  </p:clrMapOvr>
+</p:notes>
+</file>
+
+<file path=ppt/notesSlides/notesSlide16.xml><?xml version="1.0" encoding="utf-8"?>
+<p:notes xmlns:a="http://schemas.openxmlformats.org/drawingml/2006/main" xmlns:r="http://schemas.openxmlformats.org/officeDocument/2006/relationships" xmlns:p="http://schemas.openxmlformats.org/presentationml/2006/main">
+  <p:cSld>
+    <p:spTree>
+      <p:nvGrpSpPr>
+        <p:cNvPr id="1" name=""/>
+        <p:cNvGrpSpPr/>
+        <p:nvPr/>
+      </p:nvGrpSpPr>
+      <p:grpSpPr>
+        <a:xfrm>
+          <a:off x="0" y="0"/>
+          <a:ext cx="0" cy="0"/>
+          <a:chOff x="0" y="0"/>
+          <a:chExt cx="0" cy="0"/>
+        </a:xfrm>
+      </p:grpSpPr>
+      <p:sp>
+        <p:nvSpPr>
+          <p:cNvPr id="2" name="슬라이드 이미지 개체 틀 1"/>
+          <p:cNvSpPr>
+            <a:spLocks noGrp="1" noRot="1" noChangeAspect="1"/>
+          </p:cNvSpPr>
+          <p:nvPr>
+            <p:ph type="sldImg"/>
+          </p:nvPr>
+        </p:nvSpPr>
+        <p:spPr/>
+      </p:sp>
+      <p:sp>
+        <p:nvSpPr>
+          <p:cNvPr id="3" name="슬라이드 노트 개체 틀 2"/>
+          <p:cNvSpPr>
+            <a:spLocks noGrp="1"/>
+          </p:cNvSpPr>
+          <p:nvPr>
+            <p:ph type="body" idx="1"/>
+          </p:nvPr>
+        </p:nvSpPr>
+        <p:spPr/>
+        <p:txBody>
+          <a:bodyPr/>
+          <a:lstStyle/>
+          <a:p>
+            <a:r>
+              <a:rPr lang="ko-KR" altLang="en-US" dirty="0" err="1"/>
+              <a:t>라그랑주</a:t>
+            </a:r>
+            <a:r>
+              <a:rPr lang="ko-KR" altLang="en-US" dirty="0"/>
+              <a:t> 함수는 다음과 같이 정의 될 수 있고</a:t>
+            </a:r>
+            <a:endParaRPr lang="en-US" altLang="ko-KR" dirty="0"/>
+          </a:p>
+          <a:p>
+            <a:r>
+              <a:rPr lang="ko-KR" altLang="en-US" dirty="0"/>
+              <a:t>람다와 알파는 </a:t>
+            </a:r>
+            <a:r>
+              <a:rPr lang="en-US" altLang="ko-KR" dirty="0"/>
+              <a:t>KKT </a:t>
+            </a:r>
+            <a:r>
+              <a:rPr lang="ko-KR" altLang="en-US" dirty="0"/>
+              <a:t>승수라고 불리는 각 제약에 붙는 변수다</a:t>
+            </a:r>
+            <a:r>
+              <a:rPr lang="en-US" altLang="ko-KR" dirty="0"/>
+              <a:t>.</a:t>
+            </a:r>
+          </a:p>
+          <a:p>
+            <a:endParaRPr lang="en-US" altLang="ko-KR" dirty="0"/>
+          </a:p>
+          <a:p>
+            <a:r>
+              <a:rPr lang="ko-KR" altLang="en-US" dirty="0"/>
+              <a:t>그럼 이제 제약이 있는 최소화 문제를 </a:t>
+            </a:r>
+            <a:r>
+              <a:rPr lang="ko-KR" altLang="en-US" dirty="0" err="1"/>
+              <a:t>라그랑주</a:t>
+            </a:r>
+            <a:r>
+              <a:rPr lang="ko-KR" altLang="en-US" dirty="0"/>
+              <a:t> 함수를 통해 제약 없는 문제로 풀 수 있다</a:t>
+            </a:r>
+            <a:r>
+              <a:rPr lang="en-US" altLang="ko-KR" dirty="0"/>
+              <a:t>.</a:t>
+            </a:r>
+          </a:p>
+        </p:txBody>
+      </p:sp>
+      <p:sp>
+        <p:nvSpPr>
+          <p:cNvPr id="4" name="슬라이드 번호 개체 틀 3"/>
+          <p:cNvSpPr>
+            <a:spLocks noGrp="1"/>
+          </p:cNvSpPr>
+          <p:nvPr>
+            <p:ph type="sldNum" sz="quarter" idx="5"/>
+          </p:nvPr>
+        </p:nvSpPr>
+        <p:spPr/>
+        <p:txBody>
+          <a:bodyPr/>
+          <a:lstStyle/>
+          <a:p>
+            <a:fld id="{DA275FA2-6C42-4D6B-BC32-C1F878E1B2E0}" type="slidenum">
+              <a:rPr lang="ko-KR" altLang="en-US" smtClean="0"/>
+              <a:t>18</a:t>
+            </a:fld>
+            <a:endParaRPr lang="ko-KR" altLang="en-US"/>
+          </a:p>
+        </p:txBody>
+      </p:sp>
+    </p:spTree>
+    <p:extLst>
+      <p:ext uri="{BB962C8B-B14F-4D97-AF65-F5344CB8AC3E}">
+        <p14:creationId xmlns:p14="http://schemas.microsoft.com/office/powerpoint/2010/main" val="2698006009"/>
+      </p:ext>
+    </p:extLst>
+  </p:cSld>
+  <p:clrMapOvr>
+    <a:masterClrMapping/>
+  </p:clrMapOvr>
+</p:notes>
+</file>
+
+<file path=ppt/notesSlides/notesSlide17.xml><?xml version="1.0" encoding="utf-8"?>
+<p:notes xmlns:a="http://schemas.openxmlformats.org/drawingml/2006/main" xmlns:r="http://schemas.openxmlformats.org/officeDocument/2006/relationships" xmlns:p="http://schemas.openxmlformats.org/presentationml/2006/main">
+  <p:cSld>
+    <p:spTree>
+      <p:nvGrpSpPr>
+        <p:cNvPr id="1" name=""/>
+        <p:cNvGrpSpPr/>
+        <p:nvPr/>
+      </p:nvGrpSpPr>
+      <p:grpSpPr>
+        <a:xfrm>
+          <a:off x="0" y="0"/>
+          <a:ext cx="0" cy="0"/>
+          <a:chOff x="0" y="0"/>
+          <a:chExt cx="0" cy="0"/>
+        </a:xfrm>
+      </p:grpSpPr>
+      <p:sp>
+        <p:nvSpPr>
+          <p:cNvPr id="2" name="슬라이드 이미지 개체 틀 1"/>
+          <p:cNvSpPr>
+            <a:spLocks noGrp="1" noRot="1" noChangeAspect="1"/>
+          </p:cNvSpPr>
+          <p:nvPr>
+            <p:ph type="sldImg"/>
+          </p:nvPr>
+        </p:nvSpPr>
+        <p:spPr/>
+      </p:sp>
+      <p:sp>
+        <p:nvSpPr>
+          <p:cNvPr id="3" name="슬라이드 노트 개체 틀 2"/>
+          <p:cNvSpPr>
+            <a:spLocks noGrp="1"/>
+          </p:cNvSpPr>
+          <p:nvPr>
+            <p:ph type="body" idx="1"/>
+          </p:nvPr>
+        </p:nvSpPr>
+        <p:spPr/>
+        <p:txBody>
+          <a:bodyPr/>
+          <a:lstStyle/>
+          <a:p>
+            <a:r>
+              <a:rPr lang="ko-KR" altLang="en-US" dirty="0" err="1"/>
+              <a:t>라그랑주</a:t>
+            </a:r>
+            <a:r>
+              <a:rPr lang="ko-KR" altLang="en-US" dirty="0"/>
+              <a:t> 함수의 </a:t>
+            </a:r>
+            <a:r>
+              <a:rPr lang="ko-KR" altLang="en-US" dirty="0" err="1"/>
+              <a:t>최적값</a:t>
+            </a:r>
+            <a:r>
+              <a:rPr lang="ko-KR" altLang="en-US" dirty="0"/>
+              <a:t> 및 </a:t>
+            </a:r>
+            <a:r>
+              <a:rPr lang="ko-KR" altLang="en-US" dirty="0" err="1"/>
+              <a:t>최적점</a:t>
+            </a:r>
+            <a:r>
+              <a:rPr lang="ko-KR" altLang="en-US" dirty="0"/>
+              <a:t> 집합은 목적함수 </a:t>
+            </a:r>
+            <a:r>
+              <a:rPr lang="en-US" altLang="ko-KR" dirty="0"/>
+              <a:t>f(x)</a:t>
+            </a:r>
+            <a:r>
+              <a:rPr lang="ko-KR" altLang="en-US" dirty="0"/>
+              <a:t>의 </a:t>
+            </a:r>
+            <a:r>
+              <a:rPr lang="ko-KR" altLang="en-US" dirty="0" err="1"/>
+              <a:t>최적값</a:t>
+            </a:r>
+            <a:r>
+              <a:rPr lang="ko-KR" altLang="en-US" dirty="0"/>
+              <a:t> 및 </a:t>
+            </a:r>
+            <a:r>
+              <a:rPr lang="ko-KR" altLang="en-US" dirty="0" err="1"/>
+              <a:t>최적점</a:t>
+            </a:r>
+            <a:r>
+              <a:rPr lang="ko-KR" altLang="en-US" dirty="0"/>
+              <a:t> 집합과 같다</a:t>
+            </a:r>
+            <a:r>
+              <a:rPr lang="en-US" altLang="ko-KR" dirty="0"/>
+              <a:t>.</a:t>
+            </a:r>
+          </a:p>
+          <a:p>
+            <a:endParaRPr lang="en-US" altLang="ko-KR" dirty="0"/>
+          </a:p>
+          <a:p>
+            <a:r>
+              <a:rPr lang="ko-KR" altLang="en-US" dirty="0"/>
+              <a:t>그 이유는 제약에 걸린다면</a:t>
+            </a:r>
+            <a:endParaRPr lang="en-US" altLang="ko-KR" dirty="0"/>
+          </a:p>
+          <a:p>
+            <a:endParaRPr lang="en-US" altLang="ko-KR" dirty="0"/>
+          </a:p>
+          <a:p>
+            <a:r>
+              <a:rPr lang="ko-KR" altLang="en-US" dirty="0"/>
+              <a:t>또 제약에 걸리지 않는다면</a:t>
+            </a:r>
+            <a:endParaRPr lang="en-US" altLang="ko-KR" dirty="0"/>
+          </a:p>
+          <a:p>
+            <a:endParaRPr lang="en-US" altLang="ko-KR" dirty="0"/>
+          </a:p>
+          <a:p>
+            <a:r>
+              <a:rPr lang="ko-KR" altLang="en-US" dirty="0"/>
+              <a:t>이 성립하기 때문이다</a:t>
+            </a:r>
+            <a:r>
+              <a:rPr lang="en-US" altLang="ko-KR" dirty="0"/>
+              <a:t>.</a:t>
+            </a:r>
+          </a:p>
+          <a:p>
+            <a:endParaRPr lang="en-US" altLang="ko-KR" dirty="0"/>
+          </a:p>
+          <a:p>
+            <a:r>
+              <a:rPr lang="ko-KR" altLang="en-US" dirty="0"/>
+              <a:t>이러한 성질들은 실행가능 점이 아닌 점은 최적점이 될 수 없고</a:t>
+            </a:r>
+            <a:r>
+              <a:rPr lang="en-US" altLang="ko-KR" dirty="0"/>
+              <a:t>, </a:t>
+            </a:r>
+            <a:r>
+              <a:rPr lang="ko-KR" altLang="en-US" dirty="0"/>
+              <a:t>실행가능 범위 안에서 최적점은 변하지 않는다는 것을 보장한다</a:t>
+            </a:r>
+            <a:r>
+              <a:rPr lang="en-US" altLang="ko-KR" dirty="0"/>
+              <a:t>.</a:t>
+            </a:r>
+          </a:p>
+        </p:txBody>
+      </p:sp>
+      <p:sp>
+        <p:nvSpPr>
+          <p:cNvPr id="4" name="슬라이드 번호 개체 틀 3"/>
+          <p:cNvSpPr>
+            <a:spLocks noGrp="1"/>
+          </p:cNvSpPr>
+          <p:nvPr>
+            <p:ph type="sldNum" sz="quarter" idx="5"/>
+          </p:nvPr>
+        </p:nvSpPr>
+        <p:spPr/>
+        <p:txBody>
+          <a:bodyPr/>
+          <a:lstStyle/>
+          <a:p>
+            <a:fld id="{DA275FA2-6C42-4D6B-BC32-C1F878E1B2E0}" type="slidenum">
+              <a:rPr lang="ko-KR" altLang="en-US" smtClean="0"/>
+              <a:t>19</a:t>
+            </a:fld>
+            <a:endParaRPr lang="ko-KR" altLang="en-US"/>
+          </a:p>
+        </p:txBody>
+      </p:sp>
+    </p:spTree>
+    <p:extLst>
+      <p:ext uri="{BB962C8B-B14F-4D97-AF65-F5344CB8AC3E}">
+        <p14:creationId xmlns:p14="http://schemas.microsoft.com/office/powerpoint/2010/main" val="1924730289"/>
       </p:ext>
     </p:extLst>
   </p:cSld>
@@ -3625,7 +4142,7 @@
           <a:p>
             <a:fld id="{7E5AEA8A-4A3A-3A4A-AF89-A7FE62BAFD7C}" type="datetimeFigureOut">
               <a:rPr kumimoji="1" lang="ko-Kore-KR" altLang="en-US" smtClean="0"/>
-              <a:t>01/25/2023</a:t>
+              <a:t>01/26/2023</a:t>
             </a:fld>
             <a:endParaRPr kumimoji="1" lang="ko-Kore-KR" altLang="en-US"/>
           </a:p>
@@ -4666,8 +5183,8 @@
           </a:p>
         </p:txBody>
       </p:sp>
-      <mc:AlternateContent xmlns:mc="http://schemas.openxmlformats.org/markup-compatibility/2006">
-        <mc:Choice xmlns:a14="http://schemas.microsoft.com/office/drawing/2010/main" Requires="a14">
+      <mc:AlternateContent xmlns:mc="http://schemas.openxmlformats.org/markup-compatibility/2006" xmlns:a14="http://schemas.microsoft.com/office/drawing/2010/main">
+        <mc:Choice Requires="a14">
           <p:sp>
             <p:nvSpPr>
               <p:cNvPr id="3" name="내용 개체 틀 2">
@@ -5196,24 +5713,32 @@
                     <m:sSub>
                       <m:sSubPr>
                         <m:ctrlPr>
-                          <a:rPr kumimoji="1" lang="en-US" altLang="ko-KR" b="1" i="1"/>
+                          <a:rPr kumimoji="1" lang="en-US" altLang="ko-KR" b="1" i="1">
+                            <a:latin typeface="Cambria Math" panose="02040503050406030204" pitchFamily="18" charset="0"/>
+                          </a:rPr>
                         </m:ctrlPr>
                       </m:sSubPr>
                       <m:e>
                         <m:r>
-                          <a:rPr kumimoji="1" lang="en-US" altLang="ko-KR" b="1" i="1"/>
+                          <a:rPr kumimoji="1" lang="en-US" altLang="ko-KR" b="1" i="1">
+                            <a:latin typeface="Cambria Math" panose="02040503050406030204" pitchFamily="18" charset="0"/>
+                          </a:rPr>
                           <m:t>𝑫</m:t>
                         </m:r>
                       </m:e>
                       <m:sub>
                         <m:r>
-                          <a:rPr kumimoji="1" lang="en-US" altLang="ko-KR" b="1" i="1"/>
+                          <a:rPr kumimoji="1" lang="en-US" altLang="ko-KR" b="1" i="1">
+                            <a:latin typeface="Cambria Math" panose="02040503050406030204" pitchFamily="18" charset="0"/>
+                          </a:rPr>
                           <m:t>𝒖</m:t>
                         </m:r>
                       </m:sub>
                     </m:sSub>
                     <m:r>
-                      <a:rPr kumimoji="1" lang="en-US" altLang="ko-KR" b="1" i="1"/>
+                      <a:rPr kumimoji="1" lang="en-US" altLang="ko-KR" b="1" i="1">
+                        <a:latin typeface="Cambria Math" panose="02040503050406030204" pitchFamily="18" charset="0"/>
+                      </a:rPr>
                       <m:t>𝒇</m:t>
                     </m:r>
                     <m:r>
@@ -5262,7 +5787,7 @@
             </p:txBody>
           </p:sp>
         </mc:Choice>
-        <mc:Fallback>
+        <mc:Fallback xmlns="">
           <p:sp>
             <p:nvSpPr>
               <p:cNvPr id="3" name="내용 개체 틀 2">
@@ -5395,8 +5920,8 @@
           </a:p>
         </p:txBody>
       </p:sp>
-      <mc:AlternateContent xmlns:mc="http://schemas.openxmlformats.org/markup-compatibility/2006">
-        <mc:Choice xmlns:a14="http://schemas.microsoft.com/office/drawing/2010/main" Requires="a14">
+      <mc:AlternateContent xmlns:mc="http://schemas.openxmlformats.org/markup-compatibility/2006" xmlns:a14="http://schemas.microsoft.com/office/drawing/2010/main">
+        <mc:Choice Requires="a14">
           <p:sp>
             <p:nvSpPr>
               <p:cNvPr id="3" name="내용 개체 틀 2">
@@ -5561,7 +6086,7 @@
             </p:txBody>
           </p:sp>
         </mc:Choice>
-        <mc:Fallback>
+        <mc:Fallback xmlns="">
           <p:sp>
             <p:nvSpPr>
               <p:cNvPr id="3" name="내용 개체 틀 2">
@@ -5688,7 +6213,7 @@
           <a:p>
             <a:r>
               <a:rPr kumimoji="1" lang="en-US" altLang="en-US" dirty="0"/>
-              <a:t>4.3.1 Beyond the gradient</a:t>
+              <a:t>4.4 Constrained Optimization</a:t>
             </a:r>
             <a:endParaRPr kumimoji="1" lang="ko-Kore-KR" altLang="en-US" dirty="0"/>
           </a:p>
@@ -5720,14 +6245,71 @@
           <a:bodyPr/>
           <a:lstStyle/>
           <a:p>
-            <a:endParaRPr kumimoji="1" lang="en-US" altLang="ko-KR" b="1" dirty="0"/>
+            <a:r>
+              <a:rPr kumimoji="1" lang="en-US" altLang="ko-KR" dirty="0"/>
+              <a:t>ﬁnd the maximal or minimal value of </a:t>
+            </a:r>
+            <a:r>
+              <a:rPr kumimoji="1" lang="en-US" altLang="ko-KR" b="1" dirty="0"/>
+              <a:t>f(x)</a:t>
+            </a:r>
+            <a:r>
+              <a:rPr kumimoji="1" lang="en-US" altLang="ko-KR" dirty="0"/>
+              <a:t> for values of </a:t>
+            </a:r>
+            <a:r>
+              <a:rPr kumimoji="1" lang="en-US" altLang="ko-KR" b="1" dirty="0"/>
+              <a:t>x</a:t>
+            </a:r>
+            <a:r>
+              <a:rPr kumimoji="1" lang="en-US" altLang="ko-KR" dirty="0"/>
+              <a:t> in some </a:t>
+            </a:r>
+            <a:r>
+              <a:rPr kumimoji="1" lang="en-US" altLang="ko-KR" b="1" dirty="0"/>
+              <a:t>set</a:t>
+            </a:r>
+            <a:r>
+              <a:rPr kumimoji="1" lang="en-US" altLang="ko-KR" dirty="0"/>
+              <a:t> </a:t>
+            </a:r>
+            <a:r>
+              <a:rPr kumimoji="1" lang="en-US" altLang="ko-KR" b="1" dirty="0"/>
+              <a:t>S</a:t>
+            </a:r>
+          </a:p>
+          <a:p>
+            <a:r>
+              <a:rPr kumimoji="1" lang="en-US" altLang="ko-KR" b="1" dirty="0"/>
+              <a:t>Points x </a:t>
+            </a:r>
+            <a:r>
+              <a:rPr kumimoji="1" lang="en-US" altLang="ko-KR" dirty="0"/>
+              <a:t>that lie </a:t>
+            </a:r>
+            <a:r>
+              <a:rPr kumimoji="1" lang="en-US" altLang="ko-KR" b="1" dirty="0"/>
+              <a:t>within the set S </a:t>
+            </a:r>
+            <a:r>
+              <a:rPr kumimoji="1" lang="en-US" altLang="ko-KR" dirty="0"/>
+              <a:t>are called </a:t>
+            </a:r>
+            <a:r>
+              <a:rPr kumimoji="1" lang="en-US" altLang="ko-KR" b="1" dirty="0"/>
+              <a:t>feasible points</a:t>
+            </a:r>
+            <a:r>
+              <a:rPr kumimoji="1" lang="en-US" altLang="ko-KR" dirty="0"/>
+              <a:t> in constrained optimization terminology.</a:t>
+            </a:r>
           </a:p>
         </p:txBody>
       </p:sp>
     </p:spTree>
     <p:extLst>
       <p:ext uri="{BB962C8B-B14F-4D97-AF65-F5344CB8AC3E}">
-        <p14:creationId xmlns:p14="http://schemas.microsoft.com/office/powerpoint/2010/main" val="1463975768"/>
+        <p14:creationId xmlns:p14="http://schemas.microsoft.com/office/powerpoint/2010/main" val="2184248763"/>
       </p:ext>
     </p:extLst>
   </p:cSld>
@@ -5809,14 +6391,1463 @@
           <a:bodyPr/>
           <a:lstStyle/>
           <a:p>
-            <a:endParaRPr kumimoji="1" lang="en-US" altLang="ko-KR" b="1" dirty="0"/>
+            <a:r>
+              <a:rPr kumimoji="1" lang="en-US" altLang="ko-KR" b="1" dirty="0" err="1"/>
+              <a:t>Kaurush</a:t>
+            </a:r>
+            <a:r>
+              <a:rPr kumimoji="1" lang="en-US" altLang="ko-KR" b="1" dirty="0"/>
+              <a:t>-Kuhn-Tucker (KKT) approach</a:t>
+            </a:r>
+          </a:p>
+          <a:p>
+            <a:pPr lvl="1"/>
+            <a:r>
+              <a:rPr kumimoji="1" lang="en-US" altLang="ko-KR" dirty="0"/>
+              <a:t>General solution to constrained optimization</a:t>
+            </a:r>
+          </a:p>
+          <a:p>
+            <a:pPr lvl="1"/>
+            <a:r>
+              <a:rPr kumimoji="1" lang="en-US" altLang="ko-KR" dirty="0"/>
+              <a:t>Introduce a new function called the </a:t>
+            </a:r>
+            <a:r>
+              <a:rPr kumimoji="1" lang="en-US" altLang="ko-KR" b="1" dirty="0"/>
+              <a:t>generalized Lagrange function</a:t>
+            </a:r>
           </a:p>
         </p:txBody>
       </p:sp>
     </p:spTree>
     <p:extLst>
       <p:ext uri="{BB962C8B-B14F-4D97-AF65-F5344CB8AC3E}">
-        <p14:creationId xmlns:p14="http://schemas.microsoft.com/office/powerpoint/2010/main" val="2184248763"/>
+        <p14:creationId xmlns:p14="http://schemas.microsoft.com/office/powerpoint/2010/main" val="981515855"/>
+      </p:ext>
+    </p:extLst>
+  </p:cSld>
+  <p:clrMapOvr>
+    <a:masterClrMapping/>
+  </p:clrMapOvr>
+</p:sld>
+</file>
+
+<file path=ppt/slides/slide17.xml><?xml version="1.0" encoding="utf-8"?>
+<p:sld xmlns:a="http://schemas.openxmlformats.org/drawingml/2006/main" xmlns:r="http://schemas.openxmlformats.org/officeDocument/2006/relationships" xmlns:p="http://schemas.openxmlformats.org/presentationml/2006/main">
+  <p:cSld>
+    <p:spTree>
+      <p:nvGrpSpPr>
+        <p:cNvPr id="1" name=""/>
+        <p:cNvGrpSpPr/>
+        <p:nvPr/>
+      </p:nvGrpSpPr>
+      <p:grpSpPr>
+        <a:xfrm>
+          <a:off x="0" y="0"/>
+          <a:ext cx="0" cy="0"/>
+          <a:chOff x="0" y="0"/>
+          <a:chExt cx="0" cy="0"/>
+        </a:xfrm>
+      </p:grpSpPr>
+      <p:sp>
+        <p:nvSpPr>
+          <p:cNvPr id="2" name="제목 1">
+            <a:extLst>
+              <a:ext uri="{FF2B5EF4-FFF2-40B4-BE49-F238E27FC236}">
+                <a16:creationId xmlns:a16="http://schemas.microsoft.com/office/drawing/2014/main" id="{AA92BCFB-E11B-F940-A787-2261CAC8E814}"/>
+              </a:ext>
+            </a:extLst>
+          </p:cNvPr>
+          <p:cNvSpPr>
+            <a:spLocks noGrp="1"/>
+          </p:cNvSpPr>
+          <p:nvPr>
+            <p:ph type="title"/>
+          </p:nvPr>
+        </p:nvSpPr>
+        <p:spPr/>
+        <p:txBody>
+          <a:bodyPr/>
+          <a:lstStyle/>
+          <a:p>
+            <a:r>
+              <a:rPr kumimoji="1" lang="en-US" altLang="en-US" dirty="0"/>
+              <a:t>4.4 Constrained Optimization</a:t>
+            </a:r>
+            <a:endParaRPr kumimoji="1" lang="ko-Kore-KR" altLang="en-US" dirty="0"/>
+          </a:p>
+        </p:txBody>
+      </p:sp>
+      <mc:AlternateContent xmlns:mc="http://schemas.openxmlformats.org/markup-compatibility/2006">
+        <mc:Choice xmlns:a14="http://schemas.microsoft.com/office/drawing/2010/main" Requires="a14">
+          <p:sp>
+            <p:nvSpPr>
+              <p:cNvPr id="3" name="내용 개체 틀 2">
+                <a:extLst>
+                  <a:ext uri="{FF2B5EF4-FFF2-40B4-BE49-F238E27FC236}">
+                    <a16:creationId xmlns:a16="http://schemas.microsoft.com/office/drawing/2014/main" id="{1725D5B2-2C6C-3B43-B4F2-CA91BE12BB41}"/>
+                  </a:ext>
+                </a:extLst>
+              </p:cNvPr>
+              <p:cNvSpPr>
+                <a:spLocks noGrp="1"/>
+              </p:cNvSpPr>
+              <p:nvPr>
+                <p:ph idx="1"/>
+              </p:nvPr>
+            </p:nvSpPr>
+            <p:spPr>
+              <a:xfrm>
+                <a:off x="838200" y="1721803"/>
+                <a:ext cx="10927080" cy="4351338"/>
+              </a:xfrm>
+            </p:spPr>
+            <p:txBody>
+              <a:bodyPr/>
+              <a:lstStyle/>
+              <a:p>
+                <a:r>
+                  <a:rPr kumimoji="1" lang="en-US" altLang="ko-KR" b="1" dirty="0"/>
+                  <a:t>Kaurush-Kuhn-Tucker (KKT) approach</a:t>
+                </a:r>
+              </a:p>
+              <a:p>
+                <a:pPr lvl="1"/>
+                <a:r>
+                  <a:rPr kumimoji="1" lang="en-US" altLang="ko-KR" dirty="0"/>
+                  <a:t>To define </a:t>
+                </a:r>
+                <a:r>
+                  <a:rPr kumimoji="1" lang="en-US" altLang="ko-KR" b="1" dirty="0"/>
+                  <a:t>generalized Lagrange function, </a:t>
+                </a:r>
+                <a:r>
+                  <a:rPr kumimoji="1" lang="en-US" altLang="ko-KR" dirty="0"/>
+                  <a:t>describe</a:t>
+                </a:r>
+                <a:r>
+                  <a:rPr kumimoji="1" lang="en-US" altLang="ko-KR" b="1" dirty="0"/>
+                  <a:t> S in terms of equations and inequalities.</a:t>
+                </a:r>
+              </a:p>
+              <a:p>
+                <a:pPr lvl="1"/>
+                <a:r>
+                  <a:rPr kumimoji="1" lang="en-US" altLang="ko-KR" b="1" dirty="0"/>
+                  <a:t>m</a:t>
+                </a:r>
+                <a:r>
+                  <a:rPr kumimoji="1" lang="en-US" altLang="ko-KR" dirty="0"/>
+                  <a:t> functions of </a:t>
+                </a:r>
+                <a14:m>
+                  <m:oMath xmlns:m="http://schemas.openxmlformats.org/officeDocument/2006/math">
+                    <m:sSup>
+                      <m:sSupPr>
+                        <m:ctrlPr>
+                          <a:rPr kumimoji="1" lang="en-US" altLang="ko-KR" sz="2000" b="1" i="1" smtClean="0">
+                            <a:latin typeface="Cambria Math" panose="02040503050406030204" pitchFamily="18" charset="0"/>
+                          </a:rPr>
+                        </m:ctrlPr>
+                      </m:sSupPr>
+                      <m:e>
+                        <m:r>
+                          <a:rPr kumimoji="1" lang="en-US" altLang="ko-KR" sz="2000" b="1" i="1" smtClean="0">
+                            <a:latin typeface="Cambria Math" panose="02040503050406030204" pitchFamily="18" charset="0"/>
+                          </a:rPr>
+                          <m:t>𝒈</m:t>
+                        </m:r>
+                      </m:e>
+                      <m:sup>
+                        <m:r>
+                          <a:rPr kumimoji="1" lang="en-US" altLang="ko-KR" sz="2000" b="1" i="1" smtClean="0">
+                            <a:latin typeface="Cambria Math" panose="02040503050406030204" pitchFamily="18" charset="0"/>
+                          </a:rPr>
+                          <m:t>𝒊</m:t>
+                        </m:r>
+                      </m:sup>
+                    </m:sSup>
+                  </m:oMath>
+                </a14:m>
+                <a:r>
+                  <a:rPr kumimoji="1" lang="en-US" altLang="ko-KR" dirty="0"/>
+                  <a:t> and </a:t>
+                </a:r>
+                <a:r>
+                  <a:rPr kumimoji="1" lang="en-US" altLang="ko-KR" b="1" dirty="0"/>
+                  <a:t>n</a:t>
+                </a:r>
+                <a:r>
+                  <a:rPr kumimoji="1" lang="en-US" altLang="ko-KR" dirty="0"/>
+                  <a:t> functions of</a:t>
+                </a:r>
+                <a:r>
+                  <a:rPr kumimoji="1" lang="en-US" altLang="ko-KR" b="1" dirty="0"/>
+                  <a:t> </a:t>
+                </a:r>
+                <a14:m>
+                  <m:oMath xmlns:m="http://schemas.openxmlformats.org/officeDocument/2006/math">
+                    <m:sSup>
+                      <m:sSupPr>
+                        <m:ctrlPr>
+                          <a:rPr kumimoji="1" lang="en-US" altLang="ko-KR" sz="2000" b="1" i="1">
+                            <a:latin typeface="Cambria Math" panose="02040503050406030204" pitchFamily="18" charset="0"/>
+                          </a:rPr>
+                        </m:ctrlPr>
+                      </m:sSupPr>
+                      <m:e>
+                        <m:r>
+                          <a:rPr kumimoji="1" lang="en-US" altLang="ko-KR" sz="2000" b="1" i="1" smtClean="0">
+                            <a:latin typeface="Cambria Math" panose="02040503050406030204" pitchFamily="18" charset="0"/>
+                          </a:rPr>
+                          <m:t>𝒉</m:t>
+                        </m:r>
+                      </m:e>
+                      <m:sup>
+                        <m:r>
+                          <a:rPr kumimoji="1" lang="en-US" altLang="ko-KR" sz="2000" b="1" i="1">
+                            <a:latin typeface="Cambria Math" panose="02040503050406030204" pitchFamily="18" charset="0"/>
+                          </a:rPr>
+                          <m:t>𝒊</m:t>
+                        </m:r>
+                      </m:sup>
+                    </m:sSup>
+                  </m:oMath>
+                </a14:m>
+                <a:endParaRPr kumimoji="1" lang="en-US" altLang="ko-KR" b="1" dirty="0"/>
+              </a:p>
+              <a:p>
+                <a:pPr lvl="1"/>
+                <a14:m>
+                  <m:oMath xmlns:m="http://schemas.openxmlformats.org/officeDocument/2006/math">
+                    <m:sSup>
+                      <m:sSupPr>
+                        <m:ctrlPr>
+                          <a:rPr kumimoji="1" lang="en-US" altLang="ko-KR" sz="1800" b="1" i="1" smtClean="0">
+                            <a:latin typeface="Cambria Math" panose="02040503050406030204" pitchFamily="18" charset="0"/>
+                          </a:rPr>
+                        </m:ctrlPr>
+                      </m:sSupPr>
+                      <m:e>
+                        <m:r>
+                          <a:rPr kumimoji="1" lang="en-US" altLang="ko-KR" sz="1800" b="1" i="1" smtClean="0">
+                            <a:latin typeface="Cambria Math" panose="02040503050406030204" pitchFamily="18" charset="0"/>
+                          </a:rPr>
+                          <m:t>𝒈</m:t>
+                        </m:r>
+                      </m:e>
+                      <m:sup>
+                        <m:r>
+                          <a:rPr kumimoji="1" lang="en-US" altLang="ko-KR" sz="1800" b="1" i="1" smtClean="0">
+                            <a:latin typeface="Cambria Math" panose="02040503050406030204" pitchFamily="18" charset="0"/>
+                          </a:rPr>
+                          <m:t>𝒊</m:t>
+                        </m:r>
+                      </m:sup>
+                    </m:sSup>
+                  </m:oMath>
+                </a14:m>
+                <a:r>
+                  <a:rPr kumimoji="1" lang="en-US" altLang="ko-KR" b="1" dirty="0"/>
+                  <a:t> </a:t>
+                </a:r>
+                <a:r>
+                  <a:rPr kumimoji="1" lang="en-US" altLang="ko-KR" dirty="0"/>
+                  <a:t>are called equality constraint</a:t>
+                </a:r>
+              </a:p>
+              <a:p>
+                <a:pPr lvl="1"/>
+                <a14:m>
+                  <m:oMath xmlns:m="http://schemas.openxmlformats.org/officeDocument/2006/math">
+                    <m:sSup>
+                      <m:sSupPr>
+                        <m:ctrlPr>
+                          <a:rPr kumimoji="1" lang="en-US" altLang="ko-KR" sz="1800" b="1" i="1" smtClean="0">
+                            <a:latin typeface="Cambria Math" panose="02040503050406030204" pitchFamily="18" charset="0"/>
+                          </a:rPr>
+                        </m:ctrlPr>
+                      </m:sSupPr>
+                      <m:e>
+                        <m:r>
+                          <a:rPr kumimoji="1" lang="en-US" altLang="ko-KR" sz="1800" b="1" i="1" smtClean="0">
+                            <a:latin typeface="Cambria Math" panose="02040503050406030204" pitchFamily="18" charset="0"/>
+                          </a:rPr>
+                          <m:t>𝒉</m:t>
+                        </m:r>
+                      </m:e>
+                      <m:sup>
+                        <m:r>
+                          <a:rPr kumimoji="1" lang="en-US" altLang="ko-KR" sz="1800" b="1" i="1">
+                            <a:latin typeface="Cambria Math" panose="02040503050406030204" pitchFamily="18" charset="0"/>
+                          </a:rPr>
+                          <m:t>𝒊</m:t>
+                        </m:r>
+                      </m:sup>
+                    </m:sSup>
+                  </m:oMath>
+                </a14:m>
+                <a:r>
+                  <a:rPr kumimoji="1" lang="en-US" altLang="ko-KR" b="1" dirty="0"/>
+                  <a:t> </a:t>
+                </a:r>
+                <a:r>
+                  <a:rPr kumimoji="1" lang="en-US" altLang="ko-KR" dirty="0"/>
+                  <a:t>are called inequality constraint</a:t>
+                </a:r>
+                <a:endParaRPr kumimoji="1" lang="en-US" altLang="ko-KR" b="1" dirty="0"/>
+              </a:p>
+            </p:txBody>
+          </p:sp>
+        </mc:Choice>
+        <mc:Fallback>
+          <p:sp>
+            <p:nvSpPr>
+              <p:cNvPr id="3" name="내용 개체 틀 2">
+                <a:extLst>
+                  <a:ext uri="{FF2B5EF4-FFF2-40B4-BE49-F238E27FC236}">
+                    <a16:creationId xmlns:a16="http://schemas.microsoft.com/office/drawing/2014/main" id="{1725D5B2-2C6C-3B43-B4F2-CA91BE12BB41}"/>
+                  </a:ext>
+                </a:extLst>
+              </p:cNvPr>
+              <p:cNvSpPr>
+                <a:spLocks noGrp="1" noRot="1" noChangeAspect="1" noMove="1" noResize="1" noEditPoints="1" noAdjustHandles="1" noChangeArrowheads="1" noChangeShapeType="1" noTextEdit="1"/>
+              </p:cNvSpPr>
+              <p:nvPr>
+                <p:ph idx="1"/>
+              </p:nvPr>
+            </p:nvSpPr>
+            <p:spPr>
+              <a:xfrm>
+                <a:off x="838200" y="1721803"/>
+                <a:ext cx="10927080" cy="4351338"/>
+              </a:xfrm>
+              <a:blipFill>
+                <a:blip r:embed="rId3"/>
+                <a:stretch>
+                  <a:fillRect l="-502"/>
+                </a:stretch>
+              </a:blipFill>
+            </p:spPr>
+            <p:txBody>
+              <a:bodyPr/>
+              <a:lstStyle/>
+              <a:p>
+                <a:r>
+                  <a:rPr lang="ko-KR" altLang="en-US">
+                    <a:noFill/>
+                  </a:rPr>
+                  <a:t> </a:t>
+                </a:r>
+              </a:p>
+            </p:txBody>
+          </p:sp>
+        </mc:Fallback>
+      </mc:AlternateContent>
+    </p:spTree>
+    <p:extLst>
+      <p:ext uri="{BB962C8B-B14F-4D97-AF65-F5344CB8AC3E}">
+        <p14:creationId xmlns:p14="http://schemas.microsoft.com/office/powerpoint/2010/main" val="1829069040"/>
+      </p:ext>
+    </p:extLst>
+  </p:cSld>
+  <p:clrMapOvr>
+    <a:masterClrMapping/>
+  </p:clrMapOvr>
+</p:sld>
+</file>
+
+<file path=ppt/slides/slide18.xml><?xml version="1.0" encoding="utf-8"?>
+<p:sld xmlns:a="http://schemas.openxmlformats.org/drawingml/2006/main" xmlns:r="http://schemas.openxmlformats.org/officeDocument/2006/relationships" xmlns:p="http://schemas.openxmlformats.org/presentationml/2006/main">
+  <p:cSld>
+    <p:spTree>
+      <p:nvGrpSpPr>
+        <p:cNvPr id="1" name=""/>
+        <p:cNvGrpSpPr/>
+        <p:nvPr/>
+      </p:nvGrpSpPr>
+      <p:grpSpPr>
+        <a:xfrm>
+          <a:off x="0" y="0"/>
+          <a:ext cx="0" cy="0"/>
+          <a:chOff x="0" y="0"/>
+          <a:chExt cx="0" cy="0"/>
+        </a:xfrm>
+      </p:grpSpPr>
+      <p:sp>
+        <p:nvSpPr>
+          <p:cNvPr id="2" name="제목 1">
+            <a:extLst>
+              <a:ext uri="{FF2B5EF4-FFF2-40B4-BE49-F238E27FC236}">
+                <a16:creationId xmlns:a16="http://schemas.microsoft.com/office/drawing/2014/main" id="{AA92BCFB-E11B-F940-A787-2261CAC8E814}"/>
+              </a:ext>
+            </a:extLst>
+          </p:cNvPr>
+          <p:cNvSpPr>
+            <a:spLocks noGrp="1"/>
+          </p:cNvSpPr>
+          <p:nvPr>
+            <p:ph type="title"/>
+          </p:nvPr>
+        </p:nvSpPr>
+        <p:spPr/>
+        <p:txBody>
+          <a:bodyPr/>
+          <a:lstStyle/>
+          <a:p>
+            <a:r>
+              <a:rPr kumimoji="1" lang="en-US" altLang="en-US" dirty="0"/>
+              <a:t>4.4 Constrained Optimization</a:t>
+            </a:r>
+            <a:endParaRPr kumimoji="1" lang="ko-Kore-KR" altLang="en-US" dirty="0"/>
+          </a:p>
+        </p:txBody>
+      </p:sp>
+      <mc:AlternateContent xmlns:mc="http://schemas.openxmlformats.org/markup-compatibility/2006">
+        <mc:Choice xmlns:a14="http://schemas.microsoft.com/office/drawing/2010/main" Requires="a14">
+          <p:sp>
+            <p:nvSpPr>
+              <p:cNvPr id="3" name="내용 개체 틀 2">
+                <a:extLst>
+                  <a:ext uri="{FF2B5EF4-FFF2-40B4-BE49-F238E27FC236}">
+                    <a16:creationId xmlns:a16="http://schemas.microsoft.com/office/drawing/2014/main" id="{1725D5B2-2C6C-3B43-B4F2-CA91BE12BB41}"/>
+                  </a:ext>
+                </a:extLst>
+              </p:cNvPr>
+              <p:cNvSpPr>
+                <a:spLocks noGrp="1"/>
+              </p:cNvSpPr>
+              <p:nvPr>
+                <p:ph idx="1"/>
+              </p:nvPr>
+            </p:nvSpPr>
+            <p:spPr>
+              <a:xfrm>
+                <a:off x="838200" y="1721803"/>
+                <a:ext cx="10927080" cy="4351338"/>
+              </a:xfrm>
+            </p:spPr>
+            <p:txBody>
+              <a:bodyPr/>
+              <a:lstStyle/>
+              <a:p>
+                <a:r>
+                  <a:rPr kumimoji="1" lang="en-US" altLang="ko-KR" b="1" dirty="0"/>
+                  <a:t>Kaurush-Kuhn-Tucker (KKT) approach</a:t>
+                </a:r>
+              </a:p>
+              <a:p>
+                <a:pPr lvl="1"/>
+                <a:r>
+                  <a:rPr kumimoji="1" lang="en-US" altLang="ko-KR" b="1" dirty="0"/>
+                  <a:t>generalized Lagrange function</a:t>
+                </a:r>
+              </a:p>
+              <a:p>
+                <a:pPr lvl="1"/>
+                <a:r>
+                  <a:rPr kumimoji="1" lang="en-US" altLang="ko-KR" dirty="0"/>
+                  <a:t>New variables </a:t>
+                </a:r>
+                <a14:m>
+                  <m:oMath xmlns:m="http://schemas.openxmlformats.org/officeDocument/2006/math">
+                    <m:r>
+                      <a:rPr kumimoji="1" lang="ko-KR" altLang="en-US" b="1" i="1" smtClean="0">
+                        <a:latin typeface="Cambria Math" panose="02040503050406030204" pitchFamily="18" charset="0"/>
+                      </a:rPr>
+                      <m:t>𝝀</m:t>
+                    </m:r>
+                    <m:r>
+                      <a:rPr kumimoji="1" lang="en-US" altLang="ko-KR" b="1" i="1" smtClean="0">
+                        <a:latin typeface="Cambria Math" panose="02040503050406030204" pitchFamily="18" charset="0"/>
+                      </a:rPr>
+                      <m:t>, </m:t>
+                    </m:r>
+                    <m:r>
+                      <a:rPr kumimoji="1" lang="ko-KR" altLang="en-US" b="1" i="1" smtClean="0">
+                        <a:latin typeface="Cambria Math" panose="02040503050406030204" pitchFamily="18" charset="0"/>
+                      </a:rPr>
+                      <m:t>𝜶</m:t>
+                    </m:r>
+                  </m:oMath>
+                </a14:m>
+                <a:r>
+                  <a:rPr kumimoji="1" lang="en-US" altLang="ko-KR" b="1" dirty="0"/>
+                  <a:t> </a:t>
+                </a:r>
+                <a:r>
+                  <a:rPr kumimoji="1" lang="en-US" altLang="ko-KR" dirty="0"/>
+                  <a:t>for each constraint, called </a:t>
+                </a:r>
+                <a:r>
+                  <a:rPr kumimoji="1" lang="en-US" altLang="ko-KR" b="1" dirty="0"/>
+                  <a:t>KKT multipliers</a:t>
+                </a:r>
+                <a:endParaRPr kumimoji="1" lang="en-US" altLang="ko-KR" dirty="0"/>
+              </a:p>
+              <a:p>
+                <a:pPr marL="253800" lvl="1" indent="0">
+                  <a:buNone/>
+                </a:pPr>
+                <a14:m>
+                  <m:oMathPara xmlns:m="http://schemas.openxmlformats.org/officeDocument/2006/math">
+                    <m:oMathParaPr>
+                      <m:jc m:val="centerGroup"/>
+                    </m:oMathParaPr>
+                    <m:oMath xmlns:m="http://schemas.openxmlformats.org/officeDocument/2006/math">
+                      <m:r>
+                        <a:rPr kumimoji="1" lang="en-US" altLang="ko-KR" sz="2000" b="1" i="1" smtClean="0">
+                          <a:latin typeface="Cambria Math" panose="02040503050406030204" pitchFamily="18" charset="0"/>
+                        </a:rPr>
+                        <m:t>𝑳</m:t>
+                      </m:r>
+                      <m:d>
+                        <m:dPr>
+                          <m:ctrlPr>
+                            <a:rPr kumimoji="1" lang="en-US" altLang="ko-KR" sz="2000" b="1" i="1" smtClean="0">
+                              <a:latin typeface="Cambria Math" panose="02040503050406030204" pitchFamily="18" charset="0"/>
+                            </a:rPr>
+                          </m:ctrlPr>
+                        </m:dPr>
+                        <m:e>
+                          <m:r>
+                            <a:rPr kumimoji="1" lang="en-US" altLang="ko-KR" sz="2000" b="1" i="1" smtClean="0">
+                              <a:latin typeface="Cambria Math" panose="02040503050406030204" pitchFamily="18" charset="0"/>
+                            </a:rPr>
+                            <m:t>𝒙</m:t>
+                          </m:r>
+                          <m:r>
+                            <a:rPr kumimoji="1" lang="en-US" altLang="ko-KR" sz="2000" b="1" i="1" smtClean="0">
+                              <a:latin typeface="Cambria Math" panose="02040503050406030204" pitchFamily="18" charset="0"/>
+                            </a:rPr>
+                            <m:t>, </m:t>
+                          </m:r>
+                          <m:r>
+                            <a:rPr kumimoji="1" lang="ko-KR" altLang="en-US" sz="2000" b="1" i="1" smtClean="0">
+                              <a:latin typeface="Cambria Math" panose="02040503050406030204" pitchFamily="18" charset="0"/>
+                            </a:rPr>
+                            <m:t>𝝀</m:t>
+                          </m:r>
+                          <m:r>
+                            <a:rPr kumimoji="1" lang="en-US" altLang="ko-KR" sz="2000" b="1" i="1" smtClean="0">
+                              <a:latin typeface="Cambria Math" panose="02040503050406030204" pitchFamily="18" charset="0"/>
+                            </a:rPr>
+                            <m:t>, </m:t>
+                          </m:r>
+                          <m:r>
+                            <a:rPr kumimoji="1" lang="ko-KR" altLang="en-US" sz="2000" b="1" i="1" smtClean="0">
+                              <a:latin typeface="Cambria Math" panose="02040503050406030204" pitchFamily="18" charset="0"/>
+                            </a:rPr>
+                            <m:t>𝜶</m:t>
+                          </m:r>
+                        </m:e>
+                      </m:d>
+                      <m:r>
+                        <a:rPr kumimoji="1" lang="en-US" altLang="ko-KR" sz="2000" b="1" i="1" smtClean="0">
+                          <a:latin typeface="Cambria Math" panose="02040503050406030204" pitchFamily="18" charset="0"/>
+                        </a:rPr>
+                        <m:t>=</m:t>
+                      </m:r>
+                      <m:r>
+                        <a:rPr kumimoji="1" lang="en-US" altLang="ko-KR" sz="2000" b="1" i="1" smtClean="0">
+                          <a:latin typeface="Cambria Math" panose="02040503050406030204" pitchFamily="18" charset="0"/>
+                        </a:rPr>
+                        <m:t>𝒇</m:t>
+                      </m:r>
+                      <m:d>
+                        <m:dPr>
+                          <m:ctrlPr>
+                            <a:rPr kumimoji="1" lang="en-US" altLang="ko-KR" sz="2000" b="1" i="1" smtClean="0">
+                              <a:latin typeface="Cambria Math" panose="02040503050406030204" pitchFamily="18" charset="0"/>
+                            </a:rPr>
+                          </m:ctrlPr>
+                        </m:dPr>
+                        <m:e>
+                          <m:r>
+                            <a:rPr kumimoji="1" lang="en-US" altLang="ko-KR" sz="2000" b="1" i="1" smtClean="0">
+                              <a:latin typeface="Cambria Math" panose="02040503050406030204" pitchFamily="18" charset="0"/>
+                            </a:rPr>
+                            <m:t>𝒙</m:t>
+                          </m:r>
+                        </m:e>
+                      </m:d>
+                      <m:r>
+                        <a:rPr kumimoji="1" lang="en-US" altLang="ko-KR" sz="2000" b="1" i="1" smtClean="0">
+                          <a:latin typeface="Cambria Math" panose="02040503050406030204" pitchFamily="18" charset="0"/>
+                        </a:rPr>
+                        <m:t>+ </m:t>
+                      </m:r>
+                      <m:nary>
+                        <m:naryPr>
+                          <m:chr m:val="∑"/>
+                          <m:limLoc m:val="subSup"/>
+                          <m:supHide m:val="on"/>
+                          <m:ctrlPr>
+                            <a:rPr kumimoji="1" lang="en-US" altLang="ko-KR" sz="2000" b="1" i="1" smtClean="0">
+                              <a:latin typeface="Cambria Math" panose="02040503050406030204" pitchFamily="18" charset="0"/>
+                            </a:rPr>
+                          </m:ctrlPr>
+                        </m:naryPr>
+                        <m:sub>
+                          <m:r>
+                            <m:rPr>
+                              <m:brk m:alnAt="9"/>
+                            </m:rPr>
+                            <a:rPr kumimoji="1" lang="en-US" altLang="ko-KR" sz="2000" b="1" i="1" smtClean="0">
+                              <a:latin typeface="Cambria Math" panose="02040503050406030204" pitchFamily="18" charset="0"/>
+                            </a:rPr>
+                            <m:t>𝒊</m:t>
+                          </m:r>
+                        </m:sub>
+                        <m:sup/>
+                        <m:e>
+                          <m:sSub>
+                            <m:sSubPr>
+                              <m:ctrlPr>
+                                <a:rPr kumimoji="1" lang="en-US" altLang="ko-KR" sz="2000" b="1" i="1" smtClean="0">
+                                  <a:latin typeface="Cambria Math" panose="02040503050406030204" pitchFamily="18" charset="0"/>
+                                </a:rPr>
+                              </m:ctrlPr>
+                            </m:sSubPr>
+                            <m:e>
+                              <m:r>
+                                <a:rPr kumimoji="1" lang="ko-KR" altLang="en-US" sz="2000" b="1" i="1" smtClean="0">
+                                  <a:latin typeface="Cambria Math" panose="02040503050406030204" pitchFamily="18" charset="0"/>
+                                </a:rPr>
+                                <m:t>𝝀</m:t>
+                              </m:r>
+                            </m:e>
+                            <m:sub>
+                              <m:r>
+                                <a:rPr kumimoji="1" lang="en-US" altLang="ko-KR" sz="2000" b="1" i="1" smtClean="0">
+                                  <a:latin typeface="Cambria Math" panose="02040503050406030204" pitchFamily="18" charset="0"/>
+                                </a:rPr>
+                                <m:t>𝒊</m:t>
+                              </m:r>
+                            </m:sub>
+                          </m:sSub>
+                        </m:e>
+                      </m:nary>
+                      <m:sSup>
+                        <m:sSupPr>
+                          <m:ctrlPr>
+                            <a:rPr kumimoji="1" lang="en-US" altLang="ko-KR" sz="2000" b="1" i="1" smtClean="0">
+                              <a:latin typeface="Cambria Math" panose="02040503050406030204" pitchFamily="18" charset="0"/>
+                            </a:rPr>
+                          </m:ctrlPr>
+                        </m:sSupPr>
+                        <m:e>
+                          <m:r>
+                            <a:rPr kumimoji="1" lang="en-US" altLang="ko-KR" sz="2000" b="1" i="1" smtClean="0">
+                              <a:latin typeface="Cambria Math" panose="02040503050406030204" pitchFamily="18" charset="0"/>
+                            </a:rPr>
+                            <m:t>𝒈</m:t>
+                          </m:r>
+                        </m:e>
+                        <m:sup>
+                          <m:r>
+                            <a:rPr kumimoji="1" lang="en-US" altLang="ko-KR" sz="2000" b="1" i="1" smtClean="0">
+                              <a:latin typeface="Cambria Math" panose="02040503050406030204" pitchFamily="18" charset="0"/>
+                            </a:rPr>
+                            <m:t>𝒊</m:t>
+                          </m:r>
+                        </m:sup>
+                      </m:sSup>
+                      <m:d>
+                        <m:dPr>
+                          <m:ctrlPr>
+                            <a:rPr kumimoji="1" lang="en-US" altLang="ko-KR" sz="2000" b="1" i="1" smtClean="0">
+                              <a:latin typeface="Cambria Math" panose="02040503050406030204" pitchFamily="18" charset="0"/>
+                            </a:rPr>
+                          </m:ctrlPr>
+                        </m:dPr>
+                        <m:e>
+                          <m:r>
+                            <a:rPr kumimoji="1" lang="en-US" altLang="ko-KR" sz="2000" b="1" i="1" smtClean="0">
+                              <a:latin typeface="Cambria Math" panose="02040503050406030204" pitchFamily="18" charset="0"/>
+                            </a:rPr>
+                            <m:t>𝒙</m:t>
+                          </m:r>
+                        </m:e>
+                      </m:d>
+                      <m:r>
+                        <a:rPr kumimoji="1" lang="en-US" altLang="ko-KR" sz="2000" b="1" i="1" smtClean="0">
+                          <a:latin typeface="Cambria Math" panose="02040503050406030204" pitchFamily="18" charset="0"/>
+                        </a:rPr>
+                        <m:t>+</m:t>
+                      </m:r>
+                      <m:nary>
+                        <m:naryPr>
+                          <m:chr m:val="∑"/>
+                          <m:limLoc m:val="subSup"/>
+                          <m:supHide m:val="on"/>
+                          <m:ctrlPr>
+                            <a:rPr kumimoji="1" lang="en-US" altLang="ko-KR" sz="2000" b="1" i="1">
+                              <a:latin typeface="Cambria Math" panose="02040503050406030204" pitchFamily="18" charset="0"/>
+                            </a:rPr>
+                          </m:ctrlPr>
+                        </m:naryPr>
+                        <m:sub>
+                          <m:r>
+                            <m:rPr>
+                              <m:brk m:alnAt="9"/>
+                            </m:rPr>
+                            <a:rPr kumimoji="1" lang="en-US" altLang="ko-KR" sz="2000" b="1" i="1">
+                              <a:latin typeface="Cambria Math" panose="02040503050406030204" pitchFamily="18" charset="0"/>
+                            </a:rPr>
+                            <m:t>𝒊</m:t>
+                          </m:r>
+                        </m:sub>
+                        <m:sup/>
+                        <m:e>
+                          <m:sSub>
+                            <m:sSubPr>
+                              <m:ctrlPr>
+                                <a:rPr kumimoji="1" lang="en-US" altLang="ko-KR" sz="2000" b="1" i="1">
+                                  <a:latin typeface="Cambria Math" panose="02040503050406030204" pitchFamily="18" charset="0"/>
+                                </a:rPr>
+                              </m:ctrlPr>
+                            </m:sSubPr>
+                            <m:e>
+                              <m:r>
+                                <a:rPr kumimoji="1" lang="ko-KR" altLang="en-US" sz="2000" b="1" i="1" smtClean="0">
+                                  <a:latin typeface="Cambria Math" panose="02040503050406030204" pitchFamily="18" charset="0"/>
+                                </a:rPr>
+                                <m:t>𝜶</m:t>
+                              </m:r>
+                            </m:e>
+                            <m:sub>
+                              <m:r>
+                                <a:rPr kumimoji="1" lang="en-US" altLang="ko-KR" sz="2000" b="1" i="1">
+                                  <a:latin typeface="Cambria Math" panose="02040503050406030204" pitchFamily="18" charset="0"/>
+                                </a:rPr>
+                                <m:t>𝒊</m:t>
+                              </m:r>
+                            </m:sub>
+                          </m:sSub>
+                        </m:e>
+                      </m:nary>
+                      <m:sSup>
+                        <m:sSupPr>
+                          <m:ctrlPr>
+                            <a:rPr kumimoji="1" lang="en-US" altLang="ko-KR" sz="2000" b="1" i="1">
+                              <a:latin typeface="Cambria Math" panose="02040503050406030204" pitchFamily="18" charset="0"/>
+                            </a:rPr>
+                          </m:ctrlPr>
+                        </m:sSupPr>
+                        <m:e>
+                          <m:r>
+                            <a:rPr kumimoji="1" lang="en-US" altLang="ko-KR" sz="2000" b="1" i="1" smtClean="0">
+                              <a:latin typeface="Cambria Math" panose="02040503050406030204" pitchFamily="18" charset="0"/>
+                            </a:rPr>
+                            <m:t>𝒉</m:t>
+                          </m:r>
+                        </m:e>
+                        <m:sup>
+                          <m:r>
+                            <a:rPr kumimoji="1" lang="en-US" altLang="ko-KR" sz="2000" b="1" i="1">
+                              <a:latin typeface="Cambria Math" panose="02040503050406030204" pitchFamily="18" charset="0"/>
+                            </a:rPr>
+                            <m:t>𝒊</m:t>
+                          </m:r>
+                        </m:sup>
+                      </m:sSup>
+                      <m:d>
+                        <m:dPr>
+                          <m:ctrlPr>
+                            <a:rPr kumimoji="1" lang="en-US" altLang="ko-KR" sz="2000" b="1" i="1">
+                              <a:latin typeface="Cambria Math" panose="02040503050406030204" pitchFamily="18" charset="0"/>
+                            </a:rPr>
+                          </m:ctrlPr>
+                        </m:dPr>
+                        <m:e>
+                          <m:r>
+                            <a:rPr kumimoji="1" lang="en-US" altLang="ko-KR" sz="2000" b="1" i="1">
+                              <a:latin typeface="Cambria Math" panose="02040503050406030204" pitchFamily="18" charset="0"/>
+                            </a:rPr>
+                            <m:t>𝒙</m:t>
+                          </m:r>
+                        </m:e>
+                      </m:d>
+                    </m:oMath>
+                  </m:oMathPara>
+                </a14:m>
+                <a:endParaRPr kumimoji="1" lang="en-US" altLang="ko-KR" sz="2000" b="1" dirty="0"/>
+              </a:p>
+              <a:p>
+                <a:pPr lvl="1"/>
+                <a:r>
+                  <a:rPr kumimoji="1" lang="en-US" altLang="ko-KR" b="1" dirty="0"/>
+                  <a:t>Solve a constrained minimization problem </a:t>
+                </a:r>
+                <a:r>
+                  <a:rPr kumimoji="1" lang="en-US" altLang="ko-KR" dirty="0"/>
+                  <a:t>using </a:t>
+                </a:r>
+                <a:r>
+                  <a:rPr kumimoji="1" lang="en-US" altLang="ko-KR" b="1" dirty="0"/>
+                  <a:t>unconstrained generalized Lagrange</a:t>
+                </a:r>
+              </a:p>
+              <a:p>
+                <a:pPr marL="253800" lvl="1" indent="0">
+                  <a:buNone/>
+                </a:pPr>
+                <a14:m>
+                  <m:oMathPara xmlns:m="http://schemas.openxmlformats.org/officeDocument/2006/math">
+                    <m:oMathParaPr>
+                      <m:jc m:val="centerGroup"/>
+                    </m:oMathParaPr>
+                    <m:oMath xmlns:m="http://schemas.openxmlformats.org/officeDocument/2006/math">
+                      <m:sSub>
+                        <m:sSubPr>
+                          <m:ctrlPr>
+                            <a:rPr kumimoji="1" lang="en-US" altLang="ko-KR" sz="2000" b="1" i="1" smtClean="0">
+                              <a:latin typeface="Cambria Math" panose="02040503050406030204" pitchFamily="18" charset="0"/>
+                            </a:rPr>
+                          </m:ctrlPr>
+                        </m:sSubPr>
+                        <m:e>
+                          <m:r>
+                            <a:rPr kumimoji="1" lang="en-US" altLang="ko-KR" sz="2000" b="1" i="1" smtClean="0">
+                              <a:latin typeface="Cambria Math" panose="02040503050406030204" pitchFamily="18" charset="0"/>
+                            </a:rPr>
+                            <m:t>𝒎𝒊𝒏</m:t>
+                          </m:r>
+                        </m:e>
+                        <m:sub>
+                          <m:r>
+                            <a:rPr kumimoji="1" lang="en-US" altLang="ko-KR" sz="2000" b="1" i="1" smtClean="0">
+                              <a:latin typeface="Cambria Math" panose="02040503050406030204" pitchFamily="18" charset="0"/>
+                            </a:rPr>
+                            <m:t>𝒙</m:t>
+                          </m:r>
+                        </m:sub>
+                      </m:sSub>
+                      <m:sSub>
+                        <m:sSubPr>
+                          <m:ctrlPr>
+                            <a:rPr kumimoji="1" lang="en-US" altLang="ko-KR" sz="2000" b="1" i="1">
+                              <a:latin typeface="Cambria Math" panose="02040503050406030204" pitchFamily="18" charset="0"/>
+                            </a:rPr>
+                          </m:ctrlPr>
+                        </m:sSubPr>
+                        <m:e>
+                          <m:r>
+                            <a:rPr kumimoji="1" lang="en-US" altLang="ko-KR" sz="2000" b="1" i="1">
+                              <a:latin typeface="Cambria Math" panose="02040503050406030204" pitchFamily="18" charset="0"/>
+                            </a:rPr>
+                            <m:t>𝒎</m:t>
+                          </m:r>
+                          <m:r>
+                            <a:rPr kumimoji="1" lang="en-US" altLang="ko-KR" sz="2000" b="1" i="1" smtClean="0">
+                              <a:latin typeface="Cambria Math" panose="02040503050406030204" pitchFamily="18" charset="0"/>
+                            </a:rPr>
+                            <m:t>𝒂𝒙</m:t>
+                          </m:r>
+                        </m:e>
+                        <m:sub>
+                          <m:r>
+                            <a:rPr kumimoji="1" lang="ko-KR" altLang="en-US" sz="2000" b="1" i="1" smtClean="0">
+                              <a:latin typeface="Cambria Math" panose="02040503050406030204" pitchFamily="18" charset="0"/>
+                            </a:rPr>
+                            <m:t>𝝀</m:t>
+                          </m:r>
+                        </m:sub>
+                      </m:sSub>
+                      <m:sSub>
+                        <m:sSubPr>
+                          <m:ctrlPr>
+                            <a:rPr kumimoji="1" lang="en-US" altLang="ko-KR" sz="2000" b="1" i="1">
+                              <a:latin typeface="Cambria Math" panose="02040503050406030204" pitchFamily="18" charset="0"/>
+                            </a:rPr>
+                          </m:ctrlPr>
+                        </m:sSubPr>
+                        <m:e>
+                          <m:r>
+                            <a:rPr kumimoji="1" lang="en-US" altLang="ko-KR" sz="2000" b="1" i="1">
+                              <a:latin typeface="Cambria Math" panose="02040503050406030204" pitchFamily="18" charset="0"/>
+                            </a:rPr>
+                            <m:t>𝒎</m:t>
+                          </m:r>
+                          <m:r>
+                            <a:rPr kumimoji="1" lang="en-US" altLang="ko-KR" sz="2000" b="1" i="1" smtClean="0">
+                              <a:latin typeface="Cambria Math" panose="02040503050406030204" pitchFamily="18" charset="0"/>
+                            </a:rPr>
+                            <m:t>𝒂𝒙</m:t>
+                          </m:r>
+                        </m:e>
+                        <m:sub>
+                          <m:r>
+                            <a:rPr kumimoji="1" lang="ko-KR" altLang="en-US" sz="2000" b="1" i="1" smtClean="0">
+                              <a:latin typeface="Cambria Math" panose="02040503050406030204" pitchFamily="18" charset="0"/>
+                            </a:rPr>
+                            <m:t>𝜶</m:t>
+                          </m:r>
+                          <m:r>
+                            <a:rPr kumimoji="1" lang="en-US" altLang="ko-KR" sz="2000" b="1" i="1" smtClean="0">
+                              <a:latin typeface="Cambria Math" panose="02040503050406030204" pitchFamily="18" charset="0"/>
+                            </a:rPr>
+                            <m:t>,</m:t>
+                          </m:r>
+                          <m:r>
+                            <a:rPr kumimoji="1" lang="ko-KR" altLang="en-US" sz="2000" b="1" i="1" smtClean="0">
+                              <a:latin typeface="Cambria Math" panose="02040503050406030204" pitchFamily="18" charset="0"/>
+                            </a:rPr>
+                            <m:t>𝜶</m:t>
+                          </m:r>
+                          <m:r>
+                            <a:rPr kumimoji="1" lang="en-US" altLang="ko-KR" sz="2000" b="1" i="1" smtClean="0">
+                              <a:latin typeface="Cambria Math" panose="02040503050406030204" pitchFamily="18" charset="0"/>
+                            </a:rPr>
+                            <m:t>≥</m:t>
+                          </m:r>
+                          <m:r>
+                            <a:rPr kumimoji="1" lang="en-US" altLang="ko-KR" sz="2000" b="1" i="1" smtClean="0">
+                              <a:latin typeface="Cambria Math" panose="02040503050406030204" pitchFamily="18" charset="0"/>
+                            </a:rPr>
+                            <m:t>𝟎</m:t>
+                          </m:r>
+                        </m:sub>
+                      </m:sSub>
+                      <m:r>
+                        <a:rPr kumimoji="1" lang="en-US" altLang="ko-KR" sz="2000" b="1" i="1">
+                          <a:latin typeface="Cambria Math" panose="02040503050406030204" pitchFamily="18" charset="0"/>
+                        </a:rPr>
+                        <m:t>𝑳</m:t>
+                      </m:r>
+                      <m:d>
+                        <m:dPr>
+                          <m:ctrlPr>
+                            <a:rPr kumimoji="1" lang="en-US" altLang="ko-KR" sz="2000" b="1" i="1">
+                              <a:latin typeface="Cambria Math" panose="02040503050406030204" pitchFamily="18" charset="0"/>
+                            </a:rPr>
+                          </m:ctrlPr>
+                        </m:dPr>
+                        <m:e>
+                          <m:r>
+                            <a:rPr kumimoji="1" lang="en-US" altLang="ko-KR" sz="2000" b="1" i="1">
+                              <a:latin typeface="Cambria Math" panose="02040503050406030204" pitchFamily="18" charset="0"/>
+                            </a:rPr>
+                            <m:t>𝒙</m:t>
+                          </m:r>
+                          <m:r>
+                            <a:rPr kumimoji="1" lang="en-US" altLang="ko-KR" sz="2000" b="1" i="1">
+                              <a:latin typeface="Cambria Math" panose="02040503050406030204" pitchFamily="18" charset="0"/>
+                            </a:rPr>
+                            <m:t>, </m:t>
+                          </m:r>
+                          <m:r>
+                            <a:rPr kumimoji="1" lang="ko-KR" altLang="en-US" sz="2000" b="1" i="1">
+                              <a:latin typeface="Cambria Math" panose="02040503050406030204" pitchFamily="18" charset="0"/>
+                            </a:rPr>
+                            <m:t>𝝀</m:t>
+                          </m:r>
+                          <m:r>
+                            <a:rPr kumimoji="1" lang="en-US" altLang="ko-KR" sz="2000" b="1" i="1">
+                              <a:latin typeface="Cambria Math" panose="02040503050406030204" pitchFamily="18" charset="0"/>
+                            </a:rPr>
+                            <m:t>, </m:t>
+                          </m:r>
+                          <m:r>
+                            <a:rPr kumimoji="1" lang="ko-KR" altLang="en-US" sz="2000" b="1" i="1">
+                              <a:latin typeface="Cambria Math" panose="02040503050406030204" pitchFamily="18" charset="0"/>
+                            </a:rPr>
+                            <m:t>𝜶</m:t>
+                          </m:r>
+                        </m:e>
+                      </m:d>
+                    </m:oMath>
+                  </m:oMathPara>
+                </a14:m>
+                <a:endParaRPr kumimoji="1" lang="en-US" altLang="ko-KR" sz="2000" b="1" dirty="0"/>
+              </a:p>
+              <a:p>
+                <a:pPr marL="253800" lvl="1" indent="0">
+                  <a:buNone/>
+                </a:pPr>
+                <a:endParaRPr kumimoji="1" lang="en-US" altLang="ko-KR" b="1" dirty="0"/>
+              </a:p>
+              <a:p>
+                <a:pPr marL="253800" lvl="1" indent="0">
+                  <a:buNone/>
+                </a:pPr>
+                <a:endParaRPr kumimoji="1" lang="en-US" altLang="ko-KR" dirty="0"/>
+              </a:p>
+            </p:txBody>
+          </p:sp>
+        </mc:Choice>
+        <mc:Fallback>
+          <p:sp>
+            <p:nvSpPr>
+              <p:cNvPr id="3" name="내용 개체 틀 2">
+                <a:extLst>
+                  <a:ext uri="{FF2B5EF4-FFF2-40B4-BE49-F238E27FC236}">
+                    <a16:creationId xmlns:a16="http://schemas.microsoft.com/office/drawing/2014/main" id="{1725D5B2-2C6C-3B43-B4F2-CA91BE12BB41}"/>
+                  </a:ext>
+                </a:extLst>
+              </p:cNvPr>
+              <p:cNvSpPr>
+                <a:spLocks noGrp="1" noRot="1" noChangeAspect="1" noMove="1" noResize="1" noEditPoints="1" noAdjustHandles="1" noChangeArrowheads="1" noChangeShapeType="1" noTextEdit="1"/>
+              </p:cNvSpPr>
+              <p:nvPr>
+                <p:ph idx="1"/>
+              </p:nvPr>
+            </p:nvSpPr>
+            <p:spPr>
+              <a:xfrm>
+                <a:off x="838200" y="1721803"/>
+                <a:ext cx="10927080" cy="4351338"/>
+              </a:xfrm>
+              <a:blipFill>
+                <a:blip r:embed="rId3"/>
+                <a:stretch>
+                  <a:fillRect l="-502"/>
+                </a:stretch>
+              </a:blipFill>
+            </p:spPr>
+            <p:txBody>
+              <a:bodyPr/>
+              <a:lstStyle/>
+              <a:p>
+                <a:r>
+                  <a:rPr lang="ko-KR" altLang="en-US">
+                    <a:noFill/>
+                  </a:rPr>
+                  <a:t> </a:t>
+                </a:r>
+              </a:p>
+            </p:txBody>
+          </p:sp>
+        </mc:Fallback>
+      </mc:AlternateContent>
+    </p:spTree>
+    <p:extLst>
+      <p:ext uri="{BB962C8B-B14F-4D97-AF65-F5344CB8AC3E}">
+        <p14:creationId xmlns:p14="http://schemas.microsoft.com/office/powerpoint/2010/main" val="1793666481"/>
+      </p:ext>
+    </p:extLst>
+  </p:cSld>
+  <p:clrMapOvr>
+    <a:masterClrMapping/>
+  </p:clrMapOvr>
+</p:sld>
+</file>
+
+<file path=ppt/slides/slide19.xml><?xml version="1.0" encoding="utf-8"?>
+<p:sld xmlns:a="http://schemas.openxmlformats.org/drawingml/2006/main" xmlns:r="http://schemas.openxmlformats.org/officeDocument/2006/relationships" xmlns:p="http://schemas.openxmlformats.org/presentationml/2006/main">
+  <p:cSld>
+    <p:spTree>
+      <p:nvGrpSpPr>
+        <p:cNvPr id="1" name=""/>
+        <p:cNvGrpSpPr/>
+        <p:nvPr/>
+      </p:nvGrpSpPr>
+      <p:grpSpPr>
+        <a:xfrm>
+          <a:off x="0" y="0"/>
+          <a:ext cx="0" cy="0"/>
+          <a:chOff x="0" y="0"/>
+          <a:chExt cx="0" cy="0"/>
+        </a:xfrm>
+      </p:grpSpPr>
+      <p:sp>
+        <p:nvSpPr>
+          <p:cNvPr id="2" name="제목 1">
+            <a:extLst>
+              <a:ext uri="{FF2B5EF4-FFF2-40B4-BE49-F238E27FC236}">
+                <a16:creationId xmlns:a16="http://schemas.microsoft.com/office/drawing/2014/main" id="{AA92BCFB-E11B-F940-A787-2261CAC8E814}"/>
+              </a:ext>
+            </a:extLst>
+          </p:cNvPr>
+          <p:cNvSpPr>
+            <a:spLocks noGrp="1"/>
+          </p:cNvSpPr>
+          <p:nvPr>
+            <p:ph type="title"/>
+          </p:nvPr>
+        </p:nvSpPr>
+        <p:spPr/>
+        <p:txBody>
+          <a:bodyPr/>
+          <a:lstStyle/>
+          <a:p>
+            <a:r>
+              <a:rPr kumimoji="1" lang="en-US" altLang="en-US" dirty="0"/>
+              <a:t>4.4 Constrained Optimization</a:t>
+            </a:r>
+            <a:endParaRPr kumimoji="1" lang="ko-Kore-KR" altLang="en-US" dirty="0"/>
+          </a:p>
+        </p:txBody>
+      </p:sp>
+      <mc:AlternateContent xmlns:mc="http://schemas.openxmlformats.org/markup-compatibility/2006">
+        <mc:Choice xmlns:a14="http://schemas.microsoft.com/office/drawing/2010/main" Requires="a14">
+          <p:sp>
+            <p:nvSpPr>
+              <p:cNvPr id="3" name="내용 개체 틀 2">
+                <a:extLst>
+                  <a:ext uri="{FF2B5EF4-FFF2-40B4-BE49-F238E27FC236}">
+                    <a16:creationId xmlns:a16="http://schemas.microsoft.com/office/drawing/2014/main" id="{1725D5B2-2C6C-3B43-B4F2-CA91BE12BB41}"/>
+                  </a:ext>
+                </a:extLst>
+              </p:cNvPr>
+              <p:cNvSpPr>
+                <a:spLocks noGrp="1"/>
+              </p:cNvSpPr>
+              <p:nvPr>
+                <p:ph idx="1"/>
+              </p:nvPr>
+            </p:nvSpPr>
+            <p:spPr>
+              <a:xfrm>
+                <a:off x="838200" y="1721803"/>
+                <a:ext cx="10927080" cy="4351338"/>
+              </a:xfrm>
+            </p:spPr>
+            <p:txBody>
+              <a:bodyPr/>
+              <a:lstStyle/>
+              <a:p>
+                <a:r>
+                  <a:rPr kumimoji="1" lang="en-US" altLang="ko-KR" b="1" dirty="0"/>
+                  <a:t>Kaurush-Kuhn-Tucker (KKT) approach</a:t>
+                </a:r>
+                <a:endParaRPr kumimoji="1" lang="en-US" altLang="ko-KR" sz="2000" b="1" dirty="0"/>
+              </a:p>
+              <a:p>
+                <a:pPr marL="253800" lvl="1" indent="0">
+                  <a:buNone/>
+                </a:pPr>
+                <a14:m>
+                  <m:oMathPara xmlns:m="http://schemas.openxmlformats.org/officeDocument/2006/math">
+                    <m:oMathParaPr>
+                      <m:jc m:val="centerGroup"/>
+                    </m:oMathParaPr>
+                    <m:oMath xmlns:m="http://schemas.openxmlformats.org/officeDocument/2006/math">
+                      <m:sSub>
+                        <m:sSubPr>
+                          <m:ctrlPr>
+                            <a:rPr kumimoji="1" lang="en-US" altLang="ko-KR" sz="2000" b="1" i="1" smtClean="0">
+                              <a:latin typeface="Cambria Math" panose="02040503050406030204" pitchFamily="18" charset="0"/>
+                            </a:rPr>
+                          </m:ctrlPr>
+                        </m:sSubPr>
+                        <m:e>
+                          <m:r>
+                            <a:rPr kumimoji="1" lang="en-US" altLang="ko-KR" sz="2000" b="1" i="1" smtClean="0">
+                              <a:latin typeface="Cambria Math" panose="02040503050406030204" pitchFamily="18" charset="0"/>
+                            </a:rPr>
+                            <m:t>𝒎𝒊𝒏</m:t>
+                          </m:r>
+                        </m:e>
+                        <m:sub>
+                          <m:r>
+                            <a:rPr kumimoji="1" lang="en-US" altLang="ko-KR" sz="2000" b="1" i="1" smtClean="0">
+                              <a:latin typeface="Cambria Math" panose="02040503050406030204" pitchFamily="18" charset="0"/>
+                            </a:rPr>
+                            <m:t>𝒙</m:t>
+                          </m:r>
+                        </m:sub>
+                      </m:sSub>
+                      <m:sSub>
+                        <m:sSubPr>
+                          <m:ctrlPr>
+                            <a:rPr kumimoji="1" lang="en-US" altLang="ko-KR" sz="2000" b="1" i="1">
+                              <a:latin typeface="Cambria Math" panose="02040503050406030204" pitchFamily="18" charset="0"/>
+                            </a:rPr>
+                          </m:ctrlPr>
+                        </m:sSubPr>
+                        <m:e>
+                          <m:r>
+                            <a:rPr kumimoji="1" lang="en-US" altLang="ko-KR" sz="2000" b="1" i="1">
+                              <a:latin typeface="Cambria Math" panose="02040503050406030204" pitchFamily="18" charset="0"/>
+                            </a:rPr>
+                            <m:t>𝒎</m:t>
+                          </m:r>
+                          <m:r>
+                            <a:rPr kumimoji="1" lang="en-US" altLang="ko-KR" sz="2000" b="1" i="1" smtClean="0">
+                              <a:latin typeface="Cambria Math" panose="02040503050406030204" pitchFamily="18" charset="0"/>
+                            </a:rPr>
+                            <m:t>𝒂𝒙</m:t>
+                          </m:r>
+                        </m:e>
+                        <m:sub>
+                          <m:r>
+                            <a:rPr kumimoji="1" lang="ko-KR" altLang="en-US" sz="2000" b="1" i="1" smtClean="0">
+                              <a:latin typeface="Cambria Math" panose="02040503050406030204" pitchFamily="18" charset="0"/>
+                            </a:rPr>
+                            <m:t>𝝀</m:t>
+                          </m:r>
+                        </m:sub>
+                      </m:sSub>
+                      <m:sSub>
+                        <m:sSubPr>
+                          <m:ctrlPr>
+                            <a:rPr kumimoji="1" lang="en-US" altLang="ko-KR" sz="2000" b="1" i="1">
+                              <a:latin typeface="Cambria Math" panose="02040503050406030204" pitchFamily="18" charset="0"/>
+                            </a:rPr>
+                          </m:ctrlPr>
+                        </m:sSubPr>
+                        <m:e>
+                          <m:r>
+                            <a:rPr kumimoji="1" lang="en-US" altLang="ko-KR" sz="2000" b="1" i="1">
+                              <a:latin typeface="Cambria Math" panose="02040503050406030204" pitchFamily="18" charset="0"/>
+                            </a:rPr>
+                            <m:t>𝒎</m:t>
+                          </m:r>
+                          <m:r>
+                            <a:rPr kumimoji="1" lang="en-US" altLang="ko-KR" sz="2000" b="1" i="1" smtClean="0">
+                              <a:latin typeface="Cambria Math" panose="02040503050406030204" pitchFamily="18" charset="0"/>
+                            </a:rPr>
+                            <m:t>𝒂𝒙</m:t>
+                          </m:r>
+                        </m:e>
+                        <m:sub>
+                          <m:r>
+                            <a:rPr kumimoji="1" lang="ko-KR" altLang="en-US" sz="2000" b="1" i="1" smtClean="0">
+                              <a:latin typeface="Cambria Math" panose="02040503050406030204" pitchFamily="18" charset="0"/>
+                            </a:rPr>
+                            <m:t>𝜶</m:t>
+                          </m:r>
+                          <m:r>
+                            <a:rPr kumimoji="1" lang="en-US" altLang="ko-KR" sz="2000" b="1" i="1" smtClean="0">
+                              <a:latin typeface="Cambria Math" panose="02040503050406030204" pitchFamily="18" charset="0"/>
+                            </a:rPr>
+                            <m:t>,</m:t>
+                          </m:r>
+                          <m:r>
+                            <a:rPr kumimoji="1" lang="ko-KR" altLang="en-US" sz="2000" b="1" i="1" smtClean="0">
+                              <a:latin typeface="Cambria Math" panose="02040503050406030204" pitchFamily="18" charset="0"/>
+                            </a:rPr>
+                            <m:t>𝜶</m:t>
+                          </m:r>
+                          <m:r>
+                            <a:rPr kumimoji="1" lang="en-US" altLang="ko-KR" sz="2000" b="1" i="1" smtClean="0">
+                              <a:latin typeface="Cambria Math" panose="02040503050406030204" pitchFamily="18" charset="0"/>
+                            </a:rPr>
+                            <m:t>≥</m:t>
+                          </m:r>
+                          <m:r>
+                            <a:rPr kumimoji="1" lang="en-US" altLang="ko-KR" sz="2000" b="1" i="1" smtClean="0">
+                              <a:latin typeface="Cambria Math" panose="02040503050406030204" pitchFamily="18" charset="0"/>
+                            </a:rPr>
+                            <m:t>𝟎</m:t>
+                          </m:r>
+                        </m:sub>
+                      </m:sSub>
+                      <m:r>
+                        <a:rPr kumimoji="1" lang="en-US" altLang="ko-KR" sz="2000" b="1" i="1">
+                          <a:latin typeface="Cambria Math" panose="02040503050406030204" pitchFamily="18" charset="0"/>
+                        </a:rPr>
+                        <m:t>𝑳</m:t>
+                      </m:r>
+                      <m:d>
+                        <m:dPr>
+                          <m:ctrlPr>
+                            <a:rPr kumimoji="1" lang="en-US" altLang="ko-KR" sz="2000" b="1" i="1">
+                              <a:latin typeface="Cambria Math" panose="02040503050406030204" pitchFamily="18" charset="0"/>
+                            </a:rPr>
+                          </m:ctrlPr>
+                        </m:dPr>
+                        <m:e>
+                          <m:r>
+                            <a:rPr kumimoji="1" lang="en-US" altLang="ko-KR" sz="2000" b="1" i="1">
+                              <a:latin typeface="Cambria Math" panose="02040503050406030204" pitchFamily="18" charset="0"/>
+                            </a:rPr>
+                            <m:t>𝒙</m:t>
+                          </m:r>
+                          <m:r>
+                            <a:rPr kumimoji="1" lang="en-US" altLang="ko-KR" sz="2000" b="1" i="1">
+                              <a:latin typeface="Cambria Math" panose="02040503050406030204" pitchFamily="18" charset="0"/>
+                            </a:rPr>
+                            <m:t>, </m:t>
+                          </m:r>
+                          <m:r>
+                            <a:rPr kumimoji="1" lang="ko-KR" altLang="en-US" sz="2000" b="1" i="1">
+                              <a:latin typeface="Cambria Math" panose="02040503050406030204" pitchFamily="18" charset="0"/>
+                            </a:rPr>
+                            <m:t>𝝀</m:t>
+                          </m:r>
+                          <m:r>
+                            <a:rPr kumimoji="1" lang="en-US" altLang="ko-KR" sz="2000" b="1" i="1">
+                              <a:latin typeface="Cambria Math" panose="02040503050406030204" pitchFamily="18" charset="0"/>
+                            </a:rPr>
+                            <m:t>, </m:t>
+                          </m:r>
+                          <m:r>
+                            <a:rPr kumimoji="1" lang="ko-KR" altLang="en-US" sz="2000" b="1" i="1">
+                              <a:latin typeface="Cambria Math" panose="02040503050406030204" pitchFamily="18" charset="0"/>
+                            </a:rPr>
+                            <m:t>𝜶</m:t>
+                          </m:r>
+                        </m:e>
+                      </m:d>
+                    </m:oMath>
+                  </m:oMathPara>
+                </a14:m>
+                <a:endParaRPr kumimoji="1" lang="en-US" altLang="ko-KR" sz="2000" b="1" dirty="0"/>
+              </a:p>
+              <a:p>
+                <a:pPr lvl="1"/>
+                <a:r>
+                  <a:rPr kumimoji="1" lang="en-US" altLang="ko-KR" dirty="0"/>
+                  <a:t>same optimal objective function value and set of optimal points </a:t>
+                </a:r>
+                <a:r>
+                  <a:rPr kumimoji="1" lang="en-US" altLang="ko-KR" b="1" dirty="0"/>
+                  <a:t>x</a:t>
+                </a:r>
+                <a:r>
+                  <a:rPr kumimoji="1" lang="en-US" altLang="ko-KR" dirty="0"/>
+                  <a:t> as</a:t>
+                </a:r>
+              </a:p>
+              <a:p>
+                <a:pPr marL="253800" lvl="1" indent="0">
+                  <a:buNone/>
+                </a:pPr>
+                <a14:m>
+                  <m:oMathPara xmlns:m="http://schemas.openxmlformats.org/officeDocument/2006/math">
+                    <m:oMathParaPr>
+                      <m:jc m:val="centerGroup"/>
+                    </m:oMathParaPr>
+                    <m:oMath xmlns:m="http://schemas.openxmlformats.org/officeDocument/2006/math">
+                      <m:sSub>
+                        <m:sSubPr>
+                          <m:ctrlPr>
+                            <a:rPr kumimoji="1" lang="en-US" altLang="ko-KR" sz="2000" b="1" i="1" smtClean="0">
+                              <a:latin typeface="Cambria Math" panose="02040503050406030204" pitchFamily="18" charset="0"/>
+                            </a:rPr>
+                          </m:ctrlPr>
+                        </m:sSubPr>
+                        <m:e>
+                          <m:r>
+                            <a:rPr kumimoji="1" lang="en-US" altLang="ko-KR" sz="2000" b="1" i="1" smtClean="0">
+                              <a:latin typeface="Cambria Math" panose="02040503050406030204" pitchFamily="18" charset="0"/>
+                            </a:rPr>
+                            <m:t>𝒎𝒊𝒏</m:t>
+                          </m:r>
+                        </m:e>
+                        <m:sub>
+                          <m:r>
+                            <a:rPr kumimoji="1" lang="en-US" altLang="ko-KR" sz="2000" b="1" i="1" smtClean="0">
+                              <a:latin typeface="Cambria Math" panose="02040503050406030204" pitchFamily="18" charset="0"/>
+                            </a:rPr>
+                            <m:t>𝒙</m:t>
+                          </m:r>
+                          <m:r>
+                            <a:rPr kumimoji="1" lang="en-US" altLang="ko-KR" sz="2000" b="1" i="1" smtClean="0">
+                              <a:latin typeface="Cambria Math" panose="02040503050406030204" pitchFamily="18" charset="0"/>
+                              <a:ea typeface="Cambria Math" panose="02040503050406030204" pitchFamily="18" charset="0"/>
+                            </a:rPr>
+                            <m:t>∈</m:t>
+                          </m:r>
+                          <m:r>
+                            <a:rPr kumimoji="1" lang="en-US" altLang="ko-KR" sz="2000" b="1" i="1" smtClean="0">
+                              <a:latin typeface="Cambria Math" panose="02040503050406030204" pitchFamily="18" charset="0"/>
+                              <a:ea typeface="Cambria Math" panose="02040503050406030204" pitchFamily="18" charset="0"/>
+                            </a:rPr>
+                            <m:t>𝑺</m:t>
+                          </m:r>
+                        </m:sub>
+                      </m:sSub>
+                      <m:r>
+                        <a:rPr kumimoji="1" lang="en-US" altLang="ko-KR" sz="2000" b="1" i="1" smtClean="0">
+                          <a:latin typeface="Cambria Math" panose="02040503050406030204" pitchFamily="18" charset="0"/>
+                        </a:rPr>
+                        <m:t>𝒇</m:t>
+                      </m:r>
+                      <m:r>
+                        <a:rPr kumimoji="1" lang="en-US" altLang="ko-KR" sz="2000" b="1" i="1" smtClean="0">
+                          <a:latin typeface="Cambria Math" panose="02040503050406030204" pitchFamily="18" charset="0"/>
+                        </a:rPr>
+                        <m:t>(</m:t>
+                      </m:r>
+                      <m:r>
+                        <a:rPr kumimoji="1" lang="en-US" altLang="ko-KR" sz="2000" b="1" i="1" smtClean="0">
+                          <a:latin typeface="Cambria Math" panose="02040503050406030204" pitchFamily="18" charset="0"/>
+                        </a:rPr>
+                        <m:t>𝒙</m:t>
+                      </m:r>
+                      <m:r>
+                        <a:rPr kumimoji="1" lang="en-US" altLang="ko-KR" sz="2000" b="1" i="1" smtClean="0">
+                          <a:latin typeface="Cambria Math" panose="02040503050406030204" pitchFamily="18" charset="0"/>
+                        </a:rPr>
+                        <m:t>)</m:t>
+                      </m:r>
+                    </m:oMath>
+                  </m:oMathPara>
+                </a14:m>
+                <a:endParaRPr kumimoji="1" lang="en-US" altLang="ko-KR" sz="2000" b="1" dirty="0"/>
+              </a:p>
+              <a:p>
+                <a:pPr lvl="1"/>
+                <a:endParaRPr kumimoji="1" lang="en-US" altLang="ko-KR" sz="2000" dirty="0"/>
+              </a:p>
+              <a:p>
+                <a:pPr marL="253800" lvl="1" indent="0">
+                  <a:buNone/>
+                </a:pPr>
+                <a:endParaRPr kumimoji="1" lang="en-US" altLang="ko-KR" b="1" dirty="0"/>
+              </a:p>
+              <a:p>
+                <a:pPr marL="253800" lvl="1" indent="0">
+                  <a:buNone/>
+                </a:pPr>
+                <a:endParaRPr kumimoji="1" lang="en-US" altLang="ko-KR" dirty="0"/>
+              </a:p>
+            </p:txBody>
+          </p:sp>
+        </mc:Choice>
+        <mc:Fallback>
+          <p:sp>
+            <p:nvSpPr>
+              <p:cNvPr id="3" name="내용 개체 틀 2">
+                <a:extLst>
+                  <a:ext uri="{FF2B5EF4-FFF2-40B4-BE49-F238E27FC236}">
+                    <a16:creationId xmlns:a16="http://schemas.microsoft.com/office/drawing/2014/main" id="{1725D5B2-2C6C-3B43-B4F2-CA91BE12BB41}"/>
+                  </a:ext>
+                </a:extLst>
+              </p:cNvPr>
+              <p:cNvSpPr>
+                <a:spLocks noGrp="1" noRot="1" noChangeAspect="1" noMove="1" noResize="1" noEditPoints="1" noAdjustHandles="1" noChangeArrowheads="1" noChangeShapeType="1" noTextEdit="1"/>
+              </p:cNvSpPr>
+              <p:nvPr>
+                <p:ph idx="1"/>
+              </p:nvPr>
+            </p:nvSpPr>
+            <p:spPr>
+              <a:xfrm>
+                <a:off x="838200" y="1721803"/>
+                <a:ext cx="10927080" cy="4351338"/>
+              </a:xfrm>
+              <a:blipFill>
+                <a:blip r:embed="rId3"/>
+                <a:stretch>
+                  <a:fillRect l="-502"/>
+                </a:stretch>
+              </a:blipFill>
+            </p:spPr>
+            <p:txBody>
+              <a:bodyPr/>
+              <a:lstStyle/>
+              <a:p>
+                <a:r>
+                  <a:rPr lang="ko-KR" altLang="en-US">
+                    <a:noFill/>
+                  </a:rPr>
+                  <a:t> </a:t>
+                </a:r>
+              </a:p>
+            </p:txBody>
+          </p:sp>
+        </mc:Fallback>
+      </mc:AlternateContent>
+    </p:spTree>
+    <p:extLst>
+      <p:ext uri="{BB962C8B-B14F-4D97-AF65-F5344CB8AC3E}">
+        <p14:creationId xmlns:p14="http://schemas.microsoft.com/office/powerpoint/2010/main" val="878073332"/>
       </p:ext>
     </p:extLst>
   </p:cSld>
@@ -6207,8 +8238,8 @@
           </a:p>
         </p:txBody>
       </p:sp>
-      <mc:AlternateContent xmlns:mc="http://schemas.openxmlformats.org/markup-compatibility/2006">
-        <mc:Choice xmlns:a14="http://schemas.microsoft.com/office/drawing/2010/main" Requires="a14">
+      <mc:AlternateContent xmlns:mc="http://schemas.openxmlformats.org/markup-compatibility/2006" xmlns:a14="http://schemas.microsoft.com/office/drawing/2010/main">
+        <mc:Choice Requires="a14">
           <p:sp>
             <p:nvSpPr>
               <p:cNvPr id="3" name="내용 개체 틀 2">
@@ -6328,7 +8359,7 @@
             </p:txBody>
           </p:sp>
         </mc:Choice>
-        <mc:Fallback>
+        <mc:Fallback xmlns="">
           <p:sp>
             <p:nvSpPr>
               <p:cNvPr id="3" name="내용 개체 틀 2">
@@ -6565,8 +8596,8 @@
           </a:p>
         </p:txBody>
       </p:sp>
-      <mc:AlternateContent xmlns:mc="http://schemas.openxmlformats.org/markup-compatibility/2006">
-        <mc:Choice xmlns:a14="http://schemas.microsoft.com/office/drawing/2010/main" Requires="a14">
+      <mc:AlternateContent xmlns:mc="http://schemas.openxmlformats.org/markup-compatibility/2006" xmlns:a14="http://schemas.microsoft.com/office/drawing/2010/main">
+        <mc:Choice Requires="a14">
           <p:sp>
             <p:nvSpPr>
               <p:cNvPr id="3" name="내용 개체 틀 2">
@@ -6911,7 +8942,7 @@
             </p:txBody>
           </p:sp>
         </mc:Choice>
-        <mc:Fallback>
+        <mc:Fallback xmlns="">
           <p:sp>
             <p:nvSpPr>
               <p:cNvPr id="3" name="내용 개체 틀 2">

--- a/DeepLearningStudy/4. 수치해석.pptx
+++ b/DeepLearningStudy/4. 수치해석.pptx
@@ -5,7 +5,7 @@
     <p:sldMasterId id="2147483653" r:id="rId1"/>
   </p:sldMasterIdLst>
   <p:notesMasterIdLst>
-    <p:notesMasterId r:id="rId21"/>
+    <p:notesMasterId r:id="rId28"/>
   </p:notesMasterIdLst>
   <p:sldIdLst>
     <p:sldId id="257" r:id="rId2"/>
@@ -26,7 +26,14 @@
     <p:sldId id="293" r:id="rId17"/>
     <p:sldId id="294" r:id="rId18"/>
     <p:sldId id="295" r:id="rId19"/>
-    <p:sldId id="296" r:id="rId20"/>
+    <p:sldId id="298" r:id="rId20"/>
+    <p:sldId id="299" r:id="rId21"/>
+    <p:sldId id="300" r:id="rId22"/>
+    <p:sldId id="301" r:id="rId23"/>
+    <p:sldId id="303" r:id="rId24"/>
+    <p:sldId id="302" r:id="rId25"/>
+    <p:sldId id="304" r:id="rId26"/>
+    <p:sldId id="296" r:id="rId27"/>
   </p:sldIdLst>
   <p:sldSz cx="12192000" cy="6858000"/>
   <p:notesSz cx="6858000" cy="9144000"/>
@@ -1910,52 +1917,146 @@
           <a:lstStyle/>
           <a:p>
             <a:r>
+              <a:rPr lang="en-US" altLang="ko-KR" dirty="0"/>
+              <a:t>KKT </a:t>
+            </a:r>
+            <a:r>
+              <a:rPr lang="ko-KR" altLang="en-US" dirty="0"/>
+              <a:t>접근법의 조건은 </a:t>
+            </a:r>
+            <a:r>
+              <a:rPr lang="en-US" altLang="ko-KR" dirty="0"/>
+              <a:t>3</a:t>
+            </a:r>
+            <a:r>
+              <a:rPr lang="ko-KR" altLang="en-US" dirty="0"/>
+              <a:t>가지가 있다</a:t>
+            </a:r>
+            <a:r>
+              <a:rPr lang="en-US" altLang="ko-KR" dirty="0"/>
+              <a:t>.</a:t>
+            </a:r>
+          </a:p>
+          <a:p>
+            <a:pPr marL="228600" indent="-228600">
+              <a:buAutoNum type="arabicPeriod"/>
+            </a:pPr>
+            <a:r>
+              <a:rPr lang="en-US" altLang="ko-KR" dirty="0"/>
+              <a:t>L</a:t>
+            </a:r>
+            <a:r>
+              <a:rPr lang="ko-KR" altLang="en-US" dirty="0"/>
+              <a:t>의 </a:t>
+            </a:r>
+            <a:r>
+              <a:rPr lang="ko-KR" altLang="en-US" dirty="0" err="1"/>
+              <a:t>그레디언트가</a:t>
+            </a:r>
+            <a:r>
+              <a:rPr lang="ko-KR" altLang="en-US" dirty="0"/>
+              <a:t> </a:t>
+            </a:r>
+            <a:r>
+              <a:rPr lang="en-US" altLang="ko-KR" dirty="0"/>
+              <a:t>0</a:t>
+            </a:r>
+            <a:r>
+              <a:rPr lang="ko-KR" altLang="en-US" dirty="0"/>
+              <a:t>인 지점에 해가 있다</a:t>
+            </a:r>
+            <a:r>
+              <a:rPr lang="en-US" altLang="ko-KR" dirty="0"/>
+              <a:t>.</a:t>
+            </a:r>
+          </a:p>
+          <a:p>
+            <a:pPr marL="228600" indent="-228600">
+              <a:buAutoNum type="arabicPeriod"/>
+            </a:pPr>
+            <a:r>
+              <a:rPr lang="en-US" altLang="ko-KR" dirty="0"/>
+              <a:t>Gx</a:t>
+            </a:r>
+            <a:r>
+              <a:rPr lang="ko-KR" altLang="en-US" dirty="0"/>
+              <a:t>는 등식조건 </a:t>
+            </a:r>
+            <a:r>
+              <a:rPr lang="en-US" altLang="ko-KR" dirty="0" err="1"/>
+              <a:t>hx</a:t>
+            </a:r>
+            <a:r>
+              <a:rPr lang="ko-KR" altLang="en-US" dirty="0"/>
+              <a:t>는 부등식 조건</a:t>
+            </a:r>
+            <a:endParaRPr lang="en-US" altLang="ko-KR" dirty="0"/>
+          </a:p>
+          <a:p>
+            <a:pPr marL="228600" indent="-228600">
+              <a:buAutoNum type="arabicPeriod"/>
+            </a:pPr>
+            <a:r>
+              <a:rPr lang="ko-KR" altLang="en-US" dirty="0"/>
+              <a:t>부등식 제약조건에 붙는 </a:t>
+            </a:r>
+            <a:r>
               <a:rPr lang="ko-KR" altLang="en-US" dirty="0" err="1"/>
               <a:t>라그랑주</a:t>
             </a:r>
             <a:r>
               <a:rPr lang="ko-KR" altLang="en-US" dirty="0"/>
-              <a:t> 함수의 </a:t>
+              <a:t> 승수 알파는 음수가 아니고</a:t>
+            </a:r>
+            <a:endParaRPr lang="en-US" altLang="ko-KR" dirty="0"/>
+          </a:p>
+          <a:p>
+            <a:pPr marL="228600" indent="-228600">
+              <a:buAutoNum type="arabicPeriod"/>
+            </a:pPr>
+            <a:r>
+              <a:rPr lang="ko-KR" altLang="en-US" dirty="0"/>
+              <a:t>상호보완적 </a:t>
             </a:r>
             <a:r>
               <a:rPr lang="ko-KR" altLang="en-US" dirty="0" err="1"/>
-              <a:t>최적값</a:t>
-            </a:r>
-            <a:r>
-              <a:rPr lang="ko-KR" altLang="en-US" dirty="0"/>
-              <a:t> 및 </a:t>
+              <a:t>슬랙</a:t>
+            </a:r>
+            <a:r>
+              <a:rPr lang="en-US" altLang="ko-KR" dirty="0"/>
+              <a:t>,</a:t>
+            </a:r>
+            <a:r>
+              <a:rPr lang="ko-KR" altLang="en-US" dirty="0"/>
+              <a:t> </a:t>
             </a:r>
             <a:r>
               <a:rPr lang="ko-KR" altLang="en-US" dirty="0" err="1"/>
-              <a:t>최적점</a:t>
-            </a:r>
-            <a:r>
-              <a:rPr lang="ko-KR" altLang="en-US" dirty="0"/>
-              <a:t> 집합은 목적함수 </a:t>
+              <a:t>라그랑주</a:t>
+            </a:r>
+            <a:r>
+              <a:rPr lang="ko-KR" altLang="en-US" dirty="0"/>
+              <a:t> 승수 알파와 부등식 제한조건 </a:t>
             </a:r>
             <a:r>
               <a:rPr lang="en-US" altLang="ko-KR" dirty="0"/>
-              <a:t>f(x)</a:t>
-            </a:r>
-            <a:r>
-              <a:rPr lang="ko-KR" altLang="en-US" dirty="0"/>
-              <a:t>의 </a:t>
+              <a:t>h(x)</a:t>
+            </a:r>
+            <a:r>
+              <a:rPr lang="ko-KR" altLang="en-US" dirty="0"/>
+              <a:t>의 곱이 </a:t>
+            </a:r>
+            <a:r>
+              <a:rPr lang="en-US" altLang="ko-KR" dirty="0"/>
+              <a:t>0</a:t>
             </a:r>
             <a:r>
               <a:rPr lang="ko-KR" altLang="en-US" dirty="0" err="1"/>
-              <a:t>최적값</a:t>
-            </a:r>
-            <a:r>
-              <a:rPr lang="ko-KR" altLang="en-US" dirty="0"/>
-              <a:t> 및 </a:t>
-            </a:r>
-            <a:r>
-              <a:rPr lang="ko-KR" altLang="en-US" dirty="0" err="1"/>
-              <a:t>최적점</a:t>
-            </a:r>
-            <a:r>
-              <a:rPr lang="ko-KR" altLang="en-US" dirty="0"/>
-              <a:t> 집합과 같다</a:t>
+              <a:t>이여야</a:t>
+            </a:r>
+            <a:r>
+              <a:rPr lang="ko-KR" altLang="en-US" dirty="0"/>
+              <a:t> 한다</a:t>
             </a:r>
             <a:r>
               <a:rPr lang="en-US" altLang="ko-KR" dirty="0"/>
@@ -1963,58 +2064,10 @@
             </a:r>
           </a:p>
           <a:p>
+            <a:pPr marL="228600" indent="-228600">
+              <a:buAutoNum type="arabicPeriod"/>
+            </a:pPr>
             <a:endParaRPr lang="en-US" altLang="ko-KR" dirty="0"/>
-          </a:p>
-          <a:p>
-            <a:r>
-              <a:rPr lang="ko-KR" altLang="en-US" dirty="0"/>
-              <a:t>그 이유는 제약에 걸린다면</a:t>
-            </a:r>
-            <a:endParaRPr lang="en-US" altLang="ko-KR" dirty="0"/>
-          </a:p>
-          <a:p>
-            <a:endParaRPr lang="en-US" altLang="ko-KR" dirty="0"/>
-          </a:p>
-          <a:p>
-            <a:r>
-              <a:rPr lang="ko-KR" altLang="en-US" dirty="0"/>
-              <a:t>또 제약에 걸리지 않는다면</a:t>
-            </a:r>
-            <a:endParaRPr lang="en-US" altLang="ko-KR" dirty="0"/>
-          </a:p>
-          <a:p>
-            <a:endParaRPr lang="en-US" altLang="ko-KR" dirty="0"/>
-          </a:p>
-          <a:p>
-            <a:r>
-              <a:rPr lang="ko-KR" altLang="en-US" dirty="0"/>
-              <a:t>이 성립하기 때문이다</a:t>
-            </a:r>
-            <a:r>
-              <a:rPr lang="en-US" altLang="ko-KR" dirty="0"/>
-              <a:t>.</a:t>
-            </a:r>
-          </a:p>
-          <a:p>
-            <a:endParaRPr lang="en-US" altLang="ko-KR" dirty="0"/>
-          </a:p>
-          <a:p>
-            <a:r>
-              <a:rPr lang="ko-KR" altLang="en-US" dirty="0"/>
-              <a:t>이러한 성질들은 실행가능 점이 아닌 점은 최적점이 될 수 없고</a:t>
-            </a:r>
-            <a:r>
-              <a:rPr lang="en-US" altLang="ko-KR" dirty="0"/>
-              <a:t>, </a:t>
-            </a:r>
-            <a:r>
-              <a:rPr lang="ko-KR" altLang="en-US" dirty="0"/>
-              <a:t>실행가능 범위 안에서 최적점은 변하지 않는다는 것을 보장한다</a:t>
-            </a:r>
-            <a:r>
-              <a:rPr lang="en-US" altLang="ko-KR" dirty="0"/>
-              <a:t>.</a:t>
-            </a:r>
           </a:p>
         </p:txBody>
       </p:sp>
@@ -2044,7 +2097,303 @@
     </p:spTree>
     <p:extLst>
       <p:ext uri="{BB962C8B-B14F-4D97-AF65-F5344CB8AC3E}">
-        <p14:creationId xmlns:p14="http://schemas.microsoft.com/office/powerpoint/2010/main" val="1924730289"/>
+        <p14:creationId xmlns:p14="http://schemas.microsoft.com/office/powerpoint/2010/main" val="1057489717"/>
+      </p:ext>
+    </p:extLst>
+  </p:cSld>
+  <p:clrMapOvr>
+    <a:masterClrMapping/>
+  </p:clrMapOvr>
+</p:notes>
+</file>
+
+<file path=ppt/notesSlides/notesSlide18.xml><?xml version="1.0" encoding="utf-8"?>
+<p:notes xmlns:a="http://schemas.openxmlformats.org/drawingml/2006/main" xmlns:r="http://schemas.openxmlformats.org/officeDocument/2006/relationships" xmlns:p="http://schemas.openxmlformats.org/presentationml/2006/main">
+  <p:cSld>
+    <p:spTree>
+      <p:nvGrpSpPr>
+        <p:cNvPr id="1" name=""/>
+        <p:cNvGrpSpPr/>
+        <p:nvPr/>
+      </p:nvGrpSpPr>
+      <p:grpSpPr>
+        <a:xfrm>
+          <a:off x="0" y="0"/>
+          <a:ext cx="0" cy="0"/>
+          <a:chOff x="0" y="0"/>
+          <a:chExt cx="0" cy="0"/>
+        </a:xfrm>
+      </p:grpSpPr>
+      <p:sp>
+        <p:nvSpPr>
+          <p:cNvPr id="2" name="슬라이드 이미지 개체 틀 1"/>
+          <p:cNvSpPr>
+            <a:spLocks noGrp="1" noRot="1" noChangeAspect="1"/>
+          </p:cNvSpPr>
+          <p:nvPr>
+            <p:ph type="sldImg"/>
+          </p:nvPr>
+        </p:nvSpPr>
+        <p:spPr/>
+      </p:sp>
+      <p:sp>
+        <p:nvSpPr>
+          <p:cNvPr id="3" name="슬라이드 노트 개체 틀 2"/>
+          <p:cNvSpPr>
+            <a:spLocks noGrp="1"/>
+          </p:cNvSpPr>
+          <p:nvPr>
+            <p:ph type="body" idx="1"/>
+          </p:nvPr>
+        </p:nvSpPr>
+        <p:spPr/>
+        <p:txBody>
+          <a:bodyPr/>
+          <a:lstStyle/>
+          <a:p>
+            <a:pPr marL="0" indent="0">
+              <a:buNone/>
+            </a:pPr>
+            <a:r>
+              <a:rPr lang="ko-KR" altLang="en-US" dirty="0"/>
+              <a:t>예를 들어</a:t>
+            </a:r>
+            <a:r>
+              <a:rPr lang="en-US" altLang="ko-KR" dirty="0"/>
+              <a:t>.. </a:t>
+            </a:r>
+            <a:r>
+              <a:rPr lang="ko-KR" altLang="en-US" dirty="0"/>
+              <a:t>이런 최적화 문제에</a:t>
+            </a:r>
+            <a:r>
+              <a:rPr lang="en-US" altLang="ko-KR" dirty="0"/>
+              <a:t>..</a:t>
+            </a:r>
+          </a:p>
+          <a:p>
+            <a:pPr marL="0" marR="0" lvl="0" indent="0" algn="l" defTabSz="914400" rtl="0" eaLnBrk="1" fontAlgn="auto" latinLnBrk="1" hangingPunct="1">
+              <a:lnSpc>
+                <a:spcPct val="100000"/>
+              </a:lnSpc>
+              <a:spcBef>
+                <a:spcPts val="0"/>
+              </a:spcBef>
+              <a:spcAft>
+                <a:spcPts val="0"/>
+              </a:spcAft>
+              <a:buClrTx/>
+              <a:buSzTx/>
+              <a:buFontTx/>
+              <a:buNone/>
+              <a:tabLst/>
+              <a:defRPr/>
+            </a:pPr>
+            <a:r>
+              <a:rPr lang="ko-KR" altLang="en-US" dirty="0"/>
+              <a:t>물론 일반수학시간에 배운 그래프로 그려서 </a:t>
+            </a:r>
+            <a:r>
+              <a:rPr lang="ko-KR" altLang="en-US" dirty="0" err="1"/>
+              <a:t>풀수도</a:t>
+            </a:r>
+            <a:r>
+              <a:rPr lang="ko-KR" altLang="en-US" dirty="0"/>
+              <a:t> 있지만</a:t>
+            </a:r>
+            <a:r>
+              <a:rPr lang="en-US" altLang="ko-KR" dirty="0"/>
+              <a:t>,</a:t>
+            </a:r>
+          </a:p>
+          <a:p>
+            <a:pPr marL="0" indent="0">
+              <a:buNone/>
+            </a:pPr>
+            <a:endParaRPr lang="en-US" altLang="ko-KR" dirty="0"/>
+          </a:p>
+          <a:p>
+            <a:pPr marL="0" indent="0">
+              <a:buNone/>
+            </a:pPr>
+            <a:r>
+              <a:rPr lang="en-US" altLang="ko-KR" dirty="0"/>
+              <a:t>KKT </a:t>
+            </a:r>
+            <a:r>
+              <a:rPr lang="ko-KR" altLang="en-US" dirty="0"/>
+              <a:t>접근법을 도입한다면</a:t>
+            </a:r>
+            <a:endParaRPr lang="en-US" altLang="ko-KR" dirty="0"/>
+          </a:p>
+          <a:p>
+            <a:pPr marL="0" indent="0">
+              <a:buNone/>
+            </a:pPr>
+            <a:r>
+              <a:rPr lang="ko-KR" altLang="en-US" dirty="0"/>
+              <a:t>아래와 같이 조건을 일반화하고</a:t>
+            </a:r>
+            <a:r>
+              <a:rPr lang="en-US" altLang="ko-KR" dirty="0"/>
+              <a:t>.</a:t>
+            </a:r>
+          </a:p>
+          <a:p>
+            <a:pPr marL="0" indent="0">
+              <a:buNone/>
+            </a:pPr>
+            <a:endParaRPr lang="en-US" altLang="ko-KR" dirty="0"/>
+          </a:p>
+        </p:txBody>
+      </p:sp>
+      <p:sp>
+        <p:nvSpPr>
+          <p:cNvPr id="4" name="슬라이드 번호 개체 틀 3"/>
+          <p:cNvSpPr>
+            <a:spLocks noGrp="1"/>
+          </p:cNvSpPr>
+          <p:nvPr>
+            <p:ph type="sldNum" sz="quarter" idx="5"/>
+          </p:nvPr>
+        </p:nvSpPr>
+        <p:spPr/>
+        <p:txBody>
+          <a:bodyPr/>
+          <a:lstStyle/>
+          <a:p>
+            <a:fld id="{DA275FA2-6C42-4D6B-BC32-C1F878E1B2E0}" type="slidenum">
+              <a:rPr lang="ko-KR" altLang="en-US" smtClean="0"/>
+              <a:t>20</a:t>
+            </a:fld>
+            <a:endParaRPr lang="ko-KR" altLang="en-US"/>
+          </a:p>
+        </p:txBody>
+      </p:sp>
+    </p:spTree>
+    <p:extLst>
+      <p:ext uri="{BB962C8B-B14F-4D97-AF65-F5344CB8AC3E}">
+        <p14:creationId xmlns:p14="http://schemas.microsoft.com/office/powerpoint/2010/main" val="2609411048"/>
+      </p:ext>
+    </p:extLst>
+  </p:cSld>
+  <p:clrMapOvr>
+    <a:masterClrMapping/>
+  </p:clrMapOvr>
+</p:notes>
+</file>
+
+<file path=ppt/notesSlides/notesSlide19.xml><?xml version="1.0" encoding="utf-8"?>
+<p:notes xmlns:a="http://schemas.openxmlformats.org/drawingml/2006/main" xmlns:r="http://schemas.openxmlformats.org/officeDocument/2006/relationships" xmlns:p="http://schemas.openxmlformats.org/presentationml/2006/main">
+  <p:cSld>
+    <p:spTree>
+      <p:nvGrpSpPr>
+        <p:cNvPr id="1" name=""/>
+        <p:cNvGrpSpPr/>
+        <p:nvPr/>
+      </p:nvGrpSpPr>
+      <p:grpSpPr>
+        <a:xfrm>
+          <a:off x="0" y="0"/>
+          <a:ext cx="0" cy="0"/>
+          <a:chOff x="0" y="0"/>
+          <a:chExt cx="0" cy="0"/>
+        </a:xfrm>
+      </p:grpSpPr>
+      <p:sp>
+        <p:nvSpPr>
+          <p:cNvPr id="2" name="슬라이드 이미지 개체 틀 1"/>
+          <p:cNvSpPr>
+            <a:spLocks noGrp="1" noRot="1" noChangeAspect="1"/>
+          </p:cNvSpPr>
+          <p:nvPr>
+            <p:ph type="sldImg"/>
+          </p:nvPr>
+        </p:nvSpPr>
+        <p:spPr/>
+      </p:sp>
+      <p:sp>
+        <p:nvSpPr>
+          <p:cNvPr id="3" name="슬라이드 노트 개체 틀 2"/>
+          <p:cNvSpPr>
+            <a:spLocks noGrp="1"/>
+          </p:cNvSpPr>
+          <p:nvPr>
+            <p:ph type="body" idx="1"/>
+          </p:nvPr>
+        </p:nvSpPr>
+        <p:spPr/>
+        <p:txBody>
+          <a:bodyPr/>
+          <a:lstStyle/>
+          <a:p>
+            <a:pPr marL="0" indent="0">
+              <a:buNone/>
+            </a:pPr>
+            <a:r>
+              <a:rPr lang="ko-KR" altLang="en-US" dirty="0" err="1"/>
+              <a:t>라그랑주</a:t>
+            </a:r>
+            <a:r>
+              <a:rPr lang="ko-KR" altLang="en-US" dirty="0"/>
+              <a:t> 함수의 </a:t>
+            </a:r>
+            <a:r>
+              <a:rPr lang="ko-KR" altLang="en-US" dirty="0" err="1"/>
+              <a:t>그레디언트를</a:t>
+            </a:r>
+            <a:r>
+              <a:rPr lang="ko-KR" altLang="en-US" dirty="0"/>
+              <a:t> </a:t>
+            </a:r>
+            <a:r>
+              <a:rPr lang="en-US" altLang="ko-KR" dirty="0"/>
+              <a:t>0</a:t>
+            </a:r>
+            <a:r>
+              <a:rPr lang="ko-KR" altLang="en-US" dirty="0"/>
+              <a:t>으로 만들고</a:t>
+            </a:r>
+            <a:r>
+              <a:rPr lang="en-US" altLang="ko-KR" dirty="0"/>
+              <a:t>,</a:t>
+            </a:r>
+          </a:p>
+          <a:p>
+            <a:pPr marL="0" indent="0">
+              <a:buNone/>
+            </a:pPr>
+            <a:endParaRPr lang="en-US" altLang="ko-KR" dirty="0"/>
+          </a:p>
+        </p:txBody>
+      </p:sp>
+      <p:sp>
+        <p:nvSpPr>
+          <p:cNvPr id="4" name="슬라이드 번호 개체 틀 3"/>
+          <p:cNvSpPr>
+            <a:spLocks noGrp="1"/>
+          </p:cNvSpPr>
+          <p:nvPr>
+            <p:ph type="sldNum" sz="quarter" idx="5"/>
+          </p:nvPr>
+        </p:nvSpPr>
+        <p:spPr/>
+        <p:txBody>
+          <a:bodyPr/>
+          <a:lstStyle/>
+          <a:p>
+            <a:fld id="{DA275FA2-6C42-4D6B-BC32-C1F878E1B2E0}" type="slidenum">
+              <a:rPr lang="ko-KR" altLang="en-US" smtClean="0"/>
+              <a:t>21</a:t>
+            </a:fld>
+            <a:endParaRPr lang="ko-KR" altLang="en-US"/>
+          </a:p>
+        </p:txBody>
+      </p:sp>
+    </p:spTree>
+    <p:extLst>
+      <p:ext uri="{BB962C8B-B14F-4D97-AF65-F5344CB8AC3E}">
+        <p14:creationId xmlns:p14="http://schemas.microsoft.com/office/powerpoint/2010/main" val="629797027"/>
       </p:ext>
     </p:extLst>
   </p:cSld>
@@ -2156,6 +2505,754 @@
     <p:extLst>
       <p:ext uri="{BB962C8B-B14F-4D97-AF65-F5344CB8AC3E}">
         <p14:creationId xmlns:p14="http://schemas.microsoft.com/office/powerpoint/2010/main" val="2883763651"/>
+      </p:ext>
+    </p:extLst>
+  </p:cSld>
+  <p:clrMapOvr>
+    <a:masterClrMapping/>
+  </p:clrMapOvr>
+</p:notes>
+</file>
+
+<file path=ppt/notesSlides/notesSlide20.xml><?xml version="1.0" encoding="utf-8"?>
+<p:notes xmlns:a="http://schemas.openxmlformats.org/drawingml/2006/main" xmlns:r="http://schemas.openxmlformats.org/officeDocument/2006/relationships" xmlns:p="http://schemas.openxmlformats.org/presentationml/2006/main">
+  <p:cSld>
+    <p:spTree>
+      <p:nvGrpSpPr>
+        <p:cNvPr id="1" name=""/>
+        <p:cNvGrpSpPr/>
+        <p:nvPr/>
+      </p:nvGrpSpPr>
+      <p:grpSpPr>
+        <a:xfrm>
+          <a:off x="0" y="0"/>
+          <a:ext cx="0" cy="0"/>
+          <a:chOff x="0" y="0"/>
+          <a:chExt cx="0" cy="0"/>
+        </a:xfrm>
+      </p:grpSpPr>
+      <p:sp>
+        <p:nvSpPr>
+          <p:cNvPr id="2" name="슬라이드 이미지 개체 틀 1"/>
+          <p:cNvSpPr>
+            <a:spLocks noGrp="1" noRot="1" noChangeAspect="1"/>
+          </p:cNvSpPr>
+          <p:nvPr>
+            <p:ph type="sldImg"/>
+          </p:nvPr>
+        </p:nvSpPr>
+        <p:spPr/>
+      </p:sp>
+      <p:sp>
+        <p:nvSpPr>
+          <p:cNvPr id="3" name="슬라이드 노트 개체 틀 2"/>
+          <p:cNvSpPr>
+            <a:spLocks noGrp="1"/>
+          </p:cNvSpPr>
+          <p:nvPr>
+            <p:ph type="body" idx="1"/>
+          </p:nvPr>
+        </p:nvSpPr>
+        <p:spPr/>
+        <p:txBody>
+          <a:bodyPr/>
+          <a:lstStyle/>
+          <a:p>
+            <a:pPr marL="0" indent="0">
+              <a:buNone/>
+            </a:pPr>
+            <a:r>
+              <a:rPr lang="ko-KR" altLang="en-US" dirty="0"/>
+              <a:t>부등식 제약에 걸린 </a:t>
+            </a:r>
+            <a:r>
+              <a:rPr lang="ko-KR" altLang="en-US" dirty="0" err="1"/>
+              <a:t>라그랑주</a:t>
+            </a:r>
+            <a:r>
+              <a:rPr lang="ko-KR" altLang="en-US" dirty="0"/>
+              <a:t> 승수는 음수가 아니라는 조건</a:t>
+            </a:r>
+            <a:r>
+              <a:rPr lang="en-US" altLang="ko-KR" dirty="0"/>
+              <a:t>.</a:t>
+            </a:r>
+          </a:p>
+        </p:txBody>
+      </p:sp>
+      <p:sp>
+        <p:nvSpPr>
+          <p:cNvPr id="4" name="슬라이드 번호 개체 틀 3"/>
+          <p:cNvSpPr>
+            <a:spLocks noGrp="1"/>
+          </p:cNvSpPr>
+          <p:nvPr>
+            <p:ph type="sldNum" sz="quarter" idx="5"/>
+          </p:nvPr>
+        </p:nvSpPr>
+        <p:spPr/>
+        <p:txBody>
+          <a:bodyPr/>
+          <a:lstStyle/>
+          <a:p>
+            <a:fld id="{DA275FA2-6C42-4D6B-BC32-C1F878E1B2E0}" type="slidenum">
+              <a:rPr lang="ko-KR" altLang="en-US" smtClean="0"/>
+              <a:t>22</a:t>
+            </a:fld>
+            <a:endParaRPr lang="ko-KR" altLang="en-US"/>
+          </a:p>
+        </p:txBody>
+      </p:sp>
+    </p:spTree>
+    <p:extLst>
+      <p:ext uri="{BB962C8B-B14F-4D97-AF65-F5344CB8AC3E}">
+        <p14:creationId xmlns:p14="http://schemas.microsoft.com/office/powerpoint/2010/main" val="4171122932"/>
+      </p:ext>
+    </p:extLst>
+  </p:cSld>
+  <p:clrMapOvr>
+    <a:masterClrMapping/>
+  </p:clrMapOvr>
+</p:notes>
+</file>
+
+<file path=ppt/notesSlides/notesSlide21.xml><?xml version="1.0" encoding="utf-8"?>
+<p:notes xmlns:a="http://schemas.openxmlformats.org/drawingml/2006/main" xmlns:r="http://schemas.openxmlformats.org/officeDocument/2006/relationships" xmlns:p="http://schemas.openxmlformats.org/presentationml/2006/main">
+  <p:cSld>
+    <p:spTree>
+      <p:nvGrpSpPr>
+        <p:cNvPr id="1" name=""/>
+        <p:cNvGrpSpPr/>
+        <p:nvPr/>
+      </p:nvGrpSpPr>
+      <p:grpSpPr>
+        <a:xfrm>
+          <a:off x="0" y="0"/>
+          <a:ext cx="0" cy="0"/>
+          <a:chOff x="0" y="0"/>
+          <a:chExt cx="0" cy="0"/>
+        </a:xfrm>
+      </p:grpSpPr>
+      <p:sp>
+        <p:nvSpPr>
+          <p:cNvPr id="2" name="슬라이드 이미지 개체 틀 1"/>
+          <p:cNvSpPr>
+            <a:spLocks noGrp="1" noRot="1" noChangeAspect="1"/>
+          </p:cNvSpPr>
+          <p:nvPr>
+            <p:ph type="sldImg"/>
+          </p:nvPr>
+        </p:nvSpPr>
+        <p:spPr/>
+      </p:sp>
+      <p:sp>
+        <p:nvSpPr>
+          <p:cNvPr id="3" name="슬라이드 노트 개체 틀 2"/>
+          <p:cNvSpPr>
+            <a:spLocks noGrp="1"/>
+          </p:cNvSpPr>
+          <p:nvPr>
+            <p:ph type="body" idx="1"/>
+          </p:nvPr>
+        </p:nvSpPr>
+        <p:spPr/>
+        <p:txBody>
+          <a:bodyPr/>
+          <a:lstStyle/>
+          <a:p>
+            <a:pPr marL="0" marR="0" lvl="0" indent="0" algn="l" defTabSz="914400" rtl="0" eaLnBrk="1" fontAlgn="auto" latinLnBrk="1" hangingPunct="1">
+              <a:lnSpc>
+                <a:spcPct val="100000"/>
+              </a:lnSpc>
+              <a:spcBef>
+                <a:spcPts val="0"/>
+              </a:spcBef>
+              <a:spcAft>
+                <a:spcPts val="0"/>
+              </a:spcAft>
+              <a:buClrTx/>
+              <a:buSzTx/>
+              <a:buFontTx/>
+              <a:buNone/>
+              <a:tabLst/>
+              <a:defRPr/>
+            </a:pPr>
+            <a:r>
+              <a:rPr lang="ko-KR" altLang="en-US" dirty="0" err="1"/>
+              <a:t>라그랑주</a:t>
+            </a:r>
+            <a:r>
+              <a:rPr lang="ko-KR" altLang="en-US" dirty="0"/>
+              <a:t> 승수와 부등식 제약조건의 곱이 </a:t>
+            </a:r>
+            <a:r>
+              <a:rPr lang="en-US" altLang="ko-KR" dirty="0"/>
+              <a:t>0</a:t>
+            </a:r>
+            <a:r>
+              <a:rPr lang="ko-KR" altLang="en-US" dirty="0"/>
+              <a:t>이라는 조건</a:t>
+            </a:r>
+            <a:endParaRPr lang="en-US" altLang="ko-KR" dirty="0"/>
+          </a:p>
+          <a:p>
+            <a:pPr marL="0" indent="0">
+              <a:buNone/>
+            </a:pPr>
+            <a:endParaRPr lang="en-US" altLang="ko-KR" dirty="0"/>
+          </a:p>
+        </p:txBody>
+      </p:sp>
+      <p:sp>
+        <p:nvSpPr>
+          <p:cNvPr id="4" name="슬라이드 번호 개체 틀 3"/>
+          <p:cNvSpPr>
+            <a:spLocks noGrp="1"/>
+          </p:cNvSpPr>
+          <p:nvPr>
+            <p:ph type="sldNum" sz="quarter" idx="5"/>
+          </p:nvPr>
+        </p:nvSpPr>
+        <p:spPr/>
+        <p:txBody>
+          <a:bodyPr/>
+          <a:lstStyle/>
+          <a:p>
+            <a:fld id="{DA275FA2-6C42-4D6B-BC32-C1F878E1B2E0}" type="slidenum">
+              <a:rPr lang="ko-KR" altLang="en-US" smtClean="0"/>
+              <a:t>23</a:t>
+            </a:fld>
+            <a:endParaRPr lang="ko-KR" altLang="en-US"/>
+          </a:p>
+        </p:txBody>
+      </p:sp>
+    </p:spTree>
+    <p:extLst>
+      <p:ext uri="{BB962C8B-B14F-4D97-AF65-F5344CB8AC3E}">
+        <p14:creationId xmlns:p14="http://schemas.microsoft.com/office/powerpoint/2010/main" val="847222202"/>
+      </p:ext>
+    </p:extLst>
+  </p:cSld>
+  <p:clrMapOvr>
+    <a:masterClrMapping/>
+  </p:clrMapOvr>
+</p:notes>
+</file>
+
+<file path=ppt/notesSlides/notesSlide22.xml><?xml version="1.0" encoding="utf-8"?>
+<p:notes xmlns:a="http://schemas.openxmlformats.org/drawingml/2006/main" xmlns:r="http://schemas.openxmlformats.org/officeDocument/2006/relationships" xmlns:p="http://schemas.openxmlformats.org/presentationml/2006/main">
+  <p:cSld>
+    <p:spTree>
+      <p:nvGrpSpPr>
+        <p:cNvPr id="1" name=""/>
+        <p:cNvGrpSpPr/>
+        <p:nvPr/>
+      </p:nvGrpSpPr>
+      <p:grpSpPr>
+        <a:xfrm>
+          <a:off x="0" y="0"/>
+          <a:ext cx="0" cy="0"/>
+          <a:chOff x="0" y="0"/>
+          <a:chExt cx="0" cy="0"/>
+        </a:xfrm>
+      </p:grpSpPr>
+      <p:sp>
+        <p:nvSpPr>
+          <p:cNvPr id="2" name="슬라이드 이미지 개체 틀 1"/>
+          <p:cNvSpPr>
+            <a:spLocks noGrp="1" noRot="1" noChangeAspect="1"/>
+          </p:cNvSpPr>
+          <p:nvPr>
+            <p:ph type="sldImg"/>
+          </p:nvPr>
+        </p:nvSpPr>
+        <p:spPr/>
+      </p:sp>
+      <p:sp>
+        <p:nvSpPr>
+          <p:cNvPr id="3" name="슬라이드 노트 개체 틀 2"/>
+          <p:cNvSpPr>
+            <a:spLocks noGrp="1"/>
+          </p:cNvSpPr>
+          <p:nvPr>
+            <p:ph type="body" idx="1"/>
+          </p:nvPr>
+        </p:nvSpPr>
+        <p:spPr/>
+        <p:txBody>
+          <a:bodyPr/>
+          <a:lstStyle/>
+          <a:p>
+            <a:pPr marL="0" indent="0">
+              <a:buNone/>
+            </a:pPr>
+            <a:r>
+              <a:rPr lang="ko-KR" altLang="en-US" dirty="0"/>
+              <a:t>위 조건을 연립하여 풀이하면</a:t>
+            </a:r>
+            <a:r>
+              <a:rPr lang="en-US" altLang="ko-KR" dirty="0"/>
+              <a:t>..</a:t>
+            </a:r>
+          </a:p>
+          <a:p>
+            <a:pPr marL="0" indent="0">
+              <a:buNone/>
+            </a:pPr>
+            <a:r>
+              <a:rPr lang="en-US" altLang="ko-KR" dirty="0"/>
+              <a:t>Feasible point</a:t>
+            </a:r>
+            <a:r>
+              <a:rPr lang="ko-KR" altLang="en-US" dirty="0"/>
+              <a:t>에서 다음과 같은 해를 얻을 수 있고</a:t>
+            </a:r>
+            <a:r>
+              <a:rPr lang="en-US" altLang="ko-KR" dirty="0"/>
+              <a:t>,</a:t>
+            </a:r>
+          </a:p>
+          <a:p>
+            <a:pPr marL="0" indent="0">
+              <a:buNone/>
+            </a:pPr>
+            <a:r>
+              <a:rPr lang="ko-KR" altLang="en-US" dirty="0"/>
+              <a:t>그중 최적해는 </a:t>
+            </a:r>
+            <a:r>
+              <a:rPr lang="en-US" altLang="ko-KR" dirty="0"/>
+              <a:t>1</a:t>
+            </a:r>
+            <a:r>
+              <a:rPr lang="ko-KR" altLang="en-US" dirty="0"/>
+              <a:t>번이 된다</a:t>
+            </a:r>
+            <a:r>
+              <a:rPr lang="en-US" altLang="ko-KR" dirty="0"/>
+              <a:t>.</a:t>
+            </a:r>
+          </a:p>
+          <a:p>
+            <a:pPr marL="0" indent="0">
+              <a:buNone/>
+            </a:pPr>
+            <a:r>
+              <a:rPr lang="ko-KR" altLang="en-US" dirty="0" err="1"/>
+              <a:t>이런식으로</a:t>
+            </a:r>
+            <a:r>
+              <a:rPr lang="ko-KR" altLang="en-US" dirty="0"/>
+              <a:t> </a:t>
+            </a:r>
+            <a:r>
+              <a:rPr lang="en-US" altLang="ko-KR" dirty="0"/>
+              <a:t>KKT </a:t>
+            </a:r>
+            <a:r>
+              <a:rPr lang="ko-KR" altLang="en-US" dirty="0"/>
+              <a:t>접근법을 이용해 제약이 있는 상황에서도 최적화를 할 수 있다</a:t>
+            </a:r>
+            <a:r>
+              <a:rPr lang="en-US" altLang="ko-KR" dirty="0"/>
+              <a:t>.</a:t>
+            </a:r>
+          </a:p>
+          <a:p>
+            <a:pPr marL="0" indent="0">
+              <a:buNone/>
+            </a:pPr>
+            <a:endParaRPr lang="en-US" altLang="ko-KR" dirty="0"/>
+          </a:p>
+        </p:txBody>
+      </p:sp>
+      <p:sp>
+        <p:nvSpPr>
+          <p:cNvPr id="4" name="슬라이드 번호 개체 틀 3"/>
+          <p:cNvSpPr>
+            <a:spLocks noGrp="1"/>
+          </p:cNvSpPr>
+          <p:nvPr>
+            <p:ph type="sldNum" sz="quarter" idx="5"/>
+          </p:nvPr>
+        </p:nvSpPr>
+        <p:spPr/>
+        <p:txBody>
+          <a:bodyPr/>
+          <a:lstStyle/>
+          <a:p>
+            <a:fld id="{DA275FA2-6C42-4D6B-BC32-C1F878E1B2E0}" type="slidenum">
+              <a:rPr lang="ko-KR" altLang="en-US" smtClean="0"/>
+              <a:t>24</a:t>
+            </a:fld>
+            <a:endParaRPr lang="ko-KR" altLang="en-US"/>
+          </a:p>
+        </p:txBody>
+      </p:sp>
+    </p:spTree>
+    <p:extLst>
+      <p:ext uri="{BB962C8B-B14F-4D97-AF65-F5344CB8AC3E}">
+        <p14:creationId xmlns:p14="http://schemas.microsoft.com/office/powerpoint/2010/main" val="473615733"/>
+      </p:ext>
+    </p:extLst>
+  </p:cSld>
+  <p:clrMapOvr>
+    <a:masterClrMapping/>
+  </p:clrMapOvr>
+</p:notes>
+</file>
+
+<file path=ppt/notesSlides/notesSlide23.xml><?xml version="1.0" encoding="utf-8"?>
+<p:notes xmlns:a="http://schemas.openxmlformats.org/drawingml/2006/main" xmlns:r="http://schemas.openxmlformats.org/officeDocument/2006/relationships" xmlns:p="http://schemas.openxmlformats.org/presentationml/2006/main">
+  <p:cSld>
+    <p:spTree>
+      <p:nvGrpSpPr>
+        <p:cNvPr id="1" name=""/>
+        <p:cNvGrpSpPr/>
+        <p:nvPr/>
+      </p:nvGrpSpPr>
+      <p:grpSpPr>
+        <a:xfrm>
+          <a:off x="0" y="0"/>
+          <a:ext cx="0" cy="0"/>
+          <a:chOff x="0" y="0"/>
+          <a:chExt cx="0" cy="0"/>
+        </a:xfrm>
+      </p:grpSpPr>
+      <p:sp>
+        <p:nvSpPr>
+          <p:cNvPr id="2" name="슬라이드 이미지 개체 틀 1"/>
+          <p:cNvSpPr>
+            <a:spLocks noGrp="1" noRot="1" noChangeAspect="1"/>
+          </p:cNvSpPr>
+          <p:nvPr>
+            <p:ph type="sldImg"/>
+          </p:nvPr>
+        </p:nvSpPr>
+        <p:spPr/>
+      </p:sp>
+      <p:sp>
+        <p:nvSpPr>
+          <p:cNvPr id="3" name="슬라이드 노트 개체 틀 2"/>
+          <p:cNvSpPr>
+            <a:spLocks noGrp="1"/>
+          </p:cNvSpPr>
+          <p:nvPr>
+            <p:ph type="body" idx="1"/>
+          </p:nvPr>
+        </p:nvSpPr>
+        <p:spPr/>
+        <p:txBody>
+          <a:bodyPr/>
+          <a:lstStyle/>
+          <a:p>
+            <a:r>
+              <a:rPr lang="ko-KR" altLang="en-US" dirty="0"/>
+              <a:t>마지막으로 </a:t>
+            </a:r>
+            <a:r>
+              <a:rPr lang="en-US" altLang="ko-KR" dirty="0"/>
+              <a:t>.. 4</a:t>
+            </a:r>
+            <a:r>
+              <a:rPr lang="ko-KR" altLang="en-US" dirty="0"/>
+              <a:t>장의 내용을 요약하자면</a:t>
+            </a:r>
+            <a:endParaRPr lang="en-US" altLang="ko-KR" dirty="0"/>
+          </a:p>
+          <a:p>
+            <a:r>
+              <a:rPr lang="en-US" altLang="ko-KR" dirty="0" err="1"/>
+              <a:t>Ml</a:t>
+            </a:r>
+            <a:r>
+              <a:rPr lang="en-US" altLang="ko-KR" dirty="0"/>
+              <a:t> </a:t>
+            </a:r>
+            <a:r>
+              <a:rPr lang="ko-KR" altLang="en-US" dirty="0"/>
+              <a:t>알고리즘은 계산이 많이 필요함</a:t>
+            </a:r>
+            <a:r>
+              <a:rPr lang="en-US" altLang="ko-KR" dirty="0"/>
+              <a:t>.</a:t>
+            </a:r>
+          </a:p>
+          <a:p>
+            <a:r>
+              <a:rPr lang="ko-KR" altLang="en-US" dirty="0"/>
+              <a:t>컴퓨터 조차 한정된 메모리로 인해 실수 계산을 할 때 정확하게 표현하지 못할 수 있음을 이해한다</a:t>
+            </a:r>
+            <a:r>
+              <a:rPr lang="en-US" altLang="ko-KR" dirty="0"/>
+              <a:t>.</a:t>
+            </a:r>
+          </a:p>
+          <a:p>
+            <a:r>
+              <a:rPr lang="en-US" altLang="ko-KR" dirty="0"/>
+              <a:t>ML </a:t>
+            </a:r>
+            <a:r>
+              <a:rPr lang="ko-KR" altLang="en-US" dirty="0"/>
+              <a:t>알고리즘은 최적화 또는 선형방적식을 풀어서 문제를 해결한다</a:t>
+            </a:r>
+            <a:r>
+              <a:rPr lang="en-US" altLang="ko-KR" dirty="0"/>
+              <a:t>.</a:t>
+            </a:r>
+            <a:endParaRPr lang="ko-KR" altLang="en-US" dirty="0"/>
+          </a:p>
+        </p:txBody>
+      </p:sp>
+      <p:sp>
+        <p:nvSpPr>
+          <p:cNvPr id="4" name="슬라이드 번호 개체 틀 3"/>
+          <p:cNvSpPr>
+            <a:spLocks noGrp="1"/>
+          </p:cNvSpPr>
+          <p:nvPr>
+            <p:ph type="sldNum" sz="quarter" idx="5"/>
+          </p:nvPr>
+        </p:nvSpPr>
+        <p:spPr/>
+        <p:txBody>
+          <a:bodyPr/>
+          <a:lstStyle/>
+          <a:p>
+            <a:fld id="{DA275FA2-6C42-4D6B-BC32-C1F878E1B2E0}" type="slidenum">
+              <a:rPr lang="ko-KR" altLang="en-US" smtClean="0"/>
+              <a:t>25</a:t>
+            </a:fld>
+            <a:endParaRPr lang="ko-KR" altLang="en-US"/>
+          </a:p>
+        </p:txBody>
+      </p:sp>
+    </p:spTree>
+    <p:extLst>
+      <p:ext uri="{BB962C8B-B14F-4D97-AF65-F5344CB8AC3E}">
+        <p14:creationId xmlns:p14="http://schemas.microsoft.com/office/powerpoint/2010/main" val="3069440932"/>
+      </p:ext>
+    </p:extLst>
+  </p:cSld>
+  <p:clrMapOvr>
+    <a:masterClrMapping/>
+  </p:clrMapOvr>
+</p:notes>
+</file>
+
+<file path=ppt/notesSlides/notesSlide24.xml><?xml version="1.0" encoding="utf-8"?>
+<p:notes xmlns:a="http://schemas.openxmlformats.org/drawingml/2006/main" xmlns:r="http://schemas.openxmlformats.org/officeDocument/2006/relationships" xmlns:p="http://schemas.openxmlformats.org/presentationml/2006/main">
+  <p:cSld>
+    <p:spTree>
+      <p:nvGrpSpPr>
+        <p:cNvPr id="1" name=""/>
+        <p:cNvGrpSpPr/>
+        <p:nvPr/>
+      </p:nvGrpSpPr>
+      <p:grpSpPr>
+        <a:xfrm>
+          <a:off x="0" y="0"/>
+          <a:ext cx="0" cy="0"/>
+          <a:chOff x="0" y="0"/>
+          <a:chExt cx="0" cy="0"/>
+        </a:xfrm>
+      </p:grpSpPr>
+      <p:sp>
+        <p:nvSpPr>
+          <p:cNvPr id="2" name="슬라이드 이미지 개체 틀 1"/>
+          <p:cNvSpPr>
+            <a:spLocks noGrp="1" noRot="1" noChangeAspect="1"/>
+          </p:cNvSpPr>
+          <p:nvPr>
+            <p:ph type="sldImg"/>
+          </p:nvPr>
+        </p:nvSpPr>
+        <p:spPr/>
+      </p:sp>
+      <p:sp>
+        <p:nvSpPr>
+          <p:cNvPr id="3" name="슬라이드 노트 개체 틀 2"/>
+          <p:cNvSpPr>
+            <a:spLocks noGrp="1"/>
+          </p:cNvSpPr>
+          <p:nvPr>
+            <p:ph type="body" idx="1"/>
+          </p:nvPr>
+        </p:nvSpPr>
+        <p:spPr/>
+        <p:txBody>
+          <a:bodyPr/>
+          <a:lstStyle/>
+          <a:p>
+            <a:r>
+              <a:rPr lang="ko-KR" altLang="en-US" dirty="0" err="1"/>
+              <a:t>라그랑주</a:t>
+            </a:r>
+            <a:r>
+              <a:rPr lang="ko-KR" altLang="en-US" dirty="0"/>
+              <a:t> 함수의 </a:t>
+            </a:r>
+            <a:r>
+              <a:rPr lang="ko-KR" altLang="en-US" dirty="0" err="1"/>
+              <a:t>최적값</a:t>
+            </a:r>
+            <a:r>
+              <a:rPr lang="ko-KR" altLang="en-US" dirty="0"/>
+              <a:t> 및 </a:t>
+            </a:r>
+            <a:r>
+              <a:rPr lang="ko-KR" altLang="en-US" dirty="0" err="1"/>
+              <a:t>최적점</a:t>
+            </a:r>
+            <a:r>
+              <a:rPr lang="ko-KR" altLang="en-US" dirty="0"/>
+              <a:t> 집합은 목적함수 </a:t>
+            </a:r>
+            <a:r>
+              <a:rPr lang="en-US" altLang="ko-KR" dirty="0"/>
+              <a:t>f(x)</a:t>
+            </a:r>
+            <a:r>
+              <a:rPr lang="ko-KR" altLang="en-US" dirty="0"/>
+              <a:t>의 </a:t>
+            </a:r>
+            <a:r>
+              <a:rPr lang="ko-KR" altLang="en-US" dirty="0" err="1"/>
+              <a:t>최적값</a:t>
+            </a:r>
+            <a:r>
+              <a:rPr lang="ko-KR" altLang="en-US" dirty="0"/>
+              <a:t> 및 </a:t>
+            </a:r>
+            <a:r>
+              <a:rPr lang="ko-KR" altLang="en-US" dirty="0" err="1"/>
+              <a:t>최적점</a:t>
+            </a:r>
+            <a:r>
+              <a:rPr lang="ko-KR" altLang="en-US" dirty="0"/>
+              <a:t> 집합과 같다</a:t>
+            </a:r>
+            <a:r>
+              <a:rPr lang="en-US" altLang="ko-KR" dirty="0"/>
+              <a:t>.</a:t>
+            </a:r>
+          </a:p>
+          <a:p>
+            <a:r>
+              <a:rPr lang="ko-KR" altLang="en-US" b="0" i="0" dirty="0">
+                <a:solidFill>
+                  <a:srgbClr val="000000"/>
+                </a:solidFill>
+                <a:effectLst/>
+                <a:latin typeface="ff7"/>
+              </a:rPr>
+              <a:t>∞</a:t>
+            </a:r>
+            <a:endParaRPr lang="en-US" altLang="ko-KR" dirty="0"/>
+          </a:p>
+          <a:p>
+            <a:r>
+              <a:rPr lang="ko-KR" altLang="en-US" dirty="0"/>
+              <a:t>그 이유는 제약에 걸린다면</a:t>
+            </a:r>
+            <a:endParaRPr lang="en-US" altLang="ko-KR" dirty="0"/>
+          </a:p>
+          <a:p>
+            <a:r>
+              <a:rPr lang="ko-KR" altLang="en-US" dirty="0" err="1"/>
+              <a:t>라그랑주</a:t>
+            </a:r>
+            <a:r>
+              <a:rPr lang="ko-KR" altLang="en-US" dirty="0"/>
+              <a:t> 함수 최적화 문제는 목적함수의 최적점과 같고</a:t>
+            </a:r>
+            <a:endParaRPr lang="en-US" altLang="ko-KR" dirty="0"/>
+          </a:p>
+          <a:p>
+            <a:endParaRPr lang="en-US" altLang="ko-KR" dirty="0"/>
+          </a:p>
+          <a:p>
+            <a:r>
+              <a:rPr lang="ko-KR" altLang="en-US" dirty="0"/>
+              <a:t>또 제약에 걸리지 않는다면</a:t>
+            </a:r>
+            <a:endParaRPr lang="en-US" altLang="ko-KR" dirty="0"/>
+          </a:p>
+          <a:p>
+            <a:r>
+              <a:rPr lang="ko-KR" altLang="en-US" dirty="0" err="1"/>
+              <a:t>라그랑주</a:t>
+            </a:r>
+            <a:r>
+              <a:rPr lang="ko-KR" altLang="en-US" dirty="0"/>
+              <a:t> 함수는 무한대로 발산하기 때문</a:t>
+            </a:r>
+            <a:endParaRPr lang="en-US" altLang="ko-KR" dirty="0"/>
+          </a:p>
+          <a:p>
+            <a:endParaRPr lang="en-US" altLang="ko-KR" dirty="0"/>
+          </a:p>
+          <a:p>
+            <a:r>
+              <a:rPr lang="ko-KR" altLang="en-US" dirty="0"/>
+              <a:t>이 성립하기 때문이다</a:t>
+            </a:r>
+            <a:r>
+              <a:rPr lang="en-US" altLang="ko-KR" dirty="0"/>
+              <a:t>.</a:t>
+            </a:r>
+          </a:p>
+          <a:p>
+            <a:endParaRPr lang="en-US" altLang="ko-KR" dirty="0"/>
+          </a:p>
+          <a:p>
+            <a:r>
+              <a:rPr lang="ko-KR" altLang="en-US" dirty="0"/>
+              <a:t>이러한 성질들은 실행가능 점이 아닌 점은 최적점이 될 수 없고</a:t>
+            </a:r>
+            <a:r>
+              <a:rPr lang="en-US" altLang="ko-KR" dirty="0"/>
+              <a:t>, </a:t>
+            </a:r>
+            <a:r>
+              <a:rPr lang="ko-KR" altLang="en-US" dirty="0"/>
+              <a:t>실행가능 범위 안에서 최적점은 변하지 않는다는 것을 보장한다</a:t>
+            </a:r>
+            <a:r>
+              <a:rPr lang="en-US" altLang="ko-KR" dirty="0"/>
+              <a:t>.</a:t>
+            </a:r>
+          </a:p>
+        </p:txBody>
+      </p:sp>
+      <p:sp>
+        <p:nvSpPr>
+          <p:cNvPr id="4" name="슬라이드 번호 개체 틀 3"/>
+          <p:cNvSpPr>
+            <a:spLocks noGrp="1"/>
+          </p:cNvSpPr>
+          <p:nvPr>
+            <p:ph type="sldNum" sz="quarter" idx="5"/>
+          </p:nvPr>
+        </p:nvSpPr>
+        <p:spPr/>
+        <p:txBody>
+          <a:bodyPr/>
+          <a:lstStyle/>
+          <a:p>
+            <a:fld id="{DA275FA2-6C42-4D6B-BC32-C1F878E1B2E0}" type="slidenum">
+              <a:rPr lang="ko-KR" altLang="en-US" smtClean="0"/>
+              <a:t>26</a:t>
+            </a:fld>
+            <a:endParaRPr lang="ko-KR" altLang="en-US"/>
+          </a:p>
+        </p:txBody>
+      </p:sp>
+    </p:spTree>
+    <p:extLst>
+      <p:ext uri="{BB962C8B-B14F-4D97-AF65-F5344CB8AC3E}">
+        <p14:creationId xmlns:p14="http://schemas.microsoft.com/office/powerpoint/2010/main" val="1924730289"/>
       </p:ext>
     </p:extLst>
   </p:cSld>
@@ -6479,8 +7576,8 @@
           </a:p>
         </p:txBody>
       </p:sp>
-      <mc:AlternateContent xmlns:mc="http://schemas.openxmlformats.org/markup-compatibility/2006">
-        <mc:Choice xmlns:a14="http://schemas.microsoft.com/office/drawing/2010/main" Requires="a14">
+      <mc:AlternateContent xmlns:mc="http://schemas.openxmlformats.org/markup-compatibility/2006" xmlns:a14="http://schemas.microsoft.com/office/drawing/2010/main">
+        <mc:Choice Requires="a14">
           <p:sp>
             <p:nvSpPr>
               <p:cNvPr id="3" name="내용 개체 틀 2">
@@ -6701,7 +7798,7 @@
             </p:txBody>
           </p:sp>
         </mc:Choice>
-        <mc:Fallback>
+        <mc:Fallback xmlns="">
           <p:sp>
             <p:nvSpPr>
               <p:cNvPr id="3" name="내용 개체 틀 2">
@@ -6804,8 +7901,8 @@
           </a:p>
         </p:txBody>
       </p:sp>
-      <mc:AlternateContent xmlns:mc="http://schemas.openxmlformats.org/markup-compatibility/2006">
-        <mc:Choice xmlns:a14="http://schemas.microsoft.com/office/drawing/2010/main" Requires="a14">
+      <mc:AlternateContent xmlns:mc="http://schemas.openxmlformats.org/markup-compatibility/2006" xmlns:a14="http://schemas.microsoft.com/office/drawing/2010/main">
+        <mc:Choice Requires="a14">
           <p:sp>
             <p:nvSpPr>
               <p:cNvPr id="3" name="내용 개체 틀 2">
@@ -7378,7 +8475,7 @@
             </p:txBody>
           </p:sp>
         </mc:Choice>
-        <mc:Fallback>
+        <mc:Fallback xmlns="">
           <p:sp>
             <p:nvSpPr>
               <p:cNvPr id="3" name="내용 개체 틀 2">
@@ -7513,6 +8610,5890 @@
                   <a:rPr kumimoji="1" lang="en-US" altLang="ko-KR" b="1" dirty="0"/>
                   <a:t>Kaurush-Kuhn-Tucker (KKT) approach</a:t>
                 </a:r>
+              </a:p>
+              <a:p>
+                <a:pPr marL="253800" lvl="1" indent="0">
+                  <a:buNone/>
+                </a:pPr>
+                <a14:m>
+                  <m:oMathPara xmlns:m="http://schemas.openxmlformats.org/officeDocument/2006/math">
+                    <m:oMathParaPr>
+                      <m:jc m:val="centerGroup"/>
+                    </m:oMathParaPr>
+                    <m:oMath xmlns:m="http://schemas.openxmlformats.org/officeDocument/2006/math">
+                      <m:r>
+                        <a:rPr kumimoji="1" lang="en-US" altLang="ko-KR" sz="2000" b="1" i="1" smtClean="0">
+                          <a:latin typeface="Cambria Math" panose="02040503050406030204" pitchFamily="18" charset="0"/>
+                        </a:rPr>
+                        <m:t>𝑳</m:t>
+                      </m:r>
+                      <m:d>
+                        <m:dPr>
+                          <m:ctrlPr>
+                            <a:rPr kumimoji="1" lang="en-US" altLang="ko-KR" sz="2000" b="1" i="1" smtClean="0">
+                              <a:latin typeface="Cambria Math" panose="02040503050406030204" pitchFamily="18" charset="0"/>
+                            </a:rPr>
+                          </m:ctrlPr>
+                        </m:dPr>
+                        <m:e>
+                          <m:r>
+                            <a:rPr kumimoji="1" lang="en-US" altLang="ko-KR" sz="2000" b="1" i="1" smtClean="0">
+                              <a:latin typeface="Cambria Math" panose="02040503050406030204" pitchFamily="18" charset="0"/>
+                            </a:rPr>
+                            <m:t>𝒙</m:t>
+                          </m:r>
+                          <m:r>
+                            <a:rPr kumimoji="1" lang="en-US" altLang="ko-KR" sz="2000" b="1" i="1" smtClean="0">
+                              <a:latin typeface="Cambria Math" panose="02040503050406030204" pitchFamily="18" charset="0"/>
+                            </a:rPr>
+                            <m:t>, </m:t>
+                          </m:r>
+                          <m:r>
+                            <a:rPr kumimoji="1" lang="ko-KR" altLang="en-US" sz="2000" b="1" i="1" smtClean="0">
+                              <a:latin typeface="Cambria Math" panose="02040503050406030204" pitchFamily="18" charset="0"/>
+                            </a:rPr>
+                            <m:t>𝝀</m:t>
+                          </m:r>
+                          <m:r>
+                            <a:rPr kumimoji="1" lang="en-US" altLang="ko-KR" sz="2000" b="1" i="1" smtClean="0">
+                              <a:latin typeface="Cambria Math" panose="02040503050406030204" pitchFamily="18" charset="0"/>
+                            </a:rPr>
+                            <m:t>, </m:t>
+                          </m:r>
+                          <m:r>
+                            <a:rPr kumimoji="1" lang="ko-KR" altLang="en-US" sz="2000" b="1" i="1" smtClean="0">
+                              <a:latin typeface="Cambria Math" panose="02040503050406030204" pitchFamily="18" charset="0"/>
+                            </a:rPr>
+                            <m:t>𝜶</m:t>
+                          </m:r>
+                        </m:e>
+                      </m:d>
+                      <m:r>
+                        <a:rPr kumimoji="1" lang="en-US" altLang="ko-KR" sz="2000" b="1" i="1" smtClean="0">
+                          <a:latin typeface="Cambria Math" panose="02040503050406030204" pitchFamily="18" charset="0"/>
+                        </a:rPr>
+                        <m:t>=</m:t>
+                      </m:r>
+                      <m:r>
+                        <a:rPr kumimoji="1" lang="en-US" altLang="ko-KR" sz="2000" b="1" i="1" smtClean="0">
+                          <a:latin typeface="Cambria Math" panose="02040503050406030204" pitchFamily="18" charset="0"/>
+                        </a:rPr>
+                        <m:t>𝒇</m:t>
+                      </m:r>
+                      <m:d>
+                        <m:dPr>
+                          <m:ctrlPr>
+                            <a:rPr kumimoji="1" lang="en-US" altLang="ko-KR" sz="2000" b="1" i="1" smtClean="0">
+                              <a:latin typeface="Cambria Math" panose="02040503050406030204" pitchFamily="18" charset="0"/>
+                            </a:rPr>
+                          </m:ctrlPr>
+                        </m:dPr>
+                        <m:e>
+                          <m:r>
+                            <a:rPr kumimoji="1" lang="en-US" altLang="ko-KR" sz="2000" b="1" i="1" smtClean="0">
+                              <a:latin typeface="Cambria Math" panose="02040503050406030204" pitchFamily="18" charset="0"/>
+                            </a:rPr>
+                            <m:t>𝒙</m:t>
+                          </m:r>
+                        </m:e>
+                      </m:d>
+                      <m:r>
+                        <a:rPr kumimoji="1" lang="en-US" altLang="ko-KR" sz="2000" b="1" i="1" smtClean="0">
+                          <a:latin typeface="Cambria Math" panose="02040503050406030204" pitchFamily="18" charset="0"/>
+                        </a:rPr>
+                        <m:t>+ </m:t>
+                      </m:r>
+                      <m:nary>
+                        <m:naryPr>
+                          <m:chr m:val="∑"/>
+                          <m:limLoc m:val="subSup"/>
+                          <m:supHide m:val="on"/>
+                          <m:ctrlPr>
+                            <a:rPr kumimoji="1" lang="en-US" altLang="ko-KR" sz="2000" b="1" i="1" smtClean="0">
+                              <a:latin typeface="Cambria Math" panose="02040503050406030204" pitchFamily="18" charset="0"/>
+                            </a:rPr>
+                          </m:ctrlPr>
+                        </m:naryPr>
+                        <m:sub>
+                          <m:r>
+                            <m:rPr>
+                              <m:brk m:alnAt="9"/>
+                            </m:rPr>
+                            <a:rPr kumimoji="1" lang="en-US" altLang="ko-KR" sz="2000" b="1" i="1" smtClean="0">
+                              <a:latin typeface="Cambria Math" panose="02040503050406030204" pitchFamily="18" charset="0"/>
+                            </a:rPr>
+                            <m:t>𝒊</m:t>
+                          </m:r>
+                        </m:sub>
+                        <m:sup/>
+                        <m:e>
+                          <m:sSub>
+                            <m:sSubPr>
+                              <m:ctrlPr>
+                                <a:rPr kumimoji="1" lang="en-US" altLang="ko-KR" sz="2000" b="1" i="1" smtClean="0">
+                                  <a:latin typeface="Cambria Math" panose="02040503050406030204" pitchFamily="18" charset="0"/>
+                                </a:rPr>
+                              </m:ctrlPr>
+                            </m:sSubPr>
+                            <m:e>
+                              <m:r>
+                                <a:rPr kumimoji="1" lang="ko-KR" altLang="en-US" sz="2000" b="1" i="1" smtClean="0">
+                                  <a:latin typeface="Cambria Math" panose="02040503050406030204" pitchFamily="18" charset="0"/>
+                                </a:rPr>
+                                <m:t>𝝀</m:t>
+                              </m:r>
+                            </m:e>
+                            <m:sub>
+                              <m:r>
+                                <a:rPr kumimoji="1" lang="en-US" altLang="ko-KR" sz="2000" b="1" i="1" smtClean="0">
+                                  <a:latin typeface="Cambria Math" panose="02040503050406030204" pitchFamily="18" charset="0"/>
+                                </a:rPr>
+                                <m:t>𝒊</m:t>
+                              </m:r>
+                            </m:sub>
+                          </m:sSub>
+                        </m:e>
+                      </m:nary>
+                      <m:sSup>
+                        <m:sSupPr>
+                          <m:ctrlPr>
+                            <a:rPr kumimoji="1" lang="en-US" altLang="ko-KR" sz="2000" b="1" i="1" smtClean="0">
+                              <a:latin typeface="Cambria Math" panose="02040503050406030204" pitchFamily="18" charset="0"/>
+                            </a:rPr>
+                          </m:ctrlPr>
+                        </m:sSupPr>
+                        <m:e>
+                          <m:r>
+                            <a:rPr kumimoji="1" lang="en-US" altLang="ko-KR" sz="2000" b="1" i="1" smtClean="0">
+                              <a:latin typeface="Cambria Math" panose="02040503050406030204" pitchFamily="18" charset="0"/>
+                            </a:rPr>
+                            <m:t>𝒈</m:t>
+                          </m:r>
+                        </m:e>
+                        <m:sup>
+                          <m:r>
+                            <a:rPr kumimoji="1" lang="en-US" altLang="ko-KR" sz="2000" b="1" i="1" smtClean="0">
+                              <a:latin typeface="Cambria Math" panose="02040503050406030204" pitchFamily="18" charset="0"/>
+                            </a:rPr>
+                            <m:t>𝒊</m:t>
+                          </m:r>
+                        </m:sup>
+                      </m:sSup>
+                      <m:d>
+                        <m:dPr>
+                          <m:ctrlPr>
+                            <a:rPr kumimoji="1" lang="en-US" altLang="ko-KR" sz="2000" b="1" i="1" smtClean="0">
+                              <a:latin typeface="Cambria Math" panose="02040503050406030204" pitchFamily="18" charset="0"/>
+                            </a:rPr>
+                          </m:ctrlPr>
+                        </m:dPr>
+                        <m:e>
+                          <m:r>
+                            <a:rPr kumimoji="1" lang="en-US" altLang="ko-KR" sz="2000" b="1" i="1" smtClean="0">
+                              <a:latin typeface="Cambria Math" panose="02040503050406030204" pitchFamily="18" charset="0"/>
+                            </a:rPr>
+                            <m:t>𝒙</m:t>
+                          </m:r>
+                        </m:e>
+                      </m:d>
+                      <m:r>
+                        <a:rPr kumimoji="1" lang="en-US" altLang="ko-KR" sz="2000" b="1" i="1" smtClean="0">
+                          <a:latin typeface="Cambria Math" panose="02040503050406030204" pitchFamily="18" charset="0"/>
+                        </a:rPr>
+                        <m:t>+</m:t>
+                      </m:r>
+                      <m:nary>
+                        <m:naryPr>
+                          <m:chr m:val="∑"/>
+                          <m:limLoc m:val="subSup"/>
+                          <m:supHide m:val="on"/>
+                          <m:ctrlPr>
+                            <a:rPr kumimoji="1" lang="en-US" altLang="ko-KR" sz="2000" b="1" i="1">
+                              <a:latin typeface="Cambria Math" panose="02040503050406030204" pitchFamily="18" charset="0"/>
+                            </a:rPr>
+                          </m:ctrlPr>
+                        </m:naryPr>
+                        <m:sub>
+                          <m:r>
+                            <m:rPr>
+                              <m:brk m:alnAt="9"/>
+                            </m:rPr>
+                            <a:rPr kumimoji="1" lang="en-US" altLang="ko-KR" sz="2000" b="1" i="1">
+                              <a:latin typeface="Cambria Math" panose="02040503050406030204" pitchFamily="18" charset="0"/>
+                            </a:rPr>
+                            <m:t>𝒊</m:t>
+                          </m:r>
+                        </m:sub>
+                        <m:sup/>
+                        <m:e>
+                          <m:sSub>
+                            <m:sSubPr>
+                              <m:ctrlPr>
+                                <a:rPr kumimoji="1" lang="en-US" altLang="ko-KR" sz="2000" b="1" i="1">
+                                  <a:latin typeface="Cambria Math" panose="02040503050406030204" pitchFamily="18" charset="0"/>
+                                </a:rPr>
+                              </m:ctrlPr>
+                            </m:sSubPr>
+                            <m:e>
+                              <m:r>
+                                <a:rPr kumimoji="1" lang="ko-KR" altLang="en-US" sz="2000" b="1" i="1" smtClean="0">
+                                  <a:latin typeface="Cambria Math" panose="02040503050406030204" pitchFamily="18" charset="0"/>
+                                </a:rPr>
+                                <m:t>𝜶</m:t>
+                              </m:r>
+                            </m:e>
+                            <m:sub>
+                              <m:r>
+                                <a:rPr kumimoji="1" lang="en-US" altLang="ko-KR" sz="2000" b="1" i="1">
+                                  <a:latin typeface="Cambria Math" panose="02040503050406030204" pitchFamily="18" charset="0"/>
+                                </a:rPr>
+                                <m:t>𝒊</m:t>
+                              </m:r>
+                            </m:sub>
+                          </m:sSub>
+                        </m:e>
+                      </m:nary>
+                      <m:sSup>
+                        <m:sSupPr>
+                          <m:ctrlPr>
+                            <a:rPr kumimoji="1" lang="en-US" altLang="ko-KR" sz="2000" b="1" i="1">
+                              <a:latin typeface="Cambria Math" panose="02040503050406030204" pitchFamily="18" charset="0"/>
+                            </a:rPr>
+                          </m:ctrlPr>
+                        </m:sSupPr>
+                        <m:e>
+                          <m:r>
+                            <a:rPr kumimoji="1" lang="en-US" altLang="ko-KR" sz="2000" b="1" i="1" smtClean="0">
+                              <a:latin typeface="Cambria Math" panose="02040503050406030204" pitchFamily="18" charset="0"/>
+                            </a:rPr>
+                            <m:t>𝒉</m:t>
+                          </m:r>
+                        </m:e>
+                        <m:sup>
+                          <m:r>
+                            <a:rPr kumimoji="1" lang="en-US" altLang="ko-KR" sz="2000" b="1" i="1">
+                              <a:latin typeface="Cambria Math" panose="02040503050406030204" pitchFamily="18" charset="0"/>
+                            </a:rPr>
+                            <m:t>𝒊</m:t>
+                          </m:r>
+                        </m:sup>
+                      </m:sSup>
+                      <m:d>
+                        <m:dPr>
+                          <m:ctrlPr>
+                            <a:rPr kumimoji="1" lang="en-US" altLang="ko-KR" sz="2000" b="1" i="1">
+                              <a:latin typeface="Cambria Math" panose="02040503050406030204" pitchFamily="18" charset="0"/>
+                            </a:rPr>
+                          </m:ctrlPr>
+                        </m:dPr>
+                        <m:e>
+                          <m:r>
+                            <a:rPr kumimoji="1" lang="en-US" altLang="ko-KR" sz="2000" b="1" i="1">
+                              <a:latin typeface="Cambria Math" panose="02040503050406030204" pitchFamily="18" charset="0"/>
+                            </a:rPr>
+                            <m:t>𝒙</m:t>
+                          </m:r>
+                        </m:e>
+                      </m:d>
+                    </m:oMath>
+                  </m:oMathPara>
+                </a14:m>
+                <a:endParaRPr kumimoji="1" lang="en-US" altLang="ko-KR" sz="2000" b="1" dirty="0"/>
+              </a:p>
+              <a:p>
+                <a:pPr lvl="1"/>
+                <a:r>
+                  <a:rPr kumimoji="1" lang="en-US" altLang="ko-KR" sz="2000" dirty="0"/>
+                  <a:t>1. stationarity: </a:t>
+                </a:r>
+                <a14:m>
+                  <m:oMath xmlns:m="http://schemas.openxmlformats.org/officeDocument/2006/math">
+                    <m:r>
+                      <m:rPr>
+                        <m:sty m:val="p"/>
+                      </m:rPr>
+                      <a:rPr kumimoji="1" lang="en-US" altLang="ko-KR" sz="2000" i="1" smtClean="0">
+                        <a:latin typeface="Cambria Math" panose="02040503050406030204" pitchFamily="18" charset="0"/>
+                        <a:ea typeface="Cambria Math" panose="02040503050406030204" pitchFamily="18" charset="0"/>
+                      </a:rPr>
+                      <m:t>∇</m:t>
+                    </m:r>
+                    <m:r>
+                      <a:rPr kumimoji="1" lang="en-US" altLang="ko-KR" sz="2000" b="0" i="1" smtClean="0">
+                        <a:latin typeface="Cambria Math" panose="02040503050406030204" pitchFamily="18" charset="0"/>
+                        <a:ea typeface="Cambria Math" panose="02040503050406030204" pitchFamily="18" charset="0"/>
+                      </a:rPr>
+                      <m:t>𝐿</m:t>
+                    </m:r>
+                    <m:r>
+                      <a:rPr kumimoji="1" lang="en-US" altLang="ko-KR" sz="2000" b="0" i="1" smtClean="0">
+                        <a:latin typeface="Cambria Math" panose="02040503050406030204" pitchFamily="18" charset="0"/>
+                        <a:ea typeface="Cambria Math" panose="02040503050406030204" pitchFamily="18" charset="0"/>
+                      </a:rPr>
+                      <m:t>=0</m:t>
+                    </m:r>
+                  </m:oMath>
+                </a14:m>
+                <a:endParaRPr kumimoji="1" lang="en-US" altLang="ko-KR" sz="2000" dirty="0"/>
+              </a:p>
+              <a:p>
+                <a:pPr lvl="1"/>
+                <a:r>
+                  <a:rPr kumimoji="1" lang="en-US" altLang="ko-KR" sz="2000" dirty="0"/>
+                  <a:t>2. primal constraints: </a:t>
+                </a:r>
+                <a14:m>
+                  <m:oMath xmlns:m="http://schemas.openxmlformats.org/officeDocument/2006/math">
+                    <m:r>
+                      <a:rPr kumimoji="1" lang="en-US" altLang="ko-KR" sz="2000" b="0" i="1" smtClean="0">
+                        <a:latin typeface="Cambria Math" panose="02040503050406030204" pitchFamily="18" charset="0"/>
+                      </a:rPr>
+                      <m:t>𝑔</m:t>
+                    </m:r>
+                    <m:d>
+                      <m:dPr>
+                        <m:ctrlPr>
+                          <a:rPr kumimoji="1" lang="en-US" altLang="ko-KR" sz="2000" b="0" i="1" smtClean="0">
+                            <a:latin typeface="Cambria Math" panose="02040503050406030204" pitchFamily="18" charset="0"/>
+                          </a:rPr>
+                        </m:ctrlPr>
+                      </m:dPr>
+                      <m:e>
+                        <m:r>
+                          <a:rPr kumimoji="1" lang="en-US" altLang="ko-KR" sz="2000" b="0" i="1" smtClean="0">
+                            <a:latin typeface="Cambria Math" panose="02040503050406030204" pitchFamily="18" charset="0"/>
+                          </a:rPr>
+                          <m:t>𝑥</m:t>
+                        </m:r>
+                      </m:e>
+                    </m:d>
+                    <m:r>
+                      <a:rPr kumimoji="1" lang="en-US" altLang="ko-KR" sz="2000" b="0" i="1" smtClean="0">
+                        <a:latin typeface="Cambria Math" panose="02040503050406030204" pitchFamily="18" charset="0"/>
+                      </a:rPr>
+                      <m:t>=0, </m:t>
+                    </m:r>
+                    <m:r>
+                      <a:rPr kumimoji="1" lang="en-US" altLang="ko-KR" sz="2000" b="0" i="1" smtClean="0">
+                        <a:latin typeface="Cambria Math" panose="02040503050406030204" pitchFamily="18" charset="0"/>
+                      </a:rPr>
+                      <m:t>h</m:t>
+                    </m:r>
+                    <m:d>
+                      <m:dPr>
+                        <m:ctrlPr>
+                          <a:rPr kumimoji="1" lang="en-US" altLang="ko-KR" sz="2000" b="0" i="1" smtClean="0">
+                            <a:latin typeface="Cambria Math" panose="02040503050406030204" pitchFamily="18" charset="0"/>
+                          </a:rPr>
+                        </m:ctrlPr>
+                      </m:dPr>
+                      <m:e>
+                        <m:r>
+                          <a:rPr kumimoji="1" lang="en-US" altLang="ko-KR" sz="2000" b="0" i="1" smtClean="0">
+                            <a:latin typeface="Cambria Math" panose="02040503050406030204" pitchFamily="18" charset="0"/>
+                          </a:rPr>
+                          <m:t>𝑥</m:t>
+                        </m:r>
+                      </m:e>
+                    </m:d>
+                    <m:r>
+                      <a:rPr kumimoji="1" lang="en-US" altLang="ko-KR" sz="2000" b="0" i="1" smtClean="0">
+                        <a:latin typeface="Cambria Math" panose="02040503050406030204" pitchFamily="18" charset="0"/>
+                      </a:rPr>
+                      <m:t>≤0</m:t>
+                    </m:r>
+                  </m:oMath>
+                </a14:m>
+                <a:endParaRPr kumimoji="1" lang="en-US" altLang="ko-KR" sz="2000" dirty="0"/>
+              </a:p>
+              <a:p>
+                <a:pPr lvl="1"/>
+                <a:r>
+                  <a:rPr kumimoji="1" lang="en-US" altLang="ko-KR" sz="2000" dirty="0"/>
+                  <a:t>3. dual constraint: </a:t>
+                </a:r>
+                <a14:m>
+                  <m:oMath xmlns:m="http://schemas.openxmlformats.org/officeDocument/2006/math">
+                    <m:sSub>
+                      <m:sSubPr>
+                        <m:ctrlPr>
+                          <a:rPr kumimoji="1" lang="en-US" altLang="ko-KR" sz="2000" i="1" smtClean="0">
+                            <a:latin typeface="Cambria Math" panose="02040503050406030204" pitchFamily="18" charset="0"/>
+                          </a:rPr>
+                        </m:ctrlPr>
+                      </m:sSubPr>
+                      <m:e>
+                        <m:r>
+                          <a:rPr kumimoji="1" lang="ko-KR" altLang="en-US" sz="2000" i="1" smtClean="0">
+                            <a:latin typeface="Cambria Math" panose="02040503050406030204" pitchFamily="18" charset="0"/>
+                          </a:rPr>
+                          <m:t>𝛼</m:t>
+                        </m:r>
+                      </m:e>
+                      <m:sub>
+                        <m:r>
+                          <a:rPr kumimoji="1" lang="en-US" altLang="ko-KR" sz="2000" b="0" i="1" smtClean="0">
+                            <a:latin typeface="Cambria Math" panose="02040503050406030204" pitchFamily="18" charset="0"/>
+                          </a:rPr>
+                          <m:t>𝑖</m:t>
+                        </m:r>
+                      </m:sub>
+                    </m:sSub>
+                    <m:r>
+                      <a:rPr kumimoji="1" lang="en-US" altLang="ko-KR" sz="2000" b="0" i="1" smtClean="0">
+                        <a:latin typeface="Cambria Math" panose="02040503050406030204" pitchFamily="18" charset="0"/>
+                      </a:rPr>
+                      <m:t>≥0, </m:t>
+                    </m:r>
+                    <m:r>
+                      <a:rPr kumimoji="1" lang="en-US" altLang="ko-KR" sz="2000" b="0" i="1" smtClean="0">
+                        <a:latin typeface="Cambria Math" panose="02040503050406030204" pitchFamily="18" charset="0"/>
+                      </a:rPr>
+                      <m:t>𝑖</m:t>
+                    </m:r>
+                    <m:r>
+                      <a:rPr kumimoji="1" lang="en-US" altLang="ko-KR" sz="2000" b="0" i="1" smtClean="0">
+                        <a:latin typeface="Cambria Math" panose="02040503050406030204" pitchFamily="18" charset="0"/>
+                      </a:rPr>
+                      <m:t>=1,2,…,</m:t>
+                    </m:r>
+                    <m:r>
+                      <a:rPr kumimoji="1" lang="en-US" altLang="ko-KR" sz="2000" b="0" i="1" smtClean="0">
+                        <a:latin typeface="Cambria Math" panose="02040503050406030204" pitchFamily="18" charset="0"/>
+                      </a:rPr>
+                      <m:t>𝑚</m:t>
+                    </m:r>
+                  </m:oMath>
+                </a14:m>
+                <a:endParaRPr kumimoji="1" lang="en-US" altLang="ko-KR" sz="2000" dirty="0"/>
+              </a:p>
+              <a:p>
+                <a:pPr lvl="1"/>
+                <a:r>
+                  <a:rPr kumimoji="1" lang="en-US" altLang="ko-KR" sz="2000" dirty="0"/>
+                  <a:t>4. complementary slackness: </a:t>
+                </a:r>
+                <a14:m>
+                  <m:oMath xmlns:m="http://schemas.openxmlformats.org/officeDocument/2006/math">
+                    <m:sSub>
+                      <m:sSubPr>
+                        <m:ctrlPr>
+                          <a:rPr kumimoji="1" lang="en-US" altLang="ko-KR" sz="2000" i="1" smtClean="0">
+                            <a:latin typeface="Cambria Math" panose="02040503050406030204" pitchFamily="18" charset="0"/>
+                          </a:rPr>
+                        </m:ctrlPr>
+                      </m:sSubPr>
+                      <m:e>
+                        <m:r>
+                          <a:rPr kumimoji="1" lang="ko-KR" altLang="en-US" sz="2000" i="1" smtClean="0">
+                            <a:latin typeface="Cambria Math" panose="02040503050406030204" pitchFamily="18" charset="0"/>
+                          </a:rPr>
+                          <m:t>𝛼</m:t>
+                        </m:r>
+                      </m:e>
+                      <m:sub>
+                        <m:r>
+                          <a:rPr kumimoji="1" lang="en-US" altLang="ko-KR" sz="2000" b="0" i="1" smtClean="0">
+                            <a:latin typeface="Cambria Math" panose="02040503050406030204" pitchFamily="18" charset="0"/>
+                          </a:rPr>
+                          <m:t>𝑖</m:t>
+                        </m:r>
+                      </m:sub>
+                    </m:sSub>
+                    <m:r>
+                      <a:rPr kumimoji="1" lang="en-US" altLang="ko-KR" sz="2000" b="0" i="1" smtClean="0">
+                        <a:latin typeface="Cambria Math" panose="02040503050406030204" pitchFamily="18" charset="0"/>
+                      </a:rPr>
+                      <m:t>h</m:t>
+                    </m:r>
+                    <m:d>
+                      <m:dPr>
+                        <m:ctrlPr>
+                          <a:rPr kumimoji="1" lang="en-US" altLang="ko-KR" sz="2000" b="0" i="1" smtClean="0">
+                            <a:latin typeface="Cambria Math" panose="02040503050406030204" pitchFamily="18" charset="0"/>
+                          </a:rPr>
+                        </m:ctrlPr>
+                      </m:dPr>
+                      <m:e>
+                        <m:r>
+                          <a:rPr kumimoji="1" lang="en-US" altLang="ko-KR" sz="2000" b="0" i="1" smtClean="0">
+                            <a:latin typeface="Cambria Math" panose="02040503050406030204" pitchFamily="18" charset="0"/>
+                          </a:rPr>
+                          <m:t>𝑥</m:t>
+                        </m:r>
+                      </m:e>
+                    </m:d>
+                    <m:r>
+                      <a:rPr kumimoji="1" lang="en-US" altLang="ko-KR" sz="2000" i="1">
+                        <a:latin typeface="Cambria Math" panose="02040503050406030204" pitchFamily="18" charset="0"/>
+                      </a:rPr>
+                      <m:t>=0, </m:t>
+                    </m:r>
+                    <m:r>
+                      <a:rPr kumimoji="1" lang="en-US" altLang="ko-KR" sz="2000" i="1">
+                        <a:latin typeface="Cambria Math" panose="02040503050406030204" pitchFamily="18" charset="0"/>
+                      </a:rPr>
+                      <m:t>𝑖</m:t>
+                    </m:r>
+                    <m:r>
+                      <a:rPr kumimoji="1" lang="en-US" altLang="ko-KR" sz="2000" i="1">
+                        <a:latin typeface="Cambria Math" panose="02040503050406030204" pitchFamily="18" charset="0"/>
+                      </a:rPr>
+                      <m:t>=1,2,…,</m:t>
+                    </m:r>
+                    <m:r>
+                      <a:rPr kumimoji="1" lang="en-US" altLang="ko-KR" sz="2000" i="1">
+                        <a:latin typeface="Cambria Math" panose="02040503050406030204" pitchFamily="18" charset="0"/>
+                      </a:rPr>
+                      <m:t>𝑚</m:t>
+                    </m:r>
+                  </m:oMath>
+                </a14:m>
+                <a:endParaRPr kumimoji="1" lang="en-US" altLang="ko-KR" sz="2000" dirty="0"/>
+              </a:p>
+              <a:p>
+                <a:pPr marL="253800" lvl="1" indent="0">
+                  <a:buNone/>
+                </a:pPr>
+                <a:endParaRPr kumimoji="1" lang="en-US" altLang="ko-KR" b="1" dirty="0"/>
+              </a:p>
+              <a:p>
+                <a:pPr marL="253800" lvl="1" indent="0">
+                  <a:buNone/>
+                </a:pPr>
+                <a:endParaRPr kumimoji="1" lang="en-US" altLang="ko-KR" dirty="0"/>
+              </a:p>
+            </p:txBody>
+          </p:sp>
+        </mc:Choice>
+        <mc:Fallback>
+          <p:sp>
+            <p:nvSpPr>
+              <p:cNvPr id="3" name="내용 개체 틀 2">
+                <a:extLst>
+                  <a:ext uri="{FF2B5EF4-FFF2-40B4-BE49-F238E27FC236}">
+                    <a16:creationId xmlns:a16="http://schemas.microsoft.com/office/drawing/2014/main" id="{1725D5B2-2C6C-3B43-B4F2-CA91BE12BB41}"/>
+                  </a:ext>
+                </a:extLst>
+              </p:cNvPr>
+              <p:cNvSpPr>
+                <a:spLocks noGrp="1" noRot="1" noChangeAspect="1" noMove="1" noResize="1" noEditPoints="1" noAdjustHandles="1" noChangeArrowheads="1" noChangeShapeType="1" noTextEdit="1"/>
+              </p:cNvSpPr>
+              <p:nvPr>
+                <p:ph idx="1"/>
+              </p:nvPr>
+            </p:nvSpPr>
+            <p:spPr>
+              <a:xfrm>
+                <a:off x="838200" y="1721803"/>
+                <a:ext cx="10927080" cy="4351338"/>
+              </a:xfrm>
+              <a:blipFill>
+                <a:blip r:embed="rId3"/>
+                <a:stretch>
+                  <a:fillRect l="-502"/>
+                </a:stretch>
+              </a:blipFill>
+            </p:spPr>
+            <p:txBody>
+              <a:bodyPr/>
+              <a:lstStyle/>
+              <a:p>
+                <a:r>
+                  <a:rPr lang="ko-KR" altLang="en-US">
+                    <a:noFill/>
+                  </a:rPr>
+                  <a:t> </a:t>
+                </a:r>
+              </a:p>
+            </p:txBody>
+          </p:sp>
+        </mc:Fallback>
+      </mc:AlternateContent>
+    </p:spTree>
+    <p:extLst>
+      <p:ext uri="{BB962C8B-B14F-4D97-AF65-F5344CB8AC3E}">
+        <p14:creationId xmlns:p14="http://schemas.microsoft.com/office/powerpoint/2010/main" val="543799771"/>
+      </p:ext>
+    </p:extLst>
+  </p:cSld>
+  <p:clrMapOvr>
+    <a:masterClrMapping/>
+  </p:clrMapOvr>
+</p:sld>
+</file>
+
+<file path=ppt/slides/slide2.xml><?xml version="1.0" encoding="utf-8"?>
+<p:sld xmlns:a="http://schemas.openxmlformats.org/drawingml/2006/main" xmlns:r="http://schemas.openxmlformats.org/officeDocument/2006/relationships" xmlns:p="http://schemas.openxmlformats.org/presentationml/2006/main">
+  <p:cSld>
+    <p:spTree>
+      <p:nvGrpSpPr>
+        <p:cNvPr id="1" name=""/>
+        <p:cNvGrpSpPr/>
+        <p:nvPr/>
+      </p:nvGrpSpPr>
+      <p:grpSpPr>
+        <a:xfrm>
+          <a:off x="0" y="0"/>
+          <a:ext cx="0" cy="0"/>
+          <a:chOff x="0" y="0"/>
+          <a:chExt cx="0" cy="0"/>
+        </a:xfrm>
+      </p:grpSpPr>
+      <p:sp>
+        <p:nvSpPr>
+          <p:cNvPr id="2" name="제목 1">
+            <a:extLst>
+              <a:ext uri="{FF2B5EF4-FFF2-40B4-BE49-F238E27FC236}">
+                <a16:creationId xmlns:a16="http://schemas.microsoft.com/office/drawing/2014/main" id="{AA92BCFB-E11B-F940-A787-2261CAC8E814}"/>
+              </a:ext>
+            </a:extLst>
+          </p:cNvPr>
+          <p:cNvSpPr>
+            <a:spLocks noGrp="1"/>
+          </p:cNvSpPr>
+          <p:nvPr>
+            <p:ph type="title"/>
+          </p:nvPr>
+        </p:nvSpPr>
+        <p:spPr/>
+        <p:txBody>
+          <a:bodyPr/>
+          <a:lstStyle/>
+          <a:p>
+            <a:r>
+              <a:rPr kumimoji="1" lang="en-US" altLang="en-US" dirty="0"/>
+              <a:t>Contents</a:t>
+            </a:r>
+            <a:endParaRPr kumimoji="1" lang="ko-Kore-KR" altLang="en-US" dirty="0"/>
+          </a:p>
+        </p:txBody>
+      </p:sp>
+      <p:sp>
+        <p:nvSpPr>
+          <p:cNvPr id="3" name="내용 개체 틀 2">
+            <a:extLst>
+              <a:ext uri="{FF2B5EF4-FFF2-40B4-BE49-F238E27FC236}">
+                <a16:creationId xmlns:a16="http://schemas.microsoft.com/office/drawing/2014/main" id="{1725D5B2-2C6C-3B43-B4F2-CA91BE12BB41}"/>
+              </a:ext>
+            </a:extLst>
+          </p:cNvPr>
+          <p:cNvSpPr>
+            <a:spLocks noGrp="1"/>
+          </p:cNvSpPr>
+          <p:nvPr>
+            <p:ph idx="1"/>
+          </p:nvPr>
+        </p:nvSpPr>
+        <p:spPr>
+          <a:xfrm>
+            <a:off x="838200" y="1721803"/>
+            <a:ext cx="10515600" cy="4351338"/>
+          </a:xfrm>
+        </p:spPr>
+        <p:txBody>
+          <a:bodyPr/>
+          <a:lstStyle/>
+          <a:p>
+            <a:r>
+              <a:rPr kumimoji="1" lang="en-US" altLang="en-US" dirty="0"/>
+              <a:t>Summary</a:t>
+            </a:r>
+          </a:p>
+          <a:p>
+            <a:r>
+              <a:rPr kumimoji="1" lang="en-US" altLang="en-US" dirty="0"/>
+              <a:t>4.1 Overflow and Underflow</a:t>
+            </a:r>
+          </a:p>
+          <a:p>
+            <a:r>
+              <a:rPr kumimoji="1" lang="en-US" altLang="en-US" dirty="0"/>
+              <a:t>4.2 Poor Conditioning</a:t>
+            </a:r>
+          </a:p>
+          <a:p>
+            <a:r>
+              <a:rPr kumimoji="1" lang="en-US" altLang="en-US" dirty="0"/>
+              <a:t>4.3 Gradient-Based Optimization</a:t>
+            </a:r>
+          </a:p>
+          <a:p>
+            <a:r>
+              <a:rPr kumimoji="1" lang="en-US" altLang="en-US" dirty="0"/>
+              <a:t>4.4 Constrained Optimization</a:t>
+            </a:r>
+          </a:p>
+          <a:p>
+            <a:r>
+              <a:rPr kumimoji="1" lang="en-US" altLang="en-US" dirty="0"/>
+              <a:t>Summary</a:t>
+            </a:r>
+          </a:p>
+        </p:txBody>
+      </p:sp>
+    </p:spTree>
+    <p:extLst>
+      <p:ext uri="{BB962C8B-B14F-4D97-AF65-F5344CB8AC3E}">
+        <p14:creationId xmlns:p14="http://schemas.microsoft.com/office/powerpoint/2010/main" val="4188628463"/>
+      </p:ext>
+    </p:extLst>
+  </p:cSld>
+  <p:clrMapOvr>
+    <a:masterClrMapping/>
+  </p:clrMapOvr>
+</p:sld>
+</file>
+
+<file path=ppt/slides/slide20.xml><?xml version="1.0" encoding="utf-8"?>
+<p:sld xmlns:a="http://schemas.openxmlformats.org/drawingml/2006/main" xmlns:r="http://schemas.openxmlformats.org/officeDocument/2006/relationships" xmlns:p="http://schemas.openxmlformats.org/presentationml/2006/main">
+  <p:cSld>
+    <p:spTree>
+      <p:nvGrpSpPr>
+        <p:cNvPr id="1" name=""/>
+        <p:cNvGrpSpPr/>
+        <p:nvPr/>
+      </p:nvGrpSpPr>
+      <p:grpSpPr>
+        <a:xfrm>
+          <a:off x="0" y="0"/>
+          <a:ext cx="0" cy="0"/>
+          <a:chOff x="0" y="0"/>
+          <a:chExt cx="0" cy="0"/>
+        </a:xfrm>
+      </p:grpSpPr>
+      <p:sp>
+        <p:nvSpPr>
+          <p:cNvPr id="2" name="제목 1">
+            <a:extLst>
+              <a:ext uri="{FF2B5EF4-FFF2-40B4-BE49-F238E27FC236}">
+                <a16:creationId xmlns:a16="http://schemas.microsoft.com/office/drawing/2014/main" id="{AA92BCFB-E11B-F940-A787-2261CAC8E814}"/>
+              </a:ext>
+            </a:extLst>
+          </p:cNvPr>
+          <p:cNvSpPr>
+            <a:spLocks noGrp="1"/>
+          </p:cNvSpPr>
+          <p:nvPr>
+            <p:ph type="title"/>
+          </p:nvPr>
+        </p:nvSpPr>
+        <p:spPr/>
+        <p:txBody>
+          <a:bodyPr/>
+          <a:lstStyle/>
+          <a:p>
+            <a:r>
+              <a:rPr kumimoji="1" lang="en-US" altLang="en-US" dirty="0"/>
+              <a:t>4.4 Constrained Optimization</a:t>
+            </a:r>
+            <a:endParaRPr kumimoji="1" lang="ko-Kore-KR" altLang="en-US" dirty="0"/>
+          </a:p>
+        </p:txBody>
+      </p:sp>
+      <mc:AlternateContent xmlns:mc="http://schemas.openxmlformats.org/markup-compatibility/2006">
+        <mc:Choice xmlns:a14="http://schemas.microsoft.com/office/drawing/2010/main" Requires="a14">
+          <p:sp>
+            <p:nvSpPr>
+              <p:cNvPr id="3" name="내용 개체 틀 2">
+                <a:extLst>
+                  <a:ext uri="{FF2B5EF4-FFF2-40B4-BE49-F238E27FC236}">
+                    <a16:creationId xmlns:a16="http://schemas.microsoft.com/office/drawing/2014/main" id="{1725D5B2-2C6C-3B43-B4F2-CA91BE12BB41}"/>
+                  </a:ext>
+                </a:extLst>
+              </p:cNvPr>
+              <p:cNvSpPr>
+                <a:spLocks noGrp="1"/>
+              </p:cNvSpPr>
+              <p:nvPr>
+                <p:ph idx="1"/>
+              </p:nvPr>
+            </p:nvSpPr>
+            <p:spPr>
+              <a:xfrm>
+                <a:off x="838200" y="1721803"/>
+                <a:ext cx="10927080" cy="4351338"/>
+              </a:xfrm>
+            </p:spPr>
+            <p:txBody>
+              <a:bodyPr>
+                <a:normAutofit fontScale="70000" lnSpcReduction="20000"/>
+              </a:bodyPr>
+              <a:lstStyle/>
+              <a:p>
+                <a:r>
+                  <a:rPr kumimoji="1" lang="en-US" altLang="ko-KR" sz="2900" b="1" dirty="0"/>
+                  <a:t>Kaurush-Kuhn-Tucker (KKT) approach</a:t>
+                </a:r>
+              </a:p>
+              <a:p>
+                <a:pPr marL="0" indent="0">
+                  <a:buNone/>
+                </a:pPr>
+                <a14:m>
+                  <m:oMathPara xmlns:m="http://schemas.openxmlformats.org/officeDocument/2006/math">
+                    <m:oMathParaPr>
+                      <m:jc m:val="centerGroup"/>
+                    </m:oMathParaPr>
+                    <m:oMath xmlns:m="http://schemas.openxmlformats.org/officeDocument/2006/math">
+                      <m:r>
+                        <a:rPr kumimoji="1" lang="en-US" altLang="ko-KR" b="1" i="1" smtClean="0">
+                          <a:latin typeface="Cambria Math" panose="02040503050406030204" pitchFamily="18" charset="0"/>
+                        </a:rPr>
+                        <m:t>𝒎𝒊𝒏</m:t>
+                      </m:r>
+                      <m:d>
+                        <m:dPr>
+                          <m:ctrlPr>
+                            <a:rPr kumimoji="1" lang="en-US" altLang="ko-KR" b="1" i="1" smtClean="0">
+                              <a:latin typeface="Cambria Math" panose="02040503050406030204" pitchFamily="18" charset="0"/>
+                            </a:rPr>
+                          </m:ctrlPr>
+                        </m:dPr>
+                        <m:e>
+                          <m:sSup>
+                            <m:sSupPr>
+                              <m:ctrlPr>
+                                <a:rPr kumimoji="1" lang="en-US" altLang="ko-KR" b="1" i="1" smtClean="0">
+                                  <a:latin typeface="Cambria Math" panose="02040503050406030204" pitchFamily="18" charset="0"/>
+                                </a:rPr>
+                              </m:ctrlPr>
+                            </m:sSupPr>
+                            <m:e>
+                              <m:r>
+                                <a:rPr kumimoji="1" lang="en-US" altLang="ko-KR" b="1" i="1" smtClean="0">
+                                  <a:latin typeface="Cambria Math" panose="02040503050406030204" pitchFamily="18" charset="0"/>
+                                </a:rPr>
+                                <m:t>𝒙</m:t>
+                              </m:r>
+                            </m:e>
+                            <m:sup>
+                              <m:r>
+                                <a:rPr kumimoji="1" lang="en-US" altLang="ko-KR" b="1" i="1" smtClean="0">
+                                  <a:latin typeface="Cambria Math" panose="02040503050406030204" pitchFamily="18" charset="0"/>
+                                </a:rPr>
+                                <m:t>𝟐</m:t>
+                              </m:r>
+                            </m:sup>
+                          </m:sSup>
+                          <m:r>
+                            <a:rPr kumimoji="1" lang="en-US" altLang="ko-KR" b="1" i="1" smtClean="0">
+                              <a:latin typeface="Cambria Math" panose="02040503050406030204" pitchFamily="18" charset="0"/>
+                            </a:rPr>
+                            <m:t>+</m:t>
+                          </m:r>
+                          <m:sSup>
+                            <m:sSupPr>
+                              <m:ctrlPr>
+                                <a:rPr kumimoji="1" lang="en-US" altLang="ko-KR" b="1" i="1" smtClean="0">
+                                  <a:latin typeface="Cambria Math" panose="02040503050406030204" pitchFamily="18" charset="0"/>
+                                </a:rPr>
+                              </m:ctrlPr>
+                            </m:sSupPr>
+                            <m:e>
+                              <m:r>
+                                <a:rPr kumimoji="1" lang="en-US" altLang="ko-KR" b="1" i="1" smtClean="0">
+                                  <a:latin typeface="Cambria Math" panose="02040503050406030204" pitchFamily="18" charset="0"/>
+                                </a:rPr>
+                                <m:t>𝒚</m:t>
+                              </m:r>
+                            </m:e>
+                            <m:sup>
+                              <m:r>
+                                <a:rPr kumimoji="1" lang="en-US" altLang="ko-KR" b="1" i="1" smtClean="0">
+                                  <a:latin typeface="Cambria Math" panose="02040503050406030204" pitchFamily="18" charset="0"/>
+                                </a:rPr>
+                                <m:t>𝟐</m:t>
+                              </m:r>
+                            </m:sup>
+                          </m:sSup>
+                        </m:e>
+                      </m:d>
+                    </m:oMath>
+                    <m:oMath xmlns:m="http://schemas.openxmlformats.org/officeDocument/2006/math">
+                      <m:r>
+                        <a:rPr kumimoji="1" lang="en-US" altLang="ko-KR" b="1" i="1" smtClean="0">
+                          <a:latin typeface="Cambria Math" panose="02040503050406030204" pitchFamily="18" charset="0"/>
+                        </a:rPr>
+                        <m:t>𝒔𝒖𝒃𝒋𝒆𝒄𝒕</m:t>
+                      </m:r>
+                      <m:r>
+                        <a:rPr kumimoji="1" lang="en-US" altLang="ko-KR" b="1" i="1" smtClean="0">
+                          <a:latin typeface="Cambria Math" panose="02040503050406030204" pitchFamily="18" charset="0"/>
+                        </a:rPr>
+                        <m:t> </m:t>
+                      </m:r>
+                      <m:r>
+                        <a:rPr kumimoji="1" lang="en-US" altLang="ko-KR" b="1" i="1" smtClean="0">
+                          <a:latin typeface="Cambria Math" panose="02040503050406030204" pitchFamily="18" charset="0"/>
+                        </a:rPr>
+                        <m:t>𝒕𝒐</m:t>
+                      </m:r>
+                      <m:r>
+                        <a:rPr kumimoji="1" lang="en-US" altLang="ko-KR" b="1" i="1" smtClean="0">
+                          <a:latin typeface="Cambria Math" panose="02040503050406030204" pitchFamily="18" charset="0"/>
+                        </a:rPr>
+                        <m:t>,</m:t>
+                      </m:r>
+                    </m:oMath>
+                    <m:oMath xmlns:m="http://schemas.openxmlformats.org/officeDocument/2006/math">
+                      <m:r>
+                        <a:rPr kumimoji="1" lang="en-US" altLang="ko-KR" b="1" i="1" smtClean="0">
+                          <a:latin typeface="Cambria Math" panose="02040503050406030204" pitchFamily="18" charset="0"/>
+                        </a:rPr>
+                        <m:t>𝒙</m:t>
+                      </m:r>
+                      <m:r>
+                        <a:rPr kumimoji="1" lang="en-US" altLang="ko-KR" b="1" i="1" smtClean="0">
+                          <a:latin typeface="Cambria Math" panose="02040503050406030204" pitchFamily="18" charset="0"/>
+                        </a:rPr>
+                        <m:t>+</m:t>
+                      </m:r>
+                      <m:r>
+                        <a:rPr kumimoji="1" lang="en-US" altLang="ko-KR" b="1" i="1" smtClean="0">
+                          <a:latin typeface="Cambria Math" panose="02040503050406030204" pitchFamily="18" charset="0"/>
+                        </a:rPr>
+                        <m:t>𝟐</m:t>
+                      </m:r>
+                      <m:r>
+                        <a:rPr kumimoji="1" lang="en-US" altLang="ko-KR" b="1" i="1" smtClean="0">
+                          <a:latin typeface="Cambria Math" panose="02040503050406030204" pitchFamily="18" charset="0"/>
+                        </a:rPr>
+                        <m:t>𝒚</m:t>
+                      </m:r>
+                      <m:r>
+                        <a:rPr kumimoji="1" lang="en-US" altLang="ko-KR" b="1" i="1" smtClean="0">
+                          <a:latin typeface="Cambria Math" panose="02040503050406030204" pitchFamily="18" charset="0"/>
+                        </a:rPr>
+                        <m:t>=</m:t>
+                      </m:r>
+                      <m:r>
+                        <a:rPr kumimoji="1" lang="en-US" altLang="ko-KR" b="1" i="1" smtClean="0">
+                          <a:latin typeface="Cambria Math" panose="02040503050406030204" pitchFamily="18" charset="0"/>
+                        </a:rPr>
+                        <m:t>𝟒</m:t>
+                      </m:r>
+                      <m:r>
+                        <a:rPr kumimoji="1" lang="en-US" altLang="ko-KR" b="1" i="1" smtClean="0">
+                          <a:latin typeface="Cambria Math" panose="02040503050406030204" pitchFamily="18" charset="0"/>
+                        </a:rPr>
+                        <m:t>, </m:t>
+                      </m:r>
+                    </m:oMath>
+                  </m:oMathPara>
+                </a14:m>
+                <a:endParaRPr kumimoji="1" lang="en-US" altLang="ko-KR" b="1" i="1" dirty="0">
+                  <a:latin typeface="Cambria Math" panose="02040503050406030204" pitchFamily="18" charset="0"/>
+                </a:endParaRPr>
+              </a:p>
+              <a:p>
+                <a:pPr marL="0" indent="0">
+                  <a:buNone/>
+                </a:pPr>
+                <a14:m>
+                  <m:oMathPara xmlns:m="http://schemas.openxmlformats.org/officeDocument/2006/math">
+                    <m:oMathParaPr>
+                      <m:jc m:val="centerGroup"/>
+                    </m:oMathParaPr>
+                    <m:oMath xmlns:m="http://schemas.openxmlformats.org/officeDocument/2006/math">
+                      <m:sSup>
+                        <m:sSupPr>
+                          <m:ctrlPr>
+                            <a:rPr kumimoji="1" lang="en-US" altLang="ko-KR" b="1" i="1">
+                              <a:latin typeface="Cambria Math" panose="02040503050406030204" pitchFamily="18" charset="0"/>
+                            </a:rPr>
+                          </m:ctrlPr>
+                        </m:sSupPr>
+                        <m:e>
+                          <m:r>
+                            <a:rPr kumimoji="1" lang="en-US" altLang="ko-KR" b="1" i="1">
+                              <a:latin typeface="Cambria Math" panose="02040503050406030204" pitchFamily="18" charset="0"/>
+                            </a:rPr>
+                            <m:t>𝒙</m:t>
+                          </m:r>
+                        </m:e>
+                        <m:sup>
+                          <m:r>
+                            <a:rPr kumimoji="1" lang="en-US" altLang="ko-KR" b="1" i="1">
+                              <a:latin typeface="Cambria Math" panose="02040503050406030204" pitchFamily="18" charset="0"/>
+                            </a:rPr>
+                            <m:t>𝟐</m:t>
+                          </m:r>
+                        </m:sup>
+                      </m:sSup>
+                      <m:r>
+                        <a:rPr kumimoji="1" lang="en-US" altLang="ko-KR" b="1" i="1">
+                          <a:latin typeface="Cambria Math" panose="02040503050406030204" pitchFamily="18" charset="0"/>
+                        </a:rPr>
+                        <m:t>+</m:t>
+                      </m:r>
+                      <m:sSup>
+                        <m:sSupPr>
+                          <m:ctrlPr>
+                            <a:rPr kumimoji="1" lang="en-US" altLang="ko-KR" b="1" i="1">
+                              <a:latin typeface="Cambria Math" panose="02040503050406030204" pitchFamily="18" charset="0"/>
+                            </a:rPr>
+                          </m:ctrlPr>
+                        </m:sSupPr>
+                        <m:e>
+                          <m:r>
+                            <a:rPr kumimoji="1" lang="en-US" altLang="ko-KR" b="1" i="1">
+                              <a:latin typeface="Cambria Math" panose="02040503050406030204" pitchFamily="18" charset="0"/>
+                            </a:rPr>
+                            <m:t>𝒚</m:t>
+                          </m:r>
+                        </m:e>
+                        <m:sup>
+                          <m:r>
+                            <a:rPr kumimoji="1" lang="en-US" altLang="ko-KR" b="1" i="1">
+                              <a:latin typeface="Cambria Math" panose="02040503050406030204" pitchFamily="18" charset="0"/>
+                            </a:rPr>
+                            <m:t>𝟐</m:t>
+                          </m:r>
+                        </m:sup>
+                      </m:sSup>
+                      <m:r>
+                        <a:rPr kumimoji="1" lang="en-US" altLang="ko-KR" b="1" i="1" smtClean="0">
+                          <a:latin typeface="Cambria Math" panose="02040503050406030204" pitchFamily="18" charset="0"/>
+                        </a:rPr>
+                        <m:t>≤</m:t>
+                      </m:r>
+                      <m:r>
+                        <a:rPr kumimoji="1" lang="en-US" altLang="ko-KR" b="1" i="1" smtClean="0">
+                          <a:latin typeface="Cambria Math" panose="02040503050406030204" pitchFamily="18" charset="0"/>
+                        </a:rPr>
+                        <m:t>𝟓</m:t>
+                      </m:r>
+                      <m:r>
+                        <a:rPr kumimoji="1" lang="en-US" altLang="ko-KR" b="1" i="1" smtClean="0">
+                          <a:latin typeface="Cambria Math" panose="02040503050406030204" pitchFamily="18" charset="0"/>
+                        </a:rPr>
+                        <m:t>,</m:t>
+                      </m:r>
+                    </m:oMath>
+                  </m:oMathPara>
+                </a14:m>
+                <a:endParaRPr kumimoji="1" lang="en-US" altLang="ko-KR" b="1" i="1" dirty="0">
+                  <a:latin typeface="Cambria Math" panose="02040503050406030204" pitchFamily="18" charset="0"/>
+                </a:endParaRPr>
+              </a:p>
+              <a:p>
+                <a:pPr marL="0" indent="0">
+                  <a:buNone/>
+                </a:pPr>
+                <a14:m>
+                  <m:oMathPara xmlns:m="http://schemas.openxmlformats.org/officeDocument/2006/math">
+                    <m:oMathParaPr>
+                      <m:jc m:val="centerGroup"/>
+                    </m:oMathParaPr>
+                    <m:oMath xmlns:m="http://schemas.openxmlformats.org/officeDocument/2006/math">
+                      <m:r>
+                        <a:rPr kumimoji="1" lang="en-US" altLang="ko-KR" b="1" i="1" smtClean="0">
+                          <a:latin typeface="Cambria Math" panose="02040503050406030204" pitchFamily="18" charset="0"/>
+                        </a:rPr>
+                        <m:t>𝒙</m:t>
+                      </m:r>
+                      <m:r>
+                        <a:rPr kumimoji="1" lang="en-US" altLang="ko-KR" b="1" i="1" smtClean="0">
+                          <a:latin typeface="Cambria Math" panose="02040503050406030204" pitchFamily="18" charset="0"/>
+                        </a:rPr>
+                        <m:t>,</m:t>
+                      </m:r>
+                      <m:r>
+                        <a:rPr kumimoji="1" lang="en-US" altLang="ko-KR" b="1" i="1" smtClean="0">
+                          <a:latin typeface="Cambria Math" panose="02040503050406030204" pitchFamily="18" charset="0"/>
+                        </a:rPr>
+                        <m:t>𝒚</m:t>
+                      </m:r>
+                      <m:r>
+                        <a:rPr kumimoji="1" lang="en-US" altLang="ko-KR" b="1" i="1" smtClean="0">
+                          <a:latin typeface="Cambria Math" panose="02040503050406030204" pitchFamily="18" charset="0"/>
+                        </a:rPr>
+                        <m:t>≥</m:t>
+                      </m:r>
+                      <m:r>
+                        <a:rPr kumimoji="1" lang="en-US" altLang="ko-KR" b="1" i="1" smtClean="0">
+                          <a:latin typeface="Cambria Math" panose="02040503050406030204" pitchFamily="18" charset="0"/>
+                        </a:rPr>
+                        <m:t>𝟎</m:t>
+                      </m:r>
+                    </m:oMath>
+                  </m:oMathPara>
+                </a14:m>
+                <a:endParaRPr kumimoji="1" lang="en-US" altLang="ko-KR" b="1" i="1" dirty="0">
+                  <a:latin typeface="Cambria Math" panose="02040503050406030204" pitchFamily="18" charset="0"/>
+                </a:endParaRPr>
+              </a:p>
+              <a:p>
+                <a:pPr marL="0" indent="0">
+                  <a:buNone/>
+                </a:pPr>
+                <a:endParaRPr kumimoji="1" lang="en-US" altLang="ko-KR" b="1" i="1" dirty="0">
+                  <a:latin typeface="Cambria Math" panose="02040503050406030204" pitchFamily="18" charset="0"/>
+                </a:endParaRPr>
+              </a:p>
+              <a:p>
+                <a:pPr marL="0" indent="0">
+                  <a:buNone/>
+                </a:pPr>
+                <a14:m>
+                  <m:oMathPara xmlns:m="http://schemas.openxmlformats.org/officeDocument/2006/math">
+                    <m:oMathParaPr>
+                      <m:jc m:val="centerGroup"/>
+                    </m:oMathParaPr>
+                    <m:oMath xmlns:m="http://schemas.openxmlformats.org/officeDocument/2006/math">
+                      <m:r>
+                        <a:rPr kumimoji="1" lang="en-US" altLang="ko-KR" b="1" i="1" smtClean="0">
+                          <a:latin typeface="Cambria Math" panose="02040503050406030204" pitchFamily="18" charset="0"/>
+                        </a:rPr>
+                        <m:t>𝒎𝒊𝒏</m:t>
+                      </m:r>
+                      <m:d>
+                        <m:dPr>
+                          <m:ctrlPr>
+                            <a:rPr kumimoji="1" lang="en-US" altLang="ko-KR" b="1" i="1" smtClean="0">
+                              <a:latin typeface="Cambria Math" panose="02040503050406030204" pitchFamily="18" charset="0"/>
+                            </a:rPr>
+                          </m:ctrlPr>
+                        </m:dPr>
+                        <m:e>
+                          <m:sSup>
+                            <m:sSupPr>
+                              <m:ctrlPr>
+                                <a:rPr kumimoji="1" lang="en-US" altLang="ko-KR" b="1" i="1" smtClean="0">
+                                  <a:latin typeface="Cambria Math" panose="02040503050406030204" pitchFamily="18" charset="0"/>
+                                </a:rPr>
+                              </m:ctrlPr>
+                            </m:sSupPr>
+                            <m:e>
+                              <m:r>
+                                <a:rPr kumimoji="1" lang="en-US" altLang="ko-KR" b="1" i="1" smtClean="0">
+                                  <a:latin typeface="Cambria Math" panose="02040503050406030204" pitchFamily="18" charset="0"/>
+                                </a:rPr>
+                                <m:t>𝒙</m:t>
+                              </m:r>
+                            </m:e>
+                            <m:sup>
+                              <m:r>
+                                <a:rPr kumimoji="1" lang="en-US" altLang="ko-KR" b="1" i="1" smtClean="0">
+                                  <a:latin typeface="Cambria Math" panose="02040503050406030204" pitchFamily="18" charset="0"/>
+                                </a:rPr>
+                                <m:t>𝟐</m:t>
+                              </m:r>
+                            </m:sup>
+                          </m:sSup>
+                          <m:r>
+                            <a:rPr kumimoji="1" lang="en-US" altLang="ko-KR" b="1" i="1" smtClean="0">
+                              <a:latin typeface="Cambria Math" panose="02040503050406030204" pitchFamily="18" charset="0"/>
+                            </a:rPr>
+                            <m:t>+</m:t>
+                          </m:r>
+                          <m:sSup>
+                            <m:sSupPr>
+                              <m:ctrlPr>
+                                <a:rPr kumimoji="1" lang="en-US" altLang="ko-KR" b="1" i="1" smtClean="0">
+                                  <a:latin typeface="Cambria Math" panose="02040503050406030204" pitchFamily="18" charset="0"/>
+                                </a:rPr>
+                              </m:ctrlPr>
+                            </m:sSupPr>
+                            <m:e>
+                              <m:r>
+                                <a:rPr kumimoji="1" lang="en-US" altLang="ko-KR" b="1" i="1" smtClean="0">
+                                  <a:latin typeface="Cambria Math" panose="02040503050406030204" pitchFamily="18" charset="0"/>
+                                </a:rPr>
+                                <m:t>𝒚</m:t>
+                              </m:r>
+                            </m:e>
+                            <m:sup>
+                              <m:r>
+                                <a:rPr kumimoji="1" lang="en-US" altLang="ko-KR" b="1" i="1" smtClean="0">
+                                  <a:latin typeface="Cambria Math" panose="02040503050406030204" pitchFamily="18" charset="0"/>
+                                </a:rPr>
+                                <m:t>𝟐</m:t>
+                              </m:r>
+                            </m:sup>
+                          </m:sSup>
+                        </m:e>
+                      </m:d>
+                    </m:oMath>
+                    <m:oMath xmlns:m="http://schemas.openxmlformats.org/officeDocument/2006/math">
+                      <m:r>
+                        <a:rPr kumimoji="1" lang="en-US" altLang="ko-KR" b="1" i="1" smtClean="0">
+                          <a:latin typeface="Cambria Math" panose="02040503050406030204" pitchFamily="18" charset="0"/>
+                        </a:rPr>
+                        <m:t>𝒔𝒖𝒃𝒋𝒆𝒄𝒕</m:t>
+                      </m:r>
+                      <m:r>
+                        <a:rPr kumimoji="1" lang="en-US" altLang="ko-KR" b="1" i="1" smtClean="0">
+                          <a:latin typeface="Cambria Math" panose="02040503050406030204" pitchFamily="18" charset="0"/>
+                        </a:rPr>
+                        <m:t> </m:t>
+                      </m:r>
+                      <m:r>
+                        <a:rPr kumimoji="1" lang="en-US" altLang="ko-KR" b="1" i="1" smtClean="0">
+                          <a:latin typeface="Cambria Math" panose="02040503050406030204" pitchFamily="18" charset="0"/>
+                        </a:rPr>
+                        <m:t>𝒕𝒐</m:t>
+                      </m:r>
+                      <m:r>
+                        <a:rPr kumimoji="1" lang="en-US" altLang="ko-KR" b="1" i="1" smtClean="0">
+                          <a:latin typeface="Cambria Math" panose="02040503050406030204" pitchFamily="18" charset="0"/>
+                        </a:rPr>
+                        <m:t>,</m:t>
+                      </m:r>
+                    </m:oMath>
+                    <m:oMath xmlns:m="http://schemas.openxmlformats.org/officeDocument/2006/math">
+                      <m:r>
+                        <a:rPr kumimoji="1" lang="en-US" altLang="ko-KR" b="1" i="1" smtClean="0">
+                          <a:latin typeface="Cambria Math" panose="02040503050406030204" pitchFamily="18" charset="0"/>
+                        </a:rPr>
+                        <m:t>𝒙</m:t>
+                      </m:r>
+                      <m:r>
+                        <a:rPr kumimoji="1" lang="en-US" altLang="ko-KR" b="1" i="1" smtClean="0">
+                          <a:latin typeface="Cambria Math" panose="02040503050406030204" pitchFamily="18" charset="0"/>
+                        </a:rPr>
+                        <m:t>+</m:t>
+                      </m:r>
+                      <m:r>
+                        <a:rPr kumimoji="1" lang="en-US" altLang="ko-KR" b="1" i="1" smtClean="0">
+                          <a:latin typeface="Cambria Math" panose="02040503050406030204" pitchFamily="18" charset="0"/>
+                        </a:rPr>
+                        <m:t>𝟐</m:t>
+                      </m:r>
+                      <m:r>
+                        <a:rPr kumimoji="1" lang="en-US" altLang="ko-KR" b="1" i="1" smtClean="0">
+                          <a:latin typeface="Cambria Math" panose="02040503050406030204" pitchFamily="18" charset="0"/>
+                        </a:rPr>
+                        <m:t>𝒚</m:t>
+                      </m:r>
+                      <m:r>
+                        <a:rPr kumimoji="1" lang="en-US" altLang="ko-KR" b="1" i="1" smtClean="0">
+                          <a:latin typeface="Cambria Math" panose="02040503050406030204" pitchFamily="18" charset="0"/>
+                        </a:rPr>
+                        <m:t>=</m:t>
+                      </m:r>
+                      <m:r>
+                        <a:rPr kumimoji="1" lang="en-US" altLang="ko-KR" b="1" i="1" smtClean="0">
+                          <a:latin typeface="Cambria Math" panose="02040503050406030204" pitchFamily="18" charset="0"/>
+                        </a:rPr>
+                        <m:t>𝟒</m:t>
+                      </m:r>
+                      <m:r>
+                        <a:rPr kumimoji="1" lang="en-US" altLang="ko-KR" b="1" i="1" smtClean="0">
+                          <a:latin typeface="Cambria Math" panose="02040503050406030204" pitchFamily="18" charset="0"/>
+                        </a:rPr>
+                        <m:t>, </m:t>
+                      </m:r>
+                    </m:oMath>
+                  </m:oMathPara>
+                </a14:m>
+                <a:endParaRPr kumimoji="1" lang="en-US" altLang="ko-KR" b="1" i="1" dirty="0">
+                  <a:latin typeface="Cambria Math" panose="02040503050406030204" pitchFamily="18" charset="0"/>
+                </a:endParaRPr>
+              </a:p>
+              <a:p>
+                <a:pPr marL="0" indent="0">
+                  <a:buNone/>
+                </a:pPr>
+                <a14:m>
+                  <m:oMathPara xmlns:m="http://schemas.openxmlformats.org/officeDocument/2006/math">
+                    <m:oMathParaPr>
+                      <m:jc m:val="centerGroup"/>
+                    </m:oMathParaPr>
+                    <m:oMath xmlns:m="http://schemas.openxmlformats.org/officeDocument/2006/math">
+                      <m:sSup>
+                        <m:sSupPr>
+                          <m:ctrlPr>
+                            <a:rPr kumimoji="1" lang="en-US" altLang="ko-KR" b="1" i="1">
+                              <a:latin typeface="Cambria Math" panose="02040503050406030204" pitchFamily="18" charset="0"/>
+                            </a:rPr>
+                          </m:ctrlPr>
+                        </m:sSupPr>
+                        <m:e>
+                          <m:r>
+                            <a:rPr kumimoji="1" lang="en-US" altLang="ko-KR" b="1" i="1">
+                              <a:latin typeface="Cambria Math" panose="02040503050406030204" pitchFamily="18" charset="0"/>
+                            </a:rPr>
+                            <m:t>𝒙</m:t>
+                          </m:r>
+                        </m:e>
+                        <m:sup>
+                          <m:r>
+                            <a:rPr kumimoji="1" lang="en-US" altLang="ko-KR" b="1" i="1">
+                              <a:latin typeface="Cambria Math" panose="02040503050406030204" pitchFamily="18" charset="0"/>
+                            </a:rPr>
+                            <m:t>𝟐</m:t>
+                          </m:r>
+                        </m:sup>
+                      </m:sSup>
+                      <m:r>
+                        <a:rPr kumimoji="1" lang="en-US" altLang="ko-KR" b="1" i="1">
+                          <a:latin typeface="Cambria Math" panose="02040503050406030204" pitchFamily="18" charset="0"/>
+                        </a:rPr>
+                        <m:t>+</m:t>
+                      </m:r>
+                      <m:sSup>
+                        <m:sSupPr>
+                          <m:ctrlPr>
+                            <a:rPr kumimoji="1" lang="en-US" altLang="ko-KR" b="1" i="1">
+                              <a:latin typeface="Cambria Math" panose="02040503050406030204" pitchFamily="18" charset="0"/>
+                            </a:rPr>
+                          </m:ctrlPr>
+                        </m:sSupPr>
+                        <m:e>
+                          <m:r>
+                            <a:rPr kumimoji="1" lang="en-US" altLang="ko-KR" b="1" i="1">
+                              <a:latin typeface="Cambria Math" panose="02040503050406030204" pitchFamily="18" charset="0"/>
+                            </a:rPr>
+                            <m:t>𝒚</m:t>
+                          </m:r>
+                        </m:e>
+                        <m:sup>
+                          <m:r>
+                            <a:rPr kumimoji="1" lang="en-US" altLang="ko-KR" b="1" i="1">
+                              <a:latin typeface="Cambria Math" panose="02040503050406030204" pitchFamily="18" charset="0"/>
+                            </a:rPr>
+                            <m:t>𝟐</m:t>
+                          </m:r>
+                        </m:sup>
+                      </m:sSup>
+                      <m:r>
+                        <a:rPr kumimoji="1" lang="en-US" altLang="ko-KR" b="1" i="1" smtClean="0">
+                          <a:latin typeface="Cambria Math" panose="02040503050406030204" pitchFamily="18" charset="0"/>
+                        </a:rPr>
+                        <m:t>≤</m:t>
+                      </m:r>
+                      <m:r>
+                        <a:rPr kumimoji="1" lang="en-US" altLang="ko-KR" b="1" i="1" smtClean="0">
+                          <a:latin typeface="Cambria Math" panose="02040503050406030204" pitchFamily="18" charset="0"/>
+                        </a:rPr>
+                        <m:t>𝟓</m:t>
+                      </m:r>
+                      <m:r>
+                        <a:rPr kumimoji="1" lang="en-US" altLang="ko-KR" b="1" i="1" smtClean="0">
+                          <a:latin typeface="Cambria Math" panose="02040503050406030204" pitchFamily="18" charset="0"/>
+                        </a:rPr>
+                        <m:t>,</m:t>
+                      </m:r>
+                      <m:r>
+                        <a:rPr kumimoji="1" lang="en-US" altLang="ko-KR" b="1" i="1" smtClean="0">
+                          <a:latin typeface="Cambria Math" panose="02040503050406030204" pitchFamily="18" charset="0"/>
+                        </a:rPr>
+                        <m:t> </m:t>
+                      </m:r>
+                    </m:oMath>
+                  </m:oMathPara>
+                </a14:m>
+                <a:endParaRPr kumimoji="1" lang="en-US" altLang="ko-KR" b="1" i="1" dirty="0">
+                  <a:latin typeface="Cambria Math" panose="02040503050406030204" pitchFamily="18" charset="0"/>
+                </a:endParaRPr>
+              </a:p>
+              <a:p>
+                <a:pPr marL="0" indent="0">
+                  <a:buNone/>
+                </a:pPr>
+                <a14:m>
+                  <m:oMathPara xmlns:m="http://schemas.openxmlformats.org/officeDocument/2006/math">
+                    <m:oMathParaPr>
+                      <m:jc m:val="centerGroup"/>
+                    </m:oMathParaPr>
+                    <m:oMath xmlns:m="http://schemas.openxmlformats.org/officeDocument/2006/math">
+                      <m:r>
+                        <a:rPr kumimoji="1" lang="en-US" altLang="ko-KR" b="1" i="1" smtClean="0">
+                          <a:latin typeface="Cambria Math" panose="02040503050406030204" pitchFamily="18" charset="0"/>
+                        </a:rPr>
+                        <m:t>−</m:t>
+                      </m:r>
+                      <m:r>
+                        <a:rPr kumimoji="1" lang="en-US" altLang="ko-KR" b="1" i="1" smtClean="0">
+                          <a:latin typeface="Cambria Math" panose="02040503050406030204" pitchFamily="18" charset="0"/>
+                        </a:rPr>
+                        <m:t>𝒙</m:t>
+                      </m:r>
+                      <m:r>
+                        <a:rPr kumimoji="1" lang="en-US" altLang="ko-KR" b="1" i="1" smtClean="0">
+                          <a:latin typeface="Cambria Math" panose="02040503050406030204" pitchFamily="18" charset="0"/>
+                        </a:rPr>
+                        <m:t>,−</m:t>
+                      </m:r>
+                      <m:r>
+                        <a:rPr kumimoji="1" lang="en-US" altLang="ko-KR" b="1" i="1" smtClean="0">
+                          <a:latin typeface="Cambria Math" panose="02040503050406030204" pitchFamily="18" charset="0"/>
+                        </a:rPr>
+                        <m:t>𝒚</m:t>
+                      </m:r>
+                      <m:r>
+                        <a:rPr kumimoji="1" lang="en-US" altLang="ko-KR" b="1" i="1" smtClean="0">
+                          <a:latin typeface="Cambria Math" panose="02040503050406030204" pitchFamily="18" charset="0"/>
+                        </a:rPr>
+                        <m:t>≤</m:t>
+                      </m:r>
+                      <m:r>
+                        <a:rPr kumimoji="1" lang="en-US" altLang="ko-KR" b="1" i="1" smtClean="0">
+                          <a:latin typeface="Cambria Math" panose="02040503050406030204" pitchFamily="18" charset="0"/>
+                        </a:rPr>
+                        <m:t>𝟎</m:t>
+                      </m:r>
+                    </m:oMath>
+                  </m:oMathPara>
+                </a14:m>
+                <a:endParaRPr kumimoji="1" lang="en-US" altLang="ko-KR" b="1" i="1" dirty="0">
+                  <a:latin typeface="Cambria Math" panose="02040503050406030204" pitchFamily="18" charset="0"/>
+                </a:endParaRPr>
+              </a:p>
+              <a:p>
+                <a:pPr marL="0" indent="0">
+                  <a:buNone/>
+                </a:pPr>
+                <a:endParaRPr kumimoji="1" lang="en-US" altLang="ko-KR" b="1" i="1" dirty="0">
+                  <a:latin typeface="Cambria Math" panose="02040503050406030204" pitchFamily="18" charset="0"/>
+                </a:endParaRPr>
+              </a:p>
+            </p:txBody>
+          </p:sp>
+        </mc:Choice>
+        <mc:Fallback>
+          <p:sp>
+            <p:nvSpPr>
+              <p:cNvPr id="3" name="내용 개체 틀 2">
+                <a:extLst>
+                  <a:ext uri="{FF2B5EF4-FFF2-40B4-BE49-F238E27FC236}">
+                    <a16:creationId xmlns:a16="http://schemas.microsoft.com/office/drawing/2014/main" id="{1725D5B2-2C6C-3B43-B4F2-CA91BE12BB41}"/>
+                  </a:ext>
+                </a:extLst>
+              </p:cNvPr>
+              <p:cNvSpPr>
+                <a:spLocks noGrp="1" noRot="1" noChangeAspect="1" noMove="1" noResize="1" noEditPoints="1" noAdjustHandles="1" noChangeArrowheads="1" noChangeShapeType="1" noTextEdit="1"/>
+              </p:cNvSpPr>
+              <p:nvPr>
+                <p:ph idx="1"/>
+              </p:nvPr>
+            </p:nvSpPr>
+            <p:spPr>
+              <a:xfrm>
+                <a:off x="838200" y="1721803"/>
+                <a:ext cx="10927080" cy="4351338"/>
+              </a:xfrm>
+              <a:blipFill>
+                <a:blip r:embed="rId3"/>
+                <a:stretch>
+                  <a:fillRect l="-502"/>
+                </a:stretch>
+              </a:blipFill>
+            </p:spPr>
+            <p:txBody>
+              <a:bodyPr/>
+              <a:lstStyle/>
+              <a:p>
+                <a:r>
+                  <a:rPr lang="ko-KR" altLang="en-US">
+                    <a:noFill/>
+                  </a:rPr>
+                  <a:t> </a:t>
+                </a:r>
+              </a:p>
+            </p:txBody>
+          </p:sp>
+        </mc:Fallback>
+      </mc:AlternateContent>
+      <p:pic>
+        <p:nvPicPr>
+          <p:cNvPr id="5" name="그림 4">
+            <a:extLst>
+              <a:ext uri="{FF2B5EF4-FFF2-40B4-BE49-F238E27FC236}">
+                <a16:creationId xmlns:a16="http://schemas.microsoft.com/office/drawing/2014/main" id="{CBD2A4C9-9762-B8CE-5D36-629A8782D168}"/>
+              </a:ext>
+            </a:extLst>
+          </p:cNvPr>
+          <p:cNvPicPr>
+            <a:picLocks noChangeAspect="1"/>
+          </p:cNvPicPr>
+          <p:nvPr/>
+        </p:nvPicPr>
+        <p:blipFill>
+          <a:blip r:embed="rId4"/>
+          <a:stretch>
+            <a:fillRect/>
+          </a:stretch>
+        </p:blipFill>
+        <p:spPr>
+          <a:xfrm>
+            <a:off x="973599" y="2693512"/>
+            <a:ext cx="4064745" cy="2407920"/>
+          </a:xfrm>
+          <a:prstGeom prst="rect">
+            <a:avLst/>
+          </a:prstGeom>
+        </p:spPr>
+      </p:pic>
+      <mc:AlternateContent xmlns:mc="http://schemas.openxmlformats.org/markup-compatibility/2006">
+        <mc:Choice xmlns:a14="http://schemas.microsoft.com/office/drawing/2010/main" Requires="a14">
+          <p:sp>
+            <p:nvSpPr>
+              <p:cNvPr id="7" name="TextBox 6">
+                <a:extLst>
+                  <a:ext uri="{FF2B5EF4-FFF2-40B4-BE49-F238E27FC236}">
+                    <a16:creationId xmlns:a16="http://schemas.microsoft.com/office/drawing/2014/main" id="{EBEC9ED0-882A-0FA2-C2E4-3CA09761F36A}"/>
+                  </a:ext>
+                </a:extLst>
+              </p:cNvPr>
+              <p:cNvSpPr txBox="1"/>
+              <p:nvPr/>
+            </p:nvSpPr>
+            <p:spPr>
+              <a:xfrm>
+                <a:off x="6894774" y="3092276"/>
+                <a:ext cx="6096000" cy="369332"/>
+              </a:xfrm>
+              <a:prstGeom prst="rect">
+                <a:avLst/>
+              </a:prstGeom>
+              <a:noFill/>
+            </p:spPr>
+            <p:txBody>
+              <a:bodyPr wrap="square">
+                <a:spAutoFit/>
+              </a:bodyPr>
+              <a:lstStyle/>
+              <a:p>
+                <a:pPr lvl="1"/>
+                <a:r>
+                  <a:rPr kumimoji="1" lang="en-US" altLang="ko-KR" sz="1800" b="1" dirty="0"/>
+                  <a:t>2. primal constraints: </a:t>
+                </a:r>
+                <a14:m>
+                  <m:oMath xmlns:m="http://schemas.openxmlformats.org/officeDocument/2006/math">
+                    <m:r>
+                      <a:rPr kumimoji="1" lang="en-US" altLang="ko-KR" sz="1800" b="1" i="1" smtClean="0">
+                        <a:latin typeface="Cambria Math" panose="02040503050406030204" pitchFamily="18" charset="0"/>
+                      </a:rPr>
+                      <m:t>𝒈</m:t>
+                    </m:r>
+                    <m:d>
+                      <m:dPr>
+                        <m:ctrlPr>
+                          <a:rPr kumimoji="1" lang="en-US" altLang="ko-KR" sz="1800" b="1" i="1" smtClean="0">
+                            <a:latin typeface="Cambria Math" panose="02040503050406030204" pitchFamily="18" charset="0"/>
+                          </a:rPr>
+                        </m:ctrlPr>
+                      </m:dPr>
+                      <m:e>
+                        <m:r>
+                          <a:rPr kumimoji="1" lang="en-US" altLang="ko-KR" sz="1800" b="1" i="1" smtClean="0">
+                            <a:latin typeface="Cambria Math" panose="02040503050406030204" pitchFamily="18" charset="0"/>
+                          </a:rPr>
+                          <m:t>𝒙</m:t>
+                        </m:r>
+                      </m:e>
+                    </m:d>
+                    <m:r>
+                      <a:rPr kumimoji="1" lang="en-US" altLang="ko-KR" sz="1800" b="1" i="1" smtClean="0">
+                        <a:latin typeface="Cambria Math" panose="02040503050406030204" pitchFamily="18" charset="0"/>
+                      </a:rPr>
+                      <m:t>=</m:t>
+                    </m:r>
+                    <m:r>
+                      <a:rPr kumimoji="1" lang="en-US" altLang="ko-KR" sz="1800" b="1" i="1" smtClean="0">
+                        <a:latin typeface="Cambria Math" panose="02040503050406030204" pitchFamily="18" charset="0"/>
+                      </a:rPr>
+                      <m:t>𝟎</m:t>
+                    </m:r>
+                    <m:r>
+                      <a:rPr kumimoji="1" lang="en-US" altLang="ko-KR" sz="1800" b="1" i="1" smtClean="0">
+                        <a:latin typeface="Cambria Math" panose="02040503050406030204" pitchFamily="18" charset="0"/>
+                      </a:rPr>
+                      <m:t>, </m:t>
+                    </m:r>
+                    <m:r>
+                      <a:rPr kumimoji="1" lang="en-US" altLang="ko-KR" sz="1800" b="1" i="1" smtClean="0">
+                        <a:latin typeface="Cambria Math" panose="02040503050406030204" pitchFamily="18" charset="0"/>
+                      </a:rPr>
+                      <m:t>𝒉</m:t>
+                    </m:r>
+                    <m:d>
+                      <m:dPr>
+                        <m:ctrlPr>
+                          <a:rPr kumimoji="1" lang="en-US" altLang="ko-KR" sz="1800" b="1" i="1" smtClean="0">
+                            <a:latin typeface="Cambria Math" panose="02040503050406030204" pitchFamily="18" charset="0"/>
+                          </a:rPr>
+                        </m:ctrlPr>
+                      </m:dPr>
+                      <m:e>
+                        <m:r>
+                          <a:rPr kumimoji="1" lang="en-US" altLang="ko-KR" sz="1800" b="1" i="1" smtClean="0">
+                            <a:latin typeface="Cambria Math" panose="02040503050406030204" pitchFamily="18" charset="0"/>
+                          </a:rPr>
+                          <m:t>𝒙</m:t>
+                        </m:r>
+                      </m:e>
+                    </m:d>
+                    <m:r>
+                      <a:rPr kumimoji="1" lang="en-US" altLang="ko-KR" sz="1800" b="1" i="1" smtClean="0">
+                        <a:latin typeface="Cambria Math" panose="02040503050406030204" pitchFamily="18" charset="0"/>
+                      </a:rPr>
+                      <m:t>≤</m:t>
+                    </m:r>
+                    <m:r>
+                      <a:rPr kumimoji="1" lang="en-US" altLang="ko-KR" sz="1800" b="1" i="1" smtClean="0">
+                        <a:latin typeface="Cambria Math" panose="02040503050406030204" pitchFamily="18" charset="0"/>
+                      </a:rPr>
+                      <m:t>𝟎</m:t>
+                    </m:r>
+                  </m:oMath>
+                </a14:m>
+                <a:endParaRPr kumimoji="1" lang="en-US" altLang="ko-KR" sz="1800" b="1" dirty="0"/>
+              </a:p>
+            </p:txBody>
+          </p:sp>
+        </mc:Choice>
+        <mc:Fallback>
+          <p:sp>
+            <p:nvSpPr>
+              <p:cNvPr id="7" name="TextBox 6">
+                <a:extLst>
+                  <a:ext uri="{FF2B5EF4-FFF2-40B4-BE49-F238E27FC236}">
+                    <a16:creationId xmlns:a16="http://schemas.microsoft.com/office/drawing/2014/main" id="{EBEC9ED0-882A-0FA2-C2E4-3CA09761F36A}"/>
+                  </a:ext>
+                </a:extLst>
+              </p:cNvPr>
+              <p:cNvSpPr txBox="1">
+                <a:spLocks noRot="1" noChangeAspect="1" noMove="1" noResize="1" noEditPoints="1" noAdjustHandles="1" noChangeArrowheads="1" noChangeShapeType="1" noTextEdit="1"/>
+              </p:cNvSpPr>
+              <p:nvPr/>
+            </p:nvSpPr>
+            <p:spPr>
+              <a:xfrm>
+                <a:off x="6894774" y="3092276"/>
+                <a:ext cx="6096000" cy="369332"/>
+              </a:xfrm>
+              <a:prstGeom prst="rect">
+                <a:avLst/>
+              </a:prstGeom>
+              <a:blipFill>
+                <a:blip r:embed="rId5"/>
+                <a:stretch>
+                  <a:fillRect t="-8197" b="-24590"/>
+                </a:stretch>
+              </a:blipFill>
+            </p:spPr>
+            <p:txBody>
+              <a:bodyPr/>
+              <a:lstStyle/>
+              <a:p>
+                <a:r>
+                  <a:rPr lang="ko-KR" altLang="en-US">
+                    <a:noFill/>
+                  </a:rPr>
+                  <a:t> </a:t>
+                </a:r>
+              </a:p>
+            </p:txBody>
+          </p:sp>
+        </mc:Fallback>
+      </mc:AlternateContent>
+      <p:sp>
+        <p:nvSpPr>
+          <p:cNvPr id="8" name="화살표: U자형 7">
+            <a:extLst>
+              <a:ext uri="{FF2B5EF4-FFF2-40B4-BE49-F238E27FC236}">
+                <a16:creationId xmlns:a16="http://schemas.microsoft.com/office/drawing/2014/main" id="{CAF16280-BB3F-F064-798C-1EAE93554786}"/>
+              </a:ext>
+            </a:extLst>
+          </p:cNvPr>
+          <p:cNvSpPr/>
+          <p:nvPr/>
+        </p:nvSpPr>
+        <p:spPr>
+          <a:xfrm rot="5400000">
+            <a:off x="6320976" y="4236486"/>
+            <a:ext cx="2183520" cy="1035924"/>
+          </a:xfrm>
+          <a:prstGeom prst="uturnArrow">
+            <a:avLst>
+              <a:gd name="adj1" fmla="val 3126"/>
+              <a:gd name="adj2" fmla="val 6758"/>
+              <a:gd name="adj3" fmla="val 25000"/>
+              <a:gd name="adj4" fmla="val 0"/>
+              <a:gd name="adj5" fmla="val 100000"/>
+            </a:avLst>
+          </a:prstGeom>
+        </p:spPr>
+        <p:style>
+          <a:lnRef idx="2">
+            <a:schemeClr val="accent1">
+              <a:shade val="50000"/>
+            </a:schemeClr>
+          </a:lnRef>
+          <a:fillRef idx="1">
+            <a:schemeClr val="accent1"/>
+          </a:fillRef>
+          <a:effectRef idx="0">
+            <a:schemeClr val="accent1"/>
+          </a:effectRef>
+          <a:fontRef idx="minor">
+            <a:schemeClr val="lt1"/>
+          </a:fontRef>
+        </p:style>
+        <p:txBody>
+          <a:bodyPr rtlCol="0" anchor="ctr"/>
+          <a:lstStyle/>
+          <a:p>
+            <a:pPr algn="ctr"/>
+            <a:endParaRPr lang="ko-KR" altLang="en-US">
+              <a:solidFill>
+                <a:schemeClr val="tx1"/>
+              </a:solidFill>
+            </a:endParaRPr>
+          </a:p>
+        </p:txBody>
+      </p:sp>
+    </p:spTree>
+    <p:extLst>
+      <p:ext uri="{BB962C8B-B14F-4D97-AF65-F5344CB8AC3E}">
+        <p14:creationId xmlns:p14="http://schemas.microsoft.com/office/powerpoint/2010/main" val="2725818200"/>
+      </p:ext>
+    </p:extLst>
+  </p:cSld>
+  <p:clrMapOvr>
+    <a:masterClrMapping/>
+  </p:clrMapOvr>
+</p:sld>
+</file>
+
+<file path=ppt/slides/slide21.xml><?xml version="1.0" encoding="utf-8"?>
+<p:sld xmlns:a="http://schemas.openxmlformats.org/drawingml/2006/main" xmlns:r="http://schemas.openxmlformats.org/officeDocument/2006/relationships" xmlns:p="http://schemas.openxmlformats.org/presentationml/2006/main">
+  <p:cSld>
+    <p:spTree>
+      <p:nvGrpSpPr>
+        <p:cNvPr id="1" name=""/>
+        <p:cNvGrpSpPr/>
+        <p:nvPr/>
+      </p:nvGrpSpPr>
+      <p:grpSpPr>
+        <a:xfrm>
+          <a:off x="0" y="0"/>
+          <a:ext cx="0" cy="0"/>
+          <a:chOff x="0" y="0"/>
+          <a:chExt cx="0" cy="0"/>
+        </a:xfrm>
+      </p:grpSpPr>
+      <p:sp>
+        <p:nvSpPr>
+          <p:cNvPr id="2" name="제목 1">
+            <a:extLst>
+              <a:ext uri="{FF2B5EF4-FFF2-40B4-BE49-F238E27FC236}">
+                <a16:creationId xmlns:a16="http://schemas.microsoft.com/office/drawing/2014/main" id="{AA92BCFB-E11B-F940-A787-2261CAC8E814}"/>
+              </a:ext>
+            </a:extLst>
+          </p:cNvPr>
+          <p:cNvSpPr>
+            <a:spLocks noGrp="1"/>
+          </p:cNvSpPr>
+          <p:nvPr>
+            <p:ph type="title"/>
+          </p:nvPr>
+        </p:nvSpPr>
+        <p:spPr/>
+        <p:txBody>
+          <a:bodyPr/>
+          <a:lstStyle/>
+          <a:p>
+            <a:r>
+              <a:rPr kumimoji="1" lang="en-US" altLang="en-US" dirty="0"/>
+              <a:t>4.4 Constrained Optimization</a:t>
+            </a:r>
+            <a:endParaRPr kumimoji="1" lang="ko-Kore-KR" altLang="en-US" dirty="0"/>
+          </a:p>
+        </p:txBody>
+      </p:sp>
+      <mc:AlternateContent xmlns:mc="http://schemas.openxmlformats.org/markup-compatibility/2006">
+        <mc:Choice xmlns:a14="http://schemas.microsoft.com/office/drawing/2010/main" Requires="a14">
+          <p:sp>
+            <p:nvSpPr>
+              <p:cNvPr id="3" name="내용 개체 틀 2">
+                <a:extLst>
+                  <a:ext uri="{FF2B5EF4-FFF2-40B4-BE49-F238E27FC236}">
+                    <a16:creationId xmlns:a16="http://schemas.microsoft.com/office/drawing/2014/main" id="{1725D5B2-2C6C-3B43-B4F2-CA91BE12BB41}"/>
+                  </a:ext>
+                </a:extLst>
+              </p:cNvPr>
+              <p:cNvSpPr>
+                <a:spLocks noGrp="1"/>
+              </p:cNvSpPr>
+              <p:nvPr>
+                <p:ph idx="1"/>
+              </p:nvPr>
+            </p:nvSpPr>
+            <p:spPr>
+              <a:xfrm>
+                <a:off x="838200" y="1721803"/>
+                <a:ext cx="10927080" cy="4351338"/>
+              </a:xfrm>
+            </p:spPr>
+            <p:txBody>
+              <a:bodyPr>
+                <a:normAutofit/>
+              </a:bodyPr>
+              <a:lstStyle/>
+              <a:p>
+                <a:r>
+                  <a:rPr kumimoji="1" lang="en-US" altLang="ko-KR" sz="2900" b="1" dirty="0"/>
+                  <a:t>Kaurush-Kuhn-Tucker (KKT) approach</a:t>
+                </a:r>
+              </a:p>
+              <a:p>
+                <a:pPr marL="0" indent="0">
+                  <a:buNone/>
+                </a:pPr>
+                <a14:m>
+                  <m:oMathPara xmlns:m="http://schemas.openxmlformats.org/officeDocument/2006/math">
+                    <m:oMathParaPr>
+                      <m:jc m:val="centerGroup"/>
+                    </m:oMathParaPr>
+                    <m:oMath xmlns:m="http://schemas.openxmlformats.org/officeDocument/2006/math">
+                      <m:r>
+                        <a:rPr kumimoji="1" lang="en-US" altLang="ko-KR" b="1" i="1" smtClean="0">
+                          <a:latin typeface="Cambria Math" panose="02040503050406030204" pitchFamily="18" charset="0"/>
+                        </a:rPr>
+                        <m:t>𝑳</m:t>
+                      </m:r>
+                      <m:r>
+                        <a:rPr kumimoji="1" lang="en-US" altLang="ko-KR" b="1" i="1" smtClean="0">
+                          <a:latin typeface="Cambria Math" panose="02040503050406030204" pitchFamily="18" charset="0"/>
+                        </a:rPr>
+                        <m:t>=</m:t>
+                      </m:r>
+                      <m:sSup>
+                        <m:sSupPr>
+                          <m:ctrlPr>
+                            <a:rPr kumimoji="1" lang="en-US" altLang="ko-KR" b="1" i="1">
+                              <a:latin typeface="Cambria Math" panose="02040503050406030204" pitchFamily="18" charset="0"/>
+                            </a:rPr>
+                          </m:ctrlPr>
+                        </m:sSupPr>
+                        <m:e>
+                          <m:r>
+                            <a:rPr kumimoji="1" lang="en-US" altLang="ko-KR" b="1" i="1">
+                              <a:latin typeface="Cambria Math" panose="02040503050406030204" pitchFamily="18" charset="0"/>
+                            </a:rPr>
+                            <m:t>𝒙</m:t>
+                          </m:r>
+                        </m:e>
+                        <m:sup>
+                          <m:r>
+                            <a:rPr kumimoji="1" lang="en-US" altLang="ko-KR" b="1" i="1">
+                              <a:latin typeface="Cambria Math" panose="02040503050406030204" pitchFamily="18" charset="0"/>
+                            </a:rPr>
+                            <m:t>𝟐</m:t>
+                          </m:r>
+                        </m:sup>
+                      </m:sSup>
+                      <m:r>
+                        <a:rPr kumimoji="1" lang="en-US" altLang="ko-KR" b="1" i="1">
+                          <a:latin typeface="Cambria Math" panose="02040503050406030204" pitchFamily="18" charset="0"/>
+                        </a:rPr>
+                        <m:t>+</m:t>
+                      </m:r>
+                      <m:sSup>
+                        <m:sSupPr>
+                          <m:ctrlPr>
+                            <a:rPr kumimoji="1" lang="en-US" altLang="ko-KR" b="1" i="1">
+                              <a:latin typeface="Cambria Math" panose="02040503050406030204" pitchFamily="18" charset="0"/>
+                            </a:rPr>
+                          </m:ctrlPr>
+                        </m:sSupPr>
+                        <m:e>
+                          <m:r>
+                            <a:rPr kumimoji="1" lang="en-US" altLang="ko-KR" b="1" i="1">
+                              <a:latin typeface="Cambria Math" panose="02040503050406030204" pitchFamily="18" charset="0"/>
+                            </a:rPr>
+                            <m:t>𝒚</m:t>
+                          </m:r>
+                        </m:e>
+                        <m:sup>
+                          <m:r>
+                            <a:rPr kumimoji="1" lang="en-US" altLang="ko-KR" b="1" i="1">
+                              <a:latin typeface="Cambria Math" panose="02040503050406030204" pitchFamily="18" charset="0"/>
+                            </a:rPr>
+                            <m:t>𝟐</m:t>
+                          </m:r>
+                        </m:sup>
+                      </m:sSup>
+                      <m:r>
+                        <a:rPr kumimoji="1" lang="en-US" altLang="ko-KR" b="1" i="1" smtClean="0">
+                          <a:latin typeface="Cambria Math" panose="02040503050406030204" pitchFamily="18" charset="0"/>
+                        </a:rPr>
+                        <m:t>+</m:t>
+                      </m:r>
+                      <m:r>
+                        <a:rPr kumimoji="1" lang="ko-KR" altLang="en-US" b="1" i="1" smtClean="0">
+                          <a:latin typeface="Cambria Math" panose="02040503050406030204" pitchFamily="18" charset="0"/>
+                        </a:rPr>
+                        <m:t>𝝀</m:t>
+                      </m:r>
+                      <m:d>
+                        <m:dPr>
+                          <m:ctrlPr>
+                            <a:rPr kumimoji="1" lang="en-US" altLang="ko-KR" b="1" i="1" smtClean="0">
+                              <a:latin typeface="Cambria Math" panose="02040503050406030204" pitchFamily="18" charset="0"/>
+                            </a:rPr>
+                          </m:ctrlPr>
+                        </m:dPr>
+                        <m:e>
+                          <m:r>
+                            <a:rPr kumimoji="1" lang="en-US" altLang="ko-KR" b="1" i="1" smtClean="0">
+                              <a:latin typeface="Cambria Math" panose="02040503050406030204" pitchFamily="18" charset="0"/>
+                            </a:rPr>
+                            <m:t>𝒙</m:t>
+                          </m:r>
+                          <m:r>
+                            <a:rPr kumimoji="1" lang="en-US" altLang="ko-KR" b="1" i="1" smtClean="0">
+                              <a:latin typeface="Cambria Math" panose="02040503050406030204" pitchFamily="18" charset="0"/>
+                            </a:rPr>
+                            <m:t>+</m:t>
+                          </m:r>
+                          <m:r>
+                            <a:rPr kumimoji="1" lang="en-US" altLang="ko-KR" b="1" i="1" smtClean="0">
+                              <a:latin typeface="Cambria Math" panose="02040503050406030204" pitchFamily="18" charset="0"/>
+                            </a:rPr>
+                            <m:t>𝟐</m:t>
+                          </m:r>
+                          <m:r>
+                            <a:rPr kumimoji="1" lang="en-US" altLang="ko-KR" b="1" i="1" smtClean="0">
+                              <a:latin typeface="Cambria Math" panose="02040503050406030204" pitchFamily="18" charset="0"/>
+                            </a:rPr>
+                            <m:t>𝒚</m:t>
+                          </m:r>
+                          <m:r>
+                            <a:rPr kumimoji="1" lang="en-US" altLang="ko-KR" b="1" i="1" smtClean="0">
+                              <a:latin typeface="Cambria Math" panose="02040503050406030204" pitchFamily="18" charset="0"/>
+                            </a:rPr>
+                            <m:t>−</m:t>
+                          </m:r>
+                          <m:r>
+                            <a:rPr kumimoji="1" lang="en-US" altLang="ko-KR" b="1" i="1" smtClean="0">
+                              <a:latin typeface="Cambria Math" panose="02040503050406030204" pitchFamily="18" charset="0"/>
+                            </a:rPr>
+                            <m:t>𝟒</m:t>
+                          </m:r>
+                        </m:e>
+                      </m:d>
+                      <m:r>
+                        <a:rPr kumimoji="1" lang="en-US" altLang="ko-KR" b="1" i="1" smtClean="0">
+                          <a:latin typeface="Cambria Math" panose="02040503050406030204" pitchFamily="18" charset="0"/>
+                        </a:rPr>
+                        <m:t>+</m:t>
+                      </m:r>
+                      <m:sSub>
+                        <m:sSubPr>
+                          <m:ctrlPr>
+                            <a:rPr kumimoji="1" lang="en-US" altLang="ko-KR" b="1" i="1" smtClean="0">
+                              <a:latin typeface="Cambria Math" panose="02040503050406030204" pitchFamily="18" charset="0"/>
+                            </a:rPr>
+                          </m:ctrlPr>
+                        </m:sSubPr>
+                        <m:e>
+                          <m:r>
+                            <a:rPr kumimoji="1" lang="ko-KR" altLang="en-US" b="1" i="1" smtClean="0">
+                              <a:latin typeface="Cambria Math" panose="02040503050406030204" pitchFamily="18" charset="0"/>
+                            </a:rPr>
+                            <m:t>𝜶</m:t>
+                          </m:r>
+                        </m:e>
+                        <m:sub>
+                          <m:r>
+                            <a:rPr kumimoji="1" lang="en-US" altLang="ko-KR" b="1" i="1" smtClean="0">
+                              <a:latin typeface="Cambria Math" panose="02040503050406030204" pitchFamily="18" charset="0"/>
+                            </a:rPr>
+                            <m:t>𝟏</m:t>
+                          </m:r>
+                        </m:sub>
+                      </m:sSub>
+                      <m:d>
+                        <m:dPr>
+                          <m:ctrlPr>
+                            <a:rPr kumimoji="1" lang="en-US" altLang="ko-KR" b="1" i="1" smtClean="0">
+                              <a:latin typeface="Cambria Math" panose="02040503050406030204" pitchFamily="18" charset="0"/>
+                            </a:rPr>
+                          </m:ctrlPr>
+                        </m:dPr>
+                        <m:e>
+                          <m:sSup>
+                            <m:sSupPr>
+                              <m:ctrlPr>
+                                <a:rPr kumimoji="1" lang="en-US" altLang="ko-KR" b="1" i="1">
+                                  <a:latin typeface="Cambria Math" panose="02040503050406030204" pitchFamily="18" charset="0"/>
+                                </a:rPr>
+                              </m:ctrlPr>
+                            </m:sSupPr>
+                            <m:e>
+                              <m:r>
+                                <a:rPr kumimoji="1" lang="en-US" altLang="ko-KR" b="1" i="1">
+                                  <a:latin typeface="Cambria Math" panose="02040503050406030204" pitchFamily="18" charset="0"/>
+                                </a:rPr>
+                                <m:t>𝒙</m:t>
+                              </m:r>
+                            </m:e>
+                            <m:sup>
+                              <m:r>
+                                <a:rPr kumimoji="1" lang="en-US" altLang="ko-KR" b="1" i="1">
+                                  <a:latin typeface="Cambria Math" panose="02040503050406030204" pitchFamily="18" charset="0"/>
+                                </a:rPr>
+                                <m:t>𝟐</m:t>
+                              </m:r>
+                            </m:sup>
+                          </m:sSup>
+                          <m:r>
+                            <a:rPr kumimoji="1" lang="en-US" altLang="ko-KR" b="1" i="1">
+                              <a:latin typeface="Cambria Math" panose="02040503050406030204" pitchFamily="18" charset="0"/>
+                            </a:rPr>
+                            <m:t>+</m:t>
+                          </m:r>
+                          <m:sSup>
+                            <m:sSupPr>
+                              <m:ctrlPr>
+                                <a:rPr kumimoji="1" lang="en-US" altLang="ko-KR" b="1" i="1">
+                                  <a:latin typeface="Cambria Math" panose="02040503050406030204" pitchFamily="18" charset="0"/>
+                                </a:rPr>
+                              </m:ctrlPr>
+                            </m:sSupPr>
+                            <m:e>
+                              <m:r>
+                                <a:rPr kumimoji="1" lang="en-US" altLang="ko-KR" b="1" i="1">
+                                  <a:latin typeface="Cambria Math" panose="02040503050406030204" pitchFamily="18" charset="0"/>
+                                </a:rPr>
+                                <m:t>𝒚</m:t>
+                              </m:r>
+                            </m:e>
+                            <m:sup>
+                              <m:r>
+                                <a:rPr kumimoji="1" lang="en-US" altLang="ko-KR" b="1" i="1">
+                                  <a:latin typeface="Cambria Math" panose="02040503050406030204" pitchFamily="18" charset="0"/>
+                                </a:rPr>
+                                <m:t>𝟐</m:t>
+                              </m:r>
+                            </m:sup>
+                          </m:sSup>
+                          <m:r>
+                            <a:rPr kumimoji="1" lang="en-US" altLang="ko-KR" b="1" i="1" smtClean="0">
+                              <a:latin typeface="Cambria Math" panose="02040503050406030204" pitchFamily="18" charset="0"/>
+                            </a:rPr>
+                            <m:t>−</m:t>
+                          </m:r>
+                          <m:r>
+                            <a:rPr kumimoji="1" lang="en-US" altLang="ko-KR" b="1" i="1" smtClean="0">
+                              <a:latin typeface="Cambria Math" panose="02040503050406030204" pitchFamily="18" charset="0"/>
+                            </a:rPr>
+                            <m:t>𝟓</m:t>
+                          </m:r>
+                        </m:e>
+                      </m:d>
+                      <m:r>
+                        <a:rPr kumimoji="1" lang="en-US" altLang="ko-KR" b="1" i="1" smtClean="0">
+                          <a:latin typeface="Cambria Math" panose="02040503050406030204" pitchFamily="18" charset="0"/>
+                        </a:rPr>
+                        <m:t>−</m:t>
+                      </m:r>
+                      <m:sSub>
+                        <m:sSubPr>
+                          <m:ctrlPr>
+                            <a:rPr kumimoji="1" lang="en-US" altLang="ko-KR" b="1" i="1">
+                              <a:latin typeface="Cambria Math" panose="02040503050406030204" pitchFamily="18" charset="0"/>
+                            </a:rPr>
+                          </m:ctrlPr>
+                        </m:sSubPr>
+                        <m:e>
+                          <m:r>
+                            <a:rPr kumimoji="1" lang="ko-KR" altLang="en-US" b="1" i="1" smtClean="0">
+                              <a:latin typeface="Cambria Math" panose="02040503050406030204" pitchFamily="18" charset="0"/>
+                            </a:rPr>
+                            <m:t>𝜶</m:t>
+                          </m:r>
+                        </m:e>
+                        <m:sub>
+                          <m:r>
+                            <a:rPr kumimoji="1" lang="en-US" altLang="ko-KR" b="1" i="1" smtClean="0">
+                              <a:latin typeface="Cambria Math" panose="02040503050406030204" pitchFamily="18" charset="0"/>
+                            </a:rPr>
+                            <m:t>𝟐</m:t>
+                          </m:r>
+                        </m:sub>
+                      </m:sSub>
+                      <m:d>
+                        <m:dPr>
+                          <m:ctrlPr>
+                            <a:rPr kumimoji="1" lang="en-US" altLang="ko-KR" b="1" i="1" smtClean="0">
+                              <a:latin typeface="Cambria Math" panose="02040503050406030204" pitchFamily="18" charset="0"/>
+                            </a:rPr>
+                          </m:ctrlPr>
+                        </m:dPr>
+                        <m:e>
+                          <m:r>
+                            <a:rPr kumimoji="1" lang="en-US" altLang="ko-KR" b="1" i="1" smtClean="0">
+                              <a:latin typeface="Cambria Math" panose="02040503050406030204" pitchFamily="18" charset="0"/>
+                            </a:rPr>
+                            <m:t>𝒙</m:t>
+                          </m:r>
+                        </m:e>
+                      </m:d>
+                      <m:r>
+                        <a:rPr kumimoji="1" lang="en-US" altLang="ko-KR" b="1" i="1" smtClean="0">
+                          <a:latin typeface="Cambria Math" panose="02040503050406030204" pitchFamily="18" charset="0"/>
+                        </a:rPr>
+                        <m:t>−</m:t>
+                      </m:r>
+                      <m:sSub>
+                        <m:sSubPr>
+                          <m:ctrlPr>
+                            <a:rPr kumimoji="1" lang="en-US" altLang="ko-KR" b="1" i="1">
+                              <a:latin typeface="Cambria Math" panose="02040503050406030204" pitchFamily="18" charset="0"/>
+                            </a:rPr>
+                          </m:ctrlPr>
+                        </m:sSubPr>
+                        <m:e>
+                          <m:r>
+                            <a:rPr kumimoji="1" lang="ko-KR" altLang="en-US" b="1" i="1" smtClean="0">
+                              <a:latin typeface="Cambria Math" panose="02040503050406030204" pitchFamily="18" charset="0"/>
+                            </a:rPr>
+                            <m:t>𝜶</m:t>
+                          </m:r>
+                        </m:e>
+                        <m:sub>
+                          <m:r>
+                            <a:rPr kumimoji="1" lang="en-US" altLang="ko-KR" b="1" i="1" smtClean="0">
+                              <a:latin typeface="Cambria Math" panose="02040503050406030204" pitchFamily="18" charset="0"/>
+                            </a:rPr>
+                            <m:t>𝟑</m:t>
+                          </m:r>
+                        </m:sub>
+                      </m:sSub>
+                      <m:d>
+                        <m:dPr>
+                          <m:ctrlPr>
+                            <a:rPr kumimoji="1" lang="en-US" altLang="ko-KR" b="1" i="1" smtClean="0">
+                              <a:latin typeface="Cambria Math" panose="02040503050406030204" pitchFamily="18" charset="0"/>
+                            </a:rPr>
+                          </m:ctrlPr>
+                        </m:dPr>
+                        <m:e>
+                          <m:r>
+                            <a:rPr kumimoji="1" lang="en-US" altLang="ko-KR" b="1" i="1" smtClean="0">
+                              <a:latin typeface="Cambria Math" panose="02040503050406030204" pitchFamily="18" charset="0"/>
+                            </a:rPr>
+                            <m:t>𝒚</m:t>
+                          </m:r>
+                        </m:e>
+                      </m:d>
+                    </m:oMath>
+                    <m:oMath xmlns:m="http://schemas.openxmlformats.org/officeDocument/2006/math">
+                      <m:f>
+                        <m:fPr>
+                          <m:ctrlPr>
+                            <a:rPr kumimoji="1" lang="en-US" altLang="ko-KR" b="1" i="1" smtClean="0">
+                              <a:latin typeface="Cambria Math" panose="02040503050406030204" pitchFamily="18" charset="0"/>
+                            </a:rPr>
+                          </m:ctrlPr>
+                        </m:fPr>
+                        <m:num>
+                          <m:r>
+                            <a:rPr kumimoji="1" lang="en-US" altLang="ko-KR" b="1" i="1" smtClean="0">
+                              <a:latin typeface="Cambria Math" panose="02040503050406030204" pitchFamily="18" charset="0"/>
+                            </a:rPr>
+                            <m:t>𝝏</m:t>
+                          </m:r>
+                          <m:r>
+                            <a:rPr kumimoji="1" lang="en-US" altLang="ko-KR" b="1" i="1" smtClean="0">
+                              <a:latin typeface="Cambria Math" panose="02040503050406030204" pitchFamily="18" charset="0"/>
+                            </a:rPr>
+                            <m:t>𝑳</m:t>
+                          </m:r>
+                        </m:num>
+                        <m:den>
+                          <m:r>
+                            <a:rPr kumimoji="1" lang="en-US" altLang="ko-KR" b="1" i="1" smtClean="0">
+                              <a:latin typeface="Cambria Math" panose="02040503050406030204" pitchFamily="18" charset="0"/>
+                            </a:rPr>
+                            <m:t>𝝏</m:t>
+                          </m:r>
+                          <m:r>
+                            <a:rPr kumimoji="1" lang="en-US" altLang="ko-KR" b="1" i="1" smtClean="0">
+                              <a:latin typeface="Cambria Math" panose="02040503050406030204" pitchFamily="18" charset="0"/>
+                            </a:rPr>
+                            <m:t>𝒙</m:t>
+                          </m:r>
+                        </m:den>
+                      </m:f>
+                      <m:r>
+                        <a:rPr kumimoji="1" lang="en-US" altLang="ko-KR" b="1" i="1" smtClean="0">
+                          <a:latin typeface="Cambria Math" panose="02040503050406030204" pitchFamily="18" charset="0"/>
+                        </a:rPr>
+                        <m:t>=</m:t>
+                      </m:r>
+                      <m:r>
+                        <a:rPr kumimoji="1" lang="en-US" altLang="ko-KR" b="1" i="1" smtClean="0">
+                          <a:latin typeface="Cambria Math" panose="02040503050406030204" pitchFamily="18" charset="0"/>
+                        </a:rPr>
+                        <m:t>𝟐</m:t>
+                      </m:r>
+                      <m:r>
+                        <a:rPr kumimoji="1" lang="en-US" altLang="ko-KR" b="1" i="1" smtClean="0">
+                          <a:latin typeface="Cambria Math" panose="02040503050406030204" pitchFamily="18" charset="0"/>
+                        </a:rPr>
+                        <m:t>𝒙</m:t>
+                      </m:r>
+                      <m:r>
+                        <a:rPr kumimoji="1" lang="en-US" altLang="ko-KR" b="1" i="1" smtClean="0">
+                          <a:latin typeface="Cambria Math" panose="02040503050406030204" pitchFamily="18" charset="0"/>
+                        </a:rPr>
+                        <m:t>+</m:t>
+                      </m:r>
+                      <m:r>
+                        <a:rPr kumimoji="1" lang="ko-KR" altLang="en-US" b="1" i="1" smtClean="0">
+                          <a:latin typeface="Cambria Math" panose="02040503050406030204" pitchFamily="18" charset="0"/>
+                        </a:rPr>
+                        <m:t>𝝀</m:t>
+                      </m:r>
+                      <m:r>
+                        <a:rPr kumimoji="1" lang="en-US" altLang="ko-KR" b="1" i="1" smtClean="0">
+                          <a:latin typeface="Cambria Math" panose="02040503050406030204" pitchFamily="18" charset="0"/>
+                        </a:rPr>
+                        <m:t>+</m:t>
+                      </m:r>
+                      <m:r>
+                        <a:rPr kumimoji="1" lang="en-US" altLang="ko-KR" b="1" i="1" smtClean="0">
+                          <a:latin typeface="Cambria Math" panose="02040503050406030204" pitchFamily="18" charset="0"/>
+                        </a:rPr>
+                        <m:t>𝟐</m:t>
+                      </m:r>
+                      <m:r>
+                        <a:rPr kumimoji="1" lang="en-US" altLang="ko-KR" b="1" i="1" smtClean="0">
+                          <a:latin typeface="Cambria Math" panose="02040503050406030204" pitchFamily="18" charset="0"/>
+                        </a:rPr>
+                        <m:t>𝒙</m:t>
+                      </m:r>
+                      <m:sSub>
+                        <m:sSubPr>
+                          <m:ctrlPr>
+                            <a:rPr kumimoji="1" lang="en-US" altLang="ko-KR" b="1" i="1">
+                              <a:latin typeface="Cambria Math" panose="02040503050406030204" pitchFamily="18" charset="0"/>
+                            </a:rPr>
+                          </m:ctrlPr>
+                        </m:sSubPr>
+                        <m:e>
+                          <m:r>
+                            <a:rPr kumimoji="1" lang="ko-KR" altLang="en-US" b="1" i="1">
+                              <a:latin typeface="Cambria Math" panose="02040503050406030204" pitchFamily="18" charset="0"/>
+                            </a:rPr>
+                            <m:t>𝜶</m:t>
+                          </m:r>
+                        </m:e>
+                        <m:sub>
+                          <m:r>
+                            <a:rPr kumimoji="1" lang="en-US" altLang="ko-KR" b="1" i="1">
+                              <a:latin typeface="Cambria Math" panose="02040503050406030204" pitchFamily="18" charset="0"/>
+                            </a:rPr>
+                            <m:t>𝟏</m:t>
+                          </m:r>
+                        </m:sub>
+                      </m:sSub>
+                      <m:r>
+                        <a:rPr kumimoji="1" lang="en-US" altLang="ko-KR" b="1" i="1" smtClean="0">
+                          <a:latin typeface="Cambria Math" panose="02040503050406030204" pitchFamily="18" charset="0"/>
+                        </a:rPr>
+                        <m:t>−</m:t>
+                      </m:r>
+                      <m:sSub>
+                        <m:sSubPr>
+                          <m:ctrlPr>
+                            <a:rPr kumimoji="1" lang="en-US" altLang="ko-KR" b="1" i="1">
+                              <a:latin typeface="Cambria Math" panose="02040503050406030204" pitchFamily="18" charset="0"/>
+                            </a:rPr>
+                          </m:ctrlPr>
+                        </m:sSubPr>
+                        <m:e>
+                          <m:r>
+                            <a:rPr kumimoji="1" lang="ko-KR" altLang="en-US" b="1" i="1">
+                              <a:latin typeface="Cambria Math" panose="02040503050406030204" pitchFamily="18" charset="0"/>
+                            </a:rPr>
+                            <m:t>𝜶</m:t>
+                          </m:r>
+                        </m:e>
+                        <m:sub>
+                          <m:r>
+                            <a:rPr kumimoji="1" lang="en-US" altLang="ko-KR" b="1" i="1" smtClean="0">
+                              <a:latin typeface="Cambria Math" panose="02040503050406030204" pitchFamily="18" charset="0"/>
+                            </a:rPr>
+                            <m:t>𝟐</m:t>
+                          </m:r>
+                        </m:sub>
+                      </m:sSub>
+                      <m:r>
+                        <a:rPr kumimoji="1" lang="en-US" altLang="ko-KR" b="1" i="1" smtClean="0">
+                          <a:latin typeface="Cambria Math" panose="02040503050406030204" pitchFamily="18" charset="0"/>
+                        </a:rPr>
+                        <m:t>=</m:t>
+                      </m:r>
+                      <m:r>
+                        <a:rPr kumimoji="1" lang="en-US" altLang="ko-KR" b="1" i="1" smtClean="0">
+                          <a:latin typeface="Cambria Math" panose="02040503050406030204" pitchFamily="18" charset="0"/>
+                        </a:rPr>
+                        <m:t>𝟎</m:t>
+                      </m:r>
+                    </m:oMath>
+                    <m:oMath xmlns:m="http://schemas.openxmlformats.org/officeDocument/2006/math">
+                      <m:f>
+                        <m:fPr>
+                          <m:ctrlPr>
+                            <a:rPr kumimoji="1" lang="en-US" altLang="ko-KR" b="1" i="1">
+                              <a:latin typeface="Cambria Math" panose="02040503050406030204" pitchFamily="18" charset="0"/>
+                            </a:rPr>
+                          </m:ctrlPr>
+                        </m:fPr>
+                        <m:num>
+                          <m:r>
+                            <a:rPr kumimoji="1" lang="en-US" altLang="ko-KR" b="1" i="1">
+                              <a:latin typeface="Cambria Math" panose="02040503050406030204" pitchFamily="18" charset="0"/>
+                            </a:rPr>
+                            <m:t>𝝏</m:t>
+                          </m:r>
+                          <m:r>
+                            <a:rPr kumimoji="1" lang="en-US" altLang="ko-KR" b="1" i="1">
+                              <a:latin typeface="Cambria Math" panose="02040503050406030204" pitchFamily="18" charset="0"/>
+                            </a:rPr>
+                            <m:t>𝑳</m:t>
+                          </m:r>
+                        </m:num>
+                        <m:den>
+                          <m:r>
+                            <a:rPr kumimoji="1" lang="en-US" altLang="ko-KR" b="1" i="1">
+                              <a:latin typeface="Cambria Math" panose="02040503050406030204" pitchFamily="18" charset="0"/>
+                            </a:rPr>
+                            <m:t>𝝏</m:t>
+                          </m:r>
+                          <m:r>
+                            <a:rPr kumimoji="1" lang="en-US" altLang="ko-KR" b="1" i="1">
+                              <a:latin typeface="Cambria Math" panose="02040503050406030204" pitchFamily="18" charset="0"/>
+                            </a:rPr>
+                            <m:t>𝒙</m:t>
+                          </m:r>
+                        </m:den>
+                      </m:f>
+                      <m:r>
+                        <a:rPr kumimoji="1" lang="en-US" altLang="ko-KR" b="1" i="1">
+                          <a:latin typeface="Cambria Math" panose="02040503050406030204" pitchFamily="18" charset="0"/>
+                        </a:rPr>
+                        <m:t>=</m:t>
+                      </m:r>
+                      <m:r>
+                        <a:rPr kumimoji="1" lang="en-US" altLang="ko-KR" b="1" i="1">
+                          <a:latin typeface="Cambria Math" panose="02040503050406030204" pitchFamily="18" charset="0"/>
+                        </a:rPr>
+                        <m:t>𝟐</m:t>
+                      </m:r>
+                      <m:r>
+                        <a:rPr kumimoji="1" lang="en-US" altLang="ko-KR" b="1" i="1" smtClean="0">
+                          <a:latin typeface="Cambria Math" panose="02040503050406030204" pitchFamily="18" charset="0"/>
+                        </a:rPr>
+                        <m:t>𝒚</m:t>
+                      </m:r>
+                      <m:r>
+                        <a:rPr kumimoji="1" lang="en-US" altLang="ko-KR" b="1" i="1">
+                          <a:latin typeface="Cambria Math" panose="02040503050406030204" pitchFamily="18" charset="0"/>
+                        </a:rPr>
+                        <m:t>+</m:t>
+                      </m:r>
+                      <m:r>
+                        <a:rPr kumimoji="1" lang="en-US" altLang="ko-KR" b="1" i="1" smtClean="0">
+                          <a:latin typeface="Cambria Math" panose="02040503050406030204" pitchFamily="18" charset="0"/>
+                        </a:rPr>
+                        <m:t>𝟐</m:t>
+                      </m:r>
+                      <m:r>
+                        <a:rPr kumimoji="1" lang="ko-KR" altLang="en-US" b="1" i="1">
+                          <a:latin typeface="Cambria Math" panose="02040503050406030204" pitchFamily="18" charset="0"/>
+                        </a:rPr>
+                        <m:t>𝝀</m:t>
+                      </m:r>
+                      <m:r>
+                        <a:rPr kumimoji="1" lang="en-US" altLang="ko-KR" b="1" i="1">
+                          <a:latin typeface="Cambria Math" panose="02040503050406030204" pitchFamily="18" charset="0"/>
+                        </a:rPr>
+                        <m:t>+</m:t>
+                      </m:r>
+                      <m:r>
+                        <a:rPr kumimoji="1" lang="en-US" altLang="ko-KR" b="1" i="1">
+                          <a:latin typeface="Cambria Math" panose="02040503050406030204" pitchFamily="18" charset="0"/>
+                        </a:rPr>
+                        <m:t>𝟐</m:t>
+                      </m:r>
+                      <m:r>
+                        <a:rPr kumimoji="1" lang="en-US" altLang="ko-KR" b="1" i="1" smtClean="0">
+                          <a:latin typeface="Cambria Math" panose="02040503050406030204" pitchFamily="18" charset="0"/>
+                        </a:rPr>
+                        <m:t>𝒚</m:t>
+                      </m:r>
+                      <m:sSub>
+                        <m:sSubPr>
+                          <m:ctrlPr>
+                            <a:rPr kumimoji="1" lang="en-US" altLang="ko-KR" b="1" i="1">
+                              <a:latin typeface="Cambria Math" panose="02040503050406030204" pitchFamily="18" charset="0"/>
+                            </a:rPr>
+                          </m:ctrlPr>
+                        </m:sSubPr>
+                        <m:e>
+                          <m:r>
+                            <a:rPr kumimoji="1" lang="ko-KR" altLang="en-US" b="1" i="1">
+                              <a:latin typeface="Cambria Math" panose="02040503050406030204" pitchFamily="18" charset="0"/>
+                            </a:rPr>
+                            <m:t>𝜶</m:t>
+                          </m:r>
+                        </m:e>
+                        <m:sub>
+                          <m:r>
+                            <a:rPr kumimoji="1" lang="en-US" altLang="ko-KR" b="1" i="1">
+                              <a:latin typeface="Cambria Math" panose="02040503050406030204" pitchFamily="18" charset="0"/>
+                            </a:rPr>
+                            <m:t>𝟏</m:t>
+                          </m:r>
+                        </m:sub>
+                      </m:sSub>
+                      <m:r>
+                        <a:rPr kumimoji="1" lang="en-US" altLang="ko-KR" b="1" i="1">
+                          <a:latin typeface="Cambria Math" panose="02040503050406030204" pitchFamily="18" charset="0"/>
+                        </a:rPr>
+                        <m:t>−</m:t>
+                      </m:r>
+                      <m:sSub>
+                        <m:sSubPr>
+                          <m:ctrlPr>
+                            <a:rPr kumimoji="1" lang="en-US" altLang="ko-KR" b="1" i="1">
+                              <a:latin typeface="Cambria Math" panose="02040503050406030204" pitchFamily="18" charset="0"/>
+                            </a:rPr>
+                          </m:ctrlPr>
+                        </m:sSubPr>
+                        <m:e>
+                          <m:r>
+                            <a:rPr kumimoji="1" lang="ko-KR" altLang="en-US" b="1" i="1">
+                              <a:latin typeface="Cambria Math" panose="02040503050406030204" pitchFamily="18" charset="0"/>
+                            </a:rPr>
+                            <m:t>𝜶</m:t>
+                          </m:r>
+                        </m:e>
+                        <m:sub>
+                          <m:r>
+                            <a:rPr kumimoji="1" lang="en-US" altLang="ko-KR" b="1" i="1" smtClean="0">
+                              <a:latin typeface="Cambria Math" panose="02040503050406030204" pitchFamily="18" charset="0"/>
+                            </a:rPr>
+                            <m:t>𝟑</m:t>
+                          </m:r>
+                        </m:sub>
+                      </m:sSub>
+                      <m:r>
+                        <a:rPr kumimoji="1" lang="en-US" altLang="ko-KR" b="1" i="1" smtClean="0">
+                          <a:latin typeface="Cambria Math" panose="02040503050406030204" pitchFamily="18" charset="0"/>
+                        </a:rPr>
+                        <m:t>=</m:t>
+                      </m:r>
+                      <m:r>
+                        <a:rPr kumimoji="1" lang="en-US" altLang="ko-KR" b="1" i="1" smtClean="0">
+                          <a:latin typeface="Cambria Math" panose="02040503050406030204" pitchFamily="18" charset="0"/>
+                        </a:rPr>
+                        <m:t>𝟎</m:t>
+                      </m:r>
+                    </m:oMath>
+                  </m:oMathPara>
+                </a14:m>
+                <a:endParaRPr kumimoji="1" lang="en-US" altLang="ko-KR" b="1" i="1" dirty="0">
+                  <a:latin typeface="Cambria Math" panose="02040503050406030204" pitchFamily="18" charset="0"/>
+                </a:endParaRPr>
+              </a:p>
+              <a:p>
+                <a:pPr marL="0" indent="0">
+                  <a:buNone/>
+                </a:pPr>
+                <a:endParaRPr kumimoji="1" lang="en-US" altLang="ko-KR" b="1" i="1" dirty="0">
+                  <a:latin typeface="Cambria Math" panose="02040503050406030204" pitchFamily="18" charset="0"/>
+                </a:endParaRPr>
+              </a:p>
+              <a:p>
+                <a:pPr marL="0" indent="0">
+                  <a:buNone/>
+                </a:pPr>
+                <a:endParaRPr kumimoji="1" lang="en-US" altLang="ko-KR" b="1" i="1" dirty="0">
+                  <a:latin typeface="Cambria Math" panose="02040503050406030204" pitchFamily="18" charset="0"/>
+                </a:endParaRPr>
+              </a:p>
+              <a:p>
+                <a:pPr marL="0" indent="0">
+                  <a:buNone/>
+                </a:pPr>
+                <a:endParaRPr kumimoji="1" lang="en-US" altLang="ko-KR" b="1" i="1" dirty="0">
+                  <a:latin typeface="Cambria Math" panose="02040503050406030204" pitchFamily="18" charset="0"/>
+                </a:endParaRPr>
+              </a:p>
+            </p:txBody>
+          </p:sp>
+        </mc:Choice>
+        <mc:Fallback>
+          <p:sp>
+            <p:nvSpPr>
+              <p:cNvPr id="3" name="내용 개체 틀 2">
+                <a:extLst>
+                  <a:ext uri="{FF2B5EF4-FFF2-40B4-BE49-F238E27FC236}">
+                    <a16:creationId xmlns:a16="http://schemas.microsoft.com/office/drawing/2014/main" id="{1725D5B2-2C6C-3B43-B4F2-CA91BE12BB41}"/>
+                  </a:ext>
+                </a:extLst>
+              </p:cNvPr>
+              <p:cNvSpPr>
+                <a:spLocks noGrp="1" noRot="1" noChangeAspect="1" noMove="1" noResize="1" noEditPoints="1" noAdjustHandles="1" noChangeArrowheads="1" noChangeShapeType="1" noTextEdit="1"/>
+              </p:cNvSpPr>
+              <p:nvPr>
+                <p:ph idx="1"/>
+              </p:nvPr>
+            </p:nvSpPr>
+            <p:spPr>
+              <a:xfrm>
+                <a:off x="838200" y="1721803"/>
+                <a:ext cx="10927080" cy="4351338"/>
+              </a:xfrm>
+              <a:blipFill>
+                <a:blip r:embed="rId3"/>
+                <a:stretch>
+                  <a:fillRect l="-1060"/>
+                </a:stretch>
+              </a:blipFill>
+            </p:spPr>
+            <p:txBody>
+              <a:bodyPr/>
+              <a:lstStyle/>
+              <a:p>
+                <a:r>
+                  <a:rPr lang="ko-KR" altLang="en-US">
+                    <a:noFill/>
+                  </a:rPr>
+                  <a:t> </a:t>
+                </a:r>
+              </a:p>
+            </p:txBody>
+          </p:sp>
+        </mc:Fallback>
+      </mc:AlternateContent>
+      <mc:AlternateContent xmlns:mc="http://schemas.openxmlformats.org/markup-compatibility/2006">
+        <mc:Choice xmlns:a14="http://schemas.microsoft.com/office/drawing/2010/main" Requires="a14">
+          <p:sp>
+            <p:nvSpPr>
+              <p:cNvPr id="6" name="TextBox 5">
+                <a:extLst>
+                  <a:ext uri="{FF2B5EF4-FFF2-40B4-BE49-F238E27FC236}">
+                    <a16:creationId xmlns:a16="http://schemas.microsoft.com/office/drawing/2014/main" id="{B54B4CC2-6F46-865D-0900-E63F924B03EA}"/>
+                  </a:ext>
+                </a:extLst>
+              </p:cNvPr>
+              <p:cNvSpPr txBox="1"/>
+              <p:nvPr/>
+            </p:nvSpPr>
+            <p:spPr>
+              <a:xfrm>
+                <a:off x="6460236" y="3762214"/>
+                <a:ext cx="6096000" cy="400110"/>
+              </a:xfrm>
+              <a:prstGeom prst="rect">
+                <a:avLst/>
+              </a:prstGeom>
+              <a:noFill/>
+            </p:spPr>
+            <p:txBody>
+              <a:bodyPr wrap="square">
+                <a:spAutoFit/>
+              </a:bodyPr>
+              <a:lstStyle/>
+              <a:p>
+                <a:pPr lvl="1"/>
+                <a:r>
+                  <a:rPr kumimoji="1" lang="en-US" altLang="ko-KR" sz="2000" b="1" dirty="0"/>
+                  <a:t>1. stationarity: </a:t>
+                </a:r>
+                <a14:m>
+                  <m:oMath xmlns:m="http://schemas.openxmlformats.org/officeDocument/2006/math">
+                    <m:r>
+                      <a:rPr kumimoji="1" lang="en-US" altLang="ko-KR" sz="2000" b="1" i="1" smtClean="0">
+                        <a:latin typeface="Cambria Math" panose="02040503050406030204" pitchFamily="18" charset="0"/>
+                        <a:ea typeface="Cambria Math" panose="02040503050406030204" pitchFamily="18" charset="0"/>
+                      </a:rPr>
+                      <m:t>𝜵</m:t>
+                    </m:r>
+                    <m:r>
+                      <a:rPr kumimoji="1" lang="en-US" altLang="ko-KR" sz="2000" b="1" i="1" smtClean="0">
+                        <a:latin typeface="Cambria Math" panose="02040503050406030204" pitchFamily="18" charset="0"/>
+                        <a:ea typeface="Cambria Math" panose="02040503050406030204" pitchFamily="18" charset="0"/>
+                      </a:rPr>
+                      <m:t>𝑳</m:t>
+                    </m:r>
+                    <m:r>
+                      <a:rPr kumimoji="1" lang="en-US" altLang="ko-KR" sz="2000" b="1" i="1" smtClean="0">
+                        <a:latin typeface="Cambria Math" panose="02040503050406030204" pitchFamily="18" charset="0"/>
+                        <a:ea typeface="Cambria Math" panose="02040503050406030204" pitchFamily="18" charset="0"/>
+                      </a:rPr>
+                      <m:t>=</m:t>
+                    </m:r>
+                    <m:r>
+                      <a:rPr kumimoji="1" lang="en-US" altLang="ko-KR" sz="2000" b="1" i="1" smtClean="0">
+                        <a:latin typeface="Cambria Math" panose="02040503050406030204" pitchFamily="18" charset="0"/>
+                        <a:ea typeface="Cambria Math" panose="02040503050406030204" pitchFamily="18" charset="0"/>
+                      </a:rPr>
+                      <m:t>𝟎</m:t>
+                    </m:r>
+                  </m:oMath>
+                </a14:m>
+                <a:endParaRPr kumimoji="1" lang="en-US" altLang="ko-KR" sz="2000" b="1" dirty="0"/>
+              </a:p>
+            </p:txBody>
+          </p:sp>
+        </mc:Choice>
+        <mc:Fallback>
+          <p:sp>
+            <p:nvSpPr>
+              <p:cNvPr id="6" name="TextBox 5">
+                <a:extLst>
+                  <a:ext uri="{FF2B5EF4-FFF2-40B4-BE49-F238E27FC236}">
+                    <a16:creationId xmlns:a16="http://schemas.microsoft.com/office/drawing/2014/main" id="{B54B4CC2-6F46-865D-0900-E63F924B03EA}"/>
+                  </a:ext>
+                </a:extLst>
+              </p:cNvPr>
+              <p:cNvSpPr txBox="1">
+                <a:spLocks noRot="1" noChangeAspect="1" noMove="1" noResize="1" noEditPoints="1" noAdjustHandles="1" noChangeArrowheads="1" noChangeShapeType="1" noTextEdit="1"/>
+              </p:cNvSpPr>
+              <p:nvPr/>
+            </p:nvSpPr>
+            <p:spPr>
+              <a:xfrm>
+                <a:off x="6460236" y="3762214"/>
+                <a:ext cx="6096000" cy="400110"/>
+              </a:xfrm>
+              <a:prstGeom prst="rect">
+                <a:avLst/>
+              </a:prstGeom>
+              <a:blipFill>
+                <a:blip r:embed="rId4"/>
+                <a:stretch>
+                  <a:fillRect t="-7576" b="-25758"/>
+                </a:stretch>
+              </a:blipFill>
+            </p:spPr>
+            <p:txBody>
+              <a:bodyPr/>
+              <a:lstStyle/>
+              <a:p>
+                <a:r>
+                  <a:rPr lang="ko-KR" altLang="en-US">
+                    <a:noFill/>
+                  </a:rPr>
+                  <a:t> </a:t>
+                </a:r>
+              </a:p>
+            </p:txBody>
+          </p:sp>
+        </mc:Fallback>
+      </mc:AlternateContent>
+      <p:sp>
+        <p:nvSpPr>
+          <p:cNvPr id="9" name="직사각형 8">
+            <a:extLst>
+              <a:ext uri="{FF2B5EF4-FFF2-40B4-BE49-F238E27FC236}">
+                <a16:creationId xmlns:a16="http://schemas.microsoft.com/office/drawing/2014/main" id="{196ABF8B-76CE-6AAD-2CEC-628C46935FD3}"/>
+              </a:ext>
+            </a:extLst>
+          </p:cNvPr>
+          <p:cNvSpPr/>
+          <p:nvPr/>
+        </p:nvSpPr>
+        <p:spPr>
+          <a:xfrm>
+            <a:off x="2570988" y="3117309"/>
+            <a:ext cx="7461504" cy="1650572"/>
+          </a:xfrm>
+          <a:prstGeom prst="rect">
+            <a:avLst/>
+          </a:prstGeom>
+          <a:noFill/>
+          <a:ln>
+            <a:solidFill>
+              <a:srgbClr val="FF0000"/>
+            </a:solidFill>
+          </a:ln>
+        </p:spPr>
+        <p:style>
+          <a:lnRef idx="2">
+            <a:schemeClr val="accent1">
+              <a:shade val="50000"/>
+            </a:schemeClr>
+          </a:lnRef>
+          <a:fillRef idx="1">
+            <a:schemeClr val="accent1"/>
+          </a:fillRef>
+          <a:effectRef idx="0">
+            <a:schemeClr val="accent1"/>
+          </a:effectRef>
+          <a:fontRef idx="minor">
+            <a:schemeClr val="lt1"/>
+          </a:fontRef>
+        </p:style>
+        <p:txBody>
+          <a:bodyPr rtlCol="0" anchor="ctr"/>
+          <a:lstStyle/>
+          <a:p>
+            <a:pPr algn="ctr"/>
+            <a:endParaRPr lang="ko-KR" altLang="en-US"/>
+          </a:p>
+        </p:txBody>
+      </p:sp>
+    </p:spTree>
+    <p:extLst>
+      <p:ext uri="{BB962C8B-B14F-4D97-AF65-F5344CB8AC3E}">
+        <p14:creationId xmlns:p14="http://schemas.microsoft.com/office/powerpoint/2010/main" val="2603197507"/>
+      </p:ext>
+    </p:extLst>
+  </p:cSld>
+  <p:clrMapOvr>
+    <a:masterClrMapping/>
+  </p:clrMapOvr>
+</p:sld>
+</file>
+
+<file path=ppt/slides/slide22.xml><?xml version="1.0" encoding="utf-8"?>
+<p:sld xmlns:a="http://schemas.openxmlformats.org/drawingml/2006/main" xmlns:r="http://schemas.openxmlformats.org/officeDocument/2006/relationships" xmlns:p="http://schemas.openxmlformats.org/presentationml/2006/main">
+  <p:cSld>
+    <p:spTree>
+      <p:nvGrpSpPr>
+        <p:cNvPr id="1" name=""/>
+        <p:cNvGrpSpPr/>
+        <p:nvPr/>
+      </p:nvGrpSpPr>
+      <p:grpSpPr>
+        <a:xfrm>
+          <a:off x="0" y="0"/>
+          <a:ext cx="0" cy="0"/>
+          <a:chOff x="0" y="0"/>
+          <a:chExt cx="0" cy="0"/>
+        </a:xfrm>
+      </p:grpSpPr>
+      <p:sp>
+        <p:nvSpPr>
+          <p:cNvPr id="2" name="제목 1">
+            <a:extLst>
+              <a:ext uri="{FF2B5EF4-FFF2-40B4-BE49-F238E27FC236}">
+                <a16:creationId xmlns:a16="http://schemas.microsoft.com/office/drawing/2014/main" id="{AA92BCFB-E11B-F940-A787-2261CAC8E814}"/>
+              </a:ext>
+            </a:extLst>
+          </p:cNvPr>
+          <p:cNvSpPr>
+            <a:spLocks noGrp="1"/>
+          </p:cNvSpPr>
+          <p:nvPr>
+            <p:ph type="title"/>
+          </p:nvPr>
+        </p:nvSpPr>
+        <p:spPr/>
+        <p:txBody>
+          <a:bodyPr/>
+          <a:lstStyle/>
+          <a:p>
+            <a:r>
+              <a:rPr kumimoji="1" lang="en-US" altLang="en-US" dirty="0"/>
+              <a:t>4.4 Constrained Optimization</a:t>
+            </a:r>
+            <a:endParaRPr kumimoji="1" lang="ko-Kore-KR" altLang="en-US" dirty="0"/>
+          </a:p>
+        </p:txBody>
+      </p:sp>
+      <mc:AlternateContent xmlns:mc="http://schemas.openxmlformats.org/markup-compatibility/2006">
+        <mc:Choice xmlns:a14="http://schemas.microsoft.com/office/drawing/2010/main" Requires="a14">
+          <p:sp>
+            <p:nvSpPr>
+              <p:cNvPr id="3" name="내용 개체 틀 2">
+                <a:extLst>
+                  <a:ext uri="{FF2B5EF4-FFF2-40B4-BE49-F238E27FC236}">
+                    <a16:creationId xmlns:a16="http://schemas.microsoft.com/office/drawing/2014/main" id="{1725D5B2-2C6C-3B43-B4F2-CA91BE12BB41}"/>
+                  </a:ext>
+                </a:extLst>
+              </p:cNvPr>
+              <p:cNvSpPr>
+                <a:spLocks noGrp="1"/>
+              </p:cNvSpPr>
+              <p:nvPr>
+                <p:ph idx="1"/>
+              </p:nvPr>
+            </p:nvSpPr>
+            <p:spPr>
+              <a:xfrm>
+                <a:off x="838200" y="1721803"/>
+                <a:ext cx="10927080" cy="4351338"/>
+              </a:xfrm>
+            </p:spPr>
+            <p:txBody>
+              <a:bodyPr>
+                <a:normAutofit/>
+              </a:bodyPr>
+              <a:lstStyle/>
+              <a:p>
+                <a:r>
+                  <a:rPr kumimoji="1" lang="en-US" altLang="ko-KR" sz="2900" b="1" dirty="0"/>
+                  <a:t>Kaurush-Kuhn-Tucker (KKT) approach</a:t>
+                </a:r>
+              </a:p>
+              <a:p>
+                <a:pPr marL="0" indent="0">
+                  <a:buNone/>
+                </a:pPr>
+                <a14:m>
+                  <m:oMathPara xmlns:m="http://schemas.openxmlformats.org/officeDocument/2006/math">
+                    <m:oMathParaPr>
+                      <m:jc m:val="centerGroup"/>
+                    </m:oMathParaPr>
+                    <m:oMath xmlns:m="http://schemas.openxmlformats.org/officeDocument/2006/math">
+                      <m:r>
+                        <a:rPr kumimoji="1" lang="en-US" altLang="ko-KR" b="1" i="1" smtClean="0">
+                          <a:latin typeface="Cambria Math" panose="02040503050406030204" pitchFamily="18" charset="0"/>
+                        </a:rPr>
+                        <m:t>𝑳</m:t>
+                      </m:r>
+                      <m:r>
+                        <a:rPr kumimoji="1" lang="en-US" altLang="ko-KR" b="1" i="1" smtClean="0">
+                          <a:latin typeface="Cambria Math" panose="02040503050406030204" pitchFamily="18" charset="0"/>
+                        </a:rPr>
+                        <m:t>=</m:t>
+                      </m:r>
+                      <m:sSup>
+                        <m:sSupPr>
+                          <m:ctrlPr>
+                            <a:rPr kumimoji="1" lang="en-US" altLang="ko-KR" b="1" i="1">
+                              <a:latin typeface="Cambria Math" panose="02040503050406030204" pitchFamily="18" charset="0"/>
+                            </a:rPr>
+                          </m:ctrlPr>
+                        </m:sSupPr>
+                        <m:e>
+                          <m:r>
+                            <a:rPr kumimoji="1" lang="en-US" altLang="ko-KR" b="1" i="1">
+                              <a:latin typeface="Cambria Math" panose="02040503050406030204" pitchFamily="18" charset="0"/>
+                            </a:rPr>
+                            <m:t>𝒙</m:t>
+                          </m:r>
+                        </m:e>
+                        <m:sup>
+                          <m:r>
+                            <a:rPr kumimoji="1" lang="en-US" altLang="ko-KR" b="1" i="1">
+                              <a:latin typeface="Cambria Math" panose="02040503050406030204" pitchFamily="18" charset="0"/>
+                            </a:rPr>
+                            <m:t>𝟐</m:t>
+                          </m:r>
+                        </m:sup>
+                      </m:sSup>
+                      <m:r>
+                        <a:rPr kumimoji="1" lang="en-US" altLang="ko-KR" b="1" i="1">
+                          <a:latin typeface="Cambria Math" panose="02040503050406030204" pitchFamily="18" charset="0"/>
+                        </a:rPr>
+                        <m:t>+</m:t>
+                      </m:r>
+                      <m:sSup>
+                        <m:sSupPr>
+                          <m:ctrlPr>
+                            <a:rPr kumimoji="1" lang="en-US" altLang="ko-KR" b="1" i="1">
+                              <a:latin typeface="Cambria Math" panose="02040503050406030204" pitchFamily="18" charset="0"/>
+                            </a:rPr>
+                          </m:ctrlPr>
+                        </m:sSupPr>
+                        <m:e>
+                          <m:r>
+                            <a:rPr kumimoji="1" lang="en-US" altLang="ko-KR" b="1" i="1">
+                              <a:latin typeface="Cambria Math" panose="02040503050406030204" pitchFamily="18" charset="0"/>
+                            </a:rPr>
+                            <m:t>𝒚</m:t>
+                          </m:r>
+                        </m:e>
+                        <m:sup>
+                          <m:r>
+                            <a:rPr kumimoji="1" lang="en-US" altLang="ko-KR" b="1" i="1">
+                              <a:latin typeface="Cambria Math" panose="02040503050406030204" pitchFamily="18" charset="0"/>
+                            </a:rPr>
+                            <m:t>𝟐</m:t>
+                          </m:r>
+                        </m:sup>
+                      </m:sSup>
+                      <m:r>
+                        <a:rPr kumimoji="1" lang="en-US" altLang="ko-KR" b="1" i="1" smtClean="0">
+                          <a:latin typeface="Cambria Math" panose="02040503050406030204" pitchFamily="18" charset="0"/>
+                        </a:rPr>
+                        <m:t>+</m:t>
+                      </m:r>
+                      <m:r>
+                        <a:rPr kumimoji="1" lang="ko-KR" altLang="en-US" b="1" i="1" smtClean="0">
+                          <a:latin typeface="Cambria Math" panose="02040503050406030204" pitchFamily="18" charset="0"/>
+                        </a:rPr>
+                        <m:t>𝝀</m:t>
+                      </m:r>
+                      <m:d>
+                        <m:dPr>
+                          <m:ctrlPr>
+                            <a:rPr kumimoji="1" lang="en-US" altLang="ko-KR" b="1" i="1" smtClean="0">
+                              <a:latin typeface="Cambria Math" panose="02040503050406030204" pitchFamily="18" charset="0"/>
+                            </a:rPr>
+                          </m:ctrlPr>
+                        </m:dPr>
+                        <m:e>
+                          <m:r>
+                            <a:rPr kumimoji="1" lang="en-US" altLang="ko-KR" b="1" i="1" smtClean="0">
+                              <a:latin typeface="Cambria Math" panose="02040503050406030204" pitchFamily="18" charset="0"/>
+                            </a:rPr>
+                            <m:t>𝒙</m:t>
+                          </m:r>
+                          <m:r>
+                            <a:rPr kumimoji="1" lang="en-US" altLang="ko-KR" b="1" i="1" smtClean="0">
+                              <a:latin typeface="Cambria Math" panose="02040503050406030204" pitchFamily="18" charset="0"/>
+                            </a:rPr>
+                            <m:t>+</m:t>
+                          </m:r>
+                          <m:r>
+                            <a:rPr kumimoji="1" lang="en-US" altLang="ko-KR" b="1" i="1" smtClean="0">
+                              <a:latin typeface="Cambria Math" panose="02040503050406030204" pitchFamily="18" charset="0"/>
+                            </a:rPr>
+                            <m:t>𝟐</m:t>
+                          </m:r>
+                          <m:r>
+                            <a:rPr kumimoji="1" lang="en-US" altLang="ko-KR" b="1" i="1" smtClean="0">
+                              <a:latin typeface="Cambria Math" panose="02040503050406030204" pitchFamily="18" charset="0"/>
+                            </a:rPr>
+                            <m:t>𝒚</m:t>
+                          </m:r>
+                          <m:r>
+                            <a:rPr kumimoji="1" lang="en-US" altLang="ko-KR" b="1" i="1" smtClean="0">
+                              <a:latin typeface="Cambria Math" panose="02040503050406030204" pitchFamily="18" charset="0"/>
+                            </a:rPr>
+                            <m:t>−</m:t>
+                          </m:r>
+                          <m:r>
+                            <a:rPr kumimoji="1" lang="en-US" altLang="ko-KR" b="1" i="1" smtClean="0">
+                              <a:latin typeface="Cambria Math" panose="02040503050406030204" pitchFamily="18" charset="0"/>
+                            </a:rPr>
+                            <m:t>𝟒</m:t>
+                          </m:r>
+                        </m:e>
+                      </m:d>
+                      <m:r>
+                        <a:rPr kumimoji="1" lang="en-US" altLang="ko-KR" b="1" i="1" smtClean="0">
+                          <a:latin typeface="Cambria Math" panose="02040503050406030204" pitchFamily="18" charset="0"/>
+                        </a:rPr>
+                        <m:t>+</m:t>
+                      </m:r>
+                      <m:sSub>
+                        <m:sSubPr>
+                          <m:ctrlPr>
+                            <a:rPr kumimoji="1" lang="en-US" altLang="ko-KR" b="1" i="1" smtClean="0">
+                              <a:latin typeface="Cambria Math" panose="02040503050406030204" pitchFamily="18" charset="0"/>
+                            </a:rPr>
+                          </m:ctrlPr>
+                        </m:sSubPr>
+                        <m:e>
+                          <m:r>
+                            <a:rPr kumimoji="1" lang="ko-KR" altLang="en-US" b="1" i="1" smtClean="0">
+                              <a:latin typeface="Cambria Math" panose="02040503050406030204" pitchFamily="18" charset="0"/>
+                            </a:rPr>
+                            <m:t>𝜶</m:t>
+                          </m:r>
+                        </m:e>
+                        <m:sub>
+                          <m:r>
+                            <a:rPr kumimoji="1" lang="en-US" altLang="ko-KR" b="1" i="1" smtClean="0">
+                              <a:latin typeface="Cambria Math" panose="02040503050406030204" pitchFamily="18" charset="0"/>
+                            </a:rPr>
+                            <m:t>𝟏</m:t>
+                          </m:r>
+                        </m:sub>
+                      </m:sSub>
+                      <m:d>
+                        <m:dPr>
+                          <m:ctrlPr>
+                            <a:rPr kumimoji="1" lang="en-US" altLang="ko-KR" b="1" i="1" smtClean="0">
+                              <a:latin typeface="Cambria Math" panose="02040503050406030204" pitchFamily="18" charset="0"/>
+                            </a:rPr>
+                          </m:ctrlPr>
+                        </m:dPr>
+                        <m:e>
+                          <m:sSup>
+                            <m:sSupPr>
+                              <m:ctrlPr>
+                                <a:rPr kumimoji="1" lang="en-US" altLang="ko-KR" b="1" i="1">
+                                  <a:latin typeface="Cambria Math" panose="02040503050406030204" pitchFamily="18" charset="0"/>
+                                </a:rPr>
+                              </m:ctrlPr>
+                            </m:sSupPr>
+                            <m:e>
+                              <m:r>
+                                <a:rPr kumimoji="1" lang="en-US" altLang="ko-KR" b="1" i="1">
+                                  <a:latin typeface="Cambria Math" panose="02040503050406030204" pitchFamily="18" charset="0"/>
+                                </a:rPr>
+                                <m:t>𝒙</m:t>
+                              </m:r>
+                            </m:e>
+                            <m:sup>
+                              <m:r>
+                                <a:rPr kumimoji="1" lang="en-US" altLang="ko-KR" b="1" i="1">
+                                  <a:latin typeface="Cambria Math" panose="02040503050406030204" pitchFamily="18" charset="0"/>
+                                </a:rPr>
+                                <m:t>𝟐</m:t>
+                              </m:r>
+                            </m:sup>
+                          </m:sSup>
+                          <m:r>
+                            <a:rPr kumimoji="1" lang="en-US" altLang="ko-KR" b="1" i="1">
+                              <a:latin typeface="Cambria Math" panose="02040503050406030204" pitchFamily="18" charset="0"/>
+                            </a:rPr>
+                            <m:t>+</m:t>
+                          </m:r>
+                          <m:sSup>
+                            <m:sSupPr>
+                              <m:ctrlPr>
+                                <a:rPr kumimoji="1" lang="en-US" altLang="ko-KR" b="1" i="1">
+                                  <a:latin typeface="Cambria Math" panose="02040503050406030204" pitchFamily="18" charset="0"/>
+                                </a:rPr>
+                              </m:ctrlPr>
+                            </m:sSupPr>
+                            <m:e>
+                              <m:r>
+                                <a:rPr kumimoji="1" lang="en-US" altLang="ko-KR" b="1" i="1">
+                                  <a:latin typeface="Cambria Math" panose="02040503050406030204" pitchFamily="18" charset="0"/>
+                                </a:rPr>
+                                <m:t>𝒚</m:t>
+                              </m:r>
+                            </m:e>
+                            <m:sup>
+                              <m:r>
+                                <a:rPr kumimoji="1" lang="en-US" altLang="ko-KR" b="1" i="1">
+                                  <a:latin typeface="Cambria Math" panose="02040503050406030204" pitchFamily="18" charset="0"/>
+                                </a:rPr>
+                                <m:t>𝟐</m:t>
+                              </m:r>
+                            </m:sup>
+                          </m:sSup>
+                          <m:r>
+                            <a:rPr kumimoji="1" lang="en-US" altLang="ko-KR" b="1" i="1" smtClean="0">
+                              <a:latin typeface="Cambria Math" panose="02040503050406030204" pitchFamily="18" charset="0"/>
+                            </a:rPr>
+                            <m:t>−</m:t>
+                          </m:r>
+                          <m:r>
+                            <a:rPr kumimoji="1" lang="en-US" altLang="ko-KR" b="1" i="1" smtClean="0">
+                              <a:latin typeface="Cambria Math" panose="02040503050406030204" pitchFamily="18" charset="0"/>
+                            </a:rPr>
+                            <m:t>𝟓</m:t>
+                          </m:r>
+                        </m:e>
+                      </m:d>
+                      <m:r>
+                        <a:rPr kumimoji="1" lang="en-US" altLang="ko-KR" b="1" i="1" smtClean="0">
+                          <a:latin typeface="Cambria Math" panose="02040503050406030204" pitchFamily="18" charset="0"/>
+                        </a:rPr>
+                        <m:t>−</m:t>
+                      </m:r>
+                      <m:sSub>
+                        <m:sSubPr>
+                          <m:ctrlPr>
+                            <a:rPr kumimoji="1" lang="en-US" altLang="ko-KR" b="1" i="1">
+                              <a:latin typeface="Cambria Math" panose="02040503050406030204" pitchFamily="18" charset="0"/>
+                            </a:rPr>
+                          </m:ctrlPr>
+                        </m:sSubPr>
+                        <m:e>
+                          <m:r>
+                            <a:rPr kumimoji="1" lang="ko-KR" altLang="en-US" b="1" i="1" smtClean="0">
+                              <a:latin typeface="Cambria Math" panose="02040503050406030204" pitchFamily="18" charset="0"/>
+                            </a:rPr>
+                            <m:t>𝜶</m:t>
+                          </m:r>
+                        </m:e>
+                        <m:sub>
+                          <m:r>
+                            <a:rPr kumimoji="1" lang="en-US" altLang="ko-KR" b="1" i="1" smtClean="0">
+                              <a:latin typeface="Cambria Math" panose="02040503050406030204" pitchFamily="18" charset="0"/>
+                            </a:rPr>
+                            <m:t>𝟐</m:t>
+                          </m:r>
+                        </m:sub>
+                      </m:sSub>
+                      <m:d>
+                        <m:dPr>
+                          <m:ctrlPr>
+                            <a:rPr kumimoji="1" lang="en-US" altLang="ko-KR" b="1" i="1" smtClean="0">
+                              <a:latin typeface="Cambria Math" panose="02040503050406030204" pitchFamily="18" charset="0"/>
+                            </a:rPr>
+                          </m:ctrlPr>
+                        </m:dPr>
+                        <m:e>
+                          <m:r>
+                            <a:rPr kumimoji="1" lang="en-US" altLang="ko-KR" b="1" i="1" smtClean="0">
+                              <a:latin typeface="Cambria Math" panose="02040503050406030204" pitchFamily="18" charset="0"/>
+                            </a:rPr>
+                            <m:t>𝒙</m:t>
+                          </m:r>
+                        </m:e>
+                      </m:d>
+                      <m:r>
+                        <a:rPr kumimoji="1" lang="en-US" altLang="ko-KR" b="1" i="1" smtClean="0">
+                          <a:latin typeface="Cambria Math" panose="02040503050406030204" pitchFamily="18" charset="0"/>
+                        </a:rPr>
+                        <m:t>−</m:t>
+                      </m:r>
+                      <m:sSub>
+                        <m:sSubPr>
+                          <m:ctrlPr>
+                            <a:rPr kumimoji="1" lang="en-US" altLang="ko-KR" b="1" i="1">
+                              <a:latin typeface="Cambria Math" panose="02040503050406030204" pitchFamily="18" charset="0"/>
+                            </a:rPr>
+                          </m:ctrlPr>
+                        </m:sSubPr>
+                        <m:e>
+                          <m:r>
+                            <a:rPr kumimoji="1" lang="ko-KR" altLang="en-US" b="1" i="1" smtClean="0">
+                              <a:latin typeface="Cambria Math" panose="02040503050406030204" pitchFamily="18" charset="0"/>
+                            </a:rPr>
+                            <m:t>𝜶</m:t>
+                          </m:r>
+                        </m:e>
+                        <m:sub>
+                          <m:r>
+                            <a:rPr kumimoji="1" lang="en-US" altLang="ko-KR" b="1" i="1" smtClean="0">
+                              <a:latin typeface="Cambria Math" panose="02040503050406030204" pitchFamily="18" charset="0"/>
+                            </a:rPr>
+                            <m:t>𝟑</m:t>
+                          </m:r>
+                        </m:sub>
+                      </m:sSub>
+                      <m:d>
+                        <m:dPr>
+                          <m:ctrlPr>
+                            <a:rPr kumimoji="1" lang="en-US" altLang="ko-KR" b="1" i="1" smtClean="0">
+                              <a:latin typeface="Cambria Math" panose="02040503050406030204" pitchFamily="18" charset="0"/>
+                            </a:rPr>
+                          </m:ctrlPr>
+                        </m:dPr>
+                        <m:e>
+                          <m:r>
+                            <a:rPr kumimoji="1" lang="en-US" altLang="ko-KR" b="1" i="1" smtClean="0">
+                              <a:latin typeface="Cambria Math" panose="02040503050406030204" pitchFamily="18" charset="0"/>
+                            </a:rPr>
+                            <m:t>𝒚</m:t>
+                          </m:r>
+                        </m:e>
+                      </m:d>
+                    </m:oMath>
+                  </m:oMathPara>
+                </a14:m>
+                <a:endParaRPr kumimoji="1" lang="en-US" altLang="ko-KR" b="1" i="1" dirty="0">
+                  <a:latin typeface="Cambria Math" panose="02040503050406030204" pitchFamily="18" charset="0"/>
+                </a:endParaRPr>
+              </a:p>
+              <a:p>
+                <a:pPr marL="0" indent="0">
+                  <a:buNone/>
+                </a:pPr>
+                <a:br>
+                  <a:rPr kumimoji="1" lang="en-US" altLang="ko-KR" b="1" i="1" dirty="0">
+                    <a:latin typeface="Cambria Math" panose="02040503050406030204" pitchFamily="18" charset="0"/>
+                  </a:rPr>
+                </a:br>
+                <a14:m>
+                  <m:oMathPara xmlns:m="http://schemas.openxmlformats.org/officeDocument/2006/math">
+                    <m:oMathParaPr>
+                      <m:jc m:val="centerGroup"/>
+                    </m:oMathParaPr>
+                    <m:oMath xmlns:m="http://schemas.openxmlformats.org/officeDocument/2006/math">
+                      <m:r>
+                        <a:rPr kumimoji="1" lang="ko-KR" altLang="en-US" b="1" i="1">
+                          <a:latin typeface="Cambria Math" panose="02040503050406030204" pitchFamily="18" charset="0"/>
+                        </a:rPr>
+                        <m:t>𝜶</m:t>
+                      </m:r>
+                      <m:r>
+                        <a:rPr kumimoji="1" lang="en-US" altLang="ko-KR" b="1" i="1" smtClean="0">
+                          <a:latin typeface="Cambria Math" panose="02040503050406030204" pitchFamily="18" charset="0"/>
+                        </a:rPr>
+                        <m:t>≥</m:t>
+                      </m:r>
+                      <m:r>
+                        <a:rPr kumimoji="1" lang="en-US" altLang="ko-KR" b="1" i="1" smtClean="0">
+                          <a:latin typeface="Cambria Math" panose="02040503050406030204" pitchFamily="18" charset="0"/>
+                        </a:rPr>
+                        <m:t>𝟎</m:t>
+                      </m:r>
+                    </m:oMath>
+                  </m:oMathPara>
+                </a14:m>
+                <a:br>
+                  <a:rPr kumimoji="1" lang="en-US" altLang="ko-KR" b="1" i="1" dirty="0">
+                    <a:latin typeface="Cambria Math" panose="02040503050406030204" pitchFamily="18" charset="0"/>
+                  </a:rPr>
+                </a:br>
+                <a:endParaRPr kumimoji="1" lang="en-US" altLang="ko-KR" b="1" i="1" dirty="0">
+                  <a:latin typeface="Cambria Math" panose="02040503050406030204" pitchFamily="18" charset="0"/>
+                </a:endParaRPr>
+              </a:p>
+              <a:p>
+                <a:pPr marL="0" indent="0">
+                  <a:buNone/>
+                </a:pPr>
+                <a:endParaRPr kumimoji="1" lang="en-US" altLang="ko-KR" b="1" i="1" dirty="0">
+                  <a:latin typeface="Cambria Math" panose="02040503050406030204" pitchFamily="18" charset="0"/>
+                </a:endParaRPr>
+              </a:p>
+              <a:p>
+                <a:pPr marL="0" indent="0">
+                  <a:buNone/>
+                </a:pPr>
+                <a:endParaRPr kumimoji="1" lang="en-US" altLang="ko-KR" b="1" i="1" dirty="0">
+                  <a:latin typeface="Cambria Math" panose="02040503050406030204" pitchFamily="18" charset="0"/>
+                </a:endParaRPr>
+              </a:p>
+            </p:txBody>
+          </p:sp>
+        </mc:Choice>
+        <mc:Fallback>
+          <p:sp>
+            <p:nvSpPr>
+              <p:cNvPr id="3" name="내용 개체 틀 2">
+                <a:extLst>
+                  <a:ext uri="{FF2B5EF4-FFF2-40B4-BE49-F238E27FC236}">
+                    <a16:creationId xmlns:a16="http://schemas.microsoft.com/office/drawing/2014/main" id="{1725D5B2-2C6C-3B43-B4F2-CA91BE12BB41}"/>
+                  </a:ext>
+                </a:extLst>
+              </p:cNvPr>
+              <p:cNvSpPr>
+                <a:spLocks noGrp="1" noRot="1" noChangeAspect="1" noMove="1" noResize="1" noEditPoints="1" noAdjustHandles="1" noChangeArrowheads="1" noChangeShapeType="1" noTextEdit="1"/>
+              </p:cNvSpPr>
+              <p:nvPr>
+                <p:ph idx="1"/>
+              </p:nvPr>
+            </p:nvSpPr>
+            <p:spPr>
+              <a:xfrm>
+                <a:off x="838200" y="1721803"/>
+                <a:ext cx="10927080" cy="4351338"/>
+              </a:xfrm>
+              <a:blipFill>
+                <a:blip r:embed="rId3"/>
+                <a:stretch>
+                  <a:fillRect l="-1060"/>
+                </a:stretch>
+              </a:blipFill>
+            </p:spPr>
+            <p:txBody>
+              <a:bodyPr/>
+              <a:lstStyle/>
+              <a:p>
+                <a:r>
+                  <a:rPr lang="ko-KR" altLang="en-US">
+                    <a:noFill/>
+                  </a:rPr>
+                  <a:t> </a:t>
+                </a:r>
+              </a:p>
+            </p:txBody>
+          </p:sp>
+        </mc:Fallback>
+      </mc:AlternateContent>
+      <mc:AlternateContent xmlns:mc="http://schemas.openxmlformats.org/markup-compatibility/2006">
+        <mc:Choice xmlns:a14="http://schemas.microsoft.com/office/drawing/2010/main" Requires="a14">
+          <p:sp>
+            <p:nvSpPr>
+              <p:cNvPr id="6" name="TextBox 5">
+                <a:extLst>
+                  <a:ext uri="{FF2B5EF4-FFF2-40B4-BE49-F238E27FC236}">
+                    <a16:creationId xmlns:a16="http://schemas.microsoft.com/office/drawing/2014/main" id="{B54B4CC2-6F46-865D-0900-E63F924B03EA}"/>
+                  </a:ext>
+                </a:extLst>
+              </p:cNvPr>
+              <p:cNvSpPr txBox="1"/>
+              <p:nvPr/>
+            </p:nvSpPr>
+            <p:spPr>
+              <a:xfrm>
+                <a:off x="6643116" y="3732716"/>
+                <a:ext cx="6096000" cy="400110"/>
+              </a:xfrm>
+              <a:prstGeom prst="rect">
+                <a:avLst/>
+              </a:prstGeom>
+              <a:noFill/>
+            </p:spPr>
+            <p:txBody>
+              <a:bodyPr wrap="square">
+                <a:spAutoFit/>
+              </a:bodyPr>
+              <a:lstStyle/>
+              <a:p>
+                <a:pPr lvl="1"/>
+                <a:r>
+                  <a:rPr kumimoji="1" lang="en-US" altLang="ko-KR" sz="2000" b="1" dirty="0"/>
+                  <a:t>3. dual constraint: </a:t>
+                </a:r>
+                <a14:m>
+                  <m:oMath xmlns:m="http://schemas.openxmlformats.org/officeDocument/2006/math">
+                    <m:sSub>
+                      <m:sSubPr>
+                        <m:ctrlPr>
+                          <a:rPr kumimoji="1" lang="en-US" altLang="ko-KR" sz="2000" b="1" i="1">
+                            <a:latin typeface="Cambria Math" panose="02040503050406030204" pitchFamily="18" charset="0"/>
+                          </a:rPr>
+                        </m:ctrlPr>
+                      </m:sSubPr>
+                      <m:e>
+                        <m:r>
+                          <a:rPr kumimoji="1" lang="ko-KR" altLang="en-US" sz="2000" b="1" i="1">
+                            <a:latin typeface="Cambria Math" panose="02040503050406030204" pitchFamily="18" charset="0"/>
+                          </a:rPr>
+                          <m:t>𝜶</m:t>
+                        </m:r>
+                      </m:e>
+                      <m:sub>
+                        <m:r>
+                          <a:rPr kumimoji="1" lang="en-US" altLang="ko-KR" sz="2000" b="1" i="1">
+                            <a:latin typeface="Cambria Math" panose="02040503050406030204" pitchFamily="18" charset="0"/>
+                          </a:rPr>
+                          <m:t>𝒊</m:t>
+                        </m:r>
+                      </m:sub>
+                    </m:sSub>
+                    <m:r>
+                      <a:rPr kumimoji="1" lang="en-US" altLang="ko-KR" sz="2000" b="1" i="1">
+                        <a:latin typeface="Cambria Math" panose="02040503050406030204" pitchFamily="18" charset="0"/>
+                      </a:rPr>
+                      <m:t>≥</m:t>
+                    </m:r>
+                    <m:r>
+                      <a:rPr kumimoji="1" lang="en-US" altLang="ko-KR" sz="2000" b="1" i="1">
+                        <a:latin typeface="Cambria Math" panose="02040503050406030204" pitchFamily="18" charset="0"/>
+                      </a:rPr>
+                      <m:t>𝟎</m:t>
+                    </m:r>
+                    <m:r>
+                      <a:rPr kumimoji="1" lang="en-US" altLang="ko-KR" sz="2000" b="1" i="1">
+                        <a:latin typeface="Cambria Math" panose="02040503050406030204" pitchFamily="18" charset="0"/>
+                      </a:rPr>
+                      <m:t>, </m:t>
+                    </m:r>
+                    <m:r>
+                      <a:rPr kumimoji="1" lang="en-US" altLang="ko-KR" sz="2000" b="1" i="1">
+                        <a:latin typeface="Cambria Math" panose="02040503050406030204" pitchFamily="18" charset="0"/>
+                      </a:rPr>
+                      <m:t>𝒊</m:t>
+                    </m:r>
+                    <m:r>
+                      <a:rPr kumimoji="1" lang="en-US" altLang="ko-KR" sz="2000" b="1" i="1">
+                        <a:latin typeface="Cambria Math" panose="02040503050406030204" pitchFamily="18" charset="0"/>
+                      </a:rPr>
+                      <m:t>=</m:t>
+                    </m:r>
+                    <m:r>
+                      <a:rPr kumimoji="1" lang="en-US" altLang="ko-KR" sz="2000" b="1" i="1">
+                        <a:latin typeface="Cambria Math" panose="02040503050406030204" pitchFamily="18" charset="0"/>
+                      </a:rPr>
+                      <m:t>𝟏</m:t>
+                    </m:r>
+                    <m:r>
+                      <a:rPr kumimoji="1" lang="en-US" altLang="ko-KR" sz="2000" b="1" i="1">
+                        <a:latin typeface="Cambria Math" panose="02040503050406030204" pitchFamily="18" charset="0"/>
+                      </a:rPr>
+                      <m:t>,</m:t>
+                    </m:r>
+                    <m:r>
+                      <a:rPr kumimoji="1" lang="en-US" altLang="ko-KR" sz="2000" b="1" i="1">
+                        <a:latin typeface="Cambria Math" panose="02040503050406030204" pitchFamily="18" charset="0"/>
+                      </a:rPr>
+                      <m:t>𝟐</m:t>
+                    </m:r>
+                    <m:r>
+                      <a:rPr kumimoji="1" lang="en-US" altLang="ko-KR" sz="2000" b="1" i="1">
+                        <a:latin typeface="Cambria Math" panose="02040503050406030204" pitchFamily="18" charset="0"/>
+                      </a:rPr>
+                      <m:t>,…,</m:t>
+                    </m:r>
+                    <m:r>
+                      <a:rPr kumimoji="1" lang="en-US" altLang="ko-KR" sz="2000" b="1" i="1">
+                        <a:latin typeface="Cambria Math" panose="02040503050406030204" pitchFamily="18" charset="0"/>
+                      </a:rPr>
+                      <m:t>𝒎</m:t>
+                    </m:r>
+                  </m:oMath>
+                </a14:m>
+                <a:endParaRPr kumimoji="1" lang="en-US" altLang="ko-KR" sz="2000" b="1" dirty="0"/>
+              </a:p>
+            </p:txBody>
+          </p:sp>
+        </mc:Choice>
+        <mc:Fallback>
+          <p:sp>
+            <p:nvSpPr>
+              <p:cNvPr id="6" name="TextBox 5">
+                <a:extLst>
+                  <a:ext uri="{FF2B5EF4-FFF2-40B4-BE49-F238E27FC236}">
+                    <a16:creationId xmlns:a16="http://schemas.microsoft.com/office/drawing/2014/main" id="{B54B4CC2-6F46-865D-0900-E63F924B03EA}"/>
+                  </a:ext>
+                </a:extLst>
+              </p:cNvPr>
+              <p:cNvSpPr txBox="1">
+                <a:spLocks noRot="1" noChangeAspect="1" noMove="1" noResize="1" noEditPoints="1" noAdjustHandles="1" noChangeArrowheads="1" noChangeShapeType="1" noTextEdit="1"/>
+              </p:cNvSpPr>
+              <p:nvPr/>
+            </p:nvSpPr>
+            <p:spPr>
+              <a:xfrm>
+                <a:off x="6643116" y="3732716"/>
+                <a:ext cx="6096000" cy="400110"/>
+              </a:xfrm>
+              <a:prstGeom prst="rect">
+                <a:avLst/>
+              </a:prstGeom>
+              <a:blipFill>
+                <a:blip r:embed="rId4"/>
+                <a:stretch>
+                  <a:fillRect t="-7576" b="-25758"/>
+                </a:stretch>
+              </a:blipFill>
+            </p:spPr>
+            <p:txBody>
+              <a:bodyPr/>
+              <a:lstStyle/>
+              <a:p>
+                <a:r>
+                  <a:rPr lang="ko-KR" altLang="en-US">
+                    <a:noFill/>
+                  </a:rPr>
+                  <a:t> </a:t>
+                </a:r>
+              </a:p>
+            </p:txBody>
+          </p:sp>
+        </mc:Fallback>
+      </mc:AlternateContent>
+      <p:sp>
+        <p:nvSpPr>
+          <p:cNvPr id="9" name="직사각형 8">
+            <a:extLst>
+              <a:ext uri="{FF2B5EF4-FFF2-40B4-BE49-F238E27FC236}">
+                <a16:creationId xmlns:a16="http://schemas.microsoft.com/office/drawing/2014/main" id="{196ABF8B-76CE-6AAD-2CEC-628C46935FD3}"/>
+              </a:ext>
+            </a:extLst>
+          </p:cNvPr>
+          <p:cNvSpPr/>
+          <p:nvPr/>
+        </p:nvSpPr>
+        <p:spPr>
+          <a:xfrm>
+            <a:off x="5803392" y="3523488"/>
+            <a:ext cx="1109472" cy="768096"/>
+          </a:xfrm>
+          <a:prstGeom prst="rect">
+            <a:avLst/>
+          </a:prstGeom>
+          <a:noFill/>
+          <a:ln>
+            <a:solidFill>
+              <a:srgbClr val="FF0000"/>
+            </a:solidFill>
+          </a:ln>
+        </p:spPr>
+        <p:style>
+          <a:lnRef idx="2">
+            <a:schemeClr val="accent1">
+              <a:shade val="50000"/>
+            </a:schemeClr>
+          </a:lnRef>
+          <a:fillRef idx="1">
+            <a:schemeClr val="accent1"/>
+          </a:fillRef>
+          <a:effectRef idx="0">
+            <a:schemeClr val="accent1"/>
+          </a:effectRef>
+          <a:fontRef idx="minor">
+            <a:schemeClr val="lt1"/>
+          </a:fontRef>
+        </p:style>
+        <p:txBody>
+          <a:bodyPr rtlCol="0" anchor="ctr"/>
+          <a:lstStyle/>
+          <a:p>
+            <a:pPr algn="ctr"/>
+            <a:endParaRPr lang="ko-KR" altLang="en-US"/>
+          </a:p>
+        </p:txBody>
+      </p:sp>
+    </p:spTree>
+    <p:extLst>
+      <p:ext uri="{BB962C8B-B14F-4D97-AF65-F5344CB8AC3E}">
+        <p14:creationId xmlns:p14="http://schemas.microsoft.com/office/powerpoint/2010/main" val="3290079448"/>
+      </p:ext>
+    </p:extLst>
+  </p:cSld>
+  <p:clrMapOvr>
+    <a:masterClrMapping/>
+  </p:clrMapOvr>
+</p:sld>
+</file>
+
+<file path=ppt/slides/slide23.xml><?xml version="1.0" encoding="utf-8"?>
+<p:sld xmlns:a="http://schemas.openxmlformats.org/drawingml/2006/main" xmlns:r="http://schemas.openxmlformats.org/officeDocument/2006/relationships" xmlns:p="http://schemas.openxmlformats.org/presentationml/2006/main">
+  <p:cSld>
+    <p:spTree>
+      <p:nvGrpSpPr>
+        <p:cNvPr id="1" name=""/>
+        <p:cNvGrpSpPr/>
+        <p:nvPr/>
+      </p:nvGrpSpPr>
+      <p:grpSpPr>
+        <a:xfrm>
+          <a:off x="0" y="0"/>
+          <a:ext cx="0" cy="0"/>
+          <a:chOff x="0" y="0"/>
+          <a:chExt cx="0" cy="0"/>
+        </a:xfrm>
+      </p:grpSpPr>
+      <p:sp>
+        <p:nvSpPr>
+          <p:cNvPr id="2" name="제목 1">
+            <a:extLst>
+              <a:ext uri="{FF2B5EF4-FFF2-40B4-BE49-F238E27FC236}">
+                <a16:creationId xmlns:a16="http://schemas.microsoft.com/office/drawing/2014/main" id="{AA92BCFB-E11B-F940-A787-2261CAC8E814}"/>
+              </a:ext>
+            </a:extLst>
+          </p:cNvPr>
+          <p:cNvSpPr>
+            <a:spLocks noGrp="1"/>
+          </p:cNvSpPr>
+          <p:nvPr>
+            <p:ph type="title"/>
+          </p:nvPr>
+        </p:nvSpPr>
+        <p:spPr/>
+        <p:txBody>
+          <a:bodyPr/>
+          <a:lstStyle/>
+          <a:p>
+            <a:r>
+              <a:rPr kumimoji="1" lang="en-US" altLang="en-US" dirty="0"/>
+              <a:t>4.4 Constrained Optimization</a:t>
+            </a:r>
+            <a:endParaRPr kumimoji="1" lang="ko-Kore-KR" altLang="en-US" dirty="0"/>
+          </a:p>
+        </p:txBody>
+      </p:sp>
+      <mc:AlternateContent xmlns:mc="http://schemas.openxmlformats.org/markup-compatibility/2006">
+        <mc:Choice xmlns:a14="http://schemas.microsoft.com/office/drawing/2010/main" Requires="a14">
+          <p:sp>
+            <p:nvSpPr>
+              <p:cNvPr id="3" name="내용 개체 틀 2">
+                <a:extLst>
+                  <a:ext uri="{FF2B5EF4-FFF2-40B4-BE49-F238E27FC236}">
+                    <a16:creationId xmlns:a16="http://schemas.microsoft.com/office/drawing/2014/main" id="{1725D5B2-2C6C-3B43-B4F2-CA91BE12BB41}"/>
+                  </a:ext>
+                </a:extLst>
+              </p:cNvPr>
+              <p:cNvSpPr>
+                <a:spLocks noGrp="1"/>
+              </p:cNvSpPr>
+              <p:nvPr>
+                <p:ph idx="1"/>
+              </p:nvPr>
+            </p:nvSpPr>
+            <p:spPr>
+              <a:xfrm>
+                <a:off x="838200" y="1721803"/>
+                <a:ext cx="10927080" cy="4351338"/>
+              </a:xfrm>
+            </p:spPr>
+            <p:txBody>
+              <a:bodyPr>
+                <a:normAutofit/>
+              </a:bodyPr>
+              <a:lstStyle/>
+              <a:p>
+                <a:r>
+                  <a:rPr kumimoji="1" lang="en-US" altLang="ko-KR" sz="2900" b="1" dirty="0"/>
+                  <a:t>Kaurush-Kuhn-Tucker (KKT) approach</a:t>
+                </a:r>
+              </a:p>
+              <a:p>
+                <a:pPr marL="0" indent="0">
+                  <a:buNone/>
+                </a:pPr>
+                <a14:m>
+                  <m:oMathPara xmlns:m="http://schemas.openxmlformats.org/officeDocument/2006/math">
+                    <m:oMathParaPr>
+                      <m:jc m:val="centerGroup"/>
+                    </m:oMathParaPr>
+                    <m:oMath xmlns:m="http://schemas.openxmlformats.org/officeDocument/2006/math">
+                      <m:r>
+                        <a:rPr kumimoji="1" lang="en-US" altLang="ko-KR" b="1" i="1" smtClean="0">
+                          <a:latin typeface="Cambria Math" panose="02040503050406030204" pitchFamily="18" charset="0"/>
+                        </a:rPr>
+                        <m:t>𝑳</m:t>
+                      </m:r>
+                      <m:r>
+                        <a:rPr kumimoji="1" lang="en-US" altLang="ko-KR" b="1" i="1" smtClean="0">
+                          <a:latin typeface="Cambria Math" panose="02040503050406030204" pitchFamily="18" charset="0"/>
+                        </a:rPr>
+                        <m:t>=</m:t>
+                      </m:r>
+                      <m:sSup>
+                        <m:sSupPr>
+                          <m:ctrlPr>
+                            <a:rPr kumimoji="1" lang="en-US" altLang="ko-KR" b="1" i="1">
+                              <a:latin typeface="Cambria Math" panose="02040503050406030204" pitchFamily="18" charset="0"/>
+                            </a:rPr>
+                          </m:ctrlPr>
+                        </m:sSupPr>
+                        <m:e>
+                          <m:r>
+                            <a:rPr kumimoji="1" lang="en-US" altLang="ko-KR" b="1" i="1">
+                              <a:latin typeface="Cambria Math" panose="02040503050406030204" pitchFamily="18" charset="0"/>
+                            </a:rPr>
+                            <m:t>𝒙</m:t>
+                          </m:r>
+                        </m:e>
+                        <m:sup>
+                          <m:r>
+                            <a:rPr kumimoji="1" lang="en-US" altLang="ko-KR" b="1" i="1">
+                              <a:latin typeface="Cambria Math" panose="02040503050406030204" pitchFamily="18" charset="0"/>
+                            </a:rPr>
+                            <m:t>𝟐</m:t>
+                          </m:r>
+                        </m:sup>
+                      </m:sSup>
+                      <m:r>
+                        <a:rPr kumimoji="1" lang="en-US" altLang="ko-KR" b="1" i="1">
+                          <a:latin typeface="Cambria Math" panose="02040503050406030204" pitchFamily="18" charset="0"/>
+                        </a:rPr>
+                        <m:t>+</m:t>
+                      </m:r>
+                      <m:sSup>
+                        <m:sSupPr>
+                          <m:ctrlPr>
+                            <a:rPr kumimoji="1" lang="en-US" altLang="ko-KR" b="1" i="1">
+                              <a:latin typeface="Cambria Math" panose="02040503050406030204" pitchFamily="18" charset="0"/>
+                            </a:rPr>
+                          </m:ctrlPr>
+                        </m:sSupPr>
+                        <m:e>
+                          <m:r>
+                            <a:rPr kumimoji="1" lang="en-US" altLang="ko-KR" b="1" i="1">
+                              <a:latin typeface="Cambria Math" panose="02040503050406030204" pitchFamily="18" charset="0"/>
+                            </a:rPr>
+                            <m:t>𝒚</m:t>
+                          </m:r>
+                        </m:e>
+                        <m:sup>
+                          <m:r>
+                            <a:rPr kumimoji="1" lang="en-US" altLang="ko-KR" b="1" i="1">
+                              <a:latin typeface="Cambria Math" panose="02040503050406030204" pitchFamily="18" charset="0"/>
+                            </a:rPr>
+                            <m:t>𝟐</m:t>
+                          </m:r>
+                        </m:sup>
+                      </m:sSup>
+                      <m:r>
+                        <a:rPr kumimoji="1" lang="en-US" altLang="ko-KR" b="1" i="1" smtClean="0">
+                          <a:latin typeface="Cambria Math" panose="02040503050406030204" pitchFamily="18" charset="0"/>
+                        </a:rPr>
+                        <m:t>+</m:t>
+                      </m:r>
+                      <m:r>
+                        <a:rPr kumimoji="1" lang="ko-KR" altLang="en-US" b="1" i="1" smtClean="0">
+                          <a:latin typeface="Cambria Math" panose="02040503050406030204" pitchFamily="18" charset="0"/>
+                        </a:rPr>
+                        <m:t>𝝀</m:t>
+                      </m:r>
+                      <m:d>
+                        <m:dPr>
+                          <m:ctrlPr>
+                            <a:rPr kumimoji="1" lang="en-US" altLang="ko-KR" b="1" i="1" smtClean="0">
+                              <a:latin typeface="Cambria Math" panose="02040503050406030204" pitchFamily="18" charset="0"/>
+                            </a:rPr>
+                          </m:ctrlPr>
+                        </m:dPr>
+                        <m:e>
+                          <m:r>
+                            <a:rPr kumimoji="1" lang="en-US" altLang="ko-KR" b="1" i="1" smtClean="0">
+                              <a:latin typeface="Cambria Math" panose="02040503050406030204" pitchFamily="18" charset="0"/>
+                            </a:rPr>
+                            <m:t>𝒙</m:t>
+                          </m:r>
+                          <m:r>
+                            <a:rPr kumimoji="1" lang="en-US" altLang="ko-KR" b="1" i="1" smtClean="0">
+                              <a:latin typeface="Cambria Math" panose="02040503050406030204" pitchFamily="18" charset="0"/>
+                            </a:rPr>
+                            <m:t>+</m:t>
+                          </m:r>
+                          <m:r>
+                            <a:rPr kumimoji="1" lang="en-US" altLang="ko-KR" b="1" i="1" smtClean="0">
+                              <a:latin typeface="Cambria Math" panose="02040503050406030204" pitchFamily="18" charset="0"/>
+                            </a:rPr>
+                            <m:t>𝟐</m:t>
+                          </m:r>
+                          <m:r>
+                            <a:rPr kumimoji="1" lang="en-US" altLang="ko-KR" b="1" i="1" smtClean="0">
+                              <a:latin typeface="Cambria Math" panose="02040503050406030204" pitchFamily="18" charset="0"/>
+                            </a:rPr>
+                            <m:t>𝒚</m:t>
+                          </m:r>
+                          <m:r>
+                            <a:rPr kumimoji="1" lang="en-US" altLang="ko-KR" b="1" i="1" smtClean="0">
+                              <a:latin typeface="Cambria Math" panose="02040503050406030204" pitchFamily="18" charset="0"/>
+                            </a:rPr>
+                            <m:t>−</m:t>
+                          </m:r>
+                          <m:r>
+                            <a:rPr kumimoji="1" lang="en-US" altLang="ko-KR" b="1" i="1" smtClean="0">
+                              <a:latin typeface="Cambria Math" panose="02040503050406030204" pitchFamily="18" charset="0"/>
+                            </a:rPr>
+                            <m:t>𝟒</m:t>
+                          </m:r>
+                        </m:e>
+                      </m:d>
+                      <m:r>
+                        <a:rPr kumimoji="1" lang="en-US" altLang="ko-KR" b="1" i="1" smtClean="0">
+                          <a:latin typeface="Cambria Math" panose="02040503050406030204" pitchFamily="18" charset="0"/>
+                        </a:rPr>
+                        <m:t>+</m:t>
+                      </m:r>
+                      <m:sSub>
+                        <m:sSubPr>
+                          <m:ctrlPr>
+                            <a:rPr kumimoji="1" lang="en-US" altLang="ko-KR" b="1" i="1" smtClean="0">
+                              <a:latin typeface="Cambria Math" panose="02040503050406030204" pitchFamily="18" charset="0"/>
+                            </a:rPr>
+                          </m:ctrlPr>
+                        </m:sSubPr>
+                        <m:e>
+                          <m:r>
+                            <a:rPr kumimoji="1" lang="ko-KR" altLang="en-US" b="1" i="1" smtClean="0">
+                              <a:latin typeface="Cambria Math" panose="02040503050406030204" pitchFamily="18" charset="0"/>
+                            </a:rPr>
+                            <m:t>𝜶</m:t>
+                          </m:r>
+                        </m:e>
+                        <m:sub>
+                          <m:r>
+                            <a:rPr kumimoji="1" lang="en-US" altLang="ko-KR" b="1" i="1" smtClean="0">
+                              <a:latin typeface="Cambria Math" panose="02040503050406030204" pitchFamily="18" charset="0"/>
+                            </a:rPr>
+                            <m:t>𝟏</m:t>
+                          </m:r>
+                        </m:sub>
+                      </m:sSub>
+                      <m:d>
+                        <m:dPr>
+                          <m:ctrlPr>
+                            <a:rPr kumimoji="1" lang="en-US" altLang="ko-KR" b="1" i="1" smtClean="0">
+                              <a:latin typeface="Cambria Math" panose="02040503050406030204" pitchFamily="18" charset="0"/>
+                            </a:rPr>
+                          </m:ctrlPr>
+                        </m:dPr>
+                        <m:e>
+                          <m:sSup>
+                            <m:sSupPr>
+                              <m:ctrlPr>
+                                <a:rPr kumimoji="1" lang="en-US" altLang="ko-KR" b="1" i="1">
+                                  <a:latin typeface="Cambria Math" panose="02040503050406030204" pitchFamily="18" charset="0"/>
+                                </a:rPr>
+                              </m:ctrlPr>
+                            </m:sSupPr>
+                            <m:e>
+                              <m:r>
+                                <a:rPr kumimoji="1" lang="en-US" altLang="ko-KR" b="1" i="1">
+                                  <a:latin typeface="Cambria Math" panose="02040503050406030204" pitchFamily="18" charset="0"/>
+                                </a:rPr>
+                                <m:t>𝒙</m:t>
+                              </m:r>
+                            </m:e>
+                            <m:sup>
+                              <m:r>
+                                <a:rPr kumimoji="1" lang="en-US" altLang="ko-KR" b="1" i="1">
+                                  <a:latin typeface="Cambria Math" panose="02040503050406030204" pitchFamily="18" charset="0"/>
+                                </a:rPr>
+                                <m:t>𝟐</m:t>
+                              </m:r>
+                            </m:sup>
+                          </m:sSup>
+                          <m:r>
+                            <a:rPr kumimoji="1" lang="en-US" altLang="ko-KR" b="1" i="1">
+                              <a:latin typeface="Cambria Math" panose="02040503050406030204" pitchFamily="18" charset="0"/>
+                            </a:rPr>
+                            <m:t>+</m:t>
+                          </m:r>
+                          <m:sSup>
+                            <m:sSupPr>
+                              <m:ctrlPr>
+                                <a:rPr kumimoji="1" lang="en-US" altLang="ko-KR" b="1" i="1">
+                                  <a:latin typeface="Cambria Math" panose="02040503050406030204" pitchFamily="18" charset="0"/>
+                                </a:rPr>
+                              </m:ctrlPr>
+                            </m:sSupPr>
+                            <m:e>
+                              <m:r>
+                                <a:rPr kumimoji="1" lang="en-US" altLang="ko-KR" b="1" i="1">
+                                  <a:latin typeface="Cambria Math" panose="02040503050406030204" pitchFamily="18" charset="0"/>
+                                </a:rPr>
+                                <m:t>𝒚</m:t>
+                              </m:r>
+                            </m:e>
+                            <m:sup>
+                              <m:r>
+                                <a:rPr kumimoji="1" lang="en-US" altLang="ko-KR" b="1" i="1">
+                                  <a:latin typeface="Cambria Math" panose="02040503050406030204" pitchFamily="18" charset="0"/>
+                                </a:rPr>
+                                <m:t>𝟐</m:t>
+                              </m:r>
+                            </m:sup>
+                          </m:sSup>
+                          <m:r>
+                            <a:rPr kumimoji="1" lang="en-US" altLang="ko-KR" b="1" i="1" smtClean="0">
+                              <a:latin typeface="Cambria Math" panose="02040503050406030204" pitchFamily="18" charset="0"/>
+                            </a:rPr>
+                            <m:t>−</m:t>
+                          </m:r>
+                          <m:r>
+                            <a:rPr kumimoji="1" lang="en-US" altLang="ko-KR" b="1" i="1" smtClean="0">
+                              <a:latin typeface="Cambria Math" panose="02040503050406030204" pitchFamily="18" charset="0"/>
+                            </a:rPr>
+                            <m:t>𝟓</m:t>
+                          </m:r>
+                        </m:e>
+                      </m:d>
+                      <m:r>
+                        <a:rPr kumimoji="1" lang="en-US" altLang="ko-KR" b="1" i="1" smtClean="0">
+                          <a:latin typeface="Cambria Math" panose="02040503050406030204" pitchFamily="18" charset="0"/>
+                        </a:rPr>
+                        <m:t>−</m:t>
+                      </m:r>
+                      <m:sSub>
+                        <m:sSubPr>
+                          <m:ctrlPr>
+                            <a:rPr kumimoji="1" lang="en-US" altLang="ko-KR" b="1" i="1">
+                              <a:latin typeface="Cambria Math" panose="02040503050406030204" pitchFamily="18" charset="0"/>
+                            </a:rPr>
+                          </m:ctrlPr>
+                        </m:sSubPr>
+                        <m:e>
+                          <m:r>
+                            <a:rPr kumimoji="1" lang="ko-KR" altLang="en-US" b="1" i="1" smtClean="0">
+                              <a:latin typeface="Cambria Math" panose="02040503050406030204" pitchFamily="18" charset="0"/>
+                            </a:rPr>
+                            <m:t>𝜶</m:t>
+                          </m:r>
+                        </m:e>
+                        <m:sub>
+                          <m:r>
+                            <a:rPr kumimoji="1" lang="en-US" altLang="ko-KR" b="1" i="1" smtClean="0">
+                              <a:latin typeface="Cambria Math" panose="02040503050406030204" pitchFamily="18" charset="0"/>
+                            </a:rPr>
+                            <m:t>𝟐</m:t>
+                          </m:r>
+                        </m:sub>
+                      </m:sSub>
+                      <m:d>
+                        <m:dPr>
+                          <m:ctrlPr>
+                            <a:rPr kumimoji="1" lang="en-US" altLang="ko-KR" b="1" i="1" smtClean="0">
+                              <a:latin typeface="Cambria Math" panose="02040503050406030204" pitchFamily="18" charset="0"/>
+                            </a:rPr>
+                          </m:ctrlPr>
+                        </m:dPr>
+                        <m:e>
+                          <m:r>
+                            <a:rPr kumimoji="1" lang="en-US" altLang="ko-KR" b="1" i="1" smtClean="0">
+                              <a:latin typeface="Cambria Math" panose="02040503050406030204" pitchFamily="18" charset="0"/>
+                            </a:rPr>
+                            <m:t>𝒙</m:t>
+                          </m:r>
+                        </m:e>
+                      </m:d>
+                      <m:r>
+                        <a:rPr kumimoji="1" lang="en-US" altLang="ko-KR" b="1" i="1" smtClean="0">
+                          <a:latin typeface="Cambria Math" panose="02040503050406030204" pitchFamily="18" charset="0"/>
+                        </a:rPr>
+                        <m:t>−</m:t>
+                      </m:r>
+                      <m:sSub>
+                        <m:sSubPr>
+                          <m:ctrlPr>
+                            <a:rPr kumimoji="1" lang="en-US" altLang="ko-KR" b="1" i="1">
+                              <a:latin typeface="Cambria Math" panose="02040503050406030204" pitchFamily="18" charset="0"/>
+                            </a:rPr>
+                          </m:ctrlPr>
+                        </m:sSubPr>
+                        <m:e>
+                          <m:r>
+                            <a:rPr kumimoji="1" lang="ko-KR" altLang="en-US" b="1" i="1" smtClean="0">
+                              <a:latin typeface="Cambria Math" panose="02040503050406030204" pitchFamily="18" charset="0"/>
+                            </a:rPr>
+                            <m:t>𝜶</m:t>
+                          </m:r>
+                        </m:e>
+                        <m:sub>
+                          <m:r>
+                            <a:rPr kumimoji="1" lang="en-US" altLang="ko-KR" b="1" i="1" smtClean="0">
+                              <a:latin typeface="Cambria Math" panose="02040503050406030204" pitchFamily="18" charset="0"/>
+                            </a:rPr>
+                            <m:t>𝟑</m:t>
+                          </m:r>
+                        </m:sub>
+                      </m:sSub>
+                      <m:d>
+                        <m:dPr>
+                          <m:ctrlPr>
+                            <a:rPr kumimoji="1" lang="en-US" altLang="ko-KR" b="1" i="1" smtClean="0">
+                              <a:latin typeface="Cambria Math" panose="02040503050406030204" pitchFamily="18" charset="0"/>
+                            </a:rPr>
+                          </m:ctrlPr>
+                        </m:dPr>
+                        <m:e>
+                          <m:r>
+                            <a:rPr kumimoji="1" lang="en-US" altLang="ko-KR" b="1" i="1" smtClean="0">
+                              <a:latin typeface="Cambria Math" panose="02040503050406030204" pitchFamily="18" charset="0"/>
+                            </a:rPr>
+                            <m:t>𝒚</m:t>
+                          </m:r>
+                        </m:e>
+                      </m:d>
+                    </m:oMath>
+                  </m:oMathPara>
+                </a14:m>
+                <a:endParaRPr kumimoji="1" lang="en-US" altLang="ko-KR" b="1" i="1" dirty="0">
+                  <a:latin typeface="Cambria Math" panose="02040503050406030204" pitchFamily="18" charset="0"/>
+                </a:endParaRPr>
+              </a:p>
+              <a:p>
+                <a:pPr marL="0" indent="0">
+                  <a:buNone/>
+                </a:pPr>
+                <a:br>
+                  <a:rPr kumimoji="1" lang="en-US" altLang="ko-KR" b="1" i="1" dirty="0">
+                    <a:latin typeface="Cambria Math" panose="02040503050406030204" pitchFamily="18" charset="0"/>
+                  </a:rPr>
+                </a:br>
+                <a14:m>
+                  <m:oMathPara xmlns:m="http://schemas.openxmlformats.org/officeDocument/2006/math">
+                    <m:oMathParaPr>
+                      <m:jc m:val="centerGroup"/>
+                    </m:oMathParaPr>
+                    <m:oMath xmlns:m="http://schemas.openxmlformats.org/officeDocument/2006/math">
+                      <m:sSub>
+                        <m:sSubPr>
+                          <m:ctrlPr>
+                            <a:rPr kumimoji="1" lang="en-US" altLang="ko-KR" b="1" i="1">
+                              <a:latin typeface="Cambria Math" panose="02040503050406030204" pitchFamily="18" charset="0"/>
+                            </a:rPr>
+                          </m:ctrlPr>
+                        </m:sSubPr>
+                        <m:e>
+                          <m:r>
+                            <a:rPr kumimoji="1" lang="ko-KR" altLang="en-US" b="1" i="1">
+                              <a:latin typeface="Cambria Math" panose="02040503050406030204" pitchFamily="18" charset="0"/>
+                            </a:rPr>
+                            <m:t>𝜶</m:t>
+                          </m:r>
+                        </m:e>
+                        <m:sub>
+                          <m:r>
+                            <a:rPr kumimoji="1" lang="en-US" altLang="ko-KR" b="1" i="1">
+                              <a:latin typeface="Cambria Math" panose="02040503050406030204" pitchFamily="18" charset="0"/>
+                            </a:rPr>
+                            <m:t>𝟏</m:t>
+                          </m:r>
+                        </m:sub>
+                      </m:sSub>
+                      <m:d>
+                        <m:dPr>
+                          <m:ctrlPr>
+                            <a:rPr kumimoji="1" lang="en-US" altLang="ko-KR" b="1" i="1">
+                              <a:latin typeface="Cambria Math" panose="02040503050406030204" pitchFamily="18" charset="0"/>
+                            </a:rPr>
+                          </m:ctrlPr>
+                        </m:dPr>
+                        <m:e>
+                          <m:sSup>
+                            <m:sSupPr>
+                              <m:ctrlPr>
+                                <a:rPr kumimoji="1" lang="en-US" altLang="ko-KR" b="1" i="1">
+                                  <a:latin typeface="Cambria Math" panose="02040503050406030204" pitchFamily="18" charset="0"/>
+                                </a:rPr>
+                              </m:ctrlPr>
+                            </m:sSupPr>
+                            <m:e>
+                              <m:r>
+                                <a:rPr kumimoji="1" lang="en-US" altLang="ko-KR" b="1" i="1">
+                                  <a:latin typeface="Cambria Math" panose="02040503050406030204" pitchFamily="18" charset="0"/>
+                                </a:rPr>
+                                <m:t>𝒙</m:t>
+                              </m:r>
+                            </m:e>
+                            <m:sup>
+                              <m:r>
+                                <a:rPr kumimoji="1" lang="en-US" altLang="ko-KR" b="1" i="1">
+                                  <a:latin typeface="Cambria Math" panose="02040503050406030204" pitchFamily="18" charset="0"/>
+                                </a:rPr>
+                                <m:t>𝟐</m:t>
+                              </m:r>
+                            </m:sup>
+                          </m:sSup>
+                          <m:r>
+                            <a:rPr kumimoji="1" lang="en-US" altLang="ko-KR" b="1" i="1">
+                              <a:latin typeface="Cambria Math" panose="02040503050406030204" pitchFamily="18" charset="0"/>
+                            </a:rPr>
+                            <m:t>+</m:t>
+                          </m:r>
+                          <m:sSup>
+                            <m:sSupPr>
+                              <m:ctrlPr>
+                                <a:rPr kumimoji="1" lang="en-US" altLang="ko-KR" b="1" i="1">
+                                  <a:latin typeface="Cambria Math" panose="02040503050406030204" pitchFamily="18" charset="0"/>
+                                </a:rPr>
+                              </m:ctrlPr>
+                            </m:sSupPr>
+                            <m:e>
+                              <m:r>
+                                <a:rPr kumimoji="1" lang="en-US" altLang="ko-KR" b="1" i="1">
+                                  <a:latin typeface="Cambria Math" panose="02040503050406030204" pitchFamily="18" charset="0"/>
+                                </a:rPr>
+                                <m:t>𝒚</m:t>
+                              </m:r>
+                            </m:e>
+                            <m:sup>
+                              <m:r>
+                                <a:rPr kumimoji="1" lang="en-US" altLang="ko-KR" b="1" i="1">
+                                  <a:latin typeface="Cambria Math" panose="02040503050406030204" pitchFamily="18" charset="0"/>
+                                </a:rPr>
+                                <m:t>𝟐</m:t>
+                              </m:r>
+                            </m:sup>
+                          </m:sSup>
+                          <m:r>
+                            <a:rPr kumimoji="1" lang="en-US" altLang="ko-KR" b="1" i="1">
+                              <a:latin typeface="Cambria Math" panose="02040503050406030204" pitchFamily="18" charset="0"/>
+                            </a:rPr>
+                            <m:t>−</m:t>
+                          </m:r>
+                          <m:r>
+                            <a:rPr kumimoji="1" lang="en-US" altLang="ko-KR" b="1" i="1">
+                              <a:latin typeface="Cambria Math" panose="02040503050406030204" pitchFamily="18" charset="0"/>
+                            </a:rPr>
+                            <m:t>𝟓</m:t>
+                          </m:r>
+                        </m:e>
+                      </m:d>
+                      <m:r>
+                        <a:rPr kumimoji="1" lang="en-US" altLang="ko-KR" b="1" i="1" smtClean="0">
+                          <a:latin typeface="Cambria Math" panose="02040503050406030204" pitchFamily="18" charset="0"/>
+                        </a:rPr>
+                        <m:t>=</m:t>
+                      </m:r>
+                      <m:r>
+                        <a:rPr kumimoji="1" lang="en-US" altLang="ko-KR" b="1" i="1" smtClean="0">
+                          <a:latin typeface="Cambria Math" panose="02040503050406030204" pitchFamily="18" charset="0"/>
+                        </a:rPr>
+                        <m:t>𝟎</m:t>
+                      </m:r>
+                    </m:oMath>
+                    <m:oMath xmlns:m="http://schemas.openxmlformats.org/officeDocument/2006/math">
+                      <m:sSub>
+                        <m:sSubPr>
+                          <m:ctrlPr>
+                            <a:rPr kumimoji="1" lang="en-US" altLang="ko-KR" b="1" i="1">
+                              <a:latin typeface="Cambria Math" panose="02040503050406030204" pitchFamily="18" charset="0"/>
+                            </a:rPr>
+                          </m:ctrlPr>
+                        </m:sSubPr>
+                        <m:e>
+                          <m:r>
+                            <a:rPr kumimoji="1" lang="ko-KR" altLang="en-US" b="1" i="1">
+                              <a:latin typeface="Cambria Math" panose="02040503050406030204" pitchFamily="18" charset="0"/>
+                            </a:rPr>
+                            <m:t>𝜶</m:t>
+                          </m:r>
+                        </m:e>
+                        <m:sub>
+                          <m:r>
+                            <a:rPr kumimoji="1" lang="en-US" altLang="ko-KR" b="1" i="1">
+                              <a:latin typeface="Cambria Math" panose="02040503050406030204" pitchFamily="18" charset="0"/>
+                            </a:rPr>
+                            <m:t>𝟐</m:t>
+                          </m:r>
+                        </m:sub>
+                      </m:sSub>
+                      <m:d>
+                        <m:dPr>
+                          <m:ctrlPr>
+                            <a:rPr kumimoji="1" lang="en-US" altLang="ko-KR" b="1" i="1">
+                              <a:latin typeface="Cambria Math" panose="02040503050406030204" pitchFamily="18" charset="0"/>
+                            </a:rPr>
+                          </m:ctrlPr>
+                        </m:dPr>
+                        <m:e>
+                          <m:r>
+                            <a:rPr kumimoji="1" lang="en-US" altLang="ko-KR" b="1" i="1">
+                              <a:latin typeface="Cambria Math" panose="02040503050406030204" pitchFamily="18" charset="0"/>
+                            </a:rPr>
+                            <m:t>𝒙</m:t>
+                          </m:r>
+                        </m:e>
+                      </m:d>
+                      <m:r>
+                        <a:rPr kumimoji="1" lang="en-US" altLang="ko-KR" b="1" i="1" smtClean="0">
+                          <a:latin typeface="Cambria Math" panose="02040503050406030204" pitchFamily="18" charset="0"/>
+                        </a:rPr>
+                        <m:t>=</m:t>
+                      </m:r>
+                      <m:r>
+                        <a:rPr kumimoji="1" lang="en-US" altLang="ko-KR" b="1" i="1" smtClean="0">
+                          <a:latin typeface="Cambria Math" panose="02040503050406030204" pitchFamily="18" charset="0"/>
+                        </a:rPr>
+                        <m:t>𝟎</m:t>
+                      </m:r>
+                    </m:oMath>
+                    <m:oMath xmlns:m="http://schemas.openxmlformats.org/officeDocument/2006/math">
+                      <m:sSub>
+                        <m:sSubPr>
+                          <m:ctrlPr>
+                            <a:rPr kumimoji="1" lang="en-US" altLang="ko-KR" b="1" i="1">
+                              <a:latin typeface="Cambria Math" panose="02040503050406030204" pitchFamily="18" charset="0"/>
+                            </a:rPr>
+                          </m:ctrlPr>
+                        </m:sSubPr>
+                        <m:e>
+                          <m:r>
+                            <a:rPr kumimoji="1" lang="ko-KR" altLang="en-US" b="1" i="1">
+                              <a:latin typeface="Cambria Math" panose="02040503050406030204" pitchFamily="18" charset="0"/>
+                            </a:rPr>
+                            <m:t>𝜶</m:t>
+                          </m:r>
+                        </m:e>
+                        <m:sub>
+                          <m:r>
+                            <a:rPr kumimoji="1" lang="en-US" altLang="ko-KR" b="1" i="1">
+                              <a:latin typeface="Cambria Math" panose="02040503050406030204" pitchFamily="18" charset="0"/>
+                            </a:rPr>
+                            <m:t>𝟑</m:t>
+                          </m:r>
+                        </m:sub>
+                      </m:sSub>
+                      <m:d>
+                        <m:dPr>
+                          <m:ctrlPr>
+                            <a:rPr kumimoji="1" lang="en-US" altLang="ko-KR" b="1" i="1">
+                              <a:latin typeface="Cambria Math" panose="02040503050406030204" pitchFamily="18" charset="0"/>
+                            </a:rPr>
+                          </m:ctrlPr>
+                        </m:dPr>
+                        <m:e>
+                          <m:r>
+                            <a:rPr kumimoji="1" lang="en-US" altLang="ko-KR" b="1" i="1">
+                              <a:latin typeface="Cambria Math" panose="02040503050406030204" pitchFamily="18" charset="0"/>
+                            </a:rPr>
+                            <m:t>𝒚</m:t>
+                          </m:r>
+                        </m:e>
+                      </m:d>
+                      <m:r>
+                        <a:rPr kumimoji="1" lang="en-US" altLang="ko-KR" b="1" i="1" smtClean="0">
+                          <a:latin typeface="Cambria Math" panose="02040503050406030204" pitchFamily="18" charset="0"/>
+                        </a:rPr>
+                        <m:t>=</m:t>
+                      </m:r>
+                      <m:r>
+                        <a:rPr kumimoji="1" lang="en-US" altLang="ko-KR" b="1" i="1" smtClean="0">
+                          <a:latin typeface="Cambria Math" panose="02040503050406030204" pitchFamily="18" charset="0"/>
+                        </a:rPr>
+                        <m:t>𝟎</m:t>
+                      </m:r>
+                    </m:oMath>
+                  </m:oMathPara>
+                </a14:m>
+                <a:endParaRPr kumimoji="1" lang="en-US" altLang="ko-KR" b="1" i="1" dirty="0">
+                  <a:latin typeface="Cambria Math" panose="02040503050406030204" pitchFamily="18" charset="0"/>
+                </a:endParaRPr>
+              </a:p>
+              <a:p>
+                <a:pPr marL="0" indent="0">
+                  <a:buNone/>
+                </a:pPr>
+                <a:endParaRPr kumimoji="1" lang="en-US" altLang="ko-KR" b="1" i="1" dirty="0">
+                  <a:latin typeface="Cambria Math" panose="02040503050406030204" pitchFamily="18" charset="0"/>
+                </a:endParaRPr>
+              </a:p>
+              <a:p>
+                <a:pPr marL="0" indent="0">
+                  <a:buNone/>
+                </a:pPr>
+                <a:endParaRPr kumimoji="1" lang="en-US" altLang="ko-KR" b="1" i="1" dirty="0">
+                  <a:latin typeface="Cambria Math" panose="02040503050406030204" pitchFamily="18" charset="0"/>
+                </a:endParaRPr>
+              </a:p>
+            </p:txBody>
+          </p:sp>
+        </mc:Choice>
+        <mc:Fallback>
+          <p:sp>
+            <p:nvSpPr>
+              <p:cNvPr id="3" name="내용 개체 틀 2">
+                <a:extLst>
+                  <a:ext uri="{FF2B5EF4-FFF2-40B4-BE49-F238E27FC236}">
+                    <a16:creationId xmlns:a16="http://schemas.microsoft.com/office/drawing/2014/main" id="{1725D5B2-2C6C-3B43-B4F2-CA91BE12BB41}"/>
+                  </a:ext>
+                </a:extLst>
+              </p:cNvPr>
+              <p:cNvSpPr>
+                <a:spLocks noGrp="1" noRot="1" noChangeAspect="1" noMove="1" noResize="1" noEditPoints="1" noAdjustHandles="1" noChangeArrowheads="1" noChangeShapeType="1" noTextEdit="1"/>
+              </p:cNvSpPr>
+              <p:nvPr>
+                <p:ph idx="1"/>
+              </p:nvPr>
+            </p:nvSpPr>
+            <p:spPr>
+              <a:xfrm>
+                <a:off x="838200" y="1721803"/>
+                <a:ext cx="10927080" cy="4351338"/>
+              </a:xfrm>
+              <a:blipFill>
+                <a:blip r:embed="rId3"/>
+                <a:stretch>
+                  <a:fillRect l="-1060"/>
+                </a:stretch>
+              </a:blipFill>
+            </p:spPr>
+            <p:txBody>
+              <a:bodyPr/>
+              <a:lstStyle/>
+              <a:p>
+                <a:r>
+                  <a:rPr lang="ko-KR" altLang="en-US">
+                    <a:noFill/>
+                  </a:rPr>
+                  <a:t> </a:t>
+                </a:r>
+              </a:p>
+            </p:txBody>
+          </p:sp>
+        </mc:Fallback>
+      </mc:AlternateContent>
+      <mc:AlternateContent xmlns:mc="http://schemas.openxmlformats.org/markup-compatibility/2006">
+        <mc:Choice xmlns:a14="http://schemas.microsoft.com/office/drawing/2010/main" Requires="a14">
+          <p:sp>
+            <p:nvSpPr>
+              <p:cNvPr id="6" name="TextBox 5">
+                <a:extLst>
+                  <a:ext uri="{FF2B5EF4-FFF2-40B4-BE49-F238E27FC236}">
+                    <a16:creationId xmlns:a16="http://schemas.microsoft.com/office/drawing/2014/main" id="{B54B4CC2-6F46-865D-0900-E63F924B03EA}"/>
+                  </a:ext>
+                </a:extLst>
+              </p:cNvPr>
+              <p:cNvSpPr txBox="1"/>
+              <p:nvPr/>
+            </p:nvSpPr>
+            <p:spPr>
+              <a:xfrm>
+                <a:off x="2180844" y="5240938"/>
+                <a:ext cx="7572756" cy="400110"/>
+              </a:xfrm>
+              <a:prstGeom prst="rect">
+                <a:avLst/>
+              </a:prstGeom>
+              <a:noFill/>
+            </p:spPr>
+            <p:txBody>
+              <a:bodyPr wrap="square">
+                <a:spAutoFit/>
+              </a:bodyPr>
+              <a:lstStyle/>
+              <a:p>
+                <a:pPr lvl="1"/>
+                <a:r>
+                  <a:rPr kumimoji="1" lang="en-US" altLang="ko-KR" sz="2000" b="1" dirty="0"/>
+                  <a:t>4. complementary slackness: </a:t>
+                </a:r>
+                <a14:m>
+                  <m:oMath xmlns:m="http://schemas.openxmlformats.org/officeDocument/2006/math">
+                    <m:sSub>
+                      <m:sSubPr>
+                        <m:ctrlPr>
+                          <a:rPr kumimoji="1" lang="en-US" altLang="ko-KR" sz="2000" b="1" i="1">
+                            <a:latin typeface="Cambria Math" panose="02040503050406030204" pitchFamily="18" charset="0"/>
+                          </a:rPr>
+                        </m:ctrlPr>
+                      </m:sSubPr>
+                      <m:e>
+                        <m:r>
+                          <a:rPr kumimoji="1" lang="ko-KR" altLang="en-US" sz="2000" b="1" i="1">
+                            <a:latin typeface="Cambria Math" panose="02040503050406030204" pitchFamily="18" charset="0"/>
+                          </a:rPr>
+                          <m:t>𝜶</m:t>
+                        </m:r>
+                      </m:e>
+                      <m:sub>
+                        <m:r>
+                          <a:rPr kumimoji="1" lang="en-US" altLang="ko-KR" sz="2000" b="1" i="1">
+                            <a:latin typeface="Cambria Math" panose="02040503050406030204" pitchFamily="18" charset="0"/>
+                          </a:rPr>
+                          <m:t>𝒊</m:t>
+                        </m:r>
+                      </m:sub>
+                    </m:sSub>
+                    <m:r>
+                      <a:rPr kumimoji="1" lang="en-US" altLang="ko-KR" sz="2000" b="1" i="1">
+                        <a:latin typeface="Cambria Math" panose="02040503050406030204" pitchFamily="18" charset="0"/>
+                      </a:rPr>
+                      <m:t>𝒉</m:t>
+                    </m:r>
+                    <m:d>
+                      <m:dPr>
+                        <m:ctrlPr>
+                          <a:rPr kumimoji="1" lang="en-US" altLang="ko-KR" sz="2000" b="1" i="1">
+                            <a:latin typeface="Cambria Math" panose="02040503050406030204" pitchFamily="18" charset="0"/>
+                          </a:rPr>
+                        </m:ctrlPr>
+                      </m:dPr>
+                      <m:e>
+                        <m:r>
+                          <a:rPr kumimoji="1" lang="en-US" altLang="ko-KR" sz="2000" b="1" i="1">
+                            <a:latin typeface="Cambria Math" panose="02040503050406030204" pitchFamily="18" charset="0"/>
+                          </a:rPr>
+                          <m:t>𝒙</m:t>
+                        </m:r>
+                      </m:e>
+                    </m:d>
+                    <m:r>
+                      <a:rPr kumimoji="1" lang="en-US" altLang="ko-KR" sz="2000" b="1" i="1">
+                        <a:latin typeface="Cambria Math" panose="02040503050406030204" pitchFamily="18" charset="0"/>
+                      </a:rPr>
+                      <m:t>=</m:t>
+                    </m:r>
+                    <m:r>
+                      <a:rPr kumimoji="1" lang="en-US" altLang="ko-KR" sz="2000" b="1" i="1">
+                        <a:latin typeface="Cambria Math" panose="02040503050406030204" pitchFamily="18" charset="0"/>
+                      </a:rPr>
+                      <m:t>𝟎</m:t>
+                    </m:r>
+                    <m:r>
+                      <a:rPr kumimoji="1" lang="en-US" altLang="ko-KR" sz="2000" b="1" i="1">
+                        <a:latin typeface="Cambria Math" panose="02040503050406030204" pitchFamily="18" charset="0"/>
+                      </a:rPr>
+                      <m:t>, </m:t>
+                    </m:r>
+                    <m:r>
+                      <a:rPr kumimoji="1" lang="en-US" altLang="ko-KR" sz="2000" b="1" i="1">
+                        <a:latin typeface="Cambria Math" panose="02040503050406030204" pitchFamily="18" charset="0"/>
+                      </a:rPr>
+                      <m:t>𝒊</m:t>
+                    </m:r>
+                    <m:r>
+                      <a:rPr kumimoji="1" lang="en-US" altLang="ko-KR" sz="2000" b="1" i="1">
+                        <a:latin typeface="Cambria Math" panose="02040503050406030204" pitchFamily="18" charset="0"/>
+                      </a:rPr>
+                      <m:t>=</m:t>
+                    </m:r>
+                    <m:r>
+                      <a:rPr kumimoji="1" lang="en-US" altLang="ko-KR" sz="2000" b="1" i="1">
+                        <a:latin typeface="Cambria Math" panose="02040503050406030204" pitchFamily="18" charset="0"/>
+                      </a:rPr>
+                      <m:t>𝟏</m:t>
+                    </m:r>
+                    <m:r>
+                      <a:rPr kumimoji="1" lang="en-US" altLang="ko-KR" sz="2000" b="1" i="1">
+                        <a:latin typeface="Cambria Math" panose="02040503050406030204" pitchFamily="18" charset="0"/>
+                      </a:rPr>
+                      <m:t>,</m:t>
+                    </m:r>
+                    <m:r>
+                      <a:rPr kumimoji="1" lang="en-US" altLang="ko-KR" sz="2000" b="1" i="1">
+                        <a:latin typeface="Cambria Math" panose="02040503050406030204" pitchFamily="18" charset="0"/>
+                      </a:rPr>
+                      <m:t>𝟐</m:t>
+                    </m:r>
+                    <m:r>
+                      <a:rPr kumimoji="1" lang="en-US" altLang="ko-KR" sz="2000" b="1" i="1">
+                        <a:latin typeface="Cambria Math" panose="02040503050406030204" pitchFamily="18" charset="0"/>
+                      </a:rPr>
+                      <m:t>,…,</m:t>
+                    </m:r>
+                    <m:r>
+                      <a:rPr kumimoji="1" lang="en-US" altLang="ko-KR" sz="2000" b="1" i="1">
+                        <a:latin typeface="Cambria Math" panose="02040503050406030204" pitchFamily="18" charset="0"/>
+                      </a:rPr>
+                      <m:t>𝒎</m:t>
+                    </m:r>
+                  </m:oMath>
+                </a14:m>
+                <a:endParaRPr kumimoji="1" lang="en-US" altLang="ko-KR" sz="2000" b="1" dirty="0"/>
+              </a:p>
+            </p:txBody>
+          </p:sp>
+        </mc:Choice>
+        <mc:Fallback>
+          <p:sp>
+            <p:nvSpPr>
+              <p:cNvPr id="6" name="TextBox 5">
+                <a:extLst>
+                  <a:ext uri="{FF2B5EF4-FFF2-40B4-BE49-F238E27FC236}">
+                    <a16:creationId xmlns:a16="http://schemas.microsoft.com/office/drawing/2014/main" id="{B54B4CC2-6F46-865D-0900-E63F924B03EA}"/>
+                  </a:ext>
+                </a:extLst>
+              </p:cNvPr>
+              <p:cNvSpPr txBox="1">
+                <a:spLocks noRot="1" noChangeAspect="1" noMove="1" noResize="1" noEditPoints="1" noAdjustHandles="1" noChangeArrowheads="1" noChangeShapeType="1" noTextEdit="1"/>
+              </p:cNvSpPr>
+              <p:nvPr/>
+            </p:nvSpPr>
+            <p:spPr>
+              <a:xfrm>
+                <a:off x="2180844" y="5240938"/>
+                <a:ext cx="7572756" cy="400110"/>
+              </a:xfrm>
+              <a:prstGeom prst="rect">
+                <a:avLst/>
+              </a:prstGeom>
+              <a:blipFill>
+                <a:blip r:embed="rId4"/>
+                <a:stretch>
+                  <a:fillRect t="-9231" b="-27692"/>
+                </a:stretch>
+              </a:blipFill>
+            </p:spPr>
+            <p:txBody>
+              <a:bodyPr/>
+              <a:lstStyle/>
+              <a:p>
+                <a:r>
+                  <a:rPr lang="ko-KR" altLang="en-US">
+                    <a:noFill/>
+                  </a:rPr>
+                  <a:t> </a:t>
+                </a:r>
+              </a:p>
+            </p:txBody>
+          </p:sp>
+        </mc:Fallback>
+      </mc:AlternateContent>
+      <p:sp>
+        <p:nvSpPr>
+          <p:cNvPr id="9" name="직사각형 8">
+            <a:extLst>
+              <a:ext uri="{FF2B5EF4-FFF2-40B4-BE49-F238E27FC236}">
+                <a16:creationId xmlns:a16="http://schemas.microsoft.com/office/drawing/2014/main" id="{196ABF8B-76CE-6AAD-2CEC-628C46935FD3}"/>
+              </a:ext>
+            </a:extLst>
+          </p:cNvPr>
+          <p:cNvSpPr/>
+          <p:nvPr/>
+        </p:nvSpPr>
+        <p:spPr>
+          <a:xfrm>
+            <a:off x="5023104" y="3523488"/>
+            <a:ext cx="2913888" cy="1682496"/>
+          </a:xfrm>
+          <a:prstGeom prst="rect">
+            <a:avLst/>
+          </a:prstGeom>
+          <a:noFill/>
+          <a:ln>
+            <a:solidFill>
+              <a:srgbClr val="FF0000"/>
+            </a:solidFill>
+          </a:ln>
+        </p:spPr>
+        <p:style>
+          <a:lnRef idx="2">
+            <a:schemeClr val="accent1">
+              <a:shade val="50000"/>
+            </a:schemeClr>
+          </a:lnRef>
+          <a:fillRef idx="1">
+            <a:schemeClr val="accent1"/>
+          </a:fillRef>
+          <a:effectRef idx="0">
+            <a:schemeClr val="accent1"/>
+          </a:effectRef>
+          <a:fontRef idx="minor">
+            <a:schemeClr val="lt1"/>
+          </a:fontRef>
+        </p:style>
+        <p:txBody>
+          <a:bodyPr rtlCol="0" anchor="ctr"/>
+          <a:lstStyle/>
+          <a:p>
+            <a:pPr algn="ctr"/>
+            <a:endParaRPr lang="ko-KR" altLang="en-US"/>
+          </a:p>
+        </p:txBody>
+      </p:sp>
+    </p:spTree>
+    <p:extLst>
+      <p:ext uri="{BB962C8B-B14F-4D97-AF65-F5344CB8AC3E}">
+        <p14:creationId xmlns:p14="http://schemas.microsoft.com/office/powerpoint/2010/main" val="1032400644"/>
+      </p:ext>
+    </p:extLst>
+  </p:cSld>
+  <p:clrMapOvr>
+    <a:masterClrMapping/>
+  </p:clrMapOvr>
+</p:sld>
+</file>
+
+<file path=ppt/slides/slide24.xml><?xml version="1.0" encoding="utf-8"?>
+<p:sld xmlns:a="http://schemas.openxmlformats.org/drawingml/2006/main" xmlns:r="http://schemas.openxmlformats.org/officeDocument/2006/relationships" xmlns:p="http://schemas.openxmlformats.org/presentationml/2006/main">
+  <p:cSld>
+    <p:spTree>
+      <p:nvGrpSpPr>
+        <p:cNvPr id="1" name=""/>
+        <p:cNvGrpSpPr/>
+        <p:nvPr/>
+      </p:nvGrpSpPr>
+      <p:grpSpPr>
+        <a:xfrm>
+          <a:off x="0" y="0"/>
+          <a:ext cx="0" cy="0"/>
+          <a:chOff x="0" y="0"/>
+          <a:chExt cx="0" cy="0"/>
+        </a:xfrm>
+      </p:grpSpPr>
+      <p:sp>
+        <p:nvSpPr>
+          <p:cNvPr id="2" name="제목 1">
+            <a:extLst>
+              <a:ext uri="{FF2B5EF4-FFF2-40B4-BE49-F238E27FC236}">
+                <a16:creationId xmlns:a16="http://schemas.microsoft.com/office/drawing/2014/main" id="{AA92BCFB-E11B-F940-A787-2261CAC8E814}"/>
+              </a:ext>
+            </a:extLst>
+          </p:cNvPr>
+          <p:cNvSpPr>
+            <a:spLocks noGrp="1"/>
+          </p:cNvSpPr>
+          <p:nvPr>
+            <p:ph type="title"/>
+          </p:nvPr>
+        </p:nvSpPr>
+        <p:spPr/>
+        <p:txBody>
+          <a:bodyPr/>
+          <a:lstStyle/>
+          <a:p>
+            <a:r>
+              <a:rPr kumimoji="1" lang="en-US" altLang="en-US" dirty="0"/>
+              <a:t>4.4 Constrained Optimization</a:t>
+            </a:r>
+            <a:endParaRPr kumimoji="1" lang="ko-Kore-KR" altLang="en-US" dirty="0"/>
+          </a:p>
+        </p:txBody>
+      </p:sp>
+      <mc:AlternateContent xmlns:mc="http://schemas.openxmlformats.org/markup-compatibility/2006">
+        <mc:Choice xmlns:a14="http://schemas.microsoft.com/office/drawing/2010/main" Requires="a14">
+          <p:sp>
+            <p:nvSpPr>
+              <p:cNvPr id="3" name="내용 개체 틀 2">
+                <a:extLst>
+                  <a:ext uri="{FF2B5EF4-FFF2-40B4-BE49-F238E27FC236}">
+                    <a16:creationId xmlns:a16="http://schemas.microsoft.com/office/drawing/2014/main" id="{1725D5B2-2C6C-3B43-B4F2-CA91BE12BB41}"/>
+                  </a:ext>
+                </a:extLst>
+              </p:cNvPr>
+              <p:cNvSpPr>
+                <a:spLocks noGrp="1"/>
+              </p:cNvSpPr>
+              <p:nvPr>
+                <p:ph idx="1"/>
+              </p:nvPr>
+            </p:nvSpPr>
+            <p:spPr>
+              <a:xfrm>
+                <a:off x="838200" y="1721803"/>
+                <a:ext cx="10927080" cy="4351338"/>
+              </a:xfrm>
+            </p:spPr>
+            <p:txBody>
+              <a:bodyPr>
+                <a:normAutofit/>
+              </a:bodyPr>
+              <a:lstStyle/>
+              <a:p>
+                <a:r>
+                  <a:rPr kumimoji="1" lang="en-US" altLang="ko-KR" sz="2900" b="1" dirty="0"/>
+                  <a:t>Kaurush-Kuhn-Tucker (KKT) approach</a:t>
+                </a:r>
+              </a:p>
+              <a:p>
+                <a:pPr marL="0" indent="0">
+                  <a:buNone/>
+                </a:pPr>
+                <a14:m>
+                  <m:oMathPara xmlns:m="http://schemas.openxmlformats.org/officeDocument/2006/math">
+                    <m:oMathParaPr>
+                      <m:jc m:val="centerGroup"/>
+                    </m:oMathParaPr>
+                    <m:oMath xmlns:m="http://schemas.openxmlformats.org/officeDocument/2006/math">
+                      <m:r>
+                        <a:rPr kumimoji="1" lang="en-US" altLang="ko-KR" b="1" i="1" smtClean="0">
+                          <a:latin typeface="Cambria Math" panose="02040503050406030204" pitchFamily="18" charset="0"/>
+                        </a:rPr>
+                        <m:t>𝑳</m:t>
+                      </m:r>
+                      <m:r>
+                        <a:rPr kumimoji="1" lang="en-US" altLang="ko-KR" b="1" i="1" smtClean="0">
+                          <a:latin typeface="Cambria Math" panose="02040503050406030204" pitchFamily="18" charset="0"/>
+                        </a:rPr>
+                        <m:t>=</m:t>
+                      </m:r>
+                      <m:sSup>
+                        <m:sSupPr>
+                          <m:ctrlPr>
+                            <a:rPr kumimoji="1" lang="en-US" altLang="ko-KR" b="1" i="1">
+                              <a:latin typeface="Cambria Math" panose="02040503050406030204" pitchFamily="18" charset="0"/>
+                            </a:rPr>
+                          </m:ctrlPr>
+                        </m:sSupPr>
+                        <m:e>
+                          <m:r>
+                            <a:rPr kumimoji="1" lang="en-US" altLang="ko-KR" b="1" i="1">
+                              <a:latin typeface="Cambria Math" panose="02040503050406030204" pitchFamily="18" charset="0"/>
+                            </a:rPr>
+                            <m:t>𝒙</m:t>
+                          </m:r>
+                        </m:e>
+                        <m:sup>
+                          <m:r>
+                            <a:rPr kumimoji="1" lang="en-US" altLang="ko-KR" b="1" i="1">
+                              <a:latin typeface="Cambria Math" panose="02040503050406030204" pitchFamily="18" charset="0"/>
+                            </a:rPr>
+                            <m:t>𝟐</m:t>
+                          </m:r>
+                        </m:sup>
+                      </m:sSup>
+                      <m:r>
+                        <a:rPr kumimoji="1" lang="en-US" altLang="ko-KR" b="1" i="1">
+                          <a:latin typeface="Cambria Math" panose="02040503050406030204" pitchFamily="18" charset="0"/>
+                        </a:rPr>
+                        <m:t>+</m:t>
+                      </m:r>
+                      <m:sSup>
+                        <m:sSupPr>
+                          <m:ctrlPr>
+                            <a:rPr kumimoji="1" lang="en-US" altLang="ko-KR" b="1" i="1">
+                              <a:latin typeface="Cambria Math" panose="02040503050406030204" pitchFamily="18" charset="0"/>
+                            </a:rPr>
+                          </m:ctrlPr>
+                        </m:sSupPr>
+                        <m:e>
+                          <m:r>
+                            <a:rPr kumimoji="1" lang="en-US" altLang="ko-KR" b="1" i="1">
+                              <a:latin typeface="Cambria Math" panose="02040503050406030204" pitchFamily="18" charset="0"/>
+                            </a:rPr>
+                            <m:t>𝒚</m:t>
+                          </m:r>
+                        </m:e>
+                        <m:sup>
+                          <m:r>
+                            <a:rPr kumimoji="1" lang="en-US" altLang="ko-KR" b="1" i="1">
+                              <a:latin typeface="Cambria Math" panose="02040503050406030204" pitchFamily="18" charset="0"/>
+                            </a:rPr>
+                            <m:t>𝟐</m:t>
+                          </m:r>
+                        </m:sup>
+                      </m:sSup>
+                      <m:r>
+                        <a:rPr kumimoji="1" lang="en-US" altLang="ko-KR" b="1" i="1" smtClean="0">
+                          <a:latin typeface="Cambria Math" panose="02040503050406030204" pitchFamily="18" charset="0"/>
+                        </a:rPr>
+                        <m:t>+</m:t>
+                      </m:r>
+                      <m:r>
+                        <a:rPr kumimoji="1" lang="ko-KR" altLang="en-US" b="1" i="1" smtClean="0">
+                          <a:latin typeface="Cambria Math" panose="02040503050406030204" pitchFamily="18" charset="0"/>
+                        </a:rPr>
+                        <m:t>𝝀</m:t>
+                      </m:r>
+                      <m:d>
+                        <m:dPr>
+                          <m:ctrlPr>
+                            <a:rPr kumimoji="1" lang="en-US" altLang="ko-KR" b="1" i="1" smtClean="0">
+                              <a:latin typeface="Cambria Math" panose="02040503050406030204" pitchFamily="18" charset="0"/>
+                            </a:rPr>
+                          </m:ctrlPr>
+                        </m:dPr>
+                        <m:e>
+                          <m:r>
+                            <a:rPr kumimoji="1" lang="en-US" altLang="ko-KR" b="1" i="1" smtClean="0">
+                              <a:latin typeface="Cambria Math" panose="02040503050406030204" pitchFamily="18" charset="0"/>
+                            </a:rPr>
+                            <m:t>𝒙</m:t>
+                          </m:r>
+                          <m:r>
+                            <a:rPr kumimoji="1" lang="en-US" altLang="ko-KR" b="1" i="1" smtClean="0">
+                              <a:latin typeface="Cambria Math" panose="02040503050406030204" pitchFamily="18" charset="0"/>
+                            </a:rPr>
+                            <m:t>+</m:t>
+                          </m:r>
+                          <m:r>
+                            <a:rPr kumimoji="1" lang="en-US" altLang="ko-KR" b="1" i="1" smtClean="0">
+                              <a:latin typeface="Cambria Math" panose="02040503050406030204" pitchFamily="18" charset="0"/>
+                            </a:rPr>
+                            <m:t>𝟐</m:t>
+                          </m:r>
+                          <m:r>
+                            <a:rPr kumimoji="1" lang="en-US" altLang="ko-KR" b="1" i="1" smtClean="0">
+                              <a:latin typeface="Cambria Math" panose="02040503050406030204" pitchFamily="18" charset="0"/>
+                            </a:rPr>
+                            <m:t>𝒚</m:t>
+                          </m:r>
+                          <m:r>
+                            <a:rPr kumimoji="1" lang="en-US" altLang="ko-KR" b="1" i="1" smtClean="0">
+                              <a:latin typeface="Cambria Math" panose="02040503050406030204" pitchFamily="18" charset="0"/>
+                            </a:rPr>
+                            <m:t>−</m:t>
+                          </m:r>
+                          <m:r>
+                            <a:rPr kumimoji="1" lang="en-US" altLang="ko-KR" b="1" i="1" smtClean="0">
+                              <a:latin typeface="Cambria Math" panose="02040503050406030204" pitchFamily="18" charset="0"/>
+                            </a:rPr>
+                            <m:t>𝟒</m:t>
+                          </m:r>
+                        </m:e>
+                      </m:d>
+                      <m:r>
+                        <a:rPr kumimoji="1" lang="en-US" altLang="ko-KR" b="1" i="1" smtClean="0">
+                          <a:latin typeface="Cambria Math" panose="02040503050406030204" pitchFamily="18" charset="0"/>
+                        </a:rPr>
+                        <m:t>+</m:t>
+                      </m:r>
+                      <m:sSub>
+                        <m:sSubPr>
+                          <m:ctrlPr>
+                            <a:rPr kumimoji="1" lang="en-US" altLang="ko-KR" b="1" i="1" smtClean="0">
+                              <a:latin typeface="Cambria Math" panose="02040503050406030204" pitchFamily="18" charset="0"/>
+                            </a:rPr>
+                          </m:ctrlPr>
+                        </m:sSubPr>
+                        <m:e>
+                          <m:r>
+                            <a:rPr kumimoji="1" lang="ko-KR" altLang="en-US" b="1" i="1" smtClean="0">
+                              <a:latin typeface="Cambria Math" panose="02040503050406030204" pitchFamily="18" charset="0"/>
+                            </a:rPr>
+                            <m:t>𝜶</m:t>
+                          </m:r>
+                        </m:e>
+                        <m:sub>
+                          <m:r>
+                            <a:rPr kumimoji="1" lang="en-US" altLang="ko-KR" b="1" i="1" smtClean="0">
+                              <a:latin typeface="Cambria Math" panose="02040503050406030204" pitchFamily="18" charset="0"/>
+                            </a:rPr>
+                            <m:t>𝟏</m:t>
+                          </m:r>
+                        </m:sub>
+                      </m:sSub>
+                      <m:d>
+                        <m:dPr>
+                          <m:ctrlPr>
+                            <a:rPr kumimoji="1" lang="en-US" altLang="ko-KR" b="1" i="1" smtClean="0">
+                              <a:latin typeface="Cambria Math" panose="02040503050406030204" pitchFamily="18" charset="0"/>
+                            </a:rPr>
+                          </m:ctrlPr>
+                        </m:dPr>
+                        <m:e>
+                          <m:sSup>
+                            <m:sSupPr>
+                              <m:ctrlPr>
+                                <a:rPr kumimoji="1" lang="en-US" altLang="ko-KR" b="1" i="1">
+                                  <a:latin typeface="Cambria Math" panose="02040503050406030204" pitchFamily="18" charset="0"/>
+                                </a:rPr>
+                              </m:ctrlPr>
+                            </m:sSupPr>
+                            <m:e>
+                              <m:r>
+                                <a:rPr kumimoji="1" lang="en-US" altLang="ko-KR" b="1" i="1">
+                                  <a:latin typeface="Cambria Math" panose="02040503050406030204" pitchFamily="18" charset="0"/>
+                                </a:rPr>
+                                <m:t>𝒙</m:t>
+                              </m:r>
+                            </m:e>
+                            <m:sup>
+                              <m:r>
+                                <a:rPr kumimoji="1" lang="en-US" altLang="ko-KR" b="1" i="1">
+                                  <a:latin typeface="Cambria Math" panose="02040503050406030204" pitchFamily="18" charset="0"/>
+                                </a:rPr>
+                                <m:t>𝟐</m:t>
+                              </m:r>
+                            </m:sup>
+                          </m:sSup>
+                          <m:r>
+                            <a:rPr kumimoji="1" lang="en-US" altLang="ko-KR" b="1" i="1">
+                              <a:latin typeface="Cambria Math" panose="02040503050406030204" pitchFamily="18" charset="0"/>
+                            </a:rPr>
+                            <m:t>+</m:t>
+                          </m:r>
+                          <m:sSup>
+                            <m:sSupPr>
+                              <m:ctrlPr>
+                                <a:rPr kumimoji="1" lang="en-US" altLang="ko-KR" b="1" i="1">
+                                  <a:latin typeface="Cambria Math" panose="02040503050406030204" pitchFamily="18" charset="0"/>
+                                </a:rPr>
+                              </m:ctrlPr>
+                            </m:sSupPr>
+                            <m:e>
+                              <m:r>
+                                <a:rPr kumimoji="1" lang="en-US" altLang="ko-KR" b="1" i="1">
+                                  <a:latin typeface="Cambria Math" panose="02040503050406030204" pitchFamily="18" charset="0"/>
+                                </a:rPr>
+                                <m:t>𝒚</m:t>
+                              </m:r>
+                            </m:e>
+                            <m:sup>
+                              <m:r>
+                                <a:rPr kumimoji="1" lang="en-US" altLang="ko-KR" b="1" i="1">
+                                  <a:latin typeface="Cambria Math" panose="02040503050406030204" pitchFamily="18" charset="0"/>
+                                </a:rPr>
+                                <m:t>𝟐</m:t>
+                              </m:r>
+                            </m:sup>
+                          </m:sSup>
+                          <m:r>
+                            <a:rPr kumimoji="1" lang="en-US" altLang="ko-KR" b="1" i="1" smtClean="0">
+                              <a:latin typeface="Cambria Math" panose="02040503050406030204" pitchFamily="18" charset="0"/>
+                            </a:rPr>
+                            <m:t>−</m:t>
+                          </m:r>
+                          <m:r>
+                            <a:rPr kumimoji="1" lang="en-US" altLang="ko-KR" b="1" i="1" smtClean="0">
+                              <a:latin typeface="Cambria Math" panose="02040503050406030204" pitchFamily="18" charset="0"/>
+                            </a:rPr>
+                            <m:t>𝟓</m:t>
+                          </m:r>
+                        </m:e>
+                      </m:d>
+                      <m:r>
+                        <a:rPr kumimoji="1" lang="en-US" altLang="ko-KR" b="1" i="1" smtClean="0">
+                          <a:latin typeface="Cambria Math" panose="02040503050406030204" pitchFamily="18" charset="0"/>
+                        </a:rPr>
+                        <m:t>−</m:t>
+                      </m:r>
+                      <m:sSub>
+                        <m:sSubPr>
+                          <m:ctrlPr>
+                            <a:rPr kumimoji="1" lang="en-US" altLang="ko-KR" b="1" i="1">
+                              <a:latin typeface="Cambria Math" panose="02040503050406030204" pitchFamily="18" charset="0"/>
+                            </a:rPr>
+                          </m:ctrlPr>
+                        </m:sSubPr>
+                        <m:e>
+                          <m:r>
+                            <a:rPr kumimoji="1" lang="ko-KR" altLang="en-US" b="1" i="1" smtClean="0">
+                              <a:latin typeface="Cambria Math" panose="02040503050406030204" pitchFamily="18" charset="0"/>
+                            </a:rPr>
+                            <m:t>𝜶</m:t>
+                          </m:r>
+                        </m:e>
+                        <m:sub>
+                          <m:r>
+                            <a:rPr kumimoji="1" lang="en-US" altLang="ko-KR" b="1" i="1" smtClean="0">
+                              <a:latin typeface="Cambria Math" panose="02040503050406030204" pitchFamily="18" charset="0"/>
+                            </a:rPr>
+                            <m:t>𝟐</m:t>
+                          </m:r>
+                        </m:sub>
+                      </m:sSub>
+                      <m:d>
+                        <m:dPr>
+                          <m:ctrlPr>
+                            <a:rPr kumimoji="1" lang="en-US" altLang="ko-KR" b="1" i="1" smtClean="0">
+                              <a:latin typeface="Cambria Math" panose="02040503050406030204" pitchFamily="18" charset="0"/>
+                            </a:rPr>
+                          </m:ctrlPr>
+                        </m:dPr>
+                        <m:e>
+                          <m:r>
+                            <a:rPr kumimoji="1" lang="en-US" altLang="ko-KR" b="1" i="1" smtClean="0">
+                              <a:latin typeface="Cambria Math" panose="02040503050406030204" pitchFamily="18" charset="0"/>
+                            </a:rPr>
+                            <m:t>𝒙</m:t>
+                          </m:r>
+                        </m:e>
+                      </m:d>
+                      <m:r>
+                        <a:rPr kumimoji="1" lang="en-US" altLang="ko-KR" b="1" i="1" smtClean="0">
+                          <a:latin typeface="Cambria Math" panose="02040503050406030204" pitchFamily="18" charset="0"/>
+                        </a:rPr>
+                        <m:t>−</m:t>
+                      </m:r>
+                      <m:sSub>
+                        <m:sSubPr>
+                          <m:ctrlPr>
+                            <a:rPr kumimoji="1" lang="en-US" altLang="ko-KR" b="1" i="1">
+                              <a:latin typeface="Cambria Math" panose="02040503050406030204" pitchFamily="18" charset="0"/>
+                            </a:rPr>
+                          </m:ctrlPr>
+                        </m:sSubPr>
+                        <m:e>
+                          <m:r>
+                            <a:rPr kumimoji="1" lang="ko-KR" altLang="en-US" b="1" i="1" smtClean="0">
+                              <a:latin typeface="Cambria Math" panose="02040503050406030204" pitchFamily="18" charset="0"/>
+                            </a:rPr>
+                            <m:t>𝜶</m:t>
+                          </m:r>
+                        </m:e>
+                        <m:sub>
+                          <m:r>
+                            <a:rPr kumimoji="1" lang="en-US" altLang="ko-KR" b="1" i="1" smtClean="0">
+                              <a:latin typeface="Cambria Math" panose="02040503050406030204" pitchFamily="18" charset="0"/>
+                            </a:rPr>
+                            <m:t>𝟑</m:t>
+                          </m:r>
+                        </m:sub>
+                      </m:sSub>
+                      <m:d>
+                        <m:dPr>
+                          <m:ctrlPr>
+                            <a:rPr kumimoji="1" lang="en-US" altLang="ko-KR" b="1" i="1" smtClean="0">
+                              <a:latin typeface="Cambria Math" panose="02040503050406030204" pitchFamily="18" charset="0"/>
+                            </a:rPr>
+                          </m:ctrlPr>
+                        </m:dPr>
+                        <m:e>
+                          <m:r>
+                            <a:rPr kumimoji="1" lang="en-US" altLang="ko-KR" b="1" i="1" smtClean="0">
+                              <a:latin typeface="Cambria Math" panose="02040503050406030204" pitchFamily="18" charset="0"/>
+                            </a:rPr>
+                            <m:t>𝒚</m:t>
+                          </m:r>
+                        </m:e>
+                      </m:d>
+                    </m:oMath>
+                  </m:oMathPara>
+                </a14:m>
+                <a:endParaRPr kumimoji="1" lang="en-US" altLang="ko-KR" b="1" i="1" dirty="0">
+                  <a:latin typeface="Cambria Math" panose="02040503050406030204" pitchFamily="18" charset="0"/>
+                </a:endParaRPr>
+              </a:p>
+              <a:p>
+                <a:pPr marL="0" indent="0">
+                  <a:buNone/>
+                </a:pPr>
+                <a:r>
+                  <a:rPr kumimoji="1" lang="en-US" altLang="ko-KR" b="1" i="1" dirty="0">
+                    <a:latin typeface="Cambria Math" panose="02040503050406030204" pitchFamily="18" charset="0"/>
+                  </a:rPr>
+                  <a:t>1) </a:t>
+                </a:r>
+                <a14:m>
+                  <m:oMath xmlns:m="http://schemas.openxmlformats.org/officeDocument/2006/math">
+                    <m:sSub>
+                      <m:sSubPr>
+                        <m:ctrlPr>
+                          <a:rPr kumimoji="1" lang="en-US" altLang="ko-KR" b="1" i="1" smtClean="0">
+                            <a:latin typeface="Cambria Math" panose="02040503050406030204" pitchFamily="18" charset="0"/>
+                          </a:rPr>
+                        </m:ctrlPr>
+                      </m:sSubPr>
+                      <m:e>
+                        <m:r>
+                          <a:rPr kumimoji="1" lang="ko-KR" altLang="en-US" b="1" i="1" smtClean="0">
+                            <a:latin typeface="Cambria Math" panose="02040503050406030204" pitchFamily="18" charset="0"/>
+                          </a:rPr>
+                          <m:t>𝜶</m:t>
+                        </m:r>
+                      </m:e>
+                      <m:sub>
+                        <m:r>
+                          <a:rPr kumimoji="1" lang="en-US" altLang="ko-KR" b="1" i="1" smtClean="0">
+                            <a:latin typeface="Cambria Math" panose="02040503050406030204" pitchFamily="18" charset="0"/>
+                          </a:rPr>
+                          <m:t>𝟏</m:t>
+                        </m:r>
+                      </m:sub>
+                    </m:sSub>
+                    <m:r>
+                      <a:rPr kumimoji="1" lang="en-US" altLang="ko-KR" b="1" i="1" smtClean="0">
+                        <a:latin typeface="Cambria Math" panose="02040503050406030204" pitchFamily="18" charset="0"/>
+                      </a:rPr>
+                      <m:t>=</m:t>
+                    </m:r>
+                    <m:sSub>
+                      <m:sSubPr>
+                        <m:ctrlPr>
+                          <a:rPr kumimoji="1" lang="en-US" altLang="ko-KR" b="1" i="1">
+                            <a:latin typeface="Cambria Math" panose="02040503050406030204" pitchFamily="18" charset="0"/>
+                          </a:rPr>
+                        </m:ctrlPr>
+                      </m:sSubPr>
+                      <m:e>
+                        <m:r>
+                          <a:rPr kumimoji="1" lang="ko-KR" altLang="en-US" b="1" i="1">
+                            <a:latin typeface="Cambria Math" panose="02040503050406030204" pitchFamily="18" charset="0"/>
+                          </a:rPr>
+                          <m:t>𝜶</m:t>
+                        </m:r>
+                      </m:e>
+                      <m:sub>
+                        <m:r>
+                          <a:rPr kumimoji="1" lang="en-US" altLang="ko-KR" b="1" i="1" smtClean="0">
+                            <a:latin typeface="Cambria Math" panose="02040503050406030204" pitchFamily="18" charset="0"/>
+                          </a:rPr>
+                          <m:t>𝟐</m:t>
+                        </m:r>
+                      </m:sub>
+                    </m:sSub>
+                    <m:r>
+                      <a:rPr kumimoji="1" lang="en-US" altLang="ko-KR" b="1" i="1" smtClean="0">
+                        <a:latin typeface="Cambria Math" panose="02040503050406030204" pitchFamily="18" charset="0"/>
+                      </a:rPr>
+                      <m:t>=</m:t>
+                    </m:r>
+                    <m:sSub>
+                      <m:sSubPr>
+                        <m:ctrlPr>
+                          <a:rPr kumimoji="1" lang="en-US" altLang="ko-KR" b="1" i="1">
+                            <a:latin typeface="Cambria Math" panose="02040503050406030204" pitchFamily="18" charset="0"/>
+                          </a:rPr>
+                        </m:ctrlPr>
+                      </m:sSubPr>
+                      <m:e>
+                        <m:r>
+                          <a:rPr kumimoji="1" lang="ko-KR" altLang="en-US" b="1" i="1">
+                            <a:latin typeface="Cambria Math" panose="02040503050406030204" pitchFamily="18" charset="0"/>
+                          </a:rPr>
+                          <m:t>𝜶</m:t>
+                        </m:r>
+                      </m:e>
+                      <m:sub>
+                        <m:r>
+                          <a:rPr kumimoji="1" lang="en-US" altLang="ko-KR" b="1" i="1" smtClean="0">
+                            <a:latin typeface="Cambria Math" panose="02040503050406030204" pitchFamily="18" charset="0"/>
+                          </a:rPr>
+                          <m:t>𝟑</m:t>
+                        </m:r>
+                      </m:sub>
+                    </m:sSub>
+                    <m:r>
+                      <a:rPr kumimoji="1" lang="en-US" altLang="ko-KR" b="1" i="1" smtClean="0">
+                        <a:latin typeface="Cambria Math" panose="02040503050406030204" pitchFamily="18" charset="0"/>
+                      </a:rPr>
+                      <m:t>=</m:t>
+                    </m:r>
+                    <m:r>
+                      <a:rPr kumimoji="1" lang="en-US" altLang="ko-KR" b="1" i="1" smtClean="0">
+                        <a:latin typeface="Cambria Math" panose="02040503050406030204" pitchFamily="18" charset="0"/>
+                      </a:rPr>
+                      <m:t>𝟎</m:t>
+                    </m:r>
+                    <m:r>
+                      <a:rPr kumimoji="1" lang="en-US" altLang="ko-KR" b="1" i="1" smtClean="0">
+                        <a:latin typeface="Cambria Math" panose="02040503050406030204" pitchFamily="18" charset="0"/>
+                      </a:rPr>
+                      <m:t>,  </m:t>
+                    </m:r>
+                    <m:r>
+                      <a:rPr kumimoji="1" lang="en-US" altLang="ko-KR" b="1" i="1" smtClean="0">
+                        <a:latin typeface="Cambria Math" panose="02040503050406030204" pitchFamily="18" charset="0"/>
+                      </a:rPr>
+                      <m:t>𝒙</m:t>
+                    </m:r>
+                    <m:r>
+                      <a:rPr kumimoji="1" lang="en-US" altLang="ko-KR" b="1" i="1" smtClean="0">
+                        <a:latin typeface="Cambria Math" panose="02040503050406030204" pitchFamily="18" charset="0"/>
+                      </a:rPr>
+                      <m:t>=</m:t>
+                    </m:r>
+                    <m:f>
+                      <m:fPr>
+                        <m:ctrlPr>
+                          <a:rPr kumimoji="1" lang="en-US" altLang="ko-KR" b="1" i="1" smtClean="0">
+                            <a:latin typeface="Cambria Math" panose="02040503050406030204" pitchFamily="18" charset="0"/>
+                          </a:rPr>
+                        </m:ctrlPr>
+                      </m:fPr>
+                      <m:num>
+                        <m:r>
+                          <a:rPr kumimoji="1" lang="en-US" altLang="ko-KR" b="1" i="1" smtClean="0">
+                            <a:latin typeface="Cambria Math" panose="02040503050406030204" pitchFamily="18" charset="0"/>
+                          </a:rPr>
+                          <m:t>𝟒</m:t>
+                        </m:r>
+                      </m:num>
+                      <m:den>
+                        <m:r>
+                          <a:rPr kumimoji="1" lang="en-US" altLang="ko-KR" b="1" i="1" smtClean="0">
+                            <a:latin typeface="Cambria Math" panose="02040503050406030204" pitchFamily="18" charset="0"/>
+                          </a:rPr>
+                          <m:t>𝟓</m:t>
+                        </m:r>
+                      </m:den>
+                    </m:f>
+                    <m:r>
+                      <a:rPr kumimoji="1" lang="en-US" altLang="ko-KR" b="1" i="1" smtClean="0">
+                        <a:latin typeface="Cambria Math" panose="02040503050406030204" pitchFamily="18" charset="0"/>
+                      </a:rPr>
+                      <m:t>, </m:t>
+                    </m:r>
+                    <m:r>
+                      <a:rPr kumimoji="1" lang="en-US" altLang="ko-KR" b="1" i="1" smtClean="0">
+                        <a:latin typeface="Cambria Math" panose="02040503050406030204" pitchFamily="18" charset="0"/>
+                      </a:rPr>
+                      <m:t>𝒚</m:t>
+                    </m:r>
+                    <m:r>
+                      <a:rPr kumimoji="1" lang="en-US" altLang="ko-KR" b="1" i="1" smtClean="0">
+                        <a:latin typeface="Cambria Math" panose="02040503050406030204" pitchFamily="18" charset="0"/>
+                      </a:rPr>
+                      <m:t>=</m:t>
+                    </m:r>
+                    <m:f>
+                      <m:fPr>
+                        <m:ctrlPr>
+                          <a:rPr kumimoji="1" lang="en-US" altLang="ko-KR" b="1" i="1" smtClean="0">
+                            <a:latin typeface="Cambria Math" panose="02040503050406030204" pitchFamily="18" charset="0"/>
+                          </a:rPr>
+                        </m:ctrlPr>
+                      </m:fPr>
+                      <m:num>
+                        <m:r>
+                          <a:rPr kumimoji="1" lang="en-US" altLang="ko-KR" b="1" i="1" smtClean="0">
+                            <a:latin typeface="Cambria Math" panose="02040503050406030204" pitchFamily="18" charset="0"/>
+                          </a:rPr>
+                          <m:t>𝟖</m:t>
+                        </m:r>
+                      </m:num>
+                      <m:den>
+                        <m:r>
+                          <a:rPr kumimoji="1" lang="en-US" altLang="ko-KR" b="1" i="1" smtClean="0">
+                            <a:latin typeface="Cambria Math" panose="02040503050406030204" pitchFamily="18" charset="0"/>
+                          </a:rPr>
+                          <m:t>𝟓</m:t>
+                        </m:r>
+                      </m:den>
+                    </m:f>
+                    <m:r>
+                      <a:rPr kumimoji="1" lang="en-US" altLang="ko-KR" b="1" i="1" smtClean="0">
+                        <a:latin typeface="Cambria Math" panose="02040503050406030204" pitchFamily="18" charset="0"/>
+                      </a:rPr>
+                      <m:t>, </m:t>
+                    </m:r>
+                    <m:r>
+                      <a:rPr kumimoji="1" lang="ko-KR" altLang="en-US" b="1" i="1" smtClean="0">
+                        <a:latin typeface="Cambria Math" panose="02040503050406030204" pitchFamily="18" charset="0"/>
+                      </a:rPr>
+                      <m:t>𝝀</m:t>
+                    </m:r>
+                    <m:r>
+                      <a:rPr kumimoji="1" lang="en-US" altLang="ko-KR" b="1" i="1" smtClean="0">
+                        <a:latin typeface="Cambria Math" panose="02040503050406030204" pitchFamily="18" charset="0"/>
+                      </a:rPr>
+                      <m:t>=−</m:t>
+                    </m:r>
+                    <m:f>
+                      <m:fPr>
+                        <m:ctrlPr>
+                          <a:rPr kumimoji="1" lang="en-US" altLang="ko-KR" b="1" i="1" smtClean="0">
+                            <a:latin typeface="Cambria Math" panose="02040503050406030204" pitchFamily="18" charset="0"/>
+                          </a:rPr>
+                        </m:ctrlPr>
+                      </m:fPr>
+                      <m:num>
+                        <m:r>
+                          <a:rPr kumimoji="1" lang="en-US" altLang="ko-KR" b="1" i="1" smtClean="0">
+                            <a:latin typeface="Cambria Math" panose="02040503050406030204" pitchFamily="18" charset="0"/>
+                          </a:rPr>
+                          <m:t>𝟖</m:t>
+                        </m:r>
+                      </m:num>
+                      <m:den>
+                        <m:r>
+                          <a:rPr kumimoji="1" lang="en-US" altLang="ko-KR" b="1" i="1" smtClean="0">
+                            <a:latin typeface="Cambria Math" panose="02040503050406030204" pitchFamily="18" charset="0"/>
+                          </a:rPr>
+                          <m:t>𝟓</m:t>
+                        </m:r>
+                      </m:den>
+                    </m:f>
+                  </m:oMath>
+                </a14:m>
+                <a:endParaRPr kumimoji="1" lang="en-US" altLang="ko-KR" b="1" i="1" dirty="0">
+                  <a:latin typeface="Cambria Math" panose="02040503050406030204" pitchFamily="18" charset="0"/>
+                </a:endParaRPr>
+              </a:p>
+              <a:p>
+                <a:pPr marL="0" indent="0">
+                  <a:buNone/>
+                </a:pPr>
+                <a:r>
+                  <a:rPr kumimoji="1" lang="en-US" altLang="ko-KR" b="1" i="1" dirty="0">
+                    <a:latin typeface="Cambria Math" panose="02040503050406030204" pitchFamily="18" charset="0"/>
+                  </a:rPr>
+                  <a:t>2) </a:t>
+                </a:r>
+                <a14:m>
+                  <m:oMath xmlns:m="http://schemas.openxmlformats.org/officeDocument/2006/math">
+                    <m:sSub>
+                      <m:sSubPr>
+                        <m:ctrlPr>
+                          <a:rPr kumimoji="1" lang="en-US" altLang="ko-KR" b="1" i="1" smtClean="0">
+                            <a:latin typeface="Cambria Math" panose="02040503050406030204" pitchFamily="18" charset="0"/>
+                          </a:rPr>
+                        </m:ctrlPr>
+                      </m:sSubPr>
+                      <m:e>
+                        <m:r>
+                          <a:rPr kumimoji="1" lang="ko-KR" altLang="en-US" b="1" i="1" smtClean="0">
+                            <a:latin typeface="Cambria Math" panose="02040503050406030204" pitchFamily="18" charset="0"/>
+                          </a:rPr>
+                          <m:t>𝜶</m:t>
+                        </m:r>
+                      </m:e>
+                      <m:sub>
+                        <m:r>
+                          <a:rPr kumimoji="1" lang="en-US" altLang="ko-KR" b="1" i="1" smtClean="0">
+                            <a:latin typeface="Cambria Math" panose="02040503050406030204" pitchFamily="18" charset="0"/>
+                          </a:rPr>
+                          <m:t>𝟏</m:t>
+                        </m:r>
+                      </m:sub>
+                    </m:sSub>
+                    <m:r>
+                      <a:rPr kumimoji="1" lang="en-US" altLang="ko-KR" b="1" i="1" smtClean="0">
+                        <a:latin typeface="Cambria Math" panose="02040503050406030204" pitchFamily="18" charset="0"/>
+                      </a:rPr>
+                      <m:t>=</m:t>
+                    </m:r>
+                    <m:sSub>
+                      <m:sSubPr>
+                        <m:ctrlPr>
+                          <a:rPr kumimoji="1" lang="en-US" altLang="ko-KR" b="1" i="1">
+                            <a:latin typeface="Cambria Math" panose="02040503050406030204" pitchFamily="18" charset="0"/>
+                          </a:rPr>
+                        </m:ctrlPr>
+                      </m:sSubPr>
+                      <m:e>
+                        <m:r>
+                          <a:rPr kumimoji="1" lang="ko-KR" altLang="en-US" b="1" i="1">
+                            <a:latin typeface="Cambria Math" panose="02040503050406030204" pitchFamily="18" charset="0"/>
+                          </a:rPr>
+                          <m:t>𝜶</m:t>
+                        </m:r>
+                      </m:e>
+                      <m:sub>
+                        <m:r>
+                          <a:rPr kumimoji="1" lang="en-US" altLang="ko-KR" b="1" i="1" smtClean="0">
+                            <a:latin typeface="Cambria Math" panose="02040503050406030204" pitchFamily="18" charset="0"/>
+                          </a:rPr>
+                          <m:t>𝟑</m:t>
+                        </m:r>
+                      </m:sub>
+                    </m:sSub>
+                    <m:r>
+                      <a:rPr kumimoji="1" lang="en-US" altLang="ko-KR" b="1" i="1" smtClean="0">
+                        <a:latin typeface="Cambria Math" panose="02040503050406030204" pitchFamily="18" charset="0"/>
+                      </a:rPr>
+                      <m:t>=</m:t>
+                    </m:r>
+                    <m:r>
+                      <a:rPr kumimoji="1" lang="en-US" altLang="ko-KR" b="1" i="1" smtClean="0">
+                        <a:latin typeface="Cambria Math" panose="02040503050406030204" pitchFamily="18" charset="0"/>
+                      </a:rPr>
+                      <m:t>𝟎</m:t>
+                    </m:r>
+                    <m:r>
+                      <a:rPr kumimoji="1" lang="en-US" altLang="ko-KR" b="1" i="1" smtClean="0">
+                        <a:latin typeface="Cambria Math" panose="02040503050406030204" pitchFamily="18" charset="0"/>
+                      </a:rPr>
+                      <m:t> , </m:t>
+                    </m:r>
+                    <m:r>
+                      <a:rPr kumimoji="1" lang="en-US" altLang="ko-KR" b="1" i="1" smtClean="0">
+                        <a:latin typeface="Cambria Math" panose="02040503050406030204" pitchFamily="18" charset="0"/>
+                      </a:rPr>
+                      <m:t>𝒙</m:t>
+                    </m:r>
+                    <m:r>
+                      <a:rPr kumimoji="1" lang="en-US" altLang="ko-KR" b="1" i="1" smtClean="0">
+                        <a:latin typeface="Cambria Math" panose="02040503050406030204" pitchFamily="18" charset="0"/>
+                      </a:rPr>
+                      <m:t>=</m:t>
+                    </m:r>
+                    <m:r>
+                      <a:rPr kumimoji="1" lang="en-US" altLang="ko-KR" b="1" i="1" smtClean="0">
+                        <a:latin typeface="Cambria Math" panose="02040503050406030204" pitchFamily="18" charset="0"/>
+                      </a:rPr>
+                      <m:t>𝟎</m:t>
+                    </m:r>
+                    <m:r>
+                      <a:rPr kumimoji="1" lang="en-US" altLang="ko-KR" b="1" i="1" smtClean="0">
+                        <a:latin typeface="Cambria Math" panose="02040503050406030204" pitchFamily="18" charset="0"/>
+                      </a:rPr>
+                      <m:t>, </m:t>
+                    </m:r>
+                    <m:r>
+                      <a:rPr kumimoji="1" lang="en-US" altLang="ko-KR" b="1" i="1" smtClean="0">
+                        <a:latin typeface="Cambria Math" panose="02040503050406030204" pitchFamily="18" charset="0"/>
+                      </a:rPr>
+                      <m:t>𝒚</m:t>
+                    </m:r>
+                    <m:r>
+                      <a:rPr kumimoji="1" lang="en-US" altLang="ko-KR" b="1" i="1" smtClean="0">
+                        <a:latin typeface="Cambria Math" panose="02040503050406030204" pitchFamily="18" charset="0"/>
+                      </a:rPr>
+                      <m:t>=</m:t>
+                    </m:r>
+                    <m:r>
+                      <a:rPr kumimoji="1" lang="en-US" altLang="ko-KR" b="1" i="1" smtClean="0">
+                        <a:latin typeface="Cambria Math" panose="02040503050406030204" pitchFamily="18" charset="0"/>
+                      </a:rPr>
+                      <m:t>𝟐</m:t>
+                    </m:r>
+                    <m:r>
+                      <a:rPr kumimoji="1" lang="en-US" altLang="ko-KR" b="1" i="1" smtClean="0">
+                        <a:latin typeface="Cambria Math" panose="02040503050406030204" pitchFamily="18" charset="0"/>
+                      </a:rPr>
+                      <m:t>, </m:t>
+                    </m:r>
+                    <m:r>
+                      <a:rPr kumimoji="1" lang="ko-KR" altLang="en-US" b="1" i="1" smtClean="0">
+                        <a:latin typeface="Cambria Math" panose="02040503050406030204" pitchFamily="18" charset="0"/>
+                      </a:rPr>
+                      <m:t>𝝀</m:t>
+                    </m:r>
+                    <m:r>
+                      <a:rPr kumimoji="1" lang="en-US" altLang="ko-KR" b="1" i="1" smtClean="0">
+                        <a:latin typeface="Cambria Math" panose="02040503050406030204" pitchFamily="18" charset="0"/>
+                      </a:rPr>
+                      <m:t>=−</m:t>
+                    </m:r>
+                    <m:r>
+                      <a:rPr kumimoji="1" lang="en-US" altLang="ko-KR" b="1" i="1" smtClean="0">
+                        <a:latin typeface="Cambria Math" panose="02040503050406030204" pitchFamily="18" charset="0"/>
+                      </a:rPr>
+                      <m:t>𝟐</m:t>
+                    </m:r>
+                    <m:r>
+                      <a:rPr kumimoji="1" lang="en-US" altLang="ko-KR" b="1" i="1" smtClean="0">
+                        <a:latin typeface="Cambria Math" panose="02040503050406030204" pitchFamily="18" charset="0"/>
+                      </a:rPr>
+                      <m:t>,</m:t>
+                    </m:r>
+                    <m:sSub>
+                      <m:sSubPr>
+                        <m:ctrlPr>
+                          <a:rPr kumimoji="1" lang="en-US" altLang="ko-KR" b="1" i="1">
+                            <a:latin typeface="Cambria Math" panose="02040503050406030204" pitchFamily="18" charset="0"/>
+                          </a:rPr>
+                        </m:ctrlPr>
+                      </m:sSubPr>
+                      <m:e>
+                        <m:r>
+                          <a:rPr kumimoji="1" lang="ko-KR" altLang="en-US" b="1" i="1">
+                            <a:latin typeface="Cambria Math" panose="02040503050406030204" pitchFamily="18" charset="0"/>
+                          </a:rPr>
+                          <m:t>𝜶</m:t>
+                        </m:r>
+                      </m:e>
+                      <m:sub>
+                        <m:r>
+                          <a:rPr kumimoji="1" lang="en-US" altLang="ko-KR" b="1" i="1">
+                            <a:latin typeface="Cambria Math" panose="02040503050406030204" pitchFamily="18" charset="0"/>
+                          </a:rPr>
+                          <m:t>𝟐</m:t>
+                        </m:r>
+                      </m:sub>
+                    </m:sSub>
+                    <m:r>
+                      <a:rPr kumimoji="1" lang="en-US" altLang="ko-KR" b="1" i="1" smtClean="0">
+                        <a:latin typeface="Cambria Math" panose="02040503050406030204" pitchFamily="18" charset="0"/>
+                      </a:rPr>
+                      <m:t>=−</m:t>
+                    </m:r>
+                    <m:r>
+                      <a:rPr kumimoji="1" lang="en-US" altLang="ko-KR" b="1" i="1" smtClean="0">
+                        <a:latin typeface="Cambria Math" panose="02040503050406030204" pitchFamily="18" charset="0"/>
+                      </a:rPr>
+                      <m:t>𝟐</m:t>
+                    </m:r>
+                  </m:oMath>
+                </a14:m>
+                <a:endParaRPr kumimoji="1" lang="en-US" altLang="ko-KR" b="1" i="1" dirty="0">
+                  <a:latin typeface="Cambria Math" panose="02040503050406030204" pitchFamily="18" charset="0"/>
+                </a:endParaRPr>
+              </a:p>
+              <a:p>
+                <a:pPr marL="0" indent="0">
+                  <a:buNone/>
+                </a:pPr>
+                <a:r>
+                  <a:rPr kumimoji="1" lang="en-US" altLang="ko-KR" b="1" i="1" dirty="0">
+                    <a:latin typeface="Cambria Math" panose="02040503050406030204" pitchFamily="18" charset="0"/>
+                  </a:rPr>
+                  <a:t>3)</a:t>
+                </a:r>
+                <a:r>
+                  <a:rPr kumimoji="1" lang="en-US" altLang="ko-KR" b="1" dirty="0"/>
+                  <a:t> </a:t>
+                </a:r>
+                <a14:m>
+                  <m:oMath xmlns:m="http://schemas.openxmlformats.org/officeDocument/2006/math">
+                    <m:sSub>
+                      <m:sSubPr>
+                        <m:ctrlPr>
+                          <a:rPr kumimoji="1" lang="en-US" altLang="ko-KR" b="1" i="1" smtClean="0">
+                            <a:latin typeface="Cambria Math" panose="02040503050406030204" pitchFamily="18" charset="0"/>
+                          </a:rPr>
+                        </m:ctrlPr>
+                      </m:sSubPr>
+                      <m:e>
+                        <m:r>
+                          <a:rPr kumimoji="1" lang="ko-KR" altLang="en-US" b="1" i="1" smtClean="0">
+                            <a:latin typeface="Cambria Math" panose="02040503050406030204" pitchFamily="18" charset="0"/>
+                          </a:rPr>
+                          <m:t>𝜶</m:t>
+                        </m:r>
+                      </m:e>
+                      <m:sub>
+                        <m:r>
+                          <a:rPr kumimoji="1" lang="en-US" altLang="ko-KR" b="1" i="1" smtClean="0">
+                            <a:latin typeface="Cambria Math" panose="02040503050406030204" pitchFamily="18" charset="0"/>
+                          </a:rPr>
+                          <m:t>𝟐</m:t>
+                        </m:r>
+                      </m:sub>
+                    </m:sSub>
+                    <m:r>
+                      <a:rPr kumimoji="1" lang="en-US" altLang="ko-KR" b="1" i="1" smtClean="0">
+                        <a:latin typeface="Cambria Math" panose="02040503050406030204" pitchFamily="18" charset="0"/>
+                      </a:rPr>
+                      <m:t>=</m:t>
+                    </m:r>
+                    <m:sSub>
+                      <m:sSubPr>
+                        <m:ctrlPr>
+                          <a:rPr kumimoji="1" lang="en-US" altLang="ko-KR" b="1" i="1">
+                            <a:latin typeface="Cambria Math" panose="02040503050406030204" pitchFamily="18" charset="0"/>
+                          </a:rPr>
+                        </m:ctrlPr>
+                      </m:sSubPr>
+                      <m:e>
+                        <m:r>
+                          <a:rPr kumimoji="1" lang="ko-KR" altLang="en-US" b="1" i="1">
+                            <a:latin typeface="Cambria Math" panose="02040503050406030204" pitchFamily="18" charset="0"/>
+                          </a:rPr>
+                          <m:t>𝜶</m:t>
+                        </m:r>
+                      </m:e>
+                      <m:sub>
+                        <m:r>
+                          <a:rPr kumimoji="1" lang="en-US" altLang="ko-KR" b="1" i="1" smtClean="0">
+                            <a:latin typeface="Cambria Math" panose="02040503050406030204" pitchFamily="18" charset="0"/>
+                          </a:rPr>
+                          <m:t>𝟑</m:t>
+                        </m:r>
+                      </m:sub>
+                    </m:sSub>
+                    <m:r>
+                      <a:rPr kumimoji="1" lang="en-US" altLang="ko-KR" b="1" i="1" smtClean="0">
+                        <a:latin typeface="Cambria Math" panose="02040503050406030204" pitchFamily="18" charset="0"/>
+                      </a:rPr>
+                      <m:t>=</m:t>
+                    </m:r>
+                    <m:r>
+                      <a:rPr kumimoji="1" lang="en-US" altLang="ko-KR" b="1" i="1" smtClean="0">
+                        <a:latin typeface="Cambria Math" panose="02040503050406030204" pitchFamily="18" charset="0"/>
+                      </a:rPr>
+                      <m:t>𝟎</m:t>
+                    </m:r>
+                    <m:r>
+                      <a:rPr kumimoji="1" lang="en-US" altLang="ko-KR" b="1" i="1" smtClean="0">
+                        <a:latin typeface="Cambria Math" panose="02040503050406030204" pitchFamily="18" charset="0"/>
+                      </a:rPr>
+                      <m:t> , </m:t>
+                    </m:r>
+                    <m:r>
+                      <a:rPr kumimoji="1" lang="en-US" altLang="ko-KR" b="1" i="1" smtClean="0">
+                        <a:latin typeface="Cambria Math" panose="02040503050406030204" pitchFamily="18" charset="0"/>
+                      </a:rPr>
+                      <m:t>𝒙</m:t>
+                    </m:r>
+                    <m:r>
+                      <a:rPr kumimoji="1" lang="en-US" altLang="ko-KR" b="1" i="1" smtClean="0">
+                        <a:latin typeface="Cambria Math" panose="02040503050406030204" pitchFamily="18" charset="0"/>
+                      </a:rPr>
+                      <m:t>=</m:t>
+                    </m:r>
+                    <m:r>
+                      <a:rPr kumimoji="1" lang="en-US" altLang="ko-KR" b="1" i="1" smtClean="0">
+                        <a:latin typeface="Cambria Math" panose="02040503050406030204" pitchFamily="18" charset="0"/>
+                      </a:rPr>
+                      <m:t>𝟐</m:t>
+                    </m:r>
+                    <m:r>
+                      <a:rPr kumimoji="1" lang="en-US" altLang="ko-KR" b="1" i="1" smtClean="0">
+                        <a:latin typeface="Cambria Math" panose="02040503050406030204" pitchFamily="18" charset="0"/>
+                      </a:rPr>
+                      <m:t>.</m:t>
+                    </m:r>
+                    <m:r>
+                      <a:rPr kumimoji="1" lang="en-US" altLang="ko-KR" b="1" i="1" smtClean="0">
+                        <a:latin typeface="Cambria Math" panose="02040503050406030204" pitchFamily="18" charset="0"/>
+                      </a:rPr>
+                      <m:t>𝟒𝟖</m:t>
+                    </m:r>
+                    <m:r>
+                      <a:rPr kumimoji="1" lang="en-US" altLang="ko-KR" b="1" i="1" smtClean="0">
+                        <a:latin typeface="Cambria Math" panose="02040503050406030204" pitchFamily="18" charset="0"/>
+                      </a:rPr>
+                      <m:t>, </m:t>
+                    </m:r>
+                    <m:r>
+                      <a:rPr kumimoji="1" lang="en-US" altLang="ko-KR" b="1" i="1" smtClean="0">
+                        <a:latin typeface="Cambria Math" panose="02040503050406030204" pitchFamily="18" charset="0"/>
+                      </a:rPr>
+                      <m:t> </m:t>
+                    </m:r>
+                    <m:r>
+                      <a:rPr kumimoji="1" lang="en-US" altLang="ko-KR" b="1" i="1" smtClean="0">
+                        <a:latin typeface="Cambria Math" panose="02040503050406030204" pitchFamily="18" charset="0"/>
+                      </a:rPr>
+                      <m:t>𝒚</m:t>
+                    </m:r>
+                    <m:r>
+                      <a:rPr kumimoji="1" lang="en-US" altLang="ko-KR" b="1" i="1" smtClean="0">
+                        <a:latin typeface="Cambria Math" panose="02040503050406030204" pitchFamily="18" charset="0"/>
+                      </a:rPr>
+                      <m:t>=</m:t>
+                    </m:r>
+                    <m:r>
+                      <a:rPr kumimoji="1" lang="en-US" altLang="ko-KR" b="1" i="1" smtClean="0">
+                        <a:latin typeface="Cambria Math" panose="02040503050406030204" pitchFamily="18" charset="0"/>
+                      </a:rPr>
+                      <m:t>𝟎</m:t>
+                    </m:r>
+                    <m:r>
+                      <a:rPr kumimoji="1" lang="en-US" altLang="ko-KR" b="1" i="1" smtClean="0">
+                        <a:latin typeface="Cambria Math" panose="02040503050406030204" pitchFamily="18" charset="0"/>
+                      </a:rPr>
+                      <m:t>.</m:t>
+                    </m:r>
+                    <m:r>
+                      <a:rPr kumimoji="1" lang="en-US" altLang="ko-KR" b="1" i="1" smtClean="0">
+                        <a:latin typeface="Cambria Math" panose="02040503050406030204" pitchFamily="18" charset="0"/>
+                      </a:rPr>
+                      <m:t>𝟕𝟔</m:t>
+                    </m:r>
+                  </m:oMath>
+                </a14:m>
+                <a:endParaRPr kumimoji="1" lang="en-US" altLang="ko-KR" b="1" i="1" dirty="0">
+                  <a:latin typeface="Cambria Math" panose="02040503050406030204" pitchFamily="18" charset="0"/>
+                </a:endParaRPr>
+              </a:p>
+            </p:txBody>
+          </p:sp>
+        </mc:Choice>
+        <mc:Fallback>
+          <p:sp>
+            <p:nvSpPr>
+              <p:cNvPr id="3" name="내용 개체 틀 2">
+                <a:extLst>
+                  <a:ext uri="{FF2B5EF4-FFF2-40B4-BE49-F238E27FC236}">
+                    <a16:creationId xmlns:a16="http://schemas.microsoft.com/office/drawing/2014/main" id="{1725D5B2-2C6C-3B43-B4F2-CA91BE12BB41}"/>
+                  </a:ext>
+                </a:extLst>
+              </p:cNvPr>
+              <p:cNvSpPr>
+                <a:spLocks noGrp="1" noRot="1" noChangeAspect="1" noMove="1" noResize="1" noEditPoints="1" noAdjustHandles="1" noChangeArrowheads="1" noChangeShapeType="1" noTextEdit="1"/>
+              </p:cNvSpPr>
+              <p:nvPr>
+                <p:ph idx="1"/>
+              </p:nvPr>
+            </p:nvSpPr>
+            <p:spPr>
+              <a:xfrm>
+                <a:off x="838200" y="1721803"/>
+                <a:ext cx="10927080" cy="4351338"/>
+              </a:xfrm>
+              <a:blipFill>
+                <a:blip r:embed="rId3"/>
+                <a:stretch>
+                  <a:fillRect l="-1060"/>
+                </a:stretch>
+              </a:blipFill>
+            </p:spPr>
+            <p:txBody>
+              <a:bodyPr/>
+              <a:lstStyle/>
+              <a:p>
+                <a:r>
+                  <a:rPr lang="ko-KR" altLang="en-US">
+                    <a:noFill/>
+                  </a:rPr>
+                  <a:t> </a:t>
+                </a:r>
+              </a:p>
+            </p:txBody>
+          </p:sp>
+        </mc:Fallback>
+      </mc:AlternateContent>
+      <p:pic>
+        <p:nvPicPr>
+          <p:cNvPr id="4" name="그림 3">
+            <a:extLst>
+              <a:ext uri="{FF2B5EF4-FFF2-40B4-BE49-F238E27FC236}">
+                <a16:creationId xmlns:a16="http://schemas.microsoft.com/office/drawing/2014/main" id="{420B0FB9-585A-D59F-F33E-83D38A5F80E2}"/>
+              </a:ext>
+            </a:extLst>
+          </p:cNvPr>
+          <p:cNvPicPr>
+            <a:picLocks noChangeAspect="1"/>
+          </p:cNvPicPr>
+          <p:nvPr/>
+        </p:nvPicPr>
+        <p:blipFill>
+          <a:blip r:embed="rId4"/>
+          <a:stretch>
+            <a:fillRect/>
+          </a:stretch>
+        </p:blipFill>
+        <p:spPr>
+          <a:xfrm>
+            <a:off x="6581919" y="3327496"/>
+            <a:ext cx="4064745" cy="2407920"/>
+          </a:xfrm>
+          <a:prstGeom prst="rect">
+            <a:avLst/>
+          </a:prstGeom>
+        </p:spPr>
+      </p:pic>
+    </p:spTree>
+    <p:extLst>
+      <p:ext uri="{BB962C8B-B14F-4D97-AF65-F5344CB8AC3E}">
+        <p14:creationId xmlns:p14="http://schemas.microsoft.com/office/powerpoint/2010/main" val="857936671"/>
+      </p:ext>
+    </p:extLst>
+  </p:cSld>
+  <p:clrMapOvr>
+    <a:masterClrMapping/>
+  </p:clrMapOvr>
+</p:sld>
+</file>
+
+<file path=ppt/slides/slide25.xml><?xml version="1.0" encoding="utf-8"?>
+<p:sld xmlns:a="http://schemas.openxmlformats.org/drawingml/2006/main" xmlns:r="http://schemas.openxmlformats.org/officeDocument/2006/relationships" xmlns:p="http://schemas.openxmlformats.org/presentationml/2006/main">
+  <p:cSld>
+    <p:spTree>
+      <p:nvGrpSpPr>
+        <p:cNvPr id="1" name=""/>
+        <p:cNvGrpSpPr/>
+        <p:nvPr/>
+      </p:nvGrpSpPr>
+      <p:grpSpPr>
+        <a:xfrm>
+          <a:off x="0" y="0"/>
+          <a:ext cx="0" cy="0"/>
+          <a:chOff x="0" y="0"/>
+          <a:chExt cx="0" cy="0"/>
+        </a:xfrm>
+      </p:grpSpPr>
+      <p:sp>
+        <p:nvSpPr>
+          <p:cNvPr id="2" name="제목 1">
+            <a:extLst>
+              <a:ext uri="{FF2B5EF4-FFF2-40B4-BE49-F238E27FC236}">
+                <a16:creationId xmlns:a16="http://schemas.microsoft.com/office/drawing/2014/main" id="{AA92BCFB-E11B-F940-A787-2261CAC8E814}"/>
+              </a:ext>
+            </a:extLst>
+          </p:cNvPr>
+          <p:cNvSpPr>
+            <a:spLocks noGrp="1"/>
+          </p:cNvSpPr>
+          <p:nvPr>
+            <p:ph type="title"/>
+          </p:nvPr>
+        </p:nvSpPr>
+        <p:spPr/>
+        <p:txBody>
+          <a:bodyPr/>
+          <a:lstStyle/>
+          <a:p>
+            <a:r>
+              <a:rPr kumimoji="1" lang="en-US" altLang="en-US" dirty="0"/>
+              <a:t>Summary</a:t>
+            </a:r>
+            <a:endParaRPr kumimoji="1" lang="ko-Kore-KR" altLang="en-US" dirty="0"/>
+          </a:p>
+        </p:txBody>
+      </p:sp>
+      <p:sp>
+        <p:nvSpPr>
+          <p:cNvPr id="3" name="내용 개체 틀 2">
+            <a:extLst>
+              <a:ext uri="{FF2B5EF4-FFF2-40B4-BE49-F238E27FC236}">
+                <a16:creationId xmlns:a16="http://schemas.microsoft.com/office/drawing/2014/main" id="{1725D5B2-2C6C-3B43-B4F2-CA91BE12BB41}"/>
+              </a:ext>
+            </a:extLst>
+          </p:cNvPr>
+          <p:cNvSpPr>
+            <a:spLocks noGrp="1"/>
+          </p:cNvSpPr>
+          <p:nvPr>
+            <p:ph idx="1"/>
+          </p:nvPr>
+        </p:nvSpPr>
+        <p:spPr>
+          <a:xfrm>
+            <a:off x="838200" y="1721803"/>
+            <a:ext cx="10515600" cy="4351338"/>
+          </a:xfrm>
+        </p:spPr>
+        <p:txBody>
+          <a:bodyPr/>
+          <a:lstStyle/>
+          <a:p>
+            <a:r>
+              <a:rPr lang="en-US" altLang="ko-KR" dirty="0"/>
+              <a:t>ML algorithms require a high amount of numerical computation.</a:t>
+            </a:r>
+          </a:p>
+          <a:p>
+            <a:r>
+              <a:rPr kumimoji="1" lang="en-US" altLang="en-US" dirty="0"/>
+              <a:t>Understand that even computer can be difficult when a mathematical function involves real numbers, which cannot be represented precisely using a finite amount of memory. </a:t>
+            </a:r>
+            <a:r>
+              <a:rPr kumimoji="1" lang="en-US" altLang="en-US" dirty="0">
+                <a:sym typeface="Wingdings" panose="05000000000000000000" pitchFamily="2" charset="2"/>
+              </a:rPr>
+              <a:t> underflow, overflow .. </a:t>
+            </a:r>
+            <a:r>
+              <a:rPr kumimoji="1" lang="en-US" altLang="en-US" dirty="0" err="1">
+                <a:sym typeface="Wingdings" panose="05000000000000000000" pitchFamily="2" charset="2"/>
+              </a:rPr>
+              <a:t>etc</a:t>
+            </a:r>
+            <a:endParaRPr kumimoji="1" lang="en-US" altLang="en-US" dirty="0"/>
+          </a:p>
+          <a:p>
+            <a:r>
+              <a:rPr kumimoji="1" lang="en-US" altLang="en-US" dirty="0"/>
+              <a:t>ML algorithms use optimization (ﬁnding the value of argument that minimizes or maximizes a function) and solving system of linear equations. </a:t>
+            </a:r>
+            <a:r>
+              <a:rPr kumimoji="1" lang="en-US" altLang="en-US" dirty="0">
+                <a:sym typeface="Wingdings" panose="05000000000000000000" pitchFamily="2" charset="2"/>
+              </a:rPr>
+              <a:t></a:t>
+            </a:r>
+            <a:r>
+              <a:rPr kumimoji="1" lang="en-US" altLang="en-US" dirty="0"/>
+              <a:t> GD, KKT.. </a:t>
+            </a:r>
+            <a:r>
+              <a:rPr kumimoji="1" lang="en-US" altLang="en-US" dirty="0" err="1"/>
+              <a:t>etc</a:t>
+            </a:r>
+            <a:endParaRPr kumimoji="1" lang="en-US" altLang="en-US" dirty="0"/>
+          </a:p>
+          <a:p>
+            <a:endParaRPr kumimoji="1" lang="en-US" altLang="en-US" dirty="0"/>
+          </a:p>
+        </p:txBody>
+      </p:sp>
+    </p:spTree>
+    <p:extLst>
+      <p:ext uri="{BB962C8B-B14F-4D97-AF65-F5344CB8AC3E}">
+        <p14:creationId xmlns:p14="http://schemas.microsoft.com/office/powerpoint/2010/main" val="3968348391"/>
+      </p:ext>
+    </p:extLst>
+  </p:cSld>
+  <p:clrMapOvr>
+    <a:masterClrMapping/>
+  </p:clrMapOvr>
+</p:sld>
+</file>
+
+<file path=ppt/slides/slide26.xml><?xml version="1.0" encoding="utf-8"?>
+<p:sld xmlns:a="http://schemas.openxmlformats.org/drawingml/2006/main" xmlns:r="http://schemas.openxmlformats.org/officeDocument/2006/relationships" xmlns:p="http://schemas.openxmlformats.org/presentationml/2006/main">
+  <p:cSld>
+    <p:spTree>
+      <p:nvGrpSpPr>
+        <p:cNvPr id="1" name=""/>
+        <p:cNvGrpSpPr/>
+        <p:nvPr/>
+      </p:nvGrpSpPr>
+      <p:grpSpPr>
+        <a:xfrm>
+          <a:off x="0" y="0"/>
+          <a:ext cx="0" cy="0"/>
+          <a:chOff x="0" y="0"/>
+          <a:chExt cx="0" cy="0"/>
+        </a:xfrm>
+      </p:grpSpPr>
+      <p:sp>
+        <p:nvSpPr>
+          <p:cNvPr id="2" name="제목 1">
+            <a:extLst>
+              <a:ext uri="{FF2B5EF4-FFF2-40B4-BE49-F238E27FC236}">
+                <a16:creationId xmlns:a16="http://schemas.microsoft.com/office/drawing/2014/main" id="{AA92BCFB-E11B-F940-A787-2261CAC8E814}"/>
+              </a:ext>
+            </a:extLst>
+          </p:cNvPr>
+          <p:cNvSpPr>
+            <a:spLocks noGrp="1"/>
+          </p:cNvSpPr>
+          <p:nvPr>
+            <p:ph type="title"/>
+          </p:nvPr>
+        </p:nvSpPr>
+        <p:spPr/>
+        <p:txBody>
+          <a:bodyPr/>
+          <a:lstStyle/>
+          <a:p>
+            <a:r>
+              <a:rPr kumimoji="1" lang="en-US" altLang="en-US" dirty="0"/>
+              <a:t>4.4 Constrained Optimization</a:t>
+            </a:r>
+            <a:endParaRPr kumimoji="1" lang="ko-Kore-KR" altLang="en-US" dirty="0"/>
+          </a:p>
+        </p:txBody>
+      </p:sp>
+      <mc:AlternateContent xmlns:mc="http://schemas.openxmlformats.org/markup-compatibility/2006">
+        <mc:Choice xmlns:a14="http://schemas.microsoft.com/office/drawing/2010/main" Requires="a14">
+          <p:sp>
+            <p:nvSpPr>
+              <p:cNvPr id="3" name="내용 개체 틀 2">
+                <a:extLst>
+                  <a:ext uri="{FF2B5EF4-FFF2-40B4-BE49-F238E27FC236}">
+                    <a16:creationId xmlns:a16="http://schemas.microsoft.com/office/drawing/2014/main" id="{1725D5B2-2C6C-3B43-B4F2-CA91BE12BB41}"/>
+                  </a:ext>
+                </a:extLst>
+              </p:cNvPr>
+              <p:cNvSpPr>
+                <a:spLocks noGrp="1"/>
+              </p:cNvSpPr>
+              <p:nvPr>
+                <p:ph idx="1"/>
+              </p:nvPr>
+            </p:nvSpPr>
+            <p:spPr>
+              <a:xfrm>
+                <a:off x="838200" y="1721803"/>
+                <a:ext cx="10927080" cy="4351338"/>
+              </a:xfrm>
+            </p:spPr>
+            <p:txBody>
+              <a:bodyPr/>
+              <a:lstStyle/>
+              <a:p>
+                <a:r>
+                  <a:rPr kumimoji="1" lang="en-US" altLang="ko-KR" b="1" dirty="0"/>
+                  <a:t>Kaurush-Kuhn-Tucker (KKT) approach</a:t>
+                </a:r>
                 <a:endParaRPr kumimoji="1" lang="en-US" altLang="ko-KR" sz="2000" b="1" dirty="0"/>
               </a:p>
               <a:p>
@@ -7783,6 +14764,361 @@
               </a:p>
               <a:p>
                 <a:pPr lvl="1"/>
+                <a:r>
+                  <a:rPr kumimoji="1" lang="en-US" altLang="ko-KR" sz="2000" dirty="0"/>
+                  <a:t>This follows because any time the constrains are satisfied,</a:t>
+                </a:r>
+              </a:p>
+              <a:p>
+                <a:pPr marL="253800" lvl="1" indent="0">
+                  <a:buNone/>
+                </a:pPr>
+                <a14:m>
+                  <m:oMathPara xmlns:m="http://schemas.openxmlformats.org/officeDocument/2006/math">
+                    <m:oMathParaPr>
+                      <m:jc m:val="centerGroup"/>
+                    </m:oMathParaPr>
+                    <m:oMath xmlns:m="http://schemas.openxmlformats.org/officeDocument/2006/math">
+                      <m:sSub>
+                        <m:sSubPr>
+                          <m:ctrlPr>
+                            <a:rPr kumimoji="1" lang="en-US" altLang="ko-KR" sz="2000" b="1" i="1" smtClean="0">
+                              <a:latin typeface="Cambria Math" panose="02040503050406030204" pitchFamily="18" charset="0"/>
+                            </a:rPr>
+                          </m:ctrlPr>
+                        </m:sSubPr>
+                        <m:e>
+                          <m:r>
+                            <a:rPr kumimoji="1" lang="en-US" altLang="ko-KR" sz="2000" b="1" i="1">
+                              <a:latin typeface="Cambria Math" panose="02040503050406030204" pitchFamily="18" charset="0"/>
+                            </a:rPr>
+                            <m:t>𝒎</m:t>
+                          </m:r>
+                          <m:r>
+                            <a:rPr kumimoji="1" lang="en-US" altLang="ko-KR" sz="2000" b="1" i="1" smtClean="0">
+                              <a:latin typeface="Cambria Math" panose="02040503050406030204" pitchFamily="18" charset="0"/>
+                            </a:rPr>
+                            <m:t>𝒂𝒙</m:t>
+                          </m:r>
+                        </m:e>
+                        <m:sub>
+                          <m:r>
+                            <a:rPr kumimoji="1" lang="ko-KR" altLang="en-US" sz="2000" b="1" i="1" smtClean="0">
+                              <a:latin typeface="Cambria Math" panose="02040503050406030204" pitchFamily="18" charset="0"/>
+                            </a:rPr>
+                            <m:t>𝝀</m:t>
+                          </m:r>
+                        </m:sub>
+                      </m:sSub>
+                      <m:sSub>
+                        <m:sSubPr>
+                          <m:ctrlPr>
+                            <a:rPr kumimoji="1" lang="en-US" altLang="ko-KR" sz="2000" b="1" i="1">
+                              <a:latin typeface="Cambria Math" panose="02040503050406030204" pitchFamily="18" charset="0"/>
+                            </a:rPr>
+                          </m:ctrlPr>
+                        </m:sSubPr>
+                        <m:e>
+                          <m:r>
+                            <a:rPr kumimoji="1" lang="en-US" altLang="ko-KR" sz="2000" b="1" i="1">
+                              <a:latin typeface="Cambria Math" panose="02040503050406030204" pitchFamily="18" charset="0"/>
+                            </a:rPr>
+                            <m:t>𝒎</m:t>
+                          </m:r>
+                          <m:r>
+                            <a:rPr kumimoji="1" lang="en-US" altLang="ko-KR" sz="2000" b="1" i="1" smtClean="0">
+                              <a:latin typeface="Cambria Math" panose="02040503050406030204" pitchFamily="18" charset="0"/>
+                            </a:rPr>
+                            <m:t>𝒂𝒙</m:t>
+                          </m:r>
+                        </m:e>
+                        <m:sub>
+                          <m:r>
+                            <a:rPr kumimoji="1" lang="ko-KR" altLang="en-US" sz="2000" b="1" i="1" smtClean="0">
+                              <a:latin typeface="Cambria Math" panose="02040503050406030204" pitchFamily="18" charset="0"/>
+                            </a:rPr>
+                            <m:t>𝜶</m:t>
+                          </m:r>
+                          <m:r>
+                            <a:rPr kumimoji="1" lang="en-US" altLang="ko-KR" sz="2000" b="1" i="1" smtClean="0">
+                              <a:latin typeface="Cambria Math" panose="02040503050406030204" pitchFamily="18" charset="0"/>
+                            </a:rPr>
+                            <m:t>,</m:t>
+                          </m:r>
+                          <m:r>
+                            <a:rPr kumimoji="1" lang="ko-KR" altLang="en-US" sz="2000" b="1" i="1" smtClean="0">
+                              <a:latin typeface="Cambria Math" panose="02040503050406030204" pitchFamily="18" charset="0"/>
+                            </a:rPr>
+                            <m:t>𝜶</m:t>
+                          </m:r>
+                          <m:r>
+                            <a:rPr kumimoji="1" lang="en-US" altLang="ko-KR" sz="2000" b="1" i="1" smtClean="0">
+                              <a:latin typeface="Cambria Math" panose="02040503050406030204" pitchFamily="18" charset="0"/>
+                            </a:rPr>
+                            <m:t>≥</m:t>
+                          </m:r>
+                          <m:r>
+                            <a:rPr kumimoji="1" lang="en-US" altLang="ko-KR" sz="2000" b="1" i="1" smtClean="0">
+                              <a:latin typeface="Cambria Math" panose="02040503050406030204" pitchFamily="18" charset="0"/>
+                            </a:rPr>
+                            <m:t>𝟎</m:t>
+                          </m:r>
+                        </m:sub>
+                      </m:sSub>
+                      <m:r>
+                        <a:rPr kumimoji="1" lang="en-US" altLang="ko-KR" sz="2000" b="1" i="1">
+                          <a:latin typeface="Cambria Math" panose="02040503050406030204" pitchFamily="18" charset="0"/>
+                        </a:rPr>
+                        <m:t>𝑳</m:t>
+                      </m:r>
+                      <m:d>
+                        <m:dPr>
+                          <m:ctrlPr>
+                            <a:rPr kumimoji="1" lang="en-US" altLang="ko-KR" sz="2000" b="1" i="1">
+                              <a:latin typeface="Cambria Math" panose="02040503050406030204" pitchFamily="18" charset="0"/>
+                            </a:rPr>
+                          </m:ctrlPr>
+                        </m:dPr>
+                        <m:e>
+                          <m:r>
+                            <a:rPr kumimoji="1" lang="en-US" altLang="ko-KR" sz="2000" b="1" i="1">
+                              <a:latin typeface="Cambria Math" panose="02040503050406030204" pitchFamily="18" charset="0"/>
+                            </a:rPr>
+                            <m:t>𝒙</m:t>
+                          </m:r>
+                          <m:r>
+                            <a:rPr kumimoji="1" lang="en-US" altLang="ko-KR" sz="2000" b="1" i="1">
+                              <a:latin typeface="Cambria Math" panose="02040503050406030204" pitchFamily="18" charset="0"/>
+                            </a:rPr>
+                            <m:t>, </m:t>
+                          </m:r>
+                          <m:r>
+                            <a:rPr kumimoji="1" lang="ko-KR" altLang="en-US" sz="2000" b="1" i="1">
+                              <a:latin typeface="Cambria Math" panose="02040503050406030204" pitchFamily="18" charset="0"/>
+                            </a:rPr>
+                            <m:t>𝝀</m:t>
+                          </m:r>
+                          <m:r>
+                            <a:rPr kumimoji="1" lang="en-US" altLang="ko-KR" sz="2000" b="1" i="1">
+                              <a:latin typeface="Cambria Math" panose="02040503050406030204" pitchFamily="18" charset="0"/>
+                            </a:rPr>
+                            <m:t>, </m:t>
+                          </m:r>
+                          <m:r>
+                            <a:rPr kumimoji="1" lang="ko-KR" altLang="en-US" sz="2000" b="1" i="1">
+                              <a:latin typeface="Cambria Math" panose="02040503050406030204" pitchFamily="18" charset="0"/>
+                            </a:rPr>
+                            <m:t>𝜶</m:t>
+                          </m:r>
+                        </m:e>
+                      </m:d>
+                      <m:r>
+                        <a:rPr kumimoji="1" lang="en-US" altLang="ko-KR" sz="2000" b="1" i="1" smtClean="0">
+                          <a:latin typeface="Cambria Math" panose="02040503050406030204" pitchFamily="18" charset="0"/>
+                        </a:rPr>
+                        <m:t>=</m:t>
+                      </m:r>
+                      <m:r>
+                        <a:rPr kumimoji="1" lang="en-US" altLang="ko-KR" sz="2000" b="1" i="1" smtClean="0">
+                          <a:latin typeface="Cambria Math" panose="02040503050406030204" pitchFamily="18" charset="0"/>
+                        </a:rPr>
+                        <m:t>𝒇</m:t>
+                      </m:r>
+                      <m:r>
+                        <a:rPr kumimoji="1" lang="en-US" altLang="ko-KR" sz="2000" b="1" i="1" smtClean="0">
+                          <a:latin typeface="Cambria Math" panose="02040503050406030204" pitchFamily="18" charset="0"/>
+                        </a:rPr>
+                        <m:t>(</m:t>
+                      </m:r>
+                      <m:r>
+                        <a:rPr kumimoji="1" lang="en-US" altLang="ko-KR" sz="2000" b="1" i="1" smtClean="0">
+                          <a:latin typeface="Cambria Math" panose="02040503050406030204" pitchFamily="18" charset="0"/>
+                        </a:rPr>
+                        <m:t>𝒙</m:t>
+                      </m:r>
+                      <m:r>
+                        <a:rPr kumimoji="1" lang="en-US" altLang="ko-KR" sz="2000" b="1" i="1" smtClean="0">
+                          <a:latin typeface="Cambria Math" panose="02040503050406030204" pitchFamily="18" charset="0"/>
+                        </a:rPr>
+                        <m:t>)</m:t>
+                      </m:r>
+                    </m:oMath>
+                  </m:oMathPara>
+                </a14:m>
+                <a:endParaRPr kumimoji="1" lang="en-US" altLang="ko-KR" sz="2000" dirty="0"/>
+              </a:p>
+              <a:p>
+                <a:pPr lvl="1"/>
+                <a:r>
+                  <a:rPr kumimoji="1" lang="en-US" altLang="ko-KR" sz="2000" dirty="0"/>
+                  <a:t>While any time a constraint is violated,</a:t>
+                </a:r>
+              </a:p>
+              <a:p>
+                <a:pPr marL="253800" lvl="1" indent="0">
+                  <a:buNone/>
+                </a:pPr>
+                <a14:m>
+                  <m:oMathPara xmlns:m="http://schemas.openxmlformats.org/officeDocument/2006/math">
+                    <m:oMathParaPr>
+                      <m:jc m:val="centerGroup"/>
+                    </m:oMathParaPr>
+                    <m:oMath xmlns:m="http://schemas.openxmlformats.org/officeDocument/2006/math">
+                      <m:sSub>
+                        <m:sSubPr>
+                          <m:ctrlPr>
+                            <a:rPr kumimoji="1" lang="en-US" altLang="ko-KR" sz="2000" b="1" i="1" smtClean="0">
+                              <a:latin typeface="Cambria Math" panose="02040503050406030204" pitchFamily="18" charset="0"/>
+                            </a:rPr>
+                          </m:ctrlPr>
+                        </m:sSubPr>
+                        <m:e>
+                          <m:r>
+                            <a:rPr kumimoji="1" lang="en-US" altLang="ko-KR" sz="2000" b="1" i="1">
+                              <a:latin typeface="Cambria Math" panose="02040503050406030204" pitchFamily="18" charset="0"/>
+                            </a:rPr>
+                            <m:t>𝒎</m:t>
+                          </m:r>
+                          <m:r>
+                            <a:rPr kumimoji="1" lang="en-US" altLang="ko-KR" sz="2000" b="1" i="1" smtClean="0">
+                              <a:latin typeface="Cambria Math" panose="02040503050406030204" pitchFamily="18" charset="0"/>
+                            </a:rPr>
+                            <m:t>𝒂𝒙</m:t>
+                          </m:r>
+                        </m:e>
+                        <m:sub>
+                          <m:r>
+                            <a:rPr kumimoji="1" lang="ko-KR" altLang="en-US" sz="2000" b="1" i="1" smtClean="0">
+                              <a:latin typeface="Cambria Math" panose="02040503050406030204" pitchFamily="18" charset="0"/>
+                            </a:rPr>
+                            <m:t>𝝀</m:t>
+                          </m:r>
+                        </m:sub>
+                      </m:sSub>
+                      <m:sSub>
+                        <m:sSubPr>
+                          <m:ctrlPr>
+                            <a:rPr kumimoji="1" lang="en-US" altLang="ko-KR" sz="2000" b="1" i="1">
+                              <a:latin typeface="Cambria Math" panose="02040503050406030204" pitchFamily="18" charset="0"/>
+                            </a:rPr>
+                          </m:ctrlPr>
+                        </m:sSubPr>
+                        <m:e>
+                          <m:r>
+                            <a:rPr kumimoji="1" lang="en-US" altLang="ko-KR" sz="2000" b="1" i="1">
+                              <a:latin typeface="Cambria Math" panose="02040503050406030204" pitchFamily="18" charset="0"/>
+                            </a:rPr>
+                            <m:t>𝒎</m:t>
+                          </m:r>
+                          <m:r>
+                            <a:rPr kumimoji="1" lang="en-US" altLang="ko-KR" sz="2000" b="1" i="1" smtClean="0">
+                              <a:latin typeface="Cambria Math" panose="02040503050406030204" pitchFamily="18" charset="0"/>
+                            </a:rPr>
+                            <m:t>𝒂𝒙</m:t>
+                          </m:r>
+                        </m:e>
+                        <m:sub>
+                          <m:r>
+                            <a:rPr kumimoji="1" lang="ko-KR" altLang="en-US" sz="2000" b="1" i="1" smtClean="0">
+                              <a:latin typeface="Cambria Math" panose="02040503050406030204" pitchFamily="18" charset="0"/>
+                            </a:rPr>
+                            <m:t>𝜶</m:t>
+                          </m:r>
+                          <m:r>
+                            <a:rPr kumimoji="1" lang="en-US" altLang="ko-KR" sz="2000" b="1" i="1" smtClean="0">
+                              <a:latin typeface="Cambria Math" panose="02040503050406030204" pitchFamily="18" charset="0"/>
+                            </a:rPr>
+                            <m:t>,</m:t>
+                          </m:r>
+                          <m:r>
+                            <a:rPr kumimoji="1" lang="ko-KR" altLang="en-US" sz="2000" b="1" i="1" smtClean="0">
+                              <a:latin typeface="Cambria Math" panose="02040503050406030204" pitchFamily="18" charset="0"/>
+                            </a:rPr>
+                            <m:t>𝜶</m:t>
+                          </m:r>
+                          <m:r>
+                            <a:rPr kumimoji="1" lang="en-US" altLang="ko-KR" sz="2000" b="1" i="1" smtClean="0">
+                              <a:latin typeface="Cambria Math" panose="02040503050406030204" pitchFamily="18" charset="0"/>
+                            </a:rPr>
+                            <m:t>≥</m:t>
+                          </m:r>
+                          <m:r>
+                            <a:rPr kumimoji="1" lang="en-US" altLang="ko-KR" sz="2000" b="1" i="1" smtClean="0">
+                              <a:latin typeface="Cambria Math" panose="02040503050406030204" pitchFamily="18" charset="0"/>
+                            </a:rPr>
+                            <m:t>𝟎</m:t>
+                          </m:r>
+                        </m:sub>
+                      </m:sSub>
+                      <m:r>
+                        <a:rPr kumimoji="1" lang="en-US" altLang="ko-KR" sz="2000" b="1" i="1">
+                          <a:latin typeface="Cambria Math" panose="02040503050406030204" pitchFamily="18" charset="0"/>
+                        </a:rPr>
+                        <m:t>𝑳</m:t>
+                      </m:r>
+                      <m:d>
+                        <m:dPr>
+                          <m:ctrlPr>
+                            <a:rPr kumimoji="1" lang="en-US" altLang="ko-KR" sz="2000" b="1" i="1">
+                              <a:latin typeface="Cambria Math" panose="02040503050406030204" pitchFamily="18" charset="0"/>
+                            </a:rPr>
+                          </m:ctrlPr>
+                        </m:dPr>
+                        <m:e>
+                          <m:r>
+                            <a:rPr kumimoji="1" lang="en-US" altLang="ko-KR" sz="2000" b="1" i="1">
+                              <a:latin typeface="Cambria Math" panose="02040503050406030204" pitchFamily="18" charset="0"/>
+                            </a:rPr>
+                            <m:t>𝒙</m:t>
+                          </m:r>
+                          <m:r>
+                            <a:rPr kumimoji="1" lang="en-US" altLang="ko-KR" sz="2000" b="1" i="1">
+                              <a:latin typeface="Cambria Math" panose="02040503050406030204" pitchFamily="18" charset="0"/>
+                            </a:rPr>
+                            <m:t>, </m:t>
+                          </m:r>
+                          <m:r>
+                            <a:rPr kumimoji="1" lang="ko-KR" altLang="en-US" sz="2000" b="1" i="1">
+                              <a:latin typeface="Cambria Math" panose="02040503050406030204" pitchFamily="18" charset="0"/>
+                            </a:rPr>
+                            <m:t>𝝀</m:t>
+                          </m:r>
+                          <m:r>
+                            <a:rPr kumimoji="1" lang="en-US" altLang="ko-KR" sz="2000" b="1" i="1">
+                              <a:latin typeface="Cambria Math" panose="02040503050406030204" pitchFamily="18" charset="0"/>
+                            </a:rPr>
+                            <m:t>, </m:t>
+                          </m:r>
+                          <m:r>
+                            <a:rPr kumimoji="1" lang="ko-KR" altLang="en-US" sz="2000" b="1" i="1">
+                              <a:latin typeface="Cambria Math" panose="02040503050406030204" pitchFamily="18" charset="0"/>
+                            </a:rPr>
+                            <m:t>𝜶</m:t>
+                          </m:r>
+                        </m:e>
+                      </m:d>
+                      <m:r>
+                        <a:rPr kumimoji="1" lang="en-US" altLang="ko-KR" sz="2000" b="1" i="1" smtClean="0">
+                          <a:latin typeface="Cambria Math" panose="02040503050406030204" pitchFamily="18" charset="0"/>
+                        </a:rPr>
+                        <m:t>=</m:t>
+                      </m:r>
+                      <m:r>
+                        <m:rPr>
+                          <m:nor/>
+                        </m:rPr>
+                        <a:rPr lang="ko-KR" altLang="en-US"/>
+                        <m:t>∞</m:t>
+                      </m:r>
+                    </m:oMath>
+                  </m:oMathPara>
+                </a14:m>
+                <a:endParaRPr kumimoji="1" lang="en-US" altLang="ko-KR" sz="2000" dirty="0"/>
+              </a:p>
+              <a:p>
+                <a:pPr marL="253800" lvl="1" indent="0">
+                  <a:buNone/>
+                </a:pPr>
                 <a:endParaRPr kumimoji="1" lang="en-US" altLang="ko-KR" sz="2000" dirty="0"/>
               </a:p>
               <a:p>
@@ -7848,128 +15184,6 @@
     <p:extLst>
       <p:ext uri="{BB962C8B-B14F-4D97-AF65-F5344CB8AC3E}">
         <p14:creationId xmlns:p14="http://schemas.microsoft.com/office/powerpoint/2010/main" val="878073332"/>
-      </p:ext>
-    </p:extLst>
-  </p:cSld>
-  <p:clrMapOvr>
-    <a:masterClrMapping/>
-  </p:clrMapOvr>
-</p:sld>
-</file>
-
-<file path=ppt/slides/slide2.xml><?xml version="1.0" encoding="utf-8"?>
-<p:sld xmlns:a="http://schemas.openxmlformats.org/drawingml/2006/main" xmlns:r="http://schemas.openxmlformats.org/officeDocument/2006/relationships" xmlns:p="http://schemas.openxmlformats.org/presentationml/2006/main">
-  <p:cSld>
-    <p:spTree>
-      <p:nvGrpSpPr>
-        <p:cNvPr id="1" name=""/>
-        <p:cNvGrpSpPr/>
-        <p:nvPr/>
-      </p:nvGrpSpPr>
-      <p:grpSpPr>
-        <a:xfrm>
-          <a:off x="0" y="0"/>
-          <a:ext cx="0" cy="0"/>
-          <a:chOff x="0" y="0"/>
-          <a:chExt cx="0" cy="0"/>
-        </a:xfrm>
-      </p:grpSpPr>
-      <p:sp>
-        <p:nvSpPr>
-          <p:cNvPr id="2" name="제목 1">
-            <a:extLst>
-              <a:ext uri="{FF2B5EF4-FFF2-40B4-BE49-F238E27FC236}">
-                <a16:creationId xmlns:a16="http://schemas.microsoft.com/office/drawing/2014/main" id="{AA92BCFB-E11B-F940-A787-2261CAC8E814}"/>
-              </a:ext>
-            </a:extLst>
-          </p:cNvPr>
-          <p:cNvSpPr>
-            <a:spLocks noGrp="1"/>
-          </p:cNvSpPr>
-          <p:nvPr>
-            <p:ph type="title"/>
-          </p:nvPr>
-        </p:nvSpPr>
-        <p:spPr/>
-        <p:txBody>
-          <a:bodyPr/>
-          <a:lstStyle/>
-          <a:p>
-            <a:r>
-              <a:rPr kumimoji="1" lang="en-US" altLang="en-US" dirty="0"/>
-              <a:t>Contents</a:t>
-            </a:r>
-            <a:endParaRPr kumimoji="1" lang="ko-Kore-KR" altLang="en-US" dirty="0"/>
-          </a:p>
-        </p:txBody>
-      </p:sp>
-      <p:sp>
-        <p:nvSpPr>
-          <p:cNvPr id="3" name="내용 개체 틀 2">
-            <a:extLst>
-              <a:ext uri="{FF2B5EF4-FFF2-40B4-BE49-F238E27FC236}">
-                <a16:creationId xmlns:a16="http://schemas.microsoft.com/office/drawing/2014/main" id="{1725D5B2-2C6C-3B43-B4F2-CA91BE12BB41}"/>
-              </a:ext>
-            </a:extLst>
-          </p:cNvPr>
-          <p:cNvSpPr>
-            <a:spLocks noGrp="1"/>
-          </p:cNvSpPr>
-          <p:nvPr>
-            <p:ph idx="1"/>
-          </p:nvPr>
-        </p:nvSpPr>
-        <p:spPr>
-          <a:xfrm>
-            <a:off x="838200" y="1721803"/>
-            <a:ext cx="10515600" cy="4351338"/>
-          </a:xfrm>
-        </p:spPr>
-        <p:txBody>
-          <a:bodyPr/>
-          <a:lstStyle/>
-          <a:p>
-            <a:r>
-              <a:rPr kumimoji="1" lang="en-US" altLang="en-US" dirty="0"/>
-              <a:t>Summary</a:t>
-            </a:r>
-          </a:p>
-          <a:p>
-            <a:r>
-              <a:rPr kumimoji="1" lang="en-US" altLang="en-US" dirty="0"/>
-              <a:t>4.1 Overflow and Underflow</a:t>
-            </a:r>
-          </a:p>
-          <a:p>
-            <a:r>
-              <a:rPr kumimoji="1" lang="en-US" altLang="en-US" dirty="0"/>
-              <a:t>4.2 Poor Conditioning</a:t>
-            </a:r>
-          </a:p>
-          <a:p>
-            <a:r>
-              <a:rPr kumimoji="1" lang="en-US" altLang="en-US" dirty="0"/>
-              <a:t>4.3 Gradient-Based Optimization</a:t>
-            </a:r>
-          </a:p>
-          <a:p>
-            <a:r>
-              <a:rPr kumimoji="1" lang="en-US" altLang="en-US" dirty="0"/>
-              <a:t>4.4 Constrained Optimization</a:t>
-            </a:r>
-          </a:p>
-          <a:p>
-            <a:r>
-              <a:rPr kumimoji="1" lang="en-US" altLang="en-US" dirty="0"/>
-              <a:t>Summary</a:t>
-            </a:r>
-          </a:p>
-        </p:txBody>
-      </p:sp>
-    </p:spTree>
-    <p:extLst>
-      <p:ext uri="{BB962C8B-B14F-4D97-AF65-F5344CB8AC3E}">
-        <p14:creationId xmlns:p14="http://schemas.microsoft.com/office/powerpoint/2010/main" val="4188628463"/>
       </p:ext>
     </p:extLst>
   </p:cSld>
